--- a/Doc/HowTo-WTXModbus.pptx
+++ b/Doc/HowTo-WTXModbus.pptx
@@ -251,7 +251,7 @@
           <a:p>
             <a:fld id="{6753907E-F3CE-4E8A-8F4A-8FE8BFAF45B9}" type="datetimeFigureOut">
               <a:rPr lang="de-DE" smtClean="0"/>
-              <a:t>16.05.2018</a:t>
+              <a:t>18.05.2018</a:t>
             </a:fld>
             <a:endParaRPr lang="de-DE"/>
           </a:p>
@@ -446,7 +446,7 @@
               <a:pPr>
                 <a:defRPr/>
               </a:pPr>
-              <a:t>16/05/2018</a:t>
+              <a:t>18/05/2018</a:t>
             </a:fld>
             <a:endParaRPr lang="en-GB"/>
           </a:p>
@@ -14065,6 +14065,30 @@
           </a:p>
           <a:p>
             <a:r>
+              <a:rPr lang="de-DE" sz="1500" dirty="0" smtClean="0"/>
+              <a:t>In </a:t>
+            </a:r>
+            <a:r>
+              <a:rPr lang="de-DE" sz="1500" dirty="0" err="1" smtClean="0"/>
+              <a:t>the</a:t>
+            </a:r>
+            <a:r>
+              <a:rPr lang="de-DE" sz="1500" dirty="0" smtClean="0"/>
+              <a:t> </a:t>
+            </a:r>
+            <a:r>
+              <a:rPr lang="de-DE" sz="1500" dirty="0" err="1" smtClean="0"/>
+              <a:t>console</a:t>
+            </a:r>
+            <a:r>
+              <a:rPr lang="de-DE" sz="1500" dirty="0" smtClean="0"/>
+              <a:t> </a:t>
+            </a:r>
+            <a:r>
+              <a:rPr lang="de-DE" sz="1500" dirty="0" err="1" smtClean="0"/>
+              <a:t>application:</a:t>
+            </a:r>
+            <a:r>
               <a:rPr lang="de-DE" sz="1500" dirty="0" err="1" smtClean="0"/>
               <a:t>Therefore</a:t>
             </a:r>
@@ -14101,141 +14125,104 @@
               <a:t>as</a:t>
             </a:r>
             <a:r>
+              <a:rPr lang="de-DE" sz="1500" dirty="0">
+                <a:latin typeface="Consolas" panose="020B0609020204030204" pitchFamily="49" charset="0"/>
+                <a:cs typeface="Consolas" panose="020B0609020204030204" pitchFamily="49" charset="0"/>
+              </a:rPr>
+              <a:t> </a:t>
+            </a:r>
+            <a:r>
               <a:rPr lang="de-DE" sz="1500" dirty="0" smtClean="0">
-                <a:latin typeface="Consolas" panose="020B0609020204030204" pitchFamily="49" charset="0"/>
-                <a:cs typeface="Consolas" panose="020B0609020204030204" pitchFamily="49" charset="0"/>
-              </a:rPr>
-              <a:t> </a:t>
+                <a:cs typeface="Consolas" panose="020B0609020204030204" pitchFamily="49" charset="0"/>
+              </a:rPr>
+              <a:t>1)</a:t>
+            </a:r>
+            <a:r>
+              <a:rPr lang="de-DE" sz="1500" dirty="0">
+                <a:latin typeface="Consolas" panose="020B0609020204030204" pitchFamily="49" charset="0"/>
+                <a:cs typeface="Consolas" panose="020B0609020204030204" pitchFamily="49" charset="0"/>
+              </a:rPr>
+              <a:t> </a:t>
+            </a:r>
+            <a:r>
+              <a:rPr lang="de-DE" sz="1500" dirty="0" err="1" smtClean="0">
+                <a:latin typeface="Consolas" panose="020B0609020204030204" pitchFamily="49" charset="0"/>
+                <a:cs typeface="Consolas" panose="020B0609020204030204" pitchFamily="49" charset="0"/>
+              </a:rPr>
+              <a:t>calibration_weight_input</a:t>
             </a:r>
             <a:r>
               <a:rPr lang="de-DE" sz="1500" dirty="0" smtClean="0">
-                <a:cs typeface="Consolas" panose="020B0609020204030204" pitchFamily="49" charset="0"/>
-              </a:rPr>
-              <a:t>1)</a:t>
+                <a:latin typeface="Consolas" panose="020B0609020204030204" pitchFamily="49" charset="0"/>
+                <a:cs typeface="Consolas" panose="020B0609020204030204" pitchFamily="49" charset="0"/>
+              </a:rPr>
+              <a:t>()</a:t>
             </a:r>
             <a:r>
               <a:rPr lang="de-DE" sz="1500" dirty="0" smtClean="0">
-                <a:latin typeface="Consolas" panose="020B0609020204030204" pitchFamily="49" charset="0"/>
-                <a:cs typeface="Consolas" panose="020B0609020204030204" pitchFamily="49" charset="0"/>
-              </a:rPr>
-              <a:t> </a:t>
+                <a:cs typeface="Consolas" panose="020B0609020204030204" pitchFamily="49" charset="0"/>
+              </a:rPr>
+              <a:t>, </a:t>
+            </a:r>
+            <a:r>
+              <a:rPr lang="de-DE" sz="1500" dirty="0" smtClean="0">
+                <a:cs typeface="Consolas" panose="020B0609020204030204" pitchFamily="49" charset="0"/>
+              </a:rPr>
+              <a:t>2)</a:t>
             </a:r>
             <a:r>
               <a:rPr lang="de-DE" sz="1500" dirty="0" err="1" smtClean="0">
                 <a:latin typeface="Consolas" panose="020B0609020204030204" pitchFamily="49" charset="0"/>
                 <a:cs typeface="Consolas" panose="020B0609020204030204" pitchFamily="49" charset="0"/>
               </a:rPr>
-              <a:t>calibration_weight_input</a:t>
+              <a:t>MeasureZero</a:t>
             </a:r>
             <a:r>
               <a:rPr lang="de-DE" sz="1500" dirty="0" smtClean="0">
                 <a:latin typeface="Consolas" panose="020B0609020204030204" pitchFamily="49" charset="0"/>
                 <a:cs typeface="Consolas" panose="020B0609020204030204" pitchFamily="49" charset="0"/>
               </a:rPr>
-              <a:t>()</a:t>
+              <a:t>() </a:t>
+            </a:r>
+            <a:r>
+              <a:rPr lang="de-DE" sz="1500" dirty="0" err="1" smtClean="0">
+                <a:cs typeface="Consolas" panose="020B0609020204030204" pitchFamily="49" charset="0"/>
+              </a:rPr>
+              <a:t>and</a:t>
             </a:r>
             <a:r>
               <a:rPr lang="de-DE" sz="1500" dirty="0" smtClean="0">
                 <a:cs typeface="Consolas" panose="020B0609020204030204" pitchFamily="49" charset="0"/>
               </a:rPr>
-              <a:t>, </a:t>
-            </a:r>
-          </a:p>
-          <a:p>
-            <a:pPr marL="0" indent="0">
-              <a:buNone/>
-            </a:pPr>
+              <a:t>  3) </a:t>
+            </a:r>
+            <a:r>
+              <a:rPr lang="de-DE" sz="1500" dirty="0" err="1" smtClean="0">
+                <a:latin typeface="Consolas" panose="020B0609020204030204" pitchFamily="49" charset="0"/>
+                <a:cs typeface="Consolas" panose="020B0609020204030204" pitchFamily="49" charset="0"/>
+              </a:rPr>
+              <a:t>Calibrate</a:t>
+            </a:r>
+            <a:r>
+              <a:rPr lang="de-DE" sz="1500" dirty="0" smtClean="0">
+                <a:latin typeface="Consolas" panose="020B0609020204030204" pitchFamily="49" charset="0"/>
+                <a:cs typeface="Consolas" panose="020B0609020204030204" pitchFamily="49" charset="0"/>
+              </a:rPr>
+              <a:t>(..)</a:t>
+            </a:r>
             <a:r>
               <a:rPr lang="de-DE" sz="1500" dirty="0">
+                <a:latin typeface="Consolas" panose="020B0609020204030204" pitchFamily="49" charset="0"/>
                 <a:cs typeface="Consolas" panose="020B0609020204030204" pitchFamily="49" charset="0"/>
               </a:rPr>
               <a:t> </a:t>
             </a:r>
             <a:r>
               <a:rPr lang="de-DE" sz="1500" dirty="0" smtClean="0">
-                <a:cs typeface="Consolas" panose="020B0609020204030204" pitchFamily="49" charset="0"/>
-              </a:rPr>
-              <a:t>      2) </a:t>
-            </a:r>
-            <a:r>
-              <a:rPr lang="de-DE" sz="1500" dirty="0" err="1" smtClean="0">
-                <a:latin typeface="Consolas" panose="020B0609020204030204" pitchFamily="49" charset="0"/>
-                <a:cs typeface="Consolas" panose="020B0609020204030204" pitchFamily="49" charset="0"/>
-              </a:rPr>
-              <a:t>MeasureZero</a:t>
-            </a:r>
-            <a:r>
-              <a:rPr lang="de-DE" sz="1500" dirty="0" smtClean="0">
-                <a:latin typeface="Consolas" panose="020B0609020204030204" pitchFamily="49" charset="0"/>
-                <a:cs typeface="Consolas" panose="020B0609020204030204" pitchFamily="49" charset="0"/>
-              </a:rPr>
-              <a:t>() </a:t>
-            </a:r>
-            <a:r>
-              <a:rPr lang="de-DE" sz="1500" dirty="0" err="1" smtClean="0">
-                <a:cs typeface="Consolas" panose="020B0609020204030204" pitchFamily="49" charset="0"/>
-              </a:rPr>
-              <a:t>and</a:t>
-            </a:r>
-            <a:r>
-              <a:rPr lang="de-DE" sz="1500" dirty="0" smtClean="0">
-                <a:cs typeface="Consolas" panose="020B0609020204030204" pitchFamily="49" charset="0"/>
-              </a:rPr>
-              <a:t> 3)</a:t>
-            </a:r>
-            <a:r>
-              <a:rPr lang="de-DE" sz="1500" dirty="0" smtClean="0">
-                <a:latin typeface="Consolas" panose="020B0609020204030204" pitchFamily="49" charset="0"/>
-                <a:cs typeface="Consolas" panose="020B0609020204030204" pitchFamily="49" charset="0"/>
-              </a:rPr>
-              <a:t> </a:t>
-            </a:r>
-            <a:r>
-              <a:rPr lang="de-DE" sz="1500" dirty="0" err="1" smtClean="0">
-                <a:latin typeface="Consolas" panose="020B0609020204030204" pitchFamily="49" charset="0"/>
-                <a:cs typeface="Consolas" panose="020B0609020204030204" pitchFamily="49" charset="0"/>
-              </a:rPr>
-              <a:t>Calibrate</a:t>
-            </a:r>
-            <a:r>
-              <a:rPr lang="de-DE" sz="1500" dirty="0" smtClean="0">
-                <a:latin typeface="Consolas" panose="020B0609020204030204" pitchFamily="49" charset="0"/>
-                <a:cs typeface="Consolas" panose="020B0609020204030204" pitchFamily="49" charset="0"/>
-              </a:rPr>
-              <a:t>(</a:t>
-            </a:r>
-            <a:r>
-              <a:rPr lang="de-DE" sz="1500" dirty="0" err="1" smtClean="0">
-                <a:latin typeface="Consolas" panose="020B0609020204030204" pitchFamily="49" charset="0"/>
-                <a:cs typeface="Consolas" panose="020B0609020204030204" pitchFamily="49" charset="0"/>
-              </a:rPr>
-              <a:t>potencyCalibrationWeight</a:t>
-            </a:r>
-            <a:r>
-              <a:rPr lang="de-DE" sz="1500" dirty="0" smtClean="0">
-                <a:latin typeface="Consolas" panose="020B0609020204030204" pitchFamily="49" charset="0"/>
-                <a:cs typeface="Consolas" panose="020B0609020204030204" pitchFamily="49" charset="0"/>
-              </a:rPr>
-              <a:t>())</a:t>
-            </a:r>
-          </a:p>
-          <a:p>
-            <a:pPr marL="0" indent="0">
-              <a:buNone/>
-            </a:pPr>
-            <a:r>
-              <a:rPr lang="de-DE" sz="1500" dirty="0">
-                <a:latin typeface="Consolas" panose="020B0609020204030204" pitchFamily="49" charset="0"/>
-                <a:cs typeface="Consolas" panose="020B0609020204030204" pitchFamily="49" charset="0"/>
-              </a:rPr>
-              <a:t> </a:t>
-            </a:r>
-            <a:r>
-              <a:rPr lang="de-DE" sz="1500" dirty="0" smtClean="0">
-                <a:latin typeface="Consolas" panose="020B0609020204030204" pitchFamily="49" charset="0"/>
-                <a:cs typeface="Consolas" panose="020B0609020204030204" pitchFamily="49" charset="0"/>
-              </a:rPr>
-              <a:t>   </a:t>
+                <a:latin typeface="Consolas" panose="020B0609020204030204" pitchFamily="49" charset="0"/>
+                <a:cs typeface="Consolas" panose="020B0609020204030204" pitchFamily="49" charset="0"/>
+              </a:rPr>
+              <a:t>         </a:t>
             </a:r>
             <a:r>
               <a:rPr lang="de-DE" sz="1500" dirty="0" err="1" smtClean="0"/>

--- a/Doc/HowTo-WTXModbus.pptx
+++ b/Doc/HowTo-WTXModbus.pptx
@@ -5,10 +5,10 @@
     <p:sldMasterId id="2147483660" r:id="rId1"/>
   </p:sldMasterIdLst>
   <p:notesMasterIdLst>
-    <p:notesMasterId r:id="rId23"/>
+    <p:notesMasterId r:id="rId24"/>
   </p:notesMasterIdLst>
   <p:handoutMasterIdLst>
-    <p:handoutMasterId r:id="rId24"/>
+    <p:handoutMasterId r:id="rId25"/>
   </p:handoutMasterIdLst>
   <p:sldIdLst>
     <p:sldId id="288" r:id="rId2"/>
@@ -19,19 +19,20 @@
     <p:sldId id="327" r:id="rId7"/>
     <p:sldId id="330" r:id="rId8"/>
     <p:sldId id="331" r:id="rId9"/>
-    <p:sldId id="343" r:id="rId10"/>
-    <p:sldId id="335" r:id="rId11"/>
-    <p:sldId id="341" r:id="rId12"/>
-    <p:sldId id="332" r:id="rId13"/>
-    <p:sldId id="342" r:id="rId14"/>
-    <p:sldId id="344" r:id="rId15"/>
-    <p:sldId id="334" r:id="rId16"/>
-    <p:sldId id="345" r:id="rId17"/>
-    <p:sldId id="347" r:id="rId18"/>
-    <p:sldId id="346" r:id="rId19"/>
-    <p:sldId id="338" r:id="rId20"/>
-    <p:sldId id="328" r:id="rId21"/>
-    <p:sldId id="323" r:id="rId22"/>
+    <p:sldId id="348" r:id="rId10"/>
+    <p:sldId id="343" r:id="rId11"/>
+    <p:sldId id="335" r:id="rId12"/>
+    <p:sldId id="341" r:id="rId13"/>
+    <p:sldId id="332" r:id="rId14"/>
+    <p:sldId id="342" r:id="rId15"/>
+    <p:sldId id="344" r:id="rId16"/>
+    <p:sldId id="334" r:id="rId17"/>
+    <p:sldId id="345" r:id="rId18"/>
+    <p:sldId id="347" r:id="rId19"/>
+    <p:sldId id="346" r:id="rId20"/>
+    <p:sldId id="338" r:id="rId21"/>
+    <p:sldId id="328" r:id="rId22"/>
+    <p:sldId id="323" r:id="rId23"/>
   </p:sldIdLst>
   <p:sldSz cx="9144000" cy="6858000" type="screen4x3"/>
   <p:notesSz cx="9144000" cy="6858000"/>
@@ -251,7 +252,7 @@
           <a:p>
             <a:fld id="{6753907E-F3CE-4E8A-8F4A-8FE8BFAF45B9}" type="datetimeFigureOut">
               <a:rPr lang="de-DE" smtClean="0"/>
-              <a:t>18.05.2018</a:t>
+              <a:t>24.05.2018</a:t>
             </a:fld>
             <a:endParaRPr lang="de-DE"/>
           </a:p>
@@ -446,7 +447,7 @@
               <a:pPr>
                 <a:defRPr/>
               </a:pPr>
-              <a:t>18/05/2018</a:t>
+              <a:t>24/05/2018</a:t>
             </a:fld>
             <a:endParaRPr lang="en-GB"/>
           </a:p>
@@ -4062,21 +4063,7 @@
                 <a:latin typeface="Arial" charset="0"/>
                 <a:cs typeface="Arial" charset="0"/>
               </a:rPr>
-              <a:t>Connection via Modbus TCP in less than 30 </a:t>
-            </a:r>
-            <a:r>
-              <a:rPr lang="en-US" altLang="en-US" dirty="0">
-                <a:latin typeface="Arial" charset="0"/>
-                <a:cs typeface="Arial" charset="0"/>
-              </a:rPr>
-              <a:t>M</a:t>
-            </a:r>
-            <a:r>
-              <a:rPr lang="en-US" altLang="en-US" dirty="0" smtClean="0">
-                <a:latin typeface="Arial" charset="0"/>
-                <a:cs typeface="Arial" charset="0"/>
-              </a:rPr>
-              <a:t>inutes</a:t>
+              <a:t>Connection via Modbus TCP </a:t>
             </a:r>
             <a:r>
               <a:rPr lang="en-US" altLang="en-US" sz="2000" dirty="0" smtClean="0">
@@ -4363,7 +4350,7 @@
           <a:p>
             <a:r>
               <a:rPr lang="en-US" dirty="0" smtClean="0"/>
-              <a:t>2) Step-by-Step: Use the API – Overview (2)</a:t>
+              <a:t>2) Step-by-Step: Use the API – Overview (1)</a:t>
             </a:r>
             <a:endParaRPr lang="de-DE" dirty="0"/>
           </a:p>
@@ -4393,6 +4380,1792 @@
                 <a:defRPr/>
               </a:pPr>
               <a:t>10</a:t>
+            </a:fld>
+            <a:endParaRPr lang="de-DE" altLang="en-US" dirty="0"/>
+          </a:p>
+        </p:txBody>
+      </p:sp>
+      <p:pic>
+        <p:nvPicPr>
+          <p:cNvPr id="5" name="Picture 10" descr="https://www.hbm.com/fileadmin/mediapool/images/products/daq/weighing/wtx/daq_wtx120_017d_hutschiene_teaser.png"/>
+          <p:cNvPicPr>
+            <a:picLocks noChangeAspect="1" noChangeArrowheads="1"/>
+          </p:cNvPicPr>
+          <p:nvPr/>
+        </p:nvPicPr>
+        <p:blipFill rotWithShape="1">
+          <a:blip r:embed="rId2" cstate="print">
+            <a:extLst>
+              <a:ext uri="{28A0092B-C50C-407E-A947-70E740481C1C}">
+                <a14:useLocalDpi xmlns:a14="http://schemas.microsoft.com/office/drawing/2010/main" val="0"/>
+              </a:ext>
+            </a:extLst>
+          </a:blip>
+          <a:srcRect t="506" r="19999"/>
+          <a:stretch/>
+        </p:blipFill>
+        <p:spPr bwMode="auto">
+          <a:xfrm>
+            <a:off x="755577" y="869022"/>
+            <a:ext cx="1492324" cy="1368152"/>
+          </a:xfrm>
+          <a:prstGeom prst="rect">
+            <a:avLst/>
+          </a:prstGeom>
+          <a:noFill/>
+          <a:ln>
+            <a:noFill/>
+          </a:ln>
+          <a:extLst>
+            <a:ext uri="{909E8E84-426E-40DD-AFC4-6F175D3DCCD1}">
+              <a14:hiddenFill xmlns:a14="http://schemas.microsoft.com/office/drawing/2010/main">
+                <a:solidFill>
+                  <a:srgbClr val="FFFFFF"/>
+                </a:solidFill>
+              </a14:hiddenFill>
+            </a:ext>
+            <a:ext uri="{91240B29-F687-4F45-9708-019B960494DF}">
+              <a14:hiddenLine xmlns:a14="http://schemas.microsoft.com/office/drawing/2010/main" w="9525">
+                <a:solidFill>
+                  <a:srgbClr val="000000"/>
+                </a:solidFill>
+                <a:miter lim="800000"/>
+                <a:headEnd/>
+                <a:tailEnd/>
+              </a14:hiddenLine>
+            </a:ext>
+          </a:extLst>
+        </p:spPr>
+      </p:pic>
+      <p:sp>
+        <p:nvSpPr>
+          <p:cNvPr id="6" name="Abgerundetes Rechteck 5"/>
+          <p:cNvSpPr/>
+          <p:nvPr/>
+        </p:nvSpPr>
+        <p:spPr>
+          <a:xfrm>
+            <a:off x="4286669" y="3683126"/>
+            <a:ext cx="1958393" cy="974878"/>
+          </a:xfrm>
+          <a:prstGeom prst="roundRect">
+            <a:avLst/>
+          </a:prstGeom>
+        </p:spPr>
+        <p:style>
+          <a:lnRef idx="2">
+            <a:schemeClr val="accent5"/>
+          </a:lnRef>
+          <a:fillRef idx="1">
+            <a:schemeClr val="lt1"/>
+          </a:fillRef>
+          <a:effectRef idx="0">
+            <a:schemeClr val="accent5"/>
+          </a:effectRef>
+          <a:fontRef idx="minor">
+            <a:schemeClr val="dk1"/>
+          </a:fontRef>
+        </p:style>
+        <p:txBody>
+          <a:bodyPr rtlCol="0" anchor="ctr"/>
+          <a:lstStyle/>
+          <a:p>
+            <a:pPr algn="ctr"/>
+            <a:r>
+              <a:rPr lang="en-US" sz="1400" dirty="0" smtClean="0"/>
+              <a:t>Object of class  </a:t>
+            </a:r>
+            <a:r>
+              <a:rPr lang="en-US" sz="1400" dirty="0" err="1" smtClean="0"/>
+              <a:t>ModbusConnection</a:t>
+            </a:r>
+            <a:r>
+              <a:rPr lang="en-US" sz="1400" dirty="0" smtClean="0"/>
+              <a:t> :</a:t>
+            </a:r>
+          </a:p>
+          <a:p>
+            <a:pPr algn="ctr"/>
+            <a:r>
+              <a:rPr lang="en-US" sz="1200" i="1" dirty="0" err="1" smtClean="0"/>
+              <a:t>ModbusObj</a:t>
+            </a:r>
+            <a:endParaRPr lang="de-DE" sz="1600" i="1" dirty="0"/>
+          </a:p>
+        </p:txBody>
+      </p:sp>
+      <p:sp>
+        <p:nvSpPr>
+          <p:cNvPr id="7" name="Abgerundetes Rechteck 6"/>
+          <p:cNvSpPr/>
+          <p:nvPr/>
+        </p:nvSpPr>
+        <p:spPr>
+          <a:xfrm>
+            <a:off x="7011044" y="3709369"/>
+            <a:ext cx="1647024" cy="1014727"/>
+          </a:xfrm>
+          <a:prstGeom prst="roundRect">
+            <a:avLst/>
+          </a:prstGeom>
+        </p:spPr>
+        <p:style>
+          <a:lnRef idx="2">
+            <a:schemeClr val="accent5"/>
+          </a:lnRef>
+          <a:fillRef idx="1">
+            <a:schemeClr val="lt1"/>
+          </a:fillRef>
+          <a:effectRef idx="0">
+            <a:schemeClr val="accent5"/>
+          </a:effectRef>
+          <a:fontRef idx="minor">
+            <a:schemeClr val="dk1"/>
+          </a:fontRef>
+        </p:style>
+        <p:txBody>
+          <a:bodyPr rtlCol="0" anchor="ctr"/>
+          <a:lstStyle/>
+          <a:p>
+            <a:pPr algn="ctr"/>
+            <a:r>
+              <a:rPr lang="en-US" sz="1400" dirty="0" smtClean="0"/>
+              <a:t>Object of class WTX120Modbus</a:t>
+            </a:r>
+          </a:p>
+          <a:p>
+            <a:pPr algn="ctr"/>
+            <a:r>
+              <a:rPr lang="en-US" sz="1200" i="1" dirty="0" err="1" smtClean="0"/>
+              <a:t>WTXObj</a:t>
+            </a:r>
+            <a:endParaRPr lang="de-DE" sz="1200" i="1" dirty="0"/>
+          </a:p>
+        </p:txBody>
+      </p:sp>
+      <p:cxnSp>
+        <p:nvCxnSpPr>
+          <p:cNvPr id="11" name="Gerade Verbindung mit Pfeil 10"/>
+          <p:cNvCxnSpPr/>
+          <p:nvPr/>
+        </p:nvCxnSpPr>
+        <p:spPr>
+          <a:xfrm flipV="1">
+            <a:off x="2247901" y="1863532"/>
+            <a:ext cx="0" cy="1853142"/>
+          </a:xfrm>
+          <a:prstGeom prst="straightConnector1">
+            <a:avLst/>
+          </a:prstGeom>
+          <a:ln>
+            <a:solidFill>
+              <a:srgbClr val="C00000"/>
+            </a:solidFill>
+            <a:tailEnd type="arrow"/>
+          </a:ln>
+        </p:spPr>
+        <p:style>
+          <a:lnRef idx="1">
+            <a:schemeClr val="dk1"/>
+          </a:lnRef>
+          <a:fillRef idx="0">
+            <a:schemeClr val="dk1"/>
+          </a:fillRef>
+          <a:effectRef idx="0">
+            <a:schemeClr val="dk1"/>
+          </a:effectRef>
+          <a:fontRef idx="minor">
+            <a:schemeClr val="tx1"/>
+          </a:fontRef>
+        </p:style>
+      </p:cxnSp>
+      <p:cxnSp>
+        <p:nvCxnSpPr>
+          <p:cNvPr id="22" name="Gerade Verbindung mit Pfeil 21"/>
+          <p:cNvCxnSpPr/>
+          <p:nvPr/>
+        </p:nvCxnSpPr>
+        <p:spPr>
+          <a:xfrm>
+            <a:off x="4849216" y="2333593"/>
+            <a:ext cx="0" cy="0"/>
+          </a:xfrm>
+          <a:prstGeom prst="straightConnector1">
+            <a:avLst/>
+          </a:prstGeom>
+          <a:ln>
+            <a:tailEnd type="arrow"/>
+          </a:ln>
+        </p:spPr>
+        <p:style>
+          <a:lnRef idx="1">
+            <a:schemeClr val="accent1"/>
+          </a:lnRef>
+          <a:fillRef idx="0">
+            <a:schemeClr val="accent1"/>
+          </a:fillRef>
+          <a:effectRef idx="0">
+            <a:schemeClr val="accent1"/>
+          </a:effectRef>
+          <a:fontRef idx="minor">
+            <a:schemeClr val="tx1"/>
+          </a:fontRef>
+        </p:style>
+      </p:cxnSp>
+      <p:cxnSp>
+        <p:nvCxnSpPr>
+          <p:cNvPr id="32" name="Gerade Verbindung mit Pfeil 31"/>
+          <p:cNvCxnSpPr/>
+          <p:nvPr/>
+        </p:nvCxnSpPr>
+        <p:spPr>
+          <a:xfrm>
+            <a:off x="6980893" y="4170565"/>
+            <a:ext cx="0" cy="0"/>
+          </a:xfrm>
+          <a:prstGeom prst="straightConnector1">
+            <a:avLst/>
+          </a:prstGeom>
+          <a:ln>
+            <a:tailEnd type="arrow"/>
+          </a:ln>
+        </p:spPr>
+        <p:style>
+          <a:lnRef idx="1">
+            <a:schemeClr val="accent1"/>
+          </a:lnRef>
+          <a:fillRef idx="0">
+            <a:schemeClr val="accent1"/>
+          </a:fillRef>
+          <a:effectRef idx="0">
+            <a:schemeClr val="accent1"/>
+          </a:effectRef>
+          <a:fontRef idx="minor">
+            <a:schemeClr val="tx1"/>
+          </a:fontRef>
+        </p:style>
+      </p:cxnSp>
+      <p:cxnSp>
+        <p:nvCxnSpPr>
+          <p:cNvPr id="35" name="Gerade Verbindung mit Pfeil 34"/>
+          <p:cNvCxnSpPr>
+            <a:endCxn id="6" idx="3"/>
+          </p:cNvCxnSpPr>
+          <p:nvPr/>
+        </p:nvCxnSpPr>
+        <p:spPr>
+          <a:xfrm flipH="1">
+            <a:off x="6245062" y="4170565"/>
+            <a:ext cx="735831" cy="0"/>
+          </a:xfrm>
+          <a:prstGeom prst="straightConnector1">
+            <a:avLst/>
+          </a:prstGeom>
+          <a:ln>
+            <a:tailEnd type="arrow"/>
+          </a:ln>
+        </p:spPr>
+        <p:style>
+          <a:lnRef idx="1">
+            <a:schemeClr val="dk1"/>
+          </a:lnRef>
+          <a:fillRef idx="0">
+            <a:schemeClr val="dk1"/>
+          </a:fillRef>
+          <a:effectRef idx="0">
+            <a:schemeClr val="dk1"/>
+          </a:effectRef>
+          <a:fontRef idx="minor">
+            <a:schemeClr val="tx1"/>
+          </a:fontRef>
+        </p:style>
+      </p:cxnSp>
+      <p:sp>
+        <p:nvSpPr>
+          <p:cNvPr id="36" name="Textfeld 35"/>
+          <p:cNvSpPr txBox="1"/>
+          <p:nvPr/>
+        </p:nvSpPr>
+        <p:spPr>
+          <a:xfrm>
+            <a:off x="6381989" y="3908956"/>
+            <a:ext cx="504056" cy="307777"/>
+          </a:xfrm>
+          <a:prstGeom prst="rect">
+            <a:avLst/>
+          </a:prstGeom>
+          <a:noFill/>
+        </p:spPr>
+        <p:txBody>
+          <a:bodyPr wrap="square" rtlCol="0">
+            <a:spAutoFit/>
+          </a:bodyPr>
+          <a:lstStyle/>
+          <a:p>
+            <a:r>
+              <a:rPr lang="en-US" sz="1400" dirty="0" smtClean="0"/>
+              <a:t>has</a:t>
+            </a:r>
+            <a:endParaRPr lang="de-DE" sz="1400" dirty="0"/>
+          </a:p>
+        </p:txBody>
+      </p:sp>
+      <p:sp>
+        <p:nvSpPr>
+          <p:cNvPr id="10" name="Textfeld 9"/>
+          <p:cNvSpPr txBox="1"/>
+          <p:nvPr/>
+        </p:nvSpPr>
+        <p:spPr>
+          <a:xfrm>
+            <a:off x="547986" y="2110216"/>
+            <a:ext cx="1056711" cy="253916"/>
+          </a:xfrm>
+          <a:prstGeom prst="rect">
+            <a:avLst/>
+          </a:prstGeom>
+          <a:noFill/>
+        </p:spPr>
+        <p:txBody>
+          <a:bodyPr wrap="square" rtlCol="0">
+            <a:spAutoFit/>
+          </a:bodyPr>
+          <a:lstStyle/>
+          <a:p>
+            <a:r>
+              <a:rPr lang="de-DE" sz="1050" dirty="0" smtClean="0">
+                <a:solidFill>
+                  <a:schemeClr val="tx2">
+                    <a:lumMod val="75000"/>
+                  </a:schemeClr>
+                </a:solidFill>
+              </a:rPr>
+              <a:t>Real World</a:t>
+            </a:r>
+            <a:endParaRPr lang="de-DE" sz="1050" dirty="0">
+              <a:solidFill>
+                <a:schemeClr val="tx2">
+                  <a:lumMod val="75000"/>
+                </a:schemeClr>
+              </a:solidFill>
+            </a:endParaRPr>
+          </a:p>
+        </p:txBody>
+      </p:sp>
+      <p:sp>
+        <p:nvSpPr>
+          <p:cNvPr id="26" name="Textfeld 25"/>
+          <p:cNvSpPr txBox="1"/>
+          <p:nvPr/>
+        </p:nvSpPr>
+        <p:spPr>
+          <a:xfrm>
+            <a:off x="624957" y="2364132"/>
+            <a:ext cx="1056711" cy="253916"/>
+          </a:xfrm>
+          <a:prstGeom prst="rect">
+            <a:avLst/>
+          </a:prstGeom>
+          <a:noFill/>
+        </p:spPr>
+        <p:txBody>
+          <a:bodyPr wrap="square" rtlCol="0">
+            <a:spAutoFit/>
+          </a:bodyPr>
+          <a:lstStyle/>
+          <a:p>
+            <a:r>
+              <a:rPr lang="de-DE" sz="1050" dirty="0" smtClean="0">
+                <a:solidFill>
+                  <a:schemeClr val="tx2">
+                    <a:lumMod val="75000"/>
+                  </a:schemeClr>
+                </a:solidFill>
+              </a:rPr>
+              <a:t>API</a:t>
+            </a:r>
+            <a:endParaRPr lang="de-DE" sz="1050" dirty="0">
+              <a:solidFill>
+                <a:schemeClr val="tx2">
+                  <a:lumMod val="75000"/>
+                </a:schemeClr>
+              </a:solidFill>
+            </a:endParaRPr>
+          </a:p>
+        </p:txBody>
+      </p:sp>
+      <p:sp>
+        <p:nvSpPr>
+          <p:cNvPr id="12" name="Ellipse 11"/>
+          <p:cNvSpPr/>
+          <p:nvPr/>
+        </p:nvSpPr>
+        <p:spPr>
+          <a:xfrm>
+            <a:off x="1120538" y="3716674"/>
+            <a:ext cx="1681673" cy="897727"/>
+          </a:xfrm>
+          <a:prstGeom prst="ellipse">
+            <a:avLst/>
+          </a:prstGeom>
+          <a:noFill/>
+          <a:ln>
+            <a:solidFill>
+              <a:schemeClr val="tx1">
+                <a:lumMod val="50000"/>
+              </a:schemeClr>
+            </a:solidFill>
+          </a:ln>
+        </p:spPr>
+        <p:style>
+          <a:lnRef idx="2">
+            <a:schemeClr val="accent1">
+              <a:shade val="50000"/>
+            </a:schemeClr>
+          </a:lnRef>
+          <a:fillRef idx="1">
+            <a:schemeClr val="accent1"/>
+          </a:fillRef>
+          <a:effectRef idx="0">
+            <a:schemeClr val="accent1"/>
+          </a:effectRef>
+          <a:fontRef idx="minor">
+            <a:schemeClr val="lt1"/>
+          </a:fontRef>
+        </p:style>
+        <p:txBody>
+          <a:bodyPr rtlCol="0" anchor="ctr"/>
+          <a:lstStyle/>
+          <a:p>
+            <a:pPr algn="ctr"/>
+            <a:endParaRPr lang="de-DE"/>
+          </a:p>
+        </p:txBody>
+      </p:sp>
+      <p:sp>
+        <p:nvSpPr>
+          <p:cNvPr id="13" name="Textfeld 12"/>
+          <p:cNvSpPr txBox="1"/>
+          <p:nvPr/>
+        </p:nvSpPr>
+        <p:spPr>
+          <a:xfrm>
+            <a:off x="1222218" y="3908956"/>
+            <a:ext cx="1547218" cy="492443"/>
+          </a:xfrm>
+          <a:prstGeom prst="rect">
+            <a:avLst/>
+          </a:prstGeom>
+          <a:noFill/>
+        </p:spPr>
+        <p:txBody>
+          <a:bodyPr wrap="none" rtlCol="0">
+            <a:spAutoFit/>
+          </a:bodyPr>
+          <a:lstStyle/>
+          <a:p>
+            <a:pPr algn="ctr"/>
+            <a:r>
+              <a:rPr lang="de-DE" sz="1400" dirty="0" smtClean="0">
+                <a:latin typeface="+mn-lt"/>
+              </a:rPr>
+              <a:t>Interface : </a:t>
+            </a:r>
+          </a:p>
+          <a:p>
+            <a:r>
+              <a:rPr lang="de-DE" sz="1200" i="1" dirty="0" err="1" smtClean="0">
+                <a:latin typeface="+mn-lt"/>
+              </a:rPr>
+              <a:t>IModbusConnection</a:t>
+            </a:r>
+            <a:endParaRPr lang="de-DE" sz="1200" i="1" dirty="0">
+              <a:latin typeface="+mn-lt"/>
+            </a:endParaRPr>
+          </a:p>
+        </p:txBody>
+      </p:sp>
+      <p:sp>
+        <p:nvSpPr>
+          <p:cNvPr id="58" name="Textplatzhalter 1"/>
+          <p:cNvSpPr>
+            <a:spLocks noGrp="1"/>
+          </p:cNvSpPr>
+          <p:nvPr>
+            <p:ph type="body" sz="quarter" idx="17"/>
+          </p:nvPr>
+        </p:nvSpPr>
+        <p:spPr>
+          <a:xfrm>
+            <a:off x="700954" y="4941168"/>
+            <a:ext cx="7886818" cy="3345423"/>
+          </a:xfrm>
+        </p:spPr>
+        <p:txBody>
+          <a:bodyPr/>
+          <a:lstStyle/>
+          <a:p>
+            <a:r>
+              <a:rPr lang="de-DE" sz="1400" dirty="0" err="1" smtClean="0"/>
+              <a:t>IModbusConnection</a:t>
+            </a:r>
+            <a:r>
+              <a:rPr lang="de-DE" sz="1400" dirty="0" smtClean="0"/>
+              <a:t> </a:t>
+            </a:r>
+            <a:r>
+              <a:rPr lang="de-DE" sz="1400" dirty="0" err="1"/>
+              <a:t>defines</a:t>
+            </a:r>
+            <a:r>
+              <a:rPr lang="de-DE" sz="1400" dirty="0"/>
+              <a:t> </a:t>
+            </a:r>
+            <a:r>
+              <a:rPr lang="de-DE" sz="1400" dirty="0" err="1"/>
+              <a:t>the</a:t>
+            </a:r>
+            <a:r>
+              <a:rPr lang="de-DE" sz="1400" dirty="0"/>
+              <a:t> </a:t>
+            </a:r>
+            <a:r>
+              <a:rPr lang="de-DE" sz="1400" dirty="0" err="1"/>
+              <a:t>methods</a:t>
+            </a:r>
+            <a:r>
+              <a:rPr lang="de-DE" sz="1400" dirty="0"/>
+              <a:t> </a:t>
+            </a:r>
+            <a:r>
+              <a:rPr lang="de-DE" sz="1400" dirty="0" err="1"/>
+              <a:t>to</a:t>
+            </a:r>
+            <a:r>
+              <a:rPr lang="de-DE" sz="1400" dirty="0"/>
+              <a:t> </a:t>
+            </a:r>
+            <a:r>
+              <a:rPr lang="de-DE" sz="1400" dirty="0" err="1"/>
+              <a:t>connect</a:t>
+            </a:r>
+            <a:r>
+              <a:rPr lang="de-DE" sz="1400" dirty="0"/>
+              <a:t>, </a:t>
+            </a:r>
+            <a:r>
+              <a:rPr lang="de-DE" sz="1400" dirty="0" err="1"/>
+              <a:t>to</a:t>
+            </a:r>
+            <a:r>
+              <a:rPr lang="de-DE" sz="1400" dirty="0"/>
+              <a:t> </a:t>
+            </a:r>
+            <a:r>
+              <a:rPr lang="de-DE" sz="1400" dirty="0" err="1"/>
+              <a:t>write</a:t>
+            </a:r>
+            <a:r>
+              <a:rPr lang="de-DE" sz="1400" dirty="0"/>
+              <a:t> </a:t>
+            </a:r>
+            <a:r>
+              <a:rPr lang="de-DE" sz="1400" dirty="0" err="1"/>
+              <a:t>and</a:t>
+            </a:r>
+            <a:r>
+              <a:rPr lang="de-DE" sz="1400" dirty="0"/>
+              <a:t> </a:t>
+            </a:r>
+            <a:r>
+              <a:rPr lang="de-DE" sz="1400" dirty="0" err="1"/>
+              <a:t>to</a:t>
+            </a:r>
+            <a:r>
+              <a:rPr lang="de-DE" sz="1400" dirty="0"/>
+              <a:t> </a:t>
+            </a:r>
+            <a:r>
+              <a:rPr lang="de-DE" sz="1400" dirty="0" err="1" smtClean="0"/>
+              <a:t>read</a:t>
+            </a:r>
+            <a:r>
+              <a:rPr lang="de-DE" sz="1400" dirty="0" smtClean="0"/>
+              <a:t>, </a:t>
+            </a:r>
+            <a:r>
+              <a:rPr lang="de-DE" sz="1400" dirty="0" err="1" smtClean="0"/>
+              <a:t>implemented</a:t>
+            </a:r>
+            <a:r>
+              <a:rPr lang="de-DE" sz="1400" dirty="0" smtClean="0"/>
+              <a:t> </a:t>
+            </a:r>
+            <a:r>
+              <a:rPr lang="de-DE" sz="1400" dirty="0" err="1"/>
+              <a:t>by</a:t>
+            </a:r>
+            <a:r>
+              <a:rPr lang="de-DE" sz="1400" dirty="0"/>
+              <a:t> </a:t>
+            </a:r>
+            <a:r>
+              <a:rPr lang="de-DE" sz="1400" dirty="0" err="1"/>
+              <a:t>the</a:t>
+            </a:r>
+            <a:r>
+              <a:rPr lang="de-DE" sz="1400" dirty="0"/>
+              <a:t> </a:t>
+            </a:r>
+            <a:r>
+              <a:rPr lang="de-DE" sz="1400" dirty="0" err="1"/>
+              <a:t>class</a:t>
+            </a:r>
+            <a:r>
+              <a:rPr lang="de-DE" sz="1400" dirty="0"/>
+              <a:t> </a:t>
+            </a:r>
+            <a:r>
+              <a:rPr lang="de-DE" sz="1400" dirty="0" err="1"/>
+              <a:t>ModbusConnection</a:t>
+            </a:r>
+            <a:r>
+              <a:rPr lang="de-DE" sz="1400" dirty="0"/>
+              <a:t>. </a:t>
+            </a:r>
+            <a:r>
+              <a:rPr lang="de-DE" sz="1400" dirty="0" err="1" smtClean="0"/>
+              <a:t>It</a:t>
+            </a:r>
+            <a:r>
+              <a:rPr lang="de-DE" sz="1400" dirty="0" smtClean="0"/>
+              <a:t> </a:t>
+            </a:r>
+            <a:r>
+              <a:rPr lang="de-DE" sz="1400" dirty="0" err="1" smtClean="0"/>
+              <a:t>has</a:t>
+            </a:r>
+            <a:r>
+              <a:rPr lang="de-DE" sz="1400" dirty="0" smtClean="0"/>
+              <a:t> an </a:t>
+            </a:r>
+            <a:r>
+              <a:rPr lang="de-DE" sz="1400" dirty="0" err="1" smtClean="0"/>
+              <a:t>eventhandler</a:t>
+            </a:r>
+            <a:r>
+              <a:rPr lang="de-DE" sz="1400" dirty="0" smtClean="0"/>
+              <a:t> </a:t>
+            </a:r>
+            <a:r>
+              <a:rPr lang="de-DE" sz="1400" dirty="0" err="1" smtClean="0"/>
+              <a:t>to</a:t>
+            </a:r>
+            <a:r>
+              <a:rPr lang="de-DE" sz="1400" dirty="0" smtClean="0"/>
+              <a:t> </a:t>
+            </a:r>
+            <a:r>
+              <a:rPr lang="de-DE" sz="1400" dirty="0" err="1" smtClean="0"/>
+              <a:t>signalize</a:t>
+            </a:r>
+            <a:r>
+              <a:rPr lang="de-DE" sz="1400" dirty="0" smtClean="0"/>
+              <a:t> </a:t>
+            </a:r>
+            <a:r>
+              <a:rPr lang="de-DE" sz="1400" dirty="0" err="1" smtClean="0"/>
+              <a:t>that</a:t>
+            </a:r>
+            <a:r>
+              <a:rPr lang="de-DE" sz="1400" dirty="0" smtClean="0"/>
+              <a:t> </a:t>
+            </a:r>
+            <a:r>
+              <a:rPr lang="de-DE" sz="1400" dirty="0" err="1" smtClean="0"/>
+              <a:t>data</a:t>
+            </a:r>
+            <a:r>
+              <a:rPr lang="de-DE" sz="1400" dirty="0" smtClean="0"/>
+              <a:t> </a:t>
+            </a:r>
+            <a:r>
+              <a:rPr lang="de-DE" sz="1400" dirty="0" err="1" smtClean="0"/>
+              <a:t>has</a:t>
+            </a:r>
+            <a:r>
+              <a:rPr lang="de-DE" sz="1400" dirty="0" smtClean="0"/>
+              <a:t> </a:t>
+            </a:r>
+            <a:r>
+              <a:rPr lang="de-DE" sz="1400" dirty="0" err="1" smtClean="0"/>
+              <a:t>been</a:t>
+            </a:r>
+            <a:r>
+              <a:rPr lang="de-DE" sz="1400" dirty="0" smtClean="0"/>
+              <a:t> </a:t>
+            </a:r>
+            <a:r>
+              <a:rPr lang="de-DE" sz="1400" dirty="0" err="1" smtClean="0"/>
+              <a:t>read</a:t>
+            </a:r>
+            <a:r>
+              <a:rPr lang="de-DE" sz="1400" dirty="0" smtClean="0"/>
+              <a:t>. </a:t>
+            </a:r>
+          </a:p>
+          <a:p>
+            <a:endParaRPr lang="de-DE" sz="1400" dirty="0" smtClean="0"/>
+          </a:p>
+          <a:p>
+            <a:r>
+              <a:rPr lang="de-DE" sz="1400" dirty="0" err="1" smtClean="0"/>
+              <a:t>IDeviceValues</a:t>
+            </a:r>
+            <a:r>
+              <a:rPr lang="de-DE" sz="1400" dirty="0" smtClean="0"/>
+              <a:t> </a:t>
+            </a:r>
+            <a:r>
+              <a:rPr lang="de-DE" sz="1400" dirty="0" err="1"/>
+              <a:t>defines</a:t>
+            </a:r>
+            <a:r>
+              <a:rPr lang="de-DE" sz="1400" dirty="0"/>
+              <a:t> </a:t>
+            </a:r>
+            <a:r>
+              <a:rPr lang="de-DE" sz="1400" dirty="0" err="1"/>
+              <a:t>the</a:t>
+            </a:r>
+            <a:r>
+              <a:rPr lang="de-DE" sz="1400" dirty="0"/>
+              <a:t> </a:t>
+            </a:r>
+            <a:r>
+              <a:rPr lang="de-DE" sz="1400" dirty="0" err="1"/>
+              <a:t>properties</a:t>
+            </a:r>
+            <a:r>
+              <a:rPr lang="de-DE" sz="1400" dirty="0"/>
+              <a:t> </a:t>
+            </a:r>
+            <a:r>
+              <a:rPr lang="de-DE" sz="1400" dirty="0" smtClean="0"/>
+              <a:t>(</a:t>
+            </a:r>
+            <a:r>
+              <a:rPr lang="de-DE" sz="1400" dirty="0" err="1" smtClean="0"/>
+              <a:t>attributes</a:t>
+            </a:r>
+            <a:r>
+              <a:rPr lang="de-DE" sz="1400" dirty="0" smtClean="0"/>
+              <a:t>) </a:t>
+            </a:r>
+            <a:r>
+              <a:rPr lang="de-DE" sz="1400" dirty="0" err="1"/>
+              <a:t>for</a:t>
+            </a:r>
+            <a:r>
+              <a:rPr lang="de-DE" sz="1400" dirty="0"/>
+              <a:t> </a:t>
+            </a:r>
+            <a:r>
+              <a:rPr lang="de-DE" sz="1400" dirty="0" err="1"/>
+              <a:t>values</a:t>
+            </a:r>
+            <a:r>
+              <a:rPr lang="de-DE" sz="1400" dirty="0"/>
+              <a:t> </a:t>
+            </a:r>
+            <a:r>
+              <a:rPr lang="de-DE" sz="1400" dirty="0" err="1"/>
+              <a:t>from</a:t>
+            </a:r>
+            <a:r>
+              <a:rPr lang="de-DE" sz="1400" dirty="0"/>
+              <a:t> </a:t>
+            </a:r>
+            <a:r>
+              <a:rPr lang="de-DE" sz="1400" dirty="0" err="1" smtClean="0"/>
+              <a:t>your</a:t>
+            </a:r>
+            <a:r>
+              <a:rPr lang="de-DE" sz="1400" dirty="0" smtClean="0"/>
+              <a:t> WTX </a:t>
+            </a:r>
+            <a:r>
+              <a:rPr lang="de-DE" sz="1400" dirty="0" err="1" smtClean="0"/>
+              <a:t>device</a:t>
+            </a:r>
+            <a:r>
+              <a:rPr lang="de-DE" sz="1400" dirty="0" smtClean="0"/>
+              <a:t>, </a:t>
+            </a:r>
+            <a:r>
+              <a:rPr lang="de-DE" sz="1400" dirty="0" err="1" smtClean="0"/>
+              <a:t>f.e</a:t>
+            </a:r>
+            <a:r>
+              <a:rPr lang="de-DE" sz="1400" dirty="0" smtClean="0"/>
+              <a:t>. </a:t>
+            </a:r>
+            <a:r>
+              <a:rPr lang="de-DE" sz="1400" dirty="0" err="1" smtClean="0"/>
+              <a:t>net</a:t>
+            </a:r>
+            <a:r>
+              <a:rPr lang="de-DE" sz="1400" dirty="0" smtClean="0"/>
+              <a:t> </a:t>
+            </a:r>
+            <a:r>
+              <a:rPr lang="de-DE" sz="1400" dirty="0" err="1"/>
+              <a:t>value</a:t>
+            </a:r>
+            <a:r>
+              <a:rPr lang="de-DE" sz="1400" dirty="0"/>
+              <a:t>, </a:t>
+            </a:r>
+            <a:r>
+              <a:rPr lang="de-DE" sz="1400" dirty="0" err="1"/>
+              <a:t>gross</a:t>
+            </a:r>
+            <a:r>
+              <a:rPr lang="de-DE" sz="1400" dirty="0"/>
+              <a:t> </a:t>
+            </a:r>
+            <a:r>
+              <a:rPr lang="de-DE" sz="1400" dirty="0" err="1"/>
+              <a:t>value</a:t>
+            </a:r>
+            <a:r>
+              <a:rPr lang="de-DE" sz="1400" dirty="0"/>
+              <a:t>, </a:t>
+            </a:r>
+            <a:r>
+              <a:rPr lang="de-DE" sz="1400" dirty="0" err="1" smtClean="0"/>
+              <a:t>status</a:t>
+            </a:r>
+            <a:r>
+              <a:rPr lang="de-DE" sz="1400" dirty="0" smtClean="0"/>
+              <a:t>, </a:t>
+            </a:r>
+            <a:r>
+              <a:rPr lang="de-DE" sz="1400" dirty="0" err="1" smtClean="0"/>
+              <a:t>handshake</a:t>
+            </a:r>
+            <a:r>
+              <a:rPr lang="de-DE" sz="1400" dirty="0" smtClean="0"/>
+              <a:t> </a:t>
+            </a:r>
+            <a:r>
+              <a:rPr lang="de-DE" sz="1400" dirty="0" err="1"/>
+              <a:t>bits</a:t>
+            </a:r>
+            <a:r>
+              <a:rPr lang="de-DE" sz="1400" dirty="0"/>
+              <a:t> </a:t>
+            </a:r>
+            <a:r>
+              <a:rPr lang="de-DE" sz="1400" dirty="0" err="1" smtClean="0"/>
+              <a:t>and</a:t>
+            </a:r>
+            <a:r>
+              <a:rPr lang="de-DE" sz="1400" dirty="0" smtClean="0"/>
+              <a:t> an </a:t>
+            </a:r>
+            <a:r>
+              <a:rPr lang="de-DE" sz="1400" dirty="0" err="1" smtClean="0"/>
+              <a:t>eventhandler</a:t>
+            </a:r>
+            <a:r>
+              <a:rPr lang="de-DE" sz="1400" dirty="0" smtClean="0"/>
+              <a:t> </a:t>
+            </a:r>
+            <a:r>
+              <a:rPr lang="de-DE" sz="1400" dirty="0" err="1" smtClean="0"/>
+              <a:t>to</a:t>
+            </a:r>
+            <a:r>
+              <a:rPr lang="de-DE" sz="1400" dirty="0" smtClean="0"/>
+              <a:t> check </a:t>
+            </a:r>
+            <a:r>
+              <a:rPr lang="de-DE" sz="1400" dirty="0" err="1" smtClean="0"/>
+              <a:t>if</a:t>
+            </a:r>
+            <a:r>
+              <a:rPr lang="de-DE" sz="1400" dirty="0" smtClean="0"/>
+              <a:t> </a:t>
+            </a:r>
+            <a:r>
+              <a:rPr lang="de-DE" sz="1400" dirty="0" err="1" smtClean="0"/>
+              <a:t>new</a:t>
+            </a:r>
+            <a:r>
+              <a:rPr lang="de-DE" sz="1400" dirty="0" smtClean="0"/>
+              <a:t> </a:t>
+            </a:r>
+            <a:r>
+              <a:rPr lang="de-DE" sz="1400" dirty="0" err="1" smtClean="0"/>
+              <a:t>data</a:t>
+            </a:r>
+            <a:r>
+              <a:rPr lang="de-DE" sz="1400" dirty="0" smtClean="0"/>
+              <a:t> </a:t>
+            </a:r>
+            <a:r>
+              <a:rPr lang="de-DE" sz="1400" dirty="0" err="1" smtClean="0"/>
+              <a:t>has</a:t>
+            </a:r>
+            <a:r>
+              <a:rPr lang="de-DE" sz="1400" dirty="0" smtClean="0"/>
+              <a:t> </a:t>
+            </a:r>
+            <a:r>
+              <a:rPr lang="de-DE" sz="1400" dirty="0" err="1" smtClean="0"/>
+              <a:t>been</a:t>
+            </a:r>
+            <a:r>
+              <a:rPr lang="de-DE" sz="1400" dirty="0" smtClean="0"/>
+              <a:t> </a:t>
+            </a:r>
+            <a:r>
+              <a:rPr lang="de-DE" sz="1400" dirty="0" err="1" smtClean="0"/>
+              <a:t>read</a:t>
+            </a:r>
+            <a:r>
+              <a:rPr lang="de-DE" sz="1400" dirty="0"/>
+              <a:t> </a:t>
+            </a:r>
+            <a:r>
+              <a:rPr lang="de-DE" sz="1400" dirty="0" err="1" smtClean="0"/>
+              <a:t>and</a:t>
+            </a:r>
+            <a:r>
+              <a:rPr lang="de-DE" sz="1400" dirty="0" smtClean="0"/>
+              <a:t> </a:t>
+            </a:r>
+            <a:r>
+              <a:rPr lang="de-DE" sz="1400" dirty="0" err="1" smtClean="0"/>
+              <a:t>afterwards</a:t>
+            </a:r>
+            <a:r>
+              <a:rPr lang="de-DE" sz="1400" dirty="0" smtClean="0"/>
+              <a:t> </a:t>
+            </a:r>
+            <a:r>
+              <a:rPr lang="de-DE" sz="1400" dirty="0" err="1" smtClean="0"/>
+              <a:t>converted</a:t>
+            </a:r>
+            <a:r>
+              <a:rPr lang="de-DE" sz="1400" dirty="0" smtClean="0"/>
+              <a:t>.</a:t>
+            </a:r>
+            <a:endParaRPr lang="de-DE" sz="1400" dirty="0"/>
+          </a:p>
+        </p:txBody>
+      </p:sp>
+      <p:sp>
+        <p:nvSpPr>
+          <p:cNvPr id="59" name="Ellipse 58"/>
+          <p:cNvSpPr/>
+          <p:nvPr/>
+        </p:nvSpPr>
+        <p:spPr>
+          <a:xfrm>
+            <a:off x="7034708" y="2333593"/>
+            <a:ext cx="1604944" cy="948275"/>
+          </a:xfrm>
+          <a:prstGeom prst="ellipse">
+            <a:avLst/>
+          </a:prstGeom>
+          <a:noFill/>
+          <a:ln>
+            <a:solidFill>
+              <a:schemeClr val="tx1">
+                <a:lumMod val="50000"/>
+              </a:schemeClr>
+            </a:solidFill>
+          </a:ln>
+        </p:spPr>
+        <p:style>
+          <a:lnRef idx="2">
+            <a:schemeClr val="accent1">
+              <a:shade val="50000"/>
+            </a:schemeClr>
+          </a:lnRef>
+          <a:fillRef idx="1">
+            <a:schemeClr val="accent1"/>
+          </a:fillRef>
+          <a:effectRef idx="0">
+            <a:schemeClr val="accent1"/>
+          </a:effectRef>
+          <a:fontRef idx="minor">
+            <a:schemeClr val="lt1"/>
+          </a:fontRef>
+        </p:style>
+        <p:txBody>
+          <a:bodyPr rtlCol="0" anchor="ctr"/>
+          <a:lstStyle/>
+          <a:p>
+            <a:pPr algn="ctr"/>
+            <a:endParaRPr lang="de-DE"/>
+          </a:p>
+        </p:txBody>
+      </p:sp>
+      <p:sp>
+        <p:nvSpPr>
+          <p:cNvPr id="60" name="Textfeld 59"/>
+          <p:cNvSpPr txBox="1"/>
+          <p:nvPr/>
+        </p:nvSpPr>
+        <p:spPr>
+          <a:xfrm>
+            <a:off x="7273285" y="2580530"/>
+            <a:ext cx="1152688" cy="492443"/>
+          </a:xfrm>
+          <a:prstGeom prst="rect">
+            <a:avLst/>
+          </a:prstGeom>
+          <a:noFill/>
+        </p:spPr>
+        <p:txBody>
+          <a:bodyPr wrap="none" rtlCol="0">
+            <a:spAutoFit/>
+          </a:bodyPr>
+          <a:lstStyle/>
+          <a:p>
+            <a:pPr algn="ctr"/>
+            <a:r>
+              <a:rPr lang="de-DE" sz="1400" dirty="0" smtClean="0">
+                <a:latin typeface="+mn-lt"/>
+              </a:rPr>
+              <a:t>Interface : </a:t>
+            </a:r>
+          </a:p>
+          <a:p>
+            <a:r>
+              <a:rPr lang="de-DE" sz="1200" i="1" dirty="0" err="1" smtClean="0">
+                <a:latin typeface="+mn-lt"/>
+              </a:rPr>
+              <a:t>IDeviceValues</a:t>
+            </a:r>
+            <a:endParaRPr lang="de-DE" sz="1200" i="1" dirty="0">
+              <a:latin typeface="+mn-lt"/>
+            </a:endParaRPr>
+          </a:p>
+        </p:txBody>
+      </p:sp>
+      <p:cxnSp>
+        <p:nvCxnSpPr>
+          <p:cNvPr id="1025" name="Gerade Verbindung mit Pfeil 1024"/>
+          <p:cNvCxnSpPr>
+            <a:stCxn id="12" idx="6"/>
+            <a:endCxn id="6" idx="1"/>
+          </p:cNvCxnSpPr>
+          <p:nvPr/>
+        </p:nvCxnSpPr>
+        <p:spPr>
+          <a:xfrm>
+            <a:off x="2802211" y="4165538"/>
+            <a:ext cx="1484458" cy="5027"/>
+          </a:xfrm>
+          <a:prstGeom prst="straightConnector1">
+            <a:avLst/>
+          </a:prstGeom>
+          <a:ln>
+            <a:solidFill>
+              <a:schemeClr val="tx1">
+                <a:lumMod val="50000"/>
+              </a:schemeClr>
+            </a:solidFill>
+            <a:tailEnd type="arrow"/>
+          </a:ln>
+        </p:spPr>
+        <p:style>
+          <a:lnRef idx="1">
+            <a:schemeClr val="accent1"/>
+          </a:lnRef>
+          <a:fillRef idx="0">
+            <a:schemeClr val="accent1"/>
+          </a:fillRef>
+          <a:effectRef idx="0">
+            <a:schemeClr val="accent1"/>
+          </a:effectRef>
+          <a:fontRef idx="minor">
+            <a:schemeClr val="tx1"/>
+          </a:fontRef>
+        </p:style>
+      </p:cxnSp>
+      <p:sp>
+        <p:nvSpPr>
+          <p:cNvPr id="1035" name="Textfeld 1034"/>
+          <p:cNvSpPr txBox="1"/>
+          <p:nvPr/>
+        </p:nvSpPr>
+        <p:spPr>
+          <a:xfrm>
+            <a:off x="2771800" y="3751998"/>
+            <a:ext cx="1584176" cy="646331"/>
+          </a:xfrm>
+          <a:prstGeom prst="rect">
+            <a:avLst/>
+          </a:prstGeom>
+          <a:noFill/>
+        </p:spPr>
+        <p:txBody>
+          <a:bodyPr wrap="square" rtlCol="0">
+            <a:spAutoFit/>
+          </a:bodyPr>
+          <a:lstStyle/>
+          <a:p>
+            <a:r>
+              <a:rPr lang="de-DE" sz="1200" dirty="0" smtClean="0"/>
+              <a:t>Interface </a:t>
+            </a:r>
+            <a:r>
+              <a:rPr lang="de-DE" sz="1200" dirty="0" err="1" smtClean="0"/>
+              <a:t>implemented</a:t>
+            </a:r>
+            <a:r>
+              <a:rPr lang="de-DE" sz="1200" dirty="0" smtClean="0"/>
+              <a:t> </a:t>
+            </a:r>
+            <a:r>
+              <a:rPr lang="de-DE" sz="1200" dirty="0" err="1" smtClean="0"/>
+              <a:t>by</a:t>
+            </a:r>
+            <a:endParaRPr lang="de-DE" sz="1200" dirty="0" smtClean="0"/>
+          </a:p>
+          <a:p>
+            <a:r>
+              <a:rPr lang="de-DE" sz="1200" dirty="0" err="1" smtClean="0"/>
+              <a:t>ModbusConnection</a:t>
+            </a:r>
+            <a:endParaRPr lang="de-DE" sz="1600" dirty="0"/>
+          </a:p>
+        </p:txBody>
+      </p:sp>
+      <p:cxnSp>
+        <p:nvCxnSpPr>
+          <p:cNvPr id="1037" name="Gerade Verbindung mit Pfeil 1036"/>
+          <p:cNvCxnSpPr>
+            <a:stCxn id="59" idx="4"/>
+            <a:endCxn id="7" idx="0"/>
+          </p:cNvCxnSpPr>
+          <p:nvPr/>
+        </p:nvCxnSpPr>
+        <p:spPr>
+          <a:xfrm flipH="1">
+            <a:off x="7834556" y="3281868"/>
+            <a:ext cx="2624" cy="427501"/>
+          </a:xfrm>
+          <a:prstGeom prst="straightConnector1">
+            <a:avLst/>
+          </a:prstGeom>
+          <a:ln>
+            <a:solidFill>
+              <a:schemeClr val="tx1">
+                <a:lumMod val="50000"/>
+              </a:schemeClr>
+            </a:solidFill>
+            <a:tailEnd type="arrow"/>
+          </a:ln>
+        </p:spPr>
+        <p:style>
+          <a:lnRef idx="1">
+            <a:schemeClr val="accent1"/>
+          </a:lnRef>
+          <a:fillRef idx="0">
+            <a:schemeClr val="accent1"/>
+          </a:fillRef>
+          <a:effectRef idx="0">
+            <a:schemeClr val="accent1"/>
+          </a:effectRef>
+          <a:fontRef idx="minor">
+            <a:schemeClr val="tx1"/>
+          </a:fontRef>
+        </p:style>
+      </p:cxnSp>
+      <p:sp>
+        <p:nvSpPr>
+          <p:cNvPr id="1047" name="Textfeld 1046"/>
+          <p:cNvSpPr txBox="1"/>
+          <p:nvPr/>
+        </p:nvSpPr>
+        <p:spPr>
+          <a:xfrm>
+            <a:off x="6300192" y="3274815"/>
+            <a:ext cx="2215435" cy="461665"/>
+          </a:xfrm>
+          <a:prstGeom prst="rect">
+            <a:avLst/>
+          </a:prstGeom>
+          <a:noFill/>
+        </p:spPr>
+        <p:txBody>
+          <a:bodyPr wrap="square" rtlCol="0">
+            <a:spAutoFit/>
+          </a:bodyPr>
+          <a:lstStyle/>
+          <a:p>
+            <a:r>
+              <a:rPr lang="de-DE" sz="1200" dirty="0" smtClean="0"/>
+              <a:t>Interface </a:t>
+            </a:r>
+            <a:r>
+              <a:rPr lang="de-DE" sz="1200" dirty="0" err="1" smtClean="0"/>
+              <a:t>implemented</a:t>
+            </a:r>
+            <a:r>
+              <a:rPr lang="de-DE" sz="1200" dirty="0" smtClean="0"/>
+              <a:t> </a:t>
+            </a:r>
+            <a:r>
+              <a:rPr lang="de-DE" sz="1200" dirty="0" err="1" smtClean="0"/>
+              <a:t>by</a:t>
+            </a:r>
+            <a:r>
+              <a:rPr lang="de-DE" sz="1200" dirty="0" smtClean="0"/>
+              <a:t> WTX120Modbus</a:t>
+            </a:r>
+            <a:endParaRPr lang="de-DE" sz="1200" dirty="0"/>
+          </a:p>
+        </p:txBody>
+      </p:sp>
+      <p:sp>
+        <p:nvSpPr>
+          <p:cNvPr id="1055" name="Textfeld 1054"/>
+          <p:cNvSpPr txBox="1"/>
+          <p:nvPr/>
+        </p:nvSpPr>
+        <p:spPr>
+          <a:xfrm>
+            <a:off x="2901616" y="725221"/>
+            <a:ext cx="5602752" cy="1384995"/>
+          </a:xfrm>
+          <a:prstGeom prst="rect">
+            <a:avLst/>
+          </a:prstGeom>
+          <a:noFill/>
+        </p:spPr>
+        <p:txBody>
+          <a:bodyPr wrap="none" rtlCol="0">
+            <a:spAutoFit/>
+          </a:bodyPr>
+          <a:lstStyle/>
+          <a:p>
+            <a:r>
+              <a:rPr lang="de-DE" sz="1400" dirty="0" smtClean="0">
+                <a:latin typeface="+mn-lt"/>
+              </a:rPr>
+              <a:t>2 </a:t>
+            </a:r>
+            <a:r>
+              <a:rPr lang="de-DE" sz="1400" dirty="0" err="1" smtClean="0">
+                <a:latin typeface="+mn-lt"/>
+              </a:rPr>
+              <a:t>interfaces</a:t>
+            </a:r>
+            <a:r>
+              <a:rPr lang="de-DE" sz="1400" dirty="0" smtClean="0">
+                <a:latin typeface="+mn-lt"/>
+              </a:rPr>
+              <a:t> </a:t>
+            </a:r>
+            <a:r>
+              <a:rPr lang="de-DE" sz="1400" dirty="0" err="1" smtClean="0">
+                <a:latin typeface="+mn-lt"/>
+              </a:rPr>
+              <a:t>defining</a:t>
+            </a:r>
+            <a:r>
+              <a:rPr lang="de-DE" sz="1400" dirty="0" smtClean="0">
+                <a:latin typeface="+mn-lt"/>
+              </a:rPr>
+              <a:t> </a:t>
+            </a:r>
+            <a:r>
+              <a:rPr lang="de-DE" sz="1400" dirty="0" err="1" smtClean="0">
+                <a:latin typeface="+mn-lt"/>
+              </a:rPr>
+              <a:t>the</a:t>
+            </a:r>
+            <a:r>
+              <a:rPr lang="de-DE" sz="1400" dirty="0" smtClean="0">
+                <a:latin typeface="+mn-lt"/>
+              </a:rPr>
+              <a:t> </a:t>
+            </a:r>
+            <a:r>
+              <a:rPr lang="de-DE" sz="1400" dirty="0" err="1" smtClean="0">
+                <a:latin typeface="+mn-lt"/>
+              </a:rPr>
+              <a:t>methods</a:t>
+            </a:r>
+            <a:r>
+              <a:rPr lang="de-DE" sz="1400" dirty="0" smtClean="0">
+                <a:latin typeface="+mn-lt"/>
+              </a:rPr>
+              <a:t> </a:t>
+            </a:r>
+            <a:r>
+              <a:rPr lang="de-DE" sz="1400" dirty="0" err="1" smtClean="0">
+                <a:latin typeface="+mn-lt"/>
+              </a:rPr>
+              <a:t>for</a:t>
+            </a:r>
+            <a:r>
+              <a:rPr lang="de-DE" sz="1400" dirty="0">
+                <a:latin typeface="+mn-lt"/>
+              </a:rPr>
+              <a:t> </a:t>
+            </a:r>
+            <a:r>
+              <a:rPr lang="de-DE" sz="1400" dirty="0" err="1" smtClean="0">
+                <a:latin typeface="+mn-lt"/>
+              </a:rPr>
+              <a:t>the</a:t>
+            </a:r>
+            <a:r>
+              <a:rPr lang="de-DE" sz="1400" dirty="0">
+                <a:latin typeface="+mn-lt"/>
+              </a:rPr>
+              <a:t> </a:t>
+            </a:r>
+            <a:r>
+              <a:rPr lang="de-DE" sz="1400" dirty="0" smtClean="0">
+                <a:latin typeface="+mn-lt"/>
+              </a:rPr>
+              <a:t>TCP/</a:t>
+            </a:r>
+            <a:r>
+              <a:rPr lang="de-DE" sz="1400" dirty="0" err="1" smtClean="0">
+                <a:latin typeface="+mn-lt"/>
+              </a:rPr>
+              <a:t>IPModbus</a:t>
+            </a:r>
+            <a:r>
+              <a:rPr lang="de-DE" sz="1400" dirty="0" smtClean="0">
+                <a:latin typeface="+mn-lt"/>
+              </a:rPr>
+              <a:t> </a:t>
+            </a:r>
+            <a:r>
+              <a:rPr lang="de-DE" sz="1400" dirty="0" err="1" smtClean="0">
+                <a:latin typeface="+mn-lt"/>
+              </a:rPr>
+              <a:t>connection</a:t>
+            </a:r>
+            <a:r>
+              <a:rPr lang="de-DE" sz="1400" dirty="0" smtClean="0">
+                <a:latin typeface="+mn-lt"/>
+              </a:rPr>
+              <a:t> </a:t>
+            </a:r>
+          </a:p>
+          <a:p>
+            <a:r>
+              <a:rPr lang="de-DE" sz="1400" dirty="0" smtClean="0">
+                <a:latin typeface="+mn-lt"/>
+              </a:rPr>
+              <a:t>(</a:t>
+            </a:r>
+            <a:r>
+              <a:rPr lang="de-DE" sz="1400" dirty="0" err="1" smtClean="0">
+                <a:latin typeface="+mn-lt"/>
+              </a:rPr>
+              <a:t>IModbusConnection</a:t>
+            </a:r>
+            <a:r>
+              <a:rPr lang="de-DE" sz="1400" dirty="0" smtClean="0">
+                <a:latin typeface="+mn-lt"/>
+              </a:rPr>
+              <a:t>) </a:t>
+            </a:r>
+            <a:r>
+              <a:rPr lang="de-DE" sz="1400" dirty="0" err="1" smtClean="0">
+                <a:latin typeface="+mn-lt"/>
+              </a:rPr>
+              <a:t>and</a:t>
+            </a:r>
+            <a:r>
+              <a:rPr lang="de-DE" sz="1400" dirty="0" smtClean="0">
+                <a:latin typeface="+mn-lt"/>
+              </a:rPr>
+              <a:t> </a:t>
+            </a:r>
+            <a:r>
+              <a:rPr lang="de-DE" sz="1400" dirty="0" err="1" smtClean="0">
+                <a:latin typeface="+mn-lt"/>
+              </a:rPr>
+              <a:t>for</a:t>
+            </a:r>
+            <a:r>
+              <a:rPr lang="de-DE" sz="1400" dirty="0" smtClean="0">
+                <a:latin typeface="+mn-lt"/>
+              </a:rPr>
+              <a:t> </a:t>
+            </a:r>
+            <a:r>
+              <a:rPr lang="de-DE" sz="1400" dirty="0" err="1" smtClean="0">
+                <a:latin typeface="+mn-lt"/>
+              </a:rPr>
+              <a:t>the</a:t>
+            </a:r>
+            <a:r>
+              <a:rPr lang="de-DE" sz="1400" dirty="0" smtClean="0">
+                <a:latin typeface="+mn-lt"/>
+              </a:rPr>
+              <a:t> </a:t>
+            </a:r>
+            <a:r>
+              <a:rPr lang="de-DE" sz="1400" dirty="0" err="1" smtClean="0">
+                <a:latin typeface="+mn-lt"/>
+              </a:rPr>
+              <a:t>specific</a:t>
+            </a:r>
+            <a:r>
+              <a:rPr lang="de-DE" sz="1400" dirty="0" smtClean="0">
+                <a:latin typeface="+mn-lt"/>
+              </a:rPr>
+              <a:t> </a:t>
+            </a:r>
+            <a:r>
+              <a:rPr lang="de-DE" sz="1400" dirty="0" err="1" smtClean="0">
+                <a:latin typeface="+mn-lt"/>
+              </a:rPr>
+              <a:t>values</a:t>
+            </a:r>
+            <a:r>
+              <a:rPr lang="de-DE" sz="1400" dirty="0" smtClean="0">
+                <a:latin typeface="+mn-lt"/>
+              </a:rPr>
+              <a:t> </a:t>
+            </a:r>
+            <a:r>
+              <a:rPr lang="de-DE" sz="1400" dirty="0" err="1" smtClean="0">
+                <a:latin typeface="+mn-lt"/>
+              </a:rPr>
+              <a:t>from</a:t>
+            </a:r>
+            <a:r>
+              <a:rPr lang="de-DE" sz="1400" dirty="0" smtClean="0">
+                <a:latin typeface="+mn-lt"/>
+              </a:rPr>
+              <a:t> </a:t>
+            </a:r>
+            <a:r>
+              <a:rPr lang="de-DE" sz="1400" dirty="0" err="1" smtClean="0">
+                <a:latin typeface="+mn-lt"/>
+              </a:rPr>
+              <a:t>your</a:t>
+            </a:r>
+            <a:r>
+              <a:rPr lang="de-DE" sz="1400" dirty="0" smtClean="0">
+                <a:latin typeface="+mn-lt"/>
+              </a:rPr>
+              <a:t> WTX </a:t>
+            </a:r>
+          </a:p>
+          <a:p>
+            <a:r>
+              <a:rPr lang="de-DE" sz="1400" dirty="0" err="1" smtClean="0">
+                <a:latin typeface="+mn-lt"/>
+              </a:rPr>
+              <a:t>device</a:t>
+            </a:r>
+            <a:r>
+              <a:rPr lang="de-DE" sz="1400" dirty="0" smtClean="0">
+                <a:latin typeface="+mn-lt"/>
+              </a:rPr>
+              <a:t> (</a:t>
+            </a:r>
+            <a:r>
+              <a:rPr lang="de-DE" sz="1400" dirty="0" err="1" smtClean="0">
+                <a:latin typeface="+mn-lt"/>
+              </a:rPr>
+              <a:t>IDeviceValues</a:t>
+            </a:r>
+            <a:r>
+              <a:rPr lang="de-DE" sz="1400" dirty="0" smtClean="0">
+                <a:latin typeface="+mn-lt"/>
+              </a:rPr>
+              <a:t>).</a:t>
+            </a:r>
+          </a:p>
+          <a:p>
+            <a:endParaRPr lang="de-DE" sz="1400" dirty="0" smtClean="0">
+              <a:latin typeface="+mn-lt"/>
+            </a:endParaRPr>
+          </a:p>
+          <a:p>
+            <a:r>
+              <a:rPr lang="de-DE" sz="1400" dirty="0" smtClean="0">
+                <a:latin typeface="+mn-lt"/>
+              </a:rPr>
+              <a:t>A </a:t>
+            </a:r>
+            <a:r>
+              <a:rPr lang="de-DE" sz="1400" dirty="0" err="1" smtClean="0">
+                <a:latin typeface="+mn-lt"/>
+              </a:rPr>
+              <a:t>console</a:t>
+            </a:r>
+            <a:r>
+              <a:rPr lang="de-DE" sz="1400" dirty="0" smtClean="0">
+                <a:latin typeface="+mn-lt"/>
+              </a:rPr>
+              <a:t> </a:t>
+            </a:r>
+            <a:r>
+              <a:rPr lang="de-DE" sz="1400" dirty="0" err="1" smtClean="0">
+                <a:latin typeface="+mn-lt"/>
+              </a:rPr>
+              <a:t>program</a:t>
+            </a:r>
+            <a:r>
+              <a:rPr lang="de-DE" sz="1400" dirty="0" smtClean="0">
+                <a:latin typeface="+mn-lt"/>
+              </a:rPr>
+              <a:t> </a:t>
+            </a:r>
+            <a:r>
+              <a:rPr lang="de-DE" sz="1400" dirty="0" err="1" smtClean="0">
+                <a:latin typeface="+mn-lt"/>
+              </a:rPr>
+              <a:t>or</a:t>
+            </a:r>
+            <a:r>
+              <a:rPr lang="de-DE" sz="1400" dirty="0" smtClean="0">
+                <a:latin typeface="+mn-lt"/>
+              </a:rPr>
+              <a:t> form </a:t>
+            </a:r>
+            <a:r>
+              <a:rPr lang="de-DE" sz="1400" dirty="0" err="1" smtClean="0">
+                <a:latin typeface="+mn-lt"/>
+              </a:rPr>
+              <a:t>application</a:t>
+            </a:r>
+            <a:r>
+              <a:rPr lang="de-DE" sz="1400" dirty="0" smtClean="0">
+                <a:latin typeface="+mn-lt"/>
+              </a:rPr>
+              <a:t> </a:t>
+            </a:r>
+            <a:r>
+              <a:rPr lang="de-DE" sz="1400" dirty="0" err="1" smtClean="0">
+                <a:latin typeface="+mn-lt"/>
+              </a:rPr>
+              <a:t>has</a:t>
+            </a:r>
+            <a:r>
+              <a:rPr lang="de-DE" sz="1400" dirty="0" smtClean="0">
+                <a:latin typeface="+mn-lt"/>
+              </a:rPr>
+              <a:t> </a:t>
+            </a:r>
+            <a:r>
+              <a:rPr lang="de-DE" sz="1400" dirty="0" err="1" smtClean="0">
+                <a:latin typeface="+mn-lt"/>
+              </a:rPr>
+              <a:t>access</a:t>
+            </a:r>
+            <a:r>
+              <a:rPr lang="de-DE" sz="1400" dirty="0" smtClean="0">
+                <a:latin typeface="+mn-lt"/>
+              </a:rPr>
+              <a:t> </a:t>
+            </a:r>
+            <a:r>
+              <a:rPr lang="de-DE" sz="1400" dirty="0" err="1" smtClean="0">
+                <a:latin typeface="+mn-lt"/>
+              </a:rPr>
+              <a:t>to</a:t>
+            </a:r>
+            <a:r>
+              <a:rPr lang="de-DE" sz="1400" dirty="0" smtClean="0">
+                <a:latin typeface="+mn-lt"/>
+              </a:rPr>
+              <a:t> </a:t>
+            </a:r>
+            <a:r>
+              <a:rPr lang="de-DE" sz="1400" dirty="0" err="1" smtClean="0">
+                <a:latin typeface="+mn-lt"/>
+              </a:rPr>
+              <a:t>objects</a:t>
+            </a:r>
+            <a:r>
+              <a:rPr lang="de-DE" sz="1400" dirty="0" smtClean="0">
+                <a:latin typeface="+mn-lt"/>
+              </a:rPr>
+              <a:t> </a:t>
+            </a:r>
+            <a:r>
+              <a:rPr lang="de-DE" sz="1400" dirty="0" err="1" smtClean="0">
+                <a:latin typeface="+mn-lt"/>
+              </a:rPr>
+              <a:t>of</a:t>
+            </a:r>
+            <a:endParaRPr lang="de-DE" sz="1400" dirty="0" smtClean="0">
+              <a:latin typeface="+mn-lt"/>
+            </a:endParaRPr>
+          </a:p>
+          <a:p>
+            <a:r>
+              <a:rPr lang="de-DE" sz="1400" dirty="0" err="1" smtClean="0">
+                <a:latin typeface="+mn-lt"/>
+              </a:rPr>
+              <a:t>ModbusConnection</a:t>
+            </a:r>
+            <a:r>
+              <a:rPr lang="de-DE" sz="1400" dirty="0" smtClean="0">
+                <a:latin typeface="+mn-lt"/>
+              </a:rPr>
+              <a:t> </a:t>
+            </a:r>
+            <a:r>
+              <a:rPr lang="de-DE" sz="1400" dirty="0" err="1" smtClean="0">
+                <a:latin typeface="+mn-lt"/>
+              </a:rPr>
+              <a:t>and</a:t>
+            </a:r>
+            <a:r>
+              <a:rPr lang="de-DE" sz="1400" dirty="0" smtClean="0">
+                <a:latin typeface="+mn-lt"/>
+              </a:rPr>
+              <a:t> WTX120Modbus. </a:t>
+            </a:r>
+            <a:endParaRPr lang="de-DE" sz="1400" dirty="0">
+              <a:latin typeface="+mn-lt"/>
+            </a:endParaRPr>
+          </a:p>
+        </p:txBody>
+      </p:sp>
+      <p:cxnSp>
+        <p:nvCxnSpPr>
+          <p:cNvPr id="99" name="Gerade Verbindung 98"/>
+          <p:cNvCxnSpPr/>
+          <p:nvPr/>
+        </p:nvCxnSpPr>
+        <p:spPr>
+          <a:xfrm>
+            <a:off x="676166" y="2297826"/>
+            <a:ext cx="7704856" cy="0"/>
+          </a:xfrm>
+          <a:prstGeom prst="line">
+            <a:avLst/>
+          </a:prstGeom>
+          <a:ln>
+            <a:solidFill>
+              <a:schemeClr val="tx2">
+                <a:lumMod val="75000"/>
+              </a:schemeClr>
+            </a:solidFill>
+            <a:prstDash val="dash"/>
+          </a:ln>
+        </p:spPr>
+        <p:style>
+          <a:lnRef idx="1">
+            <a:schemeClr val="accent1"/>
+          </a:lnRef>
+          <a:fillRef idx="0">
+            <a:schemeClr val="accent1"/>
+          </a:fillRef>
+          <a:effectRef idx="0">
+            <a:schemeClr val="accent1"/>
+          </a:effectRef>
+          <a:fontRef idx="minor">
+            <a:schemeClr val="tx1"/>
+          </a:fontRef>
+        </p:style>
+      </p:cxnSp>
+    </p:spTree>
+    <p:extLst>
+      <p:ext uri="{BB962C8B-B14F-4D97-AF65-F5344CB8AC3E}">
+        <p14:creationId xmlns:p14="http://schemas.microsoft.com/office/powerpoint/2010/main" val="3364351993"/>
+      </p:ext>
+    </p:extLst>
+  </p:cSld>
+  <p:clrMapOvr>
+    <a:masterClrMapping/>
+  </p:clrMapOvr>
+  <p:timing>
+    <p:tnLst>
+      <p:par>
+        <p:cTn id="1" dur="indefinite" restart="never" nodeType="tmRoot"/>
+      </p:par>
+    </p:tnLst>
+  </p:timing>
+</p:sld>
+</file>
+
+<file path=ppt/slides/slide11.xml><?xml version="1.0" encoding="utf-8"?>
+<p:sld xmlns:a="http://schemas.openxmlformats.org/drawingml/2006/main" xmlns:r="http://schemas.openxmlformats.org/officeDocument/2006/relationships" xmlns:p="http://schemas.openxmlformats.org/presentationml/2006/main">
+  <p:cSld>
+    <p:spTree>
+      <p:nvGrpSpPr>
+        <p:cNvPr id="1" name=""/>
+        <p:cNvGrpSpPr/>
+        <p:nvPr/>
+      </p:nvGrpSpPr>
+      <p:grpSpPr>
+        <a:xfrm>
+          <a:off x="0" y="0"/>
+          <a:ext cx="0" cy="0"/>
+          <a:chOff x="0" y="0"/>
+          <a:chExt cx="0" cy="0"/>
+        </a:xfrm>
+      </p:grpSpPr>
+      <p:sp>
+        <p:nvSpPr>
+          <p:cNvPr id="3" name="Titel 2"/>
+          <p:cNvSpPr>
+            <a:spLocks noGrp="1"/>
+          </p:cNvSpPr>
+          <p:nvPr>
+            <p:ph type="title"/>
+          </p:nvPr>
+        </p:nvSpPr>
+        <p:spPr/>
+        <p:txBody>
+          <a:bodyPr/>
+          <a:lstStyle/>
+          <a:p>
+            <a:r>
+              <a:rPr lang="en-US" dirty="0" smtClean="0"/>
+              <a:t>2) Step-by-Step: Use the API – Overview (2)</a:t>
+            </a:r>
+            <a:endParaRPr lang="de-DE" dirty="0"/>
+          </a:p>
+        </p:txBody>
+      </p:sp>
+      <p:sp>
+        <p:nvSpPr>
+          <p:cNvPr id="4" name="Foliennummernplatzhalter 3"/>
+          <p:cNvSpPr>
+            <a:spLocks noGrp="1"/>
+          </p:cNvSpPr>
+          <p:nvPr>
+            <p:ph type="sldNum" sz="quarter" idx="20"/>
+          </p:nvPr>
+        </p:nvSpPr>
+        <p:spPr/>
+        <p:txBody>
+          <a:bodyPr/>
+          <a:lstStyle/>
+          <a:p>
+            <a:pPr>
+              <a:defRPr/>
+            </a:pPr>
+            <a:fld id="{3C51BDBD-9BFD-4203-86B0-2FBA6AD25841}" type="slidenum">
+              <a:rPr lang="de-DE" altLang="en-US" smtClean="0"/>
+              <a:pPr>
+                <a:defRPr/>
+              </a:pPr>
+              <a:t>11</a:t>
             </a:fld>
             <a:endParaRPr lang="de-DE" altLang="en-US" dirty="0"/>
           </a:p>
@@ -5914,7 +7687,7 @@
 </p:sld>
 </file>
 
-<file path=ppt/slides/slide11.xml><?xml version="1.0" encoding="utf-8"?>
+<file path=ppt/slides/slide12.xml><?xml version="1.0" encoding="utf-8"?>
 <p:sld xmlns:a="http://schemas.openxmlformats.org/drawingml/2006/main" xmlns:r="http://schemas.openxmlformats.org/officeDocument/2006/relationships" xmlns:p="http://schemas.openxmlformats.org/presentationml/2006/main">
   <p:cSld>
     <p:spTree>
@@ -6048,7 +7821,7 @@
               <a:pPr>
                 <a:defRPr/>
               </a:pPr>
-              <a:t>11</a:t>
+              <a:t>12</a:t>
             </a:fld>
             <a:endParaRPr lang="de-DE" altLang="en-US" dirty="0"/>
           </a:p>
@@ -6176,7 +7949,7 @@
 </p:sld>
 </file>
 
-<file path=ppt/slides/slide12.xml><?xml version="1.0" encoding="utf-8"?>
+<file path=ppt/slides/slide13.xml><?xml version="1.0" encoding="utf-8"?>
 <p:sld xmlns:a="http://schemas.openxmlformats.org/drawingml/2006/main" xmlns:r="http://schemas.openxmlformats.org/officeDocument/2006/relationships" xmlns:p="http://schemas.openxmlformats.org/presentationml/2006/main">
   <p:cSld>
     <p:spTree>
@@ -6436,7 +8209,7 @@
               <a:pPr>
                 <a:defRPr/>
               </a:pPr>
-              <a:t>12</a:t>
+              <a:t>13</a:t>
             </a:fld>
             <a:endParaRPr lang="de-DE" altLang="en-US" dirty="0"/>
           </a:p>
@@ -7537,7 +9310,7 @@
 </p:sld>
 </file>
 
-<file path=ppt/slides/slide13.xml><?xml version="1.0" encoding="utf-8"?>
+<file path=ppt/slides/slide14.xml><?xml version="1.0" encoding="utf-8"?>
 <p:sld xmlns:a="http://schemas.openxmlformats.org/drawingml/2006/main" xmlns:r="http://schemas.openxmlformats.org/officeDocument/2006/relationships" xmlns:p="http://schemas.openxmlformats.org/presentationml/2006/main">
   <p:cSld>
     <p:spTree>
@@ -7931,7 +9704,7 @@
               <a:pPr>
                 <a:defRPr/>
               </a:pPr>
-              <a:t>13</a:t>
+              <a:t>14</a:t>
             </a:fld>
             <a:endParaRPr lang="de-DE" altLang="en-US" dirty="0"/>
           </a:p>
@@ -8989,7 +10762,7 @@
 </p:sld>
 </file>
 
-<file path=ppt/slides/slide14.xml><?xml version="1.0" encoding="utf-8"?>
+<file path=ppt/slides/slide15.xml><?xml version="1.0" encoding="utf-8"?>
 <p:sld xmlns:a="http://schemas.openxmlformats.org/drawingml/2006/main" xmlns:r="http://schemas.openxmlformats.org/officeDocument/2006/relationships" xmlns:p="http://schemas.openxmlformats.org/presentationml/2006/main">
   <p:cSld>
     <p:spTree>
@@ -9422,7 +11195,7 @@
               <a:pPr>
                 <a:defRPr/>
               </a:pPr>
-              <a:t>14</a:t>
+              <a:t>15</a:t>
             </a:fld>
             <a:endParaRPr lang="de-DE" altLang="en-US" dirty="0"/>
           </a:p>
@@ -9782,7 +11555,7 @@
 </p:sld>
 </file>
 
-<file path=ppt/slides/slide15.xml><?xml version="1.0" encoding="utf-8"?>
+<file path=ppt/slides/slide16.xml><?xml version="1.0" encoding="utf-8"?>
 <p:sld xmlns:a="http://schemas.openxmlformats.org/drawingml/2006/main" xmlns:r="http://schemas.openxmlformats.org/officeDocument/2006/relationships" xmlns:p="http://schemas.openxmlformats.org/presentationml/2006/main">
   <p:cSld>
     <p:spTree>
@@ -10146,7 +11919,7 @@
               <a:pPr>
                 <a:defRPr/>
               </a:pPr>
-              <a:t>15</a:t>
+              <a:t>16</a:t>
             </a:fld>
             <a:endParaRPr lang="de-DE" altLang="en-US" dirty="0"/>
           </a:p>
@@ -10963,7 +12736,7 @@
 </p:sld>
 </file>
 
-<file path=ppt/slides/slide16.xml><?xml version="1.0" encoding="utf-8"?>
+<file path=ppt/slides/slide17.xml><?xml version="1.0" encoding="utf-8"?>
 <p:sld xmlns:a="http://schemas.openxmlformats.org/drawingml/2006/main" xmlns:r="http://schemas.openxmlformats.org/officeDocument/2006/relationships" xmlns:p="http://schemas.openxmlformats.org/presentationml/2006/main">
   <p:cSld>
     <p:spTree>
@@ -11782,7 +13555,7 @@
               <a:pPr>
                 <a:defRPr/>
               </a:pPr>
-              <a:t>16</a:t>
+              <a:t>17</a:t>
             </a:fld>
             <a:endParaRPr lang="de-DE" altLang="en-US" dirty="0"/>
           </a:p>
@@ -12455,7 +14228,7 @@
 </p:sld>
 </file>
 
-<file path=ppt/slides/slide17.xml><?xml version="1.0" encoding="utf-8"?>
+<file path=ppt/slides/slide18.xml><?xml version="1.0" encoding="utf-8"?>
 <p:sld xmlns:a="http://schemas.openxmlformats.org/drawingml/2006/main" xmlns:r="http://schemas.openxmlformats.org/officeDocument/2006/relationships" xmlns:p="http://schemas.openxmlformats.org/presentationml/2006/main">
   <p:cSld>
     <p:spTree>
@@ -13506,7 +15279,7 @@
               <a:pPr>
                 <a:defRPr/>
               </a:pPr>
-              <a:t>17</a:t>
+              <a:t>18</a:t>
             </a:fld>
             <a:endParaRPr lang="de-DE" altLang="en-US" dirty="0"/>
           </a:p>
@@ -13632,7 +15405,7 @@
 </p:sld>
 </file>
 
-<file path=ppt/slides/slide18.xml><?xml version="1.0" encoding="utf-8"?>
+<file path=ppt/slides/slide19.xml><?xml version="1.0" encoding="utf-8"?>
 <p:sld xmlns:a="http://schemas.openxmlformats.org/drawingml/2006/main" xmlns:r="http://schemas.openxmlformats.org/officeDocument/2006/relationships" xmlns:p="http://schemas.openxmlformats.org/presentationml/2006/main">
   <p:cSld>
     <p:spTree>
@@ -14086,11 +15859,7 @@
             </a:r>
             <a:r>
               <a:rPr lang="de-DE" sz="1500" dirty="0" err="1" smtClean="0"/>
-              <a:t>application:</a:t>
-            </a:r>
-            <a:r>
-              <a:rPr lang="de-DE" sz="1500" dirty="0" err="1" smtClean="0"/>
-              <a:t>Therefore</a:t>
+              <a:t>application:Therefore</a:t>
             </a:r>
             <a:r>
               <a:rPr lang="de-DE" sz="1500" dirty="0" smtClean="0"/>
@@ -14162,13 +15931,7 @@
               <a:rPr lang="de-DE" sz="1500" dirty="0" smtClean="0">
                 <a:cs typeface="Consolas" panose="020B0609020204030204" pitchFamily="49" charset="0"/>
               </a:rPr>
-              <a:t>, </a:t>
-            </a:r>
-            <a:r>
-              <a:rPr lang="de-DE" sz="1500" dirty="0" smtClean="0">
-                <a:cs typeface="Consolas" panose="020B0609020204030204" pitchFamily="49" charset="0"/>
-              </a:rPr>
-              <a:t>2)</a:t>
+              <a:t>, 2)</a:t>
             </a:r>
             <a:r>
               <a:rPr lang="de-DE" sz="1500" dirty="0" err="1" smtClean="0">
@@ -14583,7 +16346,7 @@
               <a:pPr>
                 <a:defRPr/>
               </a:pPr>
-              <a:t>18</a:t>
+              <a:t>19</a:t>
             </a:fld>
             <a:endParaRPr lang="de-DE" altLang="en-US" dirty="0"/>
           </a:p>
@@ -14751,655 +16514,6 @@
     <p:extLst>
       <p:ext uri="{BB962C8B-B14F-4D97-AF65-F5344CB8AC3E}">
         <p14:creationId xmlns:p14="http://schemas.microsoft.com/office/powerpoint/2010/main" val="3563523089"/>
-      </p:ext>
-    </p:extLst>
-  </p:cSld>
-  <p:clrMapOvr>
-    <a:masterClrMapping/>
-  </p:clrMapOvr>
-  <p:timing>
-    <p:tnLst>
-      <p:par>
-        <p:cTn id="1" dur="indefinite" restart="never" nodeType="tmRoot"/>
-      </p:par>
-    </p:tnLst>
-  </p:timing>
-</p:sld>
-</file>
-
-<file path=ppt/slides/slide19.xml><?xml version="1.0" encoding="utf-8"?>
-<p:sld xmlns:a="http://schemas.openxmlformats.org/drawingml/2006/main" xmlns:r="http://schemas.openxmlformats.org/officeDocument/2006/relationships" xmlns:p="http://schemas.openxmlformats.org/presentationml/2006/main">
-  <p:cSld>
-    <p:spTree>
-      <p:nvGrpSpPr>
-        <p:cNvPr id="1" name=""/>
-        <p:cNvGrpSpPr/>
-        <p:nvPr/>
-      </p:nvGrpSpPr>
-      <p:grpSpPr>
-        <a:xfrm>
-          <a:off x="0" y="0"/>
-          <a:ext cx="0" cy="0"/>
-          <a:chOff x="0" y="0"/>
-          <a:chExt cx="0" cy="0"/>
-        </a:xfrm>
-      </p:grpSpPr>
-      <p:sp>
-        <p:nvSpPr>
-          <p:cNvPr id="2" name="Textplatzhalter 1"/>
-          <p:cNvSpPr>
-            <a:spLocks noGrp="1"/>
-          </p:cNvSpPr>
-          <p:nvPr>
-            <p:ph type="body" sz="quarter" idx="17"/>
-          </p:nvPr>
-        </p:nvSpPr>
-        <p:spPr/>
-        <p:txBody>
-          <a:bodyPr/>
-          <a:lstStyle/>
-          <a:p>
-            <a:r>
-              <a:rPr lang="en-US" dirty="0" smtClean="0"/>
-              <a:t>For more details or functions have a look at the examples GUI and CL or at the WTX120 manual (updated version with all output word is in progress.</a:t>
-            </a:r>
-          </a:p>
-          <a:p>
-            <a:r>
-              <a:rPr lang="en-US" dirty="0" err="1" smtClean="0"/>
-              <a:t>WTXModbusCL</a:t>
-            </a:r>
-            <a:r>
-              <a:rPr lang="en-US" dirty="0" smtClean="0"/>
-              <a:t> is the example API for a console application. </a:t>
-            </a:r>
-          </a:p>
-          <a:p>
-            <a:r>
-              <a:rPr lang="en-US" dirty="0" err="1" smtClean="0"/>
-              <a:t>WTXModbusGUI</a:t>
-            </a:r>
-            <a:r>
-              <a:rPr lang="en-US" dirty="0" smtClean="0"/>
-              <a:t> has everything implemented, which is possible to do via Modbus</a:t>
-            </a:r>
-          </a:p>
-          <a:p>
-            <a:r>
-              <a:rPr lang="en-US" dirty="0" err="1" smtClean="0"/>
-              <a:t>WTXModbusGUISimple</a:t>
-            </a:r>
-            <a:r>
-              <a:rPr lang="en-US" dirty="0" smtClean="0"/>
-              <a:t> is a shorter implementation with the most important features, like showing the net and gross measurement value, calibration , switching between gross and net, taring. </a:t>
-            </a:r>
-          </a:p>
-          <a:p>
-            <a:r>
-              <a:rPr lang="en-US" dirty="0" smtClean="0"/>
-              <a:t>All implementations work with same classes WTX120Modbus, </a:t>
-            </a:r>
-            <a:r>
-              <a:rPr lang="en-US" dirty="0" err="1" smtClean="0"/>
-              <a:t>ModbusConnection</a:t>
-            </a:r>
-            <a:r>
-              <a:rPr lang="en-US" dirty="0" smtClean="0"/>
-              <a:t>, </a:t>
-            </a:r>
-            <a:r>
-              <a:rPr lang="en-US" dirty="0" err="1" smtClean="0"/>
-              <a:t>DeviceAbstract</a:t>
-            </a:r>
-            <a:r>
-              <a:rPr lang="en-US" dirty="0" smtClean="0"/>
-              <a:t> and with same interfaces.</a:t>
-            </a:r>
-            <a:endParaRPr lang="de-DE" dirty="0"/>
-          </a:p>
-          <a:p>
-            <a:r>
-              <a:rPr lang="de-DE" dirty="0" err="1" smtClean="0"/>
-              <a:t>If</a:t>
-            </a:r>
-            <a:r>
-              <a:rPr lang="de-DE" dirty="0" smtClean="0"/>
-              <a:t> </a:t>
-            </a:r>
-            <a:r>
-              <a:rPr lang="de-DE" dirty="0" err="1" smtClean="0"/>
-              <a:t>you</a:t>
-            </a:r>
-            <a:r>
-              <a:rPr lang="de-DE" dirty="0" smtClean="0"/>
-              <a:t> </a:t>
-            </a:r>
-            <a:r>
-              <a:rPr lang="de-DE" dirty="0" err="1" smtClean="0"/>
-              <a:t>want</a:t>
-            </a:r>
-            <a:r>
-              <a:rPr lang="de-DE" dirty="0" smtClean="0"/>
-              <a:t> </a:t>
-            </a:r>
-            <a:r>
-              <a:rPr lang="de-DE" dirty="0" err="1" smtClean="0"/>
-              <a:t>to</a:t>
-            </a:r>
-            <a:r>
-              <a:rPr lang="de-DE" dirty="0" smtClean="0"/>
-              <a:t> </a:t>
-            </a:r>
-            <a:r>
-              <a:rPr lang="de-DE" dirty="0" err="1" smtClean="0"/>
-              <a:t>implement</a:t>
-            </a:r>
-            <a:r>
-              <a:rPr lang="de-DE" dirty="0" smtClean="0"/>
-              <a:t> an </a:t>
-            </a:r>
-            <a:r>
-              <a:rPr lang="de-DE" dirty="0" err="1" smtClean="0"/>
-              <a:t>own</a:t>
-            </a:r>
-            <a:r>
-              <a:rPr lang="de-DE" dirty="0" smtClean="0"/>
-              <a:t> </a:t>
-            </a:r>
-            <a:r>
-              <a:rPr lang="de-DE" dirty="0" err="1" smtClean="0"/>
-              <a:t>application</a:t>
-            </a:r>
-            <a:r>
-              <a:rPr lang="de-DE" dirty="0" smtClean="0"/>
-              <a:t>, </a:t>
-            </a:r>
-            <a:r>
-              <a:rPr lang="de-DE" dirty="0" err="1" smtClean="0"/>
-              <a:t>it</a:t>
-            </a:r>
-            <a:r>
-              <a:rPr lang="de-DE" dirty="0" smtClean="0"/>
-              <a:t> </a:t>
-            </a:r>
-            <a:r>
-              <a:rPr lang="de-DE" dirty="0" err="1" smtClean="0"/>
-              <a:t>is</a:t>
-            </a:r>
-            <a:r>
-              <a:rPr lang="de-DE" dirty="0" smtClean="0"/>
-              <a:t> </a:t>
-            </a:r>
-            <a:r>
-              <a:rPr lang="de-DE" dirty="0" err="1" smtClean="0"/>
-              <a:t>recommended</a:t>
-            </a:r>
-            <a:r>
-              <a:rPr lang="de-DE" dirty="0"/>
-              <a:t> </a:t>
-            </a:r>
-            <a:r>
-              <a:rPr lang="de-DE" dirty="0" err="1" smtClean="0"/>
-              <a:t>to</a:t>
-            </a:r>
-            <a:r>
-              <a:rPr lang="de-DE" dirty="0" smtClean="0"/>
-              <a:t> </a:t>
-            </a:r>
-            <a:r>
-              <a:rPr lang="de-DE" dirty="0" err="1" smtClean="0"/>
-              <a:t>be</a:t>
-            </a:r>
-            <a:r>
-              <a:rPr lang="de-DE" dirty="0" smtClean="0"/>
-              <a:t> </a:t>
-            </a:r>
-            <a:r>
-              <a:rPr lang="de-DE" dirty="0" err="1" smtClean="0"/>
-              <a:t>guided</a:t>
-            </a:r>
-            <a:r>
-              <a:rPr lang="de-DE" dirty="0" smtClean="0"/>
-              <a:t> </a:t>
-            </a:r>
-            <a:r>
-              <a:rPr lang="de-DE" dirty="0" err="1" smtClean="0"/>
-              <a:t>by</a:t>
-            </a:r>
-            <a:r>
-              <a:rPr lang="de-DE" dirty="0" smtClean="0"/>
-              <a:t> </a:t>
-            </a:r>
-            <a:r>
-              <a:rPr lang="de-DE" dirty="0" err="1" smtClean="0"/>
-              <a:t>the</a:t>
-            </a:r>
-            <a:r>
-              <a:rPr lang="de-DE" dirty="0" smtClean="0"/>
-              <a:t> </a:t>
-            </a:r>
-            <a:r>
-              <a:rPr lang="de-DE" dirty="0" err="1" smtClean="0"/>
-              <a:t>interfaces</a:t>
-            </a:r>
-            <a:r>
-              <a:rPr lang="de-DE" dirty="0" smtClean="0"/>
-              <a:t> ‚</a:t>
-            </a:r>
-            <a:r>
-              <a:rPr lang="de-DE" dirty="0" err="1" smtClean="0"/>
-              <a:t>IDeviceValues</a:t>
-            </a:r>
-            <a:r>
-              <a:rPr lang="de-DE" dirty="0" smtClean="0"/>
-              <a:t>‘ </a:t>
-            </a:r>
-            <a:r>
-              <a:rPr lang="de-DE" dirty="0" err="1" smtClean="0"/>
-              <a:t>and</a:t>
-            </a:r>
-            <a:r>
-              <a:rPr lang="de-DE" dirty="0" smtClean="0"/>
-              <a:t> ‚</a:t>
-            </a:r>
-            <a:r>
-              <a:rPr lang="de-DE" dirty="0" err="1" smtClean="0"/>
-              <a:t>IModbusConnection</a:t>
-            </a:r>
-            <a:r>
-              <a:rPr lang="de-DE" dirty="0" smtClean="0"/>
-              <a:t>‘. The </a:t>
-            </a:r>
-            <a:r>
-              <a:rPr lang="de-DE" dirty="0" err="1" smtClean="0"/>
-              <a:t>latter</a:t>
-            </a:r>
-            <a:r>
-              <a:rPr lang="de-DE" dirty="0" smtClean="0"/>
-              <a:t> </a:t>
-            </a:r>
-            <a:r>
-              <a:rPr lang="de-DE" dirty="0" err="1" smtClean="0"/>
-              <a:t>represents</a:t>
-            </a:r>
-            <a:r>
-              <a:rPr lang="de-DE" dirty="0" smtClean="0"/>
-              <a:t> </a:t>
-            </a:r>
-            <a:r>
-              <a:rPr lang="de-DE" dirty="0" err="1" smtClean="0"/>
-              <a:t>the</a:t>
-            </a:r>
-            <a:r>
-              <a:rPr lang="de-DE" dirty="0" smtClean="0"/>
-              <a:t> </a:t>
-            </a:r>
-            <a:r>
-              <a:rPr lang="de-DE" dirty="0" err="1" smtClean="0"/>
-              <a:t>connection</a:t>
-            </a:r>
-            <a:r>
-              <a:rPr lang="de-DE" dirty="0" smtClean="0"/>
-              <a:t> </a:t>
-            </a:r>
-            <a:r>
-              <a:rPr lang="de-DE" dirty="0" err="1" smtClean="0"/>
-              <a:t>with</a:t>
-            </a:r>
-            <a:r>
-              <a:rPr lang="de-DE" dirty="0" smtClean="0"/>
-              <a:t> TCP/</a:t>
-            </a:r>
-            <a:r>
-              <a:rPr lang="de-DE" dirty="0" err="1" smtClean="0"/>
-              <a:t>Modbus</a:t>
-            </a:r>
-            <a:r>
-              <a:rPr lang="de-DE" dirty="0" smtClean="0"/>
-              <a:t> </a:t>
-            </a:r>
-            <a:r>
-              <a:rPr lang="de-DE" dirty="0" err="1" smtClean="0"/>
-              <a:t>to</a:t>
-            </a:r>
-            <a:r>
-              <a:rPr lang="de-DE" dirty="0" smtClean="0"/>
-              <a:t> </a:t>
-            </a:r>
-            <a:r>
-              <a:rPr lang="de-DE" dirty="0" err="1" smtClean="0"/>
-              <a:t>the</a:t>
-            </a:r>
-            <a:r>
-              <a:rPr lang="de-DE" dirty="0" smtClean="0"/>
-              <a:t> WTX </a:t>
-            </a:r>
-            <a:r>
-              <a:rPr lang="de-DE" dirty="0" err="1" smtClean="0"/>
-              <a:t>and</a:t>
-            </a:r>
-            <a:r>
-              <a:rPr lang="de-DE" dirty="0" smtClean="0"/>
-              <a:t> ‚</a:t>
-            </a:r>
-            <a:r>
-              <a:rPr lang="de-DE" dirty="0" err="1" smtClean="0"/>
-              <a:t>IDeviceValues</a:t>
-            </a:r>
-            <a:r>
-              <a:rPr lang="de-DE" dirty="0" smtClean="0"/>
-              <a:t>‘ </a:t>
-            </a:r>
-            <a:r>
-              <a:rPr lang="de-DE" dirty="0" err="1" smtClean="0"/>
-              <a:t>represents</a:t>
-            </a:r>
-            <a:r>
-              <a:rPr lang="de-DE" dirty="0" smtClean="0"/>
-              <a:t> </a:t>
-            </a:r>
-            <a:r>
-              <a:rPr lang="de-DE" dirty="0" err="1" smtClean="0"/>
-              <a:t>the</a:t>
-            </a:r>
-            <a:r>
-              <a:rPr lang="de-DE" dirty="0" smtClean="0"/>
-              <a:t> </a:t>
-            </a:r>
-            <a:r>
-              <a:rPr lang="de-DE" dirty="0" err="1" smtClean="0"/>
-              <a:t>available</a:t>
-            </a:r>
-            <a:r>
-              <a:rPr lang="de-DE" dirty="0" smtClean="0"/>
-              <a:t> </a:t>
-            </a:r>
-            <a:r>
-              <a:rPr lang="de-DE" dirty="0" err="1" smtClean="0"/>
-              <a:t>values</a:t>
-            </a:r>
-            <a:r>
-              <a:rPr lang="de-DE" dirty="0" smtClean="0"/>
-              <a:t>, </a:t>
-            </a:r>
-            <a:r>
-              <a:rPr lang="de-DE" dirty="0" err="1" smtClean="0"/>
-              <a:t>which</a:t>
-            </a:r>
-            <a:r>
-              <a:rPr lang="de-DE" dirty="0" smtClean="0"/>
-              <a:t> </a:t>
-            </a:r>
-            <a:r>
-              <a:rPr lang="de-DE" dirty="0" err="1" smtClean="0"/>
-              <a:t>can</a:t>
-            </a:r>
-            <a:r>
-              <a:rPr lang="de-DE" dirty="0" smtClean="0"/>
-              <a:t> </a:t>
-            </a:r>
-            <a:r>
-              <a:rPr lang="de-DE" dirty="0" err="1" smtClean="0"/>
-              <a:t>be</a:t>
-            </a:r>
-            <a:r>
-              <a:rPr lang="de-DE" dirty="0" smtClean="0"/>
-              <a:t> </a:t>
-            </a:r>
-            <a:r>
-              <a:rPr lang="de-DE" dirty="0" err="1" smtClean="0"/>
-              <a:t>easily</a:t>
-            </a:r>
-            <a:r>
-              <a:rPr lang="de-DE" dirty="0" smtClean="0"/>
-              <a:t> </a:t>
-            </a:r>
-            <a:r>
-              <a:rPr lang="de-DE" dirty="0" err="1" smtClean="0"/>
-              <a:t>called</a:t>
-            </a:r>
-            <a:r>
-              <a:rPr lang="de-DE" dirty="0" smtClean="0"/>
-              <a:t> via </a:t>
-            </a:r>
-            <a:r>
-              <a:rPr lang="de-DE" dirty="0" err="1" smtClean="0"/>
-              <a:t>the</a:t>
-            </a:r>
-            <a:r>
-              <a:rPr lang="de-DE" dirty="0" smtClean="0"/>
-              <a:t> </a:t>
-            </a:r>
-            <a:r>
-              <a:rPr lang="de-DE" dirty="0" err="1" smtClean="0"/>
-              <a:t>interface</a:t>
-            </a:r>
-            <a:r>
-              <a:rPr lang="de-DE" dirty="0" smtClean="0"/>
-              <a:t> </a:t>
-            </a:r>
-            <a:r>
-              <a:rPr lang="de-DE" dirty="0" err="1" smtClean="0"/>
-              <a:t>from</a:t>
-            </a:r>
-            <a:r>
-              <a:rPr lang="de-DE" dirty="0" smtClean="0"/>
-              <a:t> </a:t>
-            </a:r>
-            <a:r>
-              <a:rPr lang="de-DE" dirty="0" err="1" smtClean="0"/>
-              <a:t>your</a:t>
-            </a:r>
-            <a:r>
-              <a:rPr lang="de-DE" dirty="0" smtClean="0"/>
-              <a:t> </a:t>
-            </a:r>
-            <a:r>
-              <a:rPr lang="de-DE" dirty="0" err="1" smtClean="0"/>
-              <a:t>application</a:t>
-            </a:r>
-            <a:r>
-              <a:rPr lang="de-DE" dirty="0" smtClean="0"/>
-              <a:t>.</a:t>
-            </a:r>
-          </a:p>
-          <a:p>
-            <a:r>
-              <a:rPr lang="de-DE" dirty="0" smtClean="0"/>
-              <a:t>An </a:t>
-            </a:r>
-            <a:r>
-              <a:rPr lang="de-DE" dirty="0" err="1" smtClean="0"/>
-              <a:t>application</a:t>
-            </a:r>
-            <a:r>
-              <a:rPr lang="de-DE" dirty="0" smtClean="0"/>
-              <a:t> </a:t>
-            </a:r>
-            <a:r>
-              <a:rPr lang="de-DE" dirty="0" err="1" smtClean="0"/>
-              <a:t>with</a:t>
-            </a:r>
-            <a:r>
-              <a:rPr lang="de-DE" dirty="0" smtClean="0"/>
-              <a:t> </a:t>
-            </a:r>
-            <a:r>
-              <a:rPr lang="de-DE" dirty="0" err="1" smtClean="0"/>
-              <a:t>Jetbus</a:t>
-            </a:r>
-            <a:r>
-              <a:rPr lang="de-DE" dirty="0" smtClean="0"/>
-              <a:t> </a:t>
-            </a:r>
-            <a:r>
-              <a:rPr lang="de-DE" dirty="0" err="1" smtClean="0"/>
-              <a:t>and</a:t>
-            </a:r>
-            <a:r>
-              <a:rPr lang="de-DE" dirty="0" smtClean="0"/>
-              <a:t> </a:t>
-            </a:r>
-            <a:r>
-              <a:rPr lang="de-DE" dirty="0" err="1" smtClean="0"/>
-              <a:t>Modbus</a:t>
-            </a:r>
-            <a:r>
-              <a:rPr lang="de-DE" dirty="0" smtClean="0"/>
-              <a:t> </a:t>
-            </a:r>
-            <a:r>
-              <a:rPr lang="de-DE" dirty="0" err="1" smtClean="0"/>
-              <a:t>is</a:t>
-            </a:r>
-            <a:r>
-              <a:rPr lang="de-DE" dirty="0" smtClean="0"/>
-              <a:t> in </a:t>
-            </a:r>
-            <a:r>
-              <a:rPr lang="de-DE" dirty="0" err="1" smtClean="0"/>
-              <a:t>work</a:t>
-            </a:r>
-            <a:r>
-              <a:rPr lang="de-DE" dirty="0" smtClean="0"/>
-              <a:t> </a:t>
-            </a:r>
-            <a:r>
-              <a:rPr lang="de-DE" dirty="0" err="1" smtClean="0"/>
-              <a:t>to</a:t>
-            </a:r>
-            <a:r>
-              <a:rPr lang="de-DE" dirty="0" smtClean="0"/>
-              <a:t> </a:t>
-            </a:r>
-            <a:r>
-              <a:rPr lang="de-DE" dirty="0" err="1" smtClean="0"/>
-              <a:t>get</a:t>
-            </a:r>
-            <a:r>
-              <a:rPr lang="de-DE" dirty="0" smtClean="0"/>
-              <a:t> </a:t>
-            </a:r>
-            <a:r>
-              <a:rPr lang="de-DE" dirty="0" err="1" smtClean="0"/>
-              <a:t>more</a:t>
-            </a:r>
-            <a:r>
-              <a:rPr lang="de-DE" dirty="0" smtClean="0"/>
-              <a:t> </a:t>
-            </a:r>
-            <a:r>
-              <a:rPr lang="de-DE" dirty="0" err="1" smtClean="0"/>
-              <a:t>informations</a:t>
-            </a:r>
-            <a:r>
-              <a:rPr lang="de-DE" dirty="0" smtClean="0"/>
-              <a:t> </a:t>
-            </a:r>
-            <a:r>
-              <a:rPr lang="de-DE" dirty="0" err="1" smtClean="0"/>
-              <a:t>and</a:t>
-            </a:r>
-            <a:r>
-              <a:rPr lang="de-DE" dirty="0" smtClean="0"/>
-              <a:t> </a:t>
-            </a:r>
-            <a:r>
-              <a:rPr lang="de-DE" dirty="0" err="1" smtClean="0"/>
-              <a:t>to</a:t>
-            </a:r>
-            <a:r>
-              <a:rPr lang="de-DE" dirty="0" smtClean="0"/>
-              <a:t> </a:t>
-            </a:r>
-            <a:r>
-              <a:rPr lang="de-DE" dirty="0" err="1" smtClean="0"/>
-              <a:t>get</a:t>
-            </a:r>
-            <a:r>
-              <a:rPr lang="de-DE" dirty="0" smtClean="0"/>
-              <a:t> a redundant </a:t>
-            </a:r>
-            <a:r>
-              <a:rPr lang="de-DE" dirty="0" err="1" smtClean="0"/>
-              <a:t>system</a:t>
-            </a:r>
-            <a:r>
-              <a:rPr lang="de-DE" dirty="0" smtClean="0"/>
-              <a:t>. </a:t>
-            </a:r>
-            <a:endParaRPr lang="en-US" dirty="0" smtClean="0"/>
-          </a:p>
-        </p:txBody>
-      </p:sp>
-      <p:sp>
-        <p:nvSpPr>
-          <p:cNvPr id="3" name="Titel 2"/>
-          <p:cNvSpPr>
-            <a:spLocks noGrp="1"/>
-          </p:cNvSpPr>
-          <p:nvPr>
-            <p:ph type="title"/>
-          </p:nvPr>
-        </p:nvSpPr>
-        <p:spPr/>
-        <p:txBody>
-          <a:bodyPr/>
-          <a:lstStyle/>
-          <a:p>
-            <a:r>
-              <a:rPr lang="de-DE" dirty="0" smtClean="0"/>
-              <a:t>2) </a:t>
-            </a:r>
-            <a:r>
-              <a:rPr lang="de-DE" dirty="0" err="1" smtClean="0"/>
-              <a:t>Step</a:t>
-            </a:r>
-            <a:r>
-              <a:rPr lang="en-US" dirty="0" smtClean="0"/>
-              <a:t>-by-Step: </a:t>
-            </a:r>
-            <a:r>
-              <a:rPr lang="en-US" dirty="0"/>
-              <a:t>Outlook </a:t>
-            </a:r>
-            <a:endParaRPr lang="de-DE" dirty="0"/>
-          </a:p>
-        </p:txBody>
-      </p:sp>
-      <p:sp>
-        <p:nvSpPr>
-          <p:cNvPr id="4" name="Foliennummernplatzhalter 3"/>
-          <p:cNvSpPr>
-            <a:spLocks noGrp="1"/>
-          </p:cNvSpPr>
-          <p:nvPr>
-            <p:ph type="sldNum" sz="quarter" idx="20"/>
-          </p:nvPr>
-        </p:nvSpPr>
-        <p:spPr/>
-        <p:txBody>
-          <a:bodyPr/>
-          <a:lstStyle/>
-          <a:p>
-            <a:pPr>
-              <a:defRPr/>
-            </a:pPr>
-            <a:fld id="{3C51BDBD-9BFD-4203-86B0-2FBA6AD25841}" type="slidenum">
-              <a:rPr lang="de-DE" altLang="en-US" smtClean="0"/>
-              <a:pPr>
-                <a:defRPr/>
-              </a:pPr>
-              <a:t>19</a:t>
-            </a:fld>
-            <a:endParaRPr lang="de-DE" altLang="en-US" dirty="0"/>
-          </a:p>
-        </p:txBody>
-      </p:sp>
-    </p:spTree>
-    <p:extLst>
-      <p:ext uri="{BB962C8B-B14F-4D97-AF65-F5344CB8AC3E}">
-        <p14:creationId xmlns:p14="http://schemas.microsoft.com/office/powerpoint/2010/main" val="1943165318"/>
       </p:ext>
     </p:extLst>
   </p:cSld>
@@ -15721,148 +16835,534 @@
           <a:p>
             <a:r>
               <a:rPr lang="en-US" dirty="0" smtClean="0"/>
-              <a:t>WTX120 </a:t>
-            </a:r>
-            <a:r>
-              <a:rPr lang="en-US" dirty="0"/>
-              <a:t>Website: </a:t>
+              <a:t>For more details or functions have a look at the examples GUI and CL or at the WTX120 manual (updated version with all output word is in progress.</a:t>
+            </a:r>
+          </a:p>
+          <a:p>
+            <a:r>
+              <a:rPr lang="en-US" dirty="0" err="1" smtClean="0"/>
+              <a:t>WTXModbusCL</a:t>
+            </a:r>
+            <a:r>
+              <a:rPr lang="en-US" dirty="0" smtClean="0"/>
+              <a:t> is the example API for a console application. </a:t>
+            </a:r>
+          </a:p>
+          <a:p>
+            <a:r>
+              <a:rPr lang="en-US" dirty="0" err="1" smtClean="0"/>
+              <a:t>WTXModbusGUI</a:t>
+            </a:r>
+            <a:r>
+              <a:rPr lang="en-US" dirty="0" smtClean="0"/>
+              <a:t> has everything implemented, which is possible to do via Modbus</a:t>
+            </a:r>
+          </a:p>
+          <a:p>
+            <a:r>
+              <a:rPr lang="en-US" dirty="0" err="1" smtClean="0"/>
+              <a:t>WTXModbusGUISimple</a:t>
+            </a:r>
+            <a:r>
+              <a:rPr lang="en-US" dirty="0" smtClean="0"/>
+              <a:t> is a shorter implementation with the most important features, like showing the net and gross measurement value, calibration , switching between gross and net, taring. </a:t>
+            </a:r>
+          </a:p>
+          <a:p>
+            <a:r>
+              <a:rPr lang="en-US" dirty="0" smtClean="0"/>
+              <a:t>All implementations work with same classes WTX120Modbus, </a:t>
+            </a:r>
+            <a:r>
+              <a:rPr lang="en-US" dirty="0" err="1" smtClean="0"/>
+              <a:t>ModbusConnection</a:t>
+            </a:r>
+            <a:r>
+              <a:rPr lang="en-US" dirty="0" smtClean="0"/>
+              <a:t>, </a:t>
+            </a:r>
+            <a:r>
+              <a:rPr lang="en-US" dirty="0" err="1" smtClean="0"/>
+              <a:t>DeviceAbstract</a:t>
+            </a:r>
+            <a:r>
+              <a:rPr lang="en-US" dirty="0" smtClean="0"/>
+              <a:t> and with same interfaces.</a:t>
+            </a:r>
+            <a:endParaRPr lang="de-DE" dirty="0"/>
+          </a:p>
+          <a:p>
+            <a:r>
+              <a:rPr lang="de-DE" dirty="0" err="1" smtClean="0"/>
+              <a:t>If</a:t>
+            </a:r>
+            <a:r>
+              <a:rPr lang="de-DE" dirty="0" smtClean="0"/>
+              <a:t> </a:t>
+            </a:r>
+            <a:r>
+              <a:rPr lang="de-DE" dirty="0" err="1" smtClean="0"/>
+              <a:t>you</a:t>
+            </a:r>
+            <a:r>
+              <a:rPr lang="de-DE" dirty="0" smtClean="0"/>
+              <a:t> </a:t>
+            </a:r>
+            <a:r>
+              <a:rPr lang="de-DE" dirty="0" err="1" smtClean="0"/>
+              <a:t>want</a:t>
+            </a:r>
+            <a:r>
+              <a:rPr lang="de-DE" dirty="0" smtClean="0"/>
+              <a:t> </a:t>
+            </a:r>
+            <a:r>
+              <a:rPr lang="de-DE" dirty="0" err="1" smtClean="0"/>
+              <a:t>to</a:t>
+            </a:r>
+            <a:r>
+              <a:rPr lang="de-DE" dirty="0" smtClean="0"/>
+              <a:t> </a:t>
+            </a:r>
+            <a:r>
+              <a:rPr lang="de-DE" dirty="0" err="1" smtClean="0"/>
+              <a:t>implement</a:t>
+            </a:r>
+            <a:r>
+              <a:rPr lang="de-DE" dirty="0" smtClean="0"/>
+              <a:t> an </a:t>
+            </a:r>
+            <a:r>
+              <a:rPr lang="de-DE" dirty="0" err="1" smtClean="0"/>
+              <a:t>own</a:t>
+            </a:r>
+            <a:r>
+              <a:rPr lang="de-DE" dirty="0" smtClean="0"/>
+              <a:t> </a:t>
+            </a:r>
+            <a:r>
+              <a:rPr lang="de-DE" dirty="0" err="1" smtClean="0"/>
+              <a:t>application</a:t>
+            </a:r>
+            <a:r>
+              <a:rPr lang="de-DE" dirty="0" smtClean="0"/>
+              <a:t>, </a:t>
+            </a:r>
+            <a:r>
+              <a:rPr lang="de-DE" dirty="0" err="1" smtClean="0"/>
+              <a:t>it</a:t>
+            </a:r>
+            <a:r>
+              <a:rPr lang="de-DE" dirty="0" smtClean="0"/>
+              <a:t> </a:t>
+            </a:r>
+            <a:r>
+              <a:rPr lang="de-DE" dirty="0" err="1" smtClean="0"/>
+              <a:t>is</a:t>
+            </a:r>
+            <a:r>
+              <a:rPr lang="de-DE" dirty="0" smtClean="0"/>
+              <a:t> </a:t>
+            </a:r>
+            <a:r>
+              <a:rPr lang="de-DE" dirty="0" err="1" smtClean="0"/>
+              <a:t>recommended</a:t>
+            </a:r>
+            <a:r>
+              <a:rPr lang="de-DE" dirty="0"/>
+              <a:t> </a:t>
+            </a:r>
+            <a:r>
+              <a:rPr lang="de-DE" dirty="0" err="1" smtClean="0"/>
+              <a:t>to</a:t>
+            </a:r>
+            <a:r>
+              <a:rPr lang="de-DE" dirty="0" smtClean="0"/>
+              <a:t> </a:t>
+            </a:r>
+            <a:r>
+              <a:rPr lang="de-DE" dirty="0" err="1" smtClean="0"/>
+              <a:t>be</a:t>
+            </a:r>
+            <a:r>
+              <a:rPr lang="de-DE" dirty="0" smtClean="0"/>
+              <a:t> </a:t>
+            </a:r>
+            <a:r>
+              <a:rPr lang="de-DE" dirty="0" err="1" smtClean="0"/>
+              <a:t>guided</a:t>
+            </a:r>
+            <a:r>
+              <a:rPr lang="de-DE" dirty="0" smtClean="0"/>
+              <a:t> </a:t>
+            </a:r>
+            <a:r>
+              <a:rPr lang="de-DE" dirty="0" err="1" smtClean="0"/>
+              <a:t>by</a:t>
+            </a:r>
+            <a:r>
+              <a:rPr lang="de-DE" dirty="0" smtClean="0"/>
+              <a:t> </a:t>
+            </a:r>
+            <a:r>
+              <a:rPr lang="de-DE" dirty="0" err="1" smtClean="0"/>
+              <a:t>the</a:t>
+            </a:r>
+            <a:r>
+              <a:rPr lang="de-DE" dirty="0" smtClean="0"/>
+              <a:t> </a:t>
+            </a:r>
+            <a:r>
+              <a:rPr lang="de-DE" dirty="0" err="1" smtClean="0"/>
+              <a:t>interfaces</a:t>
+            </a:r>
+            <a:r>
+              <a:rPr lang="de-DE" dirty="0" smtClean="0"/>
+              <a:t> ‚</a:t>
+            </a:r>
+            <a:r>
+              <a:rPr lang="de-DE" dirty="0" err="1" smtClean="0"/>
+              <a:t>IDeviceValues</a:t>
+            </a:r>
+            <a:r>
+              <a:rPr lang="de-DE" dirty="0" smtClean="0"/>
+              <a:t>‘ </a:t>
+            </a:r>
+            <a:r>
+              <a:rPr lang="de-DE" dirty="0" err="1" smtClean="0"/>
+              <a:t>and</a:t>
+            </a:r>
+            <a:r>
+              <a:rPr lang="de-DE" dirty="0" smtClean="0"/>
+              <a:t> ‚</a:t>
+            </a:r>
+            <a:r>
+              <a:rPr lang="de-DE" dirty="0" err="1" smtClean="0"/>
+              <a:t>IModbusConnection</a:t>
+            </a:r>
+            <a:r>
+              <a:rPr lang="de-DE" dirty="0" smtClean="0"/>
+              <a:t>‘. The </a:t>
+            </a:r>
+            <a:r>
+              <a:rPr lang="de-DE" dirty="0" err="1" smtClean="0"/>
+              <a:t>latter</a:t>
+            </a:r>
+            <a:r>
+              <a:rPr lang="de-DE" dirty="0" smtClean="0"/>
+              <a:t> </a:t>
+            </a:r>
+            <a:r>
+              <a:rPr lang="de-DE" dirty="0" err="1" smtClean="0"/>
+              <a:t>represents</a:t>
+            </a:r>
+            <a:r>
+              <a:rPr lang="de-DE" dirty="0" smtClean="0"/>
+              <a:t> </a:t>
+            </a:r>
+            <a:r>
+              <a:rPr lang="de-DE" dirty="0" err="1" smtClean="0"/>
+              <a:t>the</a:t>
+            </a:r>
+            <a:r>
+              <a:rPr lang="de-DE" dirty="0" smtClean="0"/>
+              <a:t> </a:t>
+            </a:r>
+            <a:r>
+              <a:rPr lang="de-DE" dirty="0" err="1" smtClean="0"/>
+              <a:t>connection</a:t>
+            </a:r>
+            <a:r>
+              <a:rPr lang="de-DE" dirty="0" smtClean="0"/>
+              <a:t> </a:t>
+            </a:r>
+            <a:r>
+              <a:rPr lang="de-DE" dirty="0" err="1" smtClean="0"/>
+              <a:t>with</a:t>
+            </a:r>
+            <a:r>
+              <a:rPr lang="de-DE" dirty="0" smtClean="0"/>
+              <a:t> TCP/</a:t>
+            </a:r>
+            <a:r>
+              <a:rPr lang="de-DE" dirty="0" err="1" smtClean="0"/>
+              <a:t>Modbus</a:t>
+            </a:r>
+            <a:r>
+              <a:rPr lang="de-DE" dirty="0" smtClean="0"/>
+              <a:t> </a:t>
+            </a:r>
+            <a:r>
+              <a:rPr lang="de-DE" dirty="0" err="1" smtClean="0"/>
+              <a:t>to</a:t>
+            </a:r>
+            <a:r>
+              <a:rPr lang="de-DE" dirty="0" smtClean="0"/>
+              <a:t> </a:t>
+            </a:r>
+            <a:r>
+              <a:rPr lang="de-DE" dirty="0" err="1" smtClean="0"/>
+              <a:t>the</a:t>
+            </a:r>
+            <a:r>
+              <a:rPr lang="de-DE" dirty="0" smtClean="0"/>
+              <a:t> WTX </a:t>
+            </a:r>
+            <a:r>
+              <a:rPr lang="de-DE" dirty="0" err="1" smtClean="0"/>
+              <a:t>and</a:t>
+            </a:r>
+            <a:r>
+              <a:rPr lang="de-DE" dirty="0" smtClean="0"/>
+              <a:t> ‚</a:t>
+            </a:r>
+            <a:r>
+              <a:rPr lang="de-DE" dirty="0" err="1" smtClean="0"/>
+              <a:t>IDeviceValues</a:t>
+            </a:r>
+            <a:r>
+              <a:rPr lang="de-DE" dirty="0" smtClean="0"/>
+              <a:t>‘ </a:t>
+            </a:r>
+            <a:r>
+              <a:rPr lang="de-DE" dirty="0" err="1" smtClean="0"/>
+              <a:t>represents</a:t>
+            </a:r>
+            <a:r>
+              <a:rPr lang="de-DE" dirty="0" smtClean="0"/>
+              <a:t> </a:t>
+            </a:r>
+            <a:r>
+              <a:rPr lang="de-DE" dirty="0" err="1" smtClean="0"/>
+              <a:t>the</a:t>
+            </a:r>
+            <a:r>
+              <a:rPr lang="de-DE" dirty="0" smtClean="0"/>
+              <a:t> </a:t>
+            </a:r>
+            <a:r>
+              <a:rPr lang="de-DE" dirty="0" err="1" smtClean="0"/>
+              <a:t>available</a:t>
+            </a:r>
+            <a:r>
+              <a:rPr lang="de-DE" dirty="0" smtClean="0"/>
+              <a:t> </a:t>
+            </a:r>
+            <a:r>
+              <a:rPr lang="de-DE" dirty="0" err="1" smtClean="0"/>
+              <a:t>values</a:t>
+            </a:r>
+            <a:r>
+              <a:rPr lang="de-DE" dirty="0" smtClean="0"/>
+              <a:t>, </a:t>
+            </a:r>
+            <a:r>
+              <a:rPr lang="de-DE" dirty="0" err="1" smtClean="0"/>
+              <a:t>which</a:t>
+            </a:r>
+            <a:r>
+              <a:rPr lang="de-DE" dirty="0" smtClean="0"/>
+              <a:t> </a:t>
+            </a:r>
+            <a:r>
+              <a:rPr lang="de-DE" dirty="0" err="1" smtClean="0"/>
+              <a:t>can</a:t>
+            </a:r>
+            <a:r>
+              <a:rPr lang="de-DE" dirty="0" smtClean="0"/>
+              <a:t> </a:t>
+            </a:r>
+            <a:r>
+              <a:rPr lang="de-DE" dirty="0" err="1" smtClean="0"/>
+              <a:t>be</a:t>
+            </a:r>
+            <a:r>
+              <a:rPr lang="de-DE" dirty="0" smtClean="0"/>
+              <a:t> </a:t>
+            </a:r>
+            <a:r>
+              <a:rPr lang="de-DE" dirty="0" err="1" smtClean="0"/>
+              <a:t>easily</a:t>
+            </a:r>
+            <a:r>
+              <a:rPr lang="de-DE" dirty="0" smtClean="0"/>
+              <a:t> </a:t>
+            </a:r>
+            <a:r>
+              <a:rPr lang="de-DE" dirty="0" err="1" smtClean="0"/>
+              <a:t>called</a:t>
+            </a:r>
+            <a:r>
+              <a:rPr lang="de-DE" dirty="0" smtClean="0"/>
+              <a:t> via </a:t>
+            </a:r>
+            <a:r>
+              <a:rPr lang="de-DE" dirty="0" err="1" smtClean="0"/>
+              <a:t>the</a:t>
+            </a:r>
+            <a:r>
+              <a:rPr lang="de-DE" dirty="0" smtClean="0"/>
+              <a:t> </a:t>
+            </a:r>
+            <a:r>
+              <a:rPr lang="de-DE" dirty="0" err="1" smtClean="0"/>
+              <a:t>interface</a:t>
+            </a:r>
+            <a:r>
+              <a:rPr lang="de-DE" dirty="0" smtClean="0"/>
+              <a:t> </a:t>
+            </a:r>
+            <a:r>
+              <a:rPr lang="de-DE" dirty="0" err="1" smtClean="0"/>
+              <a:t>from</a:t>
+            </a:r>
+            <a:r>
+              <a:rPr lang="de-DE" dirty="0" smtClean="0"/>
+              <a:t> </a:t>
+            </a:r>
+            <a:r>
+              <a:rPr lang="de-DE" dirty="0" err="1" smtClean="0"/>
+              <a:t>your</a:t>
+            </a:r>
+            <a:r>
+              <a:rPr lang="de-DE" dirty="0" smtClean="0"/>
+              <a:t> </a:t>
+            </a:r>
+            <a:r>
+              <a:rPr lang="de-DE" dirty="0" err="1" smtClean="0"/>
+              <a:t>application</a:t>
+            </a:r>
+            <a:r>
+              <a:rPr lang="de-DE" dirty="0" smtClean="0"/>
+              <a:t>.</a:t>
+            </a:r>
+          </a:p>
+          <a:p>
+            <a:r>
+              <a:rPr lang="de-DE" dirty="0" smtClean="0"/>
+              <a:t>An </a:t>
+            </a:r>
+            <a:r>
+              <a:rPr lang="de-DE" dirty="0" err="1" smtClean="0"/>
+              <a:t>application</a:t>
+            </a:r>
+            <a:r>
+              <a:rPr lang="de-DE" dirty="0" smtClean="0"/>
+              <a:t> </a:t>
+            </a:r>
+            <a:r>
+              <a:rPr lang="de-DE" dirty="0" err="1" smtClean="0"/>
+              <a:t>with</a:t>
+            </a:r>
+            <a:r>
+              <a:rPr lang="de-DE" dirty="0" smtClean="0"/>
+              <a:t> </a:t>
+            </a:r>
+            <a:r>
+              <a:rPr lang="de-DE" dirty="0" err="1" smtClean="0"/>
+              <a:t>Jetbus</a:t>
+            </a:r>
+            <a:r>
+              <a:rPr lang="de-DE" dirty="0" smtClean="0"/>
+              <a:t> </a:t>
+            </a:r>
+            <a:r>
+              <a:rPr lang="de-DE" dirty="0" err="1" smtClean="0"/>
+              <a:t>and</a:t>
+            </a:r>
+            <a:r>
+              <a:rPr lang="de-DE" dirty="0" smtClean="0"/>
+              <a:t> </a:t>
+            </a:r>
+            <a:r>
+              <a:rPr lang="de-DE" dirty="0" err="1" smtClean="0"/>
+              <a:t>Modbus</a:t>
+            </a:r>
+            <a:r>
+              <a:rPr lang="de-DE" dirty="0" smtClean="0"/>
+              <a:t> </a:t>
+            </a:r>
+            <a:r>
+              <a:rPr lang="de-DE" dirty="0" err="1" smtClean="0"/>
+              <a:t>is</a:t>
+            </a:r>
+            <a:r>
+              <a:rPr lang="de-DE" dirty="0" smtClean="0"/>
+              <a:t> in </a:t>
+            </a:r>
+            <a:r>
+              <a:rPr lang="de-DE" dirty="0" err="1" smtClean="0"/>
+              <a:t>work</a:t>
+            </a:r>
+            <a:r>
+              <a:rPr lang="de-DE" dirty="0" smtClean="0"/>
+              <a:t> </a:t>
+            </a:r>
+            <a:r>
+              <a:rPr lang="de-DE" dirty="0" err="1" smtClean="0"/>
+              <a:t>to</a:t>
+            </a:r>
+            <a:r>
+              <a:rPr lang="de-DE" dirty="0" smtClean="0"/>
+              <a:t> </a:t>
+            </a:r>
+            <a:r>
+              <a:rPr lang="de-DE" dirty="0" err="1" smtClean="0"/>
+              <a:t>get</a:t>
+            </a:r>
+            <a:r>
+              <a:rPr lang="de-DE" dirty="0" smtClean="0"/>
+              <a:t> </a:t>
+            </a:r>
+            <a:r>
+              <a:rPr lang="de-DE" dirty="0" err="1" smtClean="0"/>
+              <a:t>more</a:t>
+            </a:r>
+            <a:r>
+              <a:rPr lang="de-DE" dirty="0" smtClean="0"/>
+              <a:t> </a:t>
+            </a:r>
+            <a:r>
+              <a:rPr lang="de-DE" dirty="0" err="1" smtClean="0"/>
+              <a:t>informations</a:t>
+            </a:r>
+            <a:r>
+              <a:rPr lang="de-DE" dirty="0" smtClean="0"/>
+              <a:t> </a:t>
+            </a:r>
+            <a:r>
+              <a:rPr lang="de-DE" dirty="0" err="1" smtClean="0"/>
+              <a:t>and</a:t>
+            </a:r>
+            <a:r>
+              <a:rPr lang="de-DE" dirty="0" smtClean="0"/>
+              <a:t> </a:t>
+            </a:r>
+            <a:r>
+              <a:rPr lang="de-DE" dirty="0" err="1" smtClean="0"/>
+              <a:t>to</a:t>
+            </a:r>
+            <a:r>
+              <a:rPr lang="de-DE" dirty="0" smtClean="0"/>
+              <a:t> </a:t>
+            </a:r>
+            <a:r>
+              <a:rPr lang="de-DE" dirty="0" err="1" smtClean="0"/>
+              <a:t>get</a:t>
+            </a:r>
+            <a:r>
+              <a:rPr lang="de-DE" dirty="0" smtClean="0"/>
+              <a:t> a redundant </a:t>
+            </a:r>
+            <a:r>
+              <a:rPr lang="de-DE" dirty="0" err="1" smtClean="0"/>
+              <a:t>system</a:t>
+            </a:r>
+            <a:r>
+              <a:rPr lang="de-DE" dirty="0" smtClean="0"/>
+              <a:t>. </a:t>
             </a:r>
             <a:endParaRPr lang="en-US" dirty="0" smtClean="0"/>
-          </a:p>
-          <a:p>
-            <a:pPr marL="357188" indent="0">
-              <a:buNone/>
-            </a:pPr>
-            <a:r>
-              <a:rPr lang="de-DE" dirty="0" smtClean="0">
-                <a:hlinkClick r:id="rId2"/>
-              </a:rPr>
-              <a:t>https</a:t>
-            </a:r>
-            <a:r>
-              <a:rPr lang="de-DE" dirty="0">
-                <a:hlinkClick r:id="rId2"/>
-              </a:rPr>
-              <a:t>://www.hbm.com/en/6304/wtx120-industrial-and-legal-for-trade-weighing-terminal</a:t>
-            </a:r>
-            <a:r>
-              <a:rPr lang="de-DE" dirty="0" smtClean="0">
-                <a:hlinkClick r:id="rId2"/>
-              </a:rPr>
-              <a:t>/</a:t>
-            </a:r>
-            <a:endParaRPr lang="de-DE" dirty="0"/>
-          </a:p>
-          <a:p>
-            <a:pPr marL="0" indent="357188"/>
-            <a:r>
-              <a:rPr lang="de-DE" dirty="0" smtClean="0"/>
-              <a:t>WTX120 Manual:</a:t>
-            </a:r>
-          </a:p>
-          <a:p>
-            <a:pPr marL="357188" indent="0">
-              <a:buNone/>
-            </a:pPr>
-            <a:r>
-              <a:rPr lang="de-DE" dirty="0">
-                <a:hlinkClick r:id="rId3"/>
-              </a:rPr>
-              <a:t>https://</a:t>
-            </a:r>
-            <a:r>
-              <a:rPr lang="de-DE" dirty="0" smtClean="0">
-                <a:hlinkClick r:id="rId3"/>
-              </a:rPr>
-              <a:t>www.hbm.com/fileadmin/mediapool/hbmdoc/technical/a4500.pdf</a:t>
-            </a:r>
-            <a:r>
-              <a:rPr lang="de-DE" dirty="0" smtClean="0"/>
-              <a:t> </a:t>
-            </a:r>
-          </a:p>
-          <a:p>
-            <a:r>
-              <a:rPr lang="en-US" dirty="0" err="1" smtClean="0"/>
-              <a:t>ModbusTCP</a:t>
-            </a:r>
-            <a:r>
-              <a:rPr lang="en-US" dirty="0" smtClean="0"/>
-              <a:t> API on </a:t>
-            </a:r>
-            <a:r>
-              <a:rPr lang="en-US" dirty="0" err="1" smtClean="0"/>
-              <a:t>Github</a:t>
-            </a:r>
-            <a:r>
-              <a:rPr lang="en-US" dirty="0" smtClean="0"/>
-              <a:t>: </a:t>
-            </a:r>
-            <a:r>
-              <a:rPr lang="en-US" i="1" dirty="0" smtClean="0"/>
-              <a:t>(unofficial, later …/HBM)</a:t>
-            </a:r>
-            <a:endParaRPr lang="de-DE" dirty="0" smtClean="0"/>
-          </a:p>
-          <a:p>
-            <a:pPr marL="0" indent="357188">
-              <a:buNone/>
-            </a:pPr>
-            <a:r>
-              <a:rPr lang="de-DE" dirty="0" smtClean="0">
-                <a:hlinkClick r:id="rId4"/>
-              </a:rPr>
-              <a:t>https</a:t>
-            </a:r>
-            <a:r>
-              <a:rPr lang="de-DE" dirty="0">
-                <a:hlinkClick r:id="rId4"/>
-              </a:rPr>
-              <a:t>://</a:t>
-            </a:r>
-            <a:r>
-              <a:rPr lang="de-DE" dirty="0" smtClean="0">
-                <a:hlinkClick r:id="rId4"/>
-              </a:rPr>
-              <a:t>github.com/leistner/ModbusTCP_WTX</a:t>
-            </a:r>
-            <a:endParaRPr lang="de-DE" dirty="0" smtClean="0"/>
-          </a:p>
-          <a:p>
-            <a:r>
-              <a:rPr lang="en-US" dirty="0" smtClean="0"/>
-              <a:t>Microsoft Visual Studio:</a:t>
-            </a:r>
-            <a:endParaRPr lang="de-DE" dirty="0" smtClean="0">
-              <a:hlinkClick r:id="rId5"/>
-            </a:endParaRPr>
-          </a:p>
-          <a:p>
-            <a:pPr marL="0" indent="357188">
-              <a:buNone/>
-            </a:pPr>
-            <a:r>
-              <a:rPr lang="de-DE" dirty="0">
-                <a:hlinkClick r:id="rId6"/>
-              </a:rPr>
-              <a:t>https://</a:t>
-            </a:r>
-            <a:r>
-              <a:rPr lang="de-DE" dirty="0" smtClean="0">
-                <a:hlinkClick r:id="rId6"/>
-              </a:rPr>
-              <a:t>www.visualstudio.com/vs/</a:t>
-            </a:r>
-            <a:endParaRPr lang="de-DE" dirty="0" smtClean="0"/>
-          </a:p>
-          <a:p>
-            <a:pPr marL="0" indent="357188">
-              <a:buNone/>
-            </a:pPr>
-            <a:endParaRPr lang="de-DE" dirty="0" smtClean="0"/>
-          </a:p>
-          <a:p>
-            <a:endParaRPr lang="de-DE" dirty="0"/>
           </a:p>
         </p:txBody>
       </p:sp>
@@ -15882,12 +17382,20 @@
           <a:lstStyle/>
           <a:p>
             <a:r>
+              <a:rPr lang="de-DE" dirty="0" smtClean="0"/>
+              <a:t>2) </a:t>
+            </a:r>
+            <a:r>
+              <a:rPr lang="de-DE" dirty="0" err="1" smtClean="0"/>
+              <a:t>Step</a:t>
+            </a:r>
+            <a:r>
               <a:rPr lang="en-US" dirty="0" smtClean="0"/>
-              <a:t>3) Link </a:t>
+              <a:t>-by-Step: </a:t>
             </a:r>
             <a:r>
               <a:rPr lang="en-US" dirty="0"/>
-              <a:t>Collection : “Alter Stand”</a:t>
+              <a:t>Outlook </a:t>
             </a:r>
             <a:endParaRPr lang="de-DE" dirty="0"/>
           </a:p>
@@ -15917,6 +17425,261 @@
                 <a:defRPr/>
               </a:pPr>
               <a:t>20</a:t>
+            </a:fld>
+            <a:endParaRPr lang="de-DE" altLang="en-US" dirty="0"/>
+          </a:p>
+        </p:txBody>
+      </p:sp>
+    </p:spTree>
+    <p:extLst>
+      <p:ext uri="{BB962C8B-B14F-4D97-AF65-F5344CB8AC3E}">
+        <p14:creationId xmlns:p14="http://schemas.microsoft.com/office/powerpoint/2010/main" val="1943165318"/>
+      </p:ext>
+    </p:extLst>
+  </p:cSld>
+  <p:clrMapOvr>
+    <a:masterClrMapping/>
+  </p:clrMapOvr>
+  <p:timing>
+    <p:tnLst>
+      <p:par>
+        <p:cTn id="1" dur="indefinite" restart="never" nodeType="tmRoot"/>
+      </p:par>
+    </p:tnLst>
+  </p:timing>
+</p:sld>
+</file>
+
+<file path=ppt/slides/slide21.xml><?xml version="1.0" encoding="utf-8"?>
+<p:sld xmlns:a="http://schemas.openxmlformats.org/drawingml/2006/main" xmlns:r="http://schemas.openxmlformats.org/officeDocument/2006/relationships" xmlns:p="http://schemas.openxmlformats.org/presentationml/2006/main">
+  <p:cSld>
+    <p:spTree>
+      <p:nvGrpSpPr>
+        <p:cNvPr id="1" name=""/>
+        <p:cNvGrpSpPr/>
+        <p:nvPr/>
+      </p:nvGrpSpPr>
+      <p:grpSpPr>
+        <a:xfrm>
+          <a:off x="0" y="0"/>
+          <a:ext cx="0" cy="0"/>
+          <a:chOff x="0" y="0"/>
+          <a:chExt cx="0" cy="0"/>
+        </a:xfrm>
+      </p:grpSpPr>
+      <p:sp>
+        <p:nvSpPr>
+          <p:cNvPr id="2" name="Textplatzhalter 1"/>
+          <p:cNvSpPr>
+            <a:spLocks noGrp="1"/>
+          </p:cNvSpPr>
+          <p:nvPr>
+            <p:ph type="body" sz="quarter" idx="17"/>
+          </p:nvPr>
+        </p:nvSpPr>
+        <p:spPr/>
+        <p:txBody>
+          <a:bodyPr/>
+          <a:lstStyle/>
+          <a:p>
+            <a:r>
+              <a:rPr lang="en-US" dirty="0" smtClean="0"/>
+              <a:t>WTX120 </a:t>
+            </a:r>
+            <a:r>
+              <a:rPr lang="en-US" dirty="0"/>
+              <a:t>Website: </a:t>
+            </a:r>
+            <a:endParaRPr lang="en-US" dirty="0" smtClean="0"/>
+          </a:p>
+          <a:p>
+            <a:pPr marL="357188" indent="0">
+              <a:buNone/>
+            </a:pPr>
+            <a:r>
+              <a:rPr lang="de-DE" dirty="0" smtClean="0">
+                <a:hlinkClick r:id="rId2"/>
+              </a:rPr>
+              <a:t>https</a:t>
+            </a:r>
+            <a:r>
+              <a:rPr lang="de-DE" dirty="0">
+                <a:hlinkClick r:id="rId2"/>
+              </a:rPr>
+              <a:t>://www.hbm.com/en/6304/wtx120-industrial-and-legal-for-trade-weighing-terminal</a:t>
+            </a:r>
+            <a:r>
+              <a:rPr lang="de-DE" dirty="0" smtClean="0">
+                <a:hlinkClick r:id="rId2"/>
+              </a:rPr>
+              <a:t>/</a:t>
+            </a:r>
+            <a:endParaRPr lang="de-DE" dirty="0"/>
+          </a:p>
+          <a:p>
+            <a:pPr marL="0" indent="357188"/>
+            <a:r>
+              <a:rPr lang="de-DE" dirty="0" smtClean="0"/>
+              <a:t>WTX120 Manual:</a:t>
+            </a:r>
+          </a:p>
+          <a:p>
+            <a:pPr marL="357188" indent="0">
+              <a:buNone/>
+            </a:pPr>
+            <a:r>
+              <a:rPr lang="de-DE" dirty="0">
+                <a:hlinkClick r:id="rId3"/>
+              </a:rPr>
+              <a:t>https://</a:t>
+            </a:r>
+            <a:r>
+              <a:rPr lang="de-DE" dirty="0" smtClean="0">
+                <a:hlinkClick r:id="rId3"/>
+              </a:rPr>
+              <a:t>www.hbm.com/fileadmin/mediapool/hbmdoc/technical/a4500.pdf</a:t>
+            </a:r>
+            <a:r>
+              <a:rPr lang="de-DE" dirty="0" smtClean="0"/>
+              <a:t> </a:t>
+            </a:r>
+          </a:p>
+          <a:p>
+            <a:r>
+              <a:rPr lang="en-US" dirty="0" err="1" smtClean="0"/>
+              <a:t>ModbusTCP</a:t>
+            </a:r>
+            <a:r>
+              <a:rPr lang="en-US" dirty="0" smtClean="0"/>
+              <a:t> API on </a:t>
+            </a:r>
+            <a:r>
+              <a:rPr lang="en-US" dirty="0" err="1" smtClean="0"/>
+              <a:t>Github</a:t>
+            </a:r>
+            <a:r>
+              <a:rPr lang="en-US" dirty="0" smtClean="0"/>
+              <a:t>: </a:t>
+            </a:r>
+            <a:r>
+              <a:rPr lang="en-US" i="1" dirty="0" smtClean="0"/>
+              <a:t>(unofficial, later …/HBM)</a:t>
+            </a:r>
+            <a:endParaRPr lang="de-DE" dirty="0" smtClean="0"/>
+          </a:p>
+          <a:p>
+            <a:pPr marL="0" indent="357188">
+              <a:buNone/>
+            </a:pPr>
+            <a:r>
+              <a:rPr lang="de-DE" dirty="0" smtClean="0">
+                <a:hlinkClick r:id="rId4"/>
+              </a:rPr>
+              <a:t>https</a:t>
+            </a:r>
+            <a:r>
+              <a:rPr lang="de-DE" dirty="0">
+                <a:hlinkClick r:id="rId4"/>
+              </a:rPr>
+              <a:t>://</a:t>
+            </a:r>
+            <a:r>
+              <a:rPr lang="de-DE" dirty="0" smtClean="0">
+                <a:hlinkClick r:id="rId4"/>
+              </a:rPr>
+              <a:t>github.com/leistner/ModbusTCP_WTX</a:t>
+            </a:r>
+            <a:endParaRPr lang="de-DE" dirty="0" smtClean="0"/>
+          </a:p>
+          <a:p>
+            <a:r>
+              <a:rPr lang="en-US" dirty="0" smtClean="0"/>
+              <a:t>Microsoft Visual Studio:</a:t>
+            </a:r>
+            <a:endParaRPr lang="de-DE" dirty="0" smtClean="0">
+              <a:hlinkClick r:id="rId5"/>
+            </a:endParaRPr>
+          </a:p>
+          <a:p>
+            <a:pPr marL="0" indent="357188">
+              <a:buNone/>
+            </a:pPr>
+            <a:r>
+              <a:rPr lang="de-DE" dirty="0">
+                <a:hlinkClick r:id="rId6"/>
+              </a:rPr>
+              <a:t>https://</a:t>
+            </a:r>
+            <a:r>
+              <a:rPr lang="de-DE" dirty="0" smtClean="0">
+                <a:hlinkClick r:id="rId6"/>
+              </a:rPr>
+              <a:t>www.visualstudio.com/vs/</a:t>
+            </a:r>
+            <a:endParaRPr lang="de-DE" dirty="0" smtClean="0"/>
+          </a:p>
+          <a:p>
+            <a:pPr marL="0" indent="357188">
+              <a:buNone/>
+            </a:pPr>
+            <a:endParaRPr lang="de-DE" dirty="0" smtClean="0"/>
+          </a:p>
+          <a:p>
+            <a:endParaRPr lang="de-DE" dirty="0"/>
+          </a:p>
+        </p:txBody>
+      </p:sp>
+      <p:sp>
+        <p:nvSpPr>
+          <p:cNvPr id="3" name="Titel 2"/>
+          <p:cNvSpPr>
+            <a:spLocks noGrp="1"/>
+          </p:cNvSpPr>
+          <p:nvPr>
+            <p:ph type="title"/>
+          </p:nvPr>
+        </p:nvSpPr>
+        <p:spPr/>
+        <p:txBody>
+          <a:bodyPr/>
+          <a:lstStyle/>
+          <a:p>
+            <a:r>
+              <a:rPr lang="en-US" dirty="0" smtClean="0"/>
+              <a:t>3) Link </a:t>
+            </a:r>
+            <a:r>
+              <a:rPr lang="en-US" dirty="0"/>
+              <a:t>Collection : “Alter Stand”</a:t>
+            </a:r>
+            <a:endParaRPr lang="de-DE" dirty="0"/>
+          </a:p>
+        </p:txBody>
+      </p:sp>
+      <p:sp>
+        <p:nvSpPr>
+          <p:cNvPr id="4" name="Foliennummernplatzhalter 3"/>
+          <p:cNvSpPr>
+            <a:spLocks noGrp="1"/>
+          </p:cNvSpPr>
+          <p:nvPr>
+            <p:ph type="sldNum" sz="quarter" idx="20"/>
+          </p:nvPr>
+        </p:nvSpPr>
+        <p:spPr/>
+        <p:txBody>
+          <a:bodyPr/>
+          <a:lstStyle/>
+          <a:p>
+            <a:pPr>
+              <a:defRPr/>
+            </a:pPr>
+            <a:fld id="{3C51BDBD-9BFD-4203-86B0-2FBA6AD25841}" type="slidenum">
+              <a:rPr lang="de-DE" altLang="en-US" smtClean="0"/>
+              <a:pPr>
+                <a:defRPr/>
+              </a:pPr>
+              <a:t>21</a:t>
             </a:fld>
             <a:endParaRPr lang="de-DE" altLang="en-US" dirty="0"/>
           </a:p>
@@ -15942,7 +17705,7 @@
 </p:sld>
 </file>
 
-<file path=ppt/slides/slide21.xml><?xml version="1.0" encoding="utf-8"?>
+<file path=ppt/slides/slide22.xml><?xml version="1.0" encoding="utf-8"?>
 <p:sld xmlns:a="http://schemas.openxmlformats.org/drawingml/2006/main" xmlns:r="http://schemas.openxmlformats.org/officeDocument/2006/relationships" xmlns:p="http://schemas.openxmlformats.org/presentationml/2006/main">
   <p:cSld>
     <p:spTree>
@@ -16664,139 +18427,6 @@
           <a:chExt cx="0" cy="0"/>
         </a:xfrm>
       </p:grpSpPr>
-      <p:sp>
-        <p:nvSpPr>
-          <p:cNvPr id="2" name="Textplatzhalter 1"/>
-          <p:cNvSpPr>
-            <a:spLocks noGrp="1"/>
-          </p:cNvSpPr>
-          <p:nvPr>
-            <p:ph type="body" sz="quarter" idx="17"/>
-          </p:nvPr>
-        </p:nvSpPr>
-        <p:spPr/>
-        <p:txBody>
-          <a:bodyPr/>
-          <a:lstStyle/>
-          <a:p>
-            <a:r>
-              <a:rPr lang="en-US" dirty="0" smtClean="0"/>
-              <a:t>You can find all required links for downloads in the Link-Collection</a:t>
-            </a:r>
-          </a:p>
-          <a:p>
-            <a:r>
-              <a:rPr lang="en-US" dirty="0" smtClean="0"/>
-              <a:t>Install VS with .NET-Development extension or basic version and install required packages afterwards</a:t>
-            </a:r>
-          </a:p>
-          <a:p>
-            <a:r>
-              <a:rPr lang="en-US" dirty="0"/>
-              <a:t>Download </a:t>
-            </a:r>
-            <a:r>
-              <a:rPr lang="en-US" dirty="0" err="1"/>
-              <a:t>ModbusTCP_WTX</a:t>
-            </a:r>
-            <a:r>
-              <a:rPr lang="en-US" dirty="0"/>
-              <a:t> from GitHub</a:t>
-            </a:r>
-          </a:p>
-          <a:p>
-            <a:endParaRPr lang="en-US" dirty="0" smtClean="0"/>
-          </a:p>
-          <a:p>
-            <a:endParaRPr lang="en-US" dirty="0" smtClean="0"/>
-          </a:p>
-          <a:p>
-            <a:endParaRPr lang="en-US" dirty="0"/>
-          </a:p>
-          <a:p>
-            <a:endParaRPr lang="en-US" dirty="0" smtClean="0"/>
-          </a:p>
-          <a:p>
-            <a:endParaRPr lang="en-US" dirty="0"/>
-          </a:p>
-          <a:p>
-            <a:endParaRPr lang="en-US" dirty="0" smtClean="0"/>
-          </a:p>
-          <a:p>
-            <a:endParaRPr lang="en-US" dirty="0"/>
-          </a:p>
-          <a:p>
-            <a:endParaRPr lang="en-US" dirty="0" smtClean="0"/>
-          </a:p>
-          <a:p>
-            <a:endParaRPr lang="en-US" dirty="0"/>
-          </a:p>
-          <a:p>
-            <a:endParaRPr lang="en-US" dirty="0" smtClean="0"/>
-          </a:p>
-          <a:p>
-            <a:endParaRPr lang="en-US" dirty="0"/>
-          </a:p>
-          <a:p>
-            <a:endParaRPr lang="en-US" dirty="0" smtClean="0"/>
-          </a:p>
-          <a:p>
-            <a:endParaRPr lang="de-DE" dirty="0"/>
-          </a:p>
-        </p:txBody>
-      </p:sp>
-      <p:sp>
-        <p:nvSpPr>
-          <p:cNvPr id="3" name="Titel 2"/>
-          <p:cNvSpPr>
-            <a:spLocks noGrp="1"/>
-          </p:cNvSpPr>
-          <p:nvPr>
-            <p:ph type="title"/>
-          </p:nvPr>
-        </p:nvSpPr>
-        <p:spPr/>
-        <p:txBody>
-          <a:bodyPr/>
-          <a:lstStyle/>
-          <a:p>
-            <a:r>
-              <a:rPr lang="en-US" dirty="0" smtClean="0"/>
-              <a:t>2) Step-by-Step: Software</a:t>
-            </a:r>
-            <a:endParaRPr lang="de-DE" dirty="0"/>
-          </a:p>
-        </p:txBody>
-      </p:sp>
-      <p:sp>
-        <p:nvSpPr>
-          <p:cNvPr id="4" name="Foliennummernplatzhalter 3"/>
-          <p:cNvSpPr>
-            <a:spLocks noGrp="1"/>
-          </p:cNvSpPr>
-          <p:nvPr>
-            <p:ph type="sldNum" sz="quarter" idx="20"/>
-          </p:nvPr>
-        </p:nvSpPr>
-        <p:spPr/>
-        <p:txBody>
-          <a:bodyPr/>
-          <a:lstStyle/>
-          <a:p>
-            <a:pPr>
-              <a:defRPr/>
-            </a:pPr>
-            <a:fld id="{3C51BDBD-9BFD-4203-86B0-2FBA6AD25841}" type="slidenum">
-              <a:rPr lang="de-DE" altLang="en-US" smtClean="0"/>
-              <a:pPr>
-                <a:defRPr/>
-              </a:pPr>
-              <a:t>6</a:t>
-            </a:fld>
-            <a:endParaRPr lang="de-DE" altLang="en-US" dirty="0"/>
-          </a:p>
-        </p:txBody>
-      </p:sp>
       <p:grpSp>
         <p:nvGrpSpPr>
           <p:cNvPr id="5" name="Gruppieren 4"/>
@@ -16805,8 +18435,8 @@
         </p:nvGrpSpPr>
         <p:grpSpPr>
           <a:xfrm>
-            <a:off x="533060" y="2580871"/>
-            <a:ext cx="7567332" cy="3296401"/>
+            <a:off x="827584" y="3565613"/>
+            <a:ext cx="7143323" cy="2959731"/>
             <a:chOff x="533060" y="1916832"/>
             <a:chExt cx="7567332" cy="3296401"/>
           </a:xfrm>
@@ -16912,6 +18542,226 @@
           </p:txBody>
         </p:sp>
       </p:grpSp>
+      <p:sp>
+        <p:nvSpPr>
+          <p:cNvPr id="2" name="Textplatzhalter 1"/>
+          <p:cNvSpPr>
+            <a:spLocks noGrp="1"/>
+          </p:cNvSpPr>
+          <p:nvPr>
+            <p:ph type="body" sz="quarter" idx="17"/>
+          </p:nvPr>
+        </p:nvSpPr>
+        <p:spPr>
+          <a:xfrm>
+            <a:off x="467544" y="621431"/>
+            <a:ext cx="7345362" cy="5543873"/>
+          </a:xfrm>
+        </p:spPr>
+        <p:txBody>
+          <a:bodyPr/>
+          <a:lstStyle/>
+          <a:p>
+            <a:r>
+              <a:rPr lang="en-US" dirty="0" smtClean="0"/>
+              <a:t>You can find all required links for downloads in the Link-Collection</a:t>
+            </a:r>
+          </a:p>
+          <a:p>
+            <a:r>
+              <a:rPr lang="en-US" dirty="0" smtClean="0"/>
+              <a:t>Install VS with .NET-Development extension or basic version and install required packages afterwards</a:t>
+            </a:r>
+          </a:p>
+          <a:p>
+            <a:r>
+              <a:rPr lang="en-US" dirty="0"/>
+              <a:t>Download </a:t>
+            </a:r>
+            <a:r>
+              <a:rPr lang="en-US" dirty="0" err="1"/>
+              <a:t>ModbusTCP_WTX</a:t>
+            </a:r>
+            <a:r>
+              <a:rPr lang="en-US" dirty="0"/>
+              <a:t> from </a:t>
+            </a:r>
+            <a:r>
+              <a:rPr lang="en-US" dirty="0" smtClean="0"/>
+              <a:t>GitHub</a:t>
+            </a:r>
+          </a:p>
+          <a:p>
+            <a:r>
+              <a:rPr lang="en-US" dirty="0" smtClean="0"/>
+              <a:t>In </a:t>
+            </a:r>
+            <a:r>
+              <a:rPr lang="en-US" dirty="0" err="1" smtClean="0"/>
+              <a:t>ModbusTCP_WTX</a:t>
+            </a:r>
+            <a:r>
+              <a:rPr lang="en-US" dirty="0" smtClean="0"/>
+              <a:t> you have 3 applications:</a:t>
+            </a:r>
+          </a:p>
+          <a:p>
+            <a:pPr marL="0" indent="0">
+              <a:buNone/>
+            </a:pPr>
+            <a:r>
+              <a:rPr lang="en-US" sz="1400" dirty="0" smtClean="0"/>
+              <a:t>      - 1 : A console application (‘</a:t>
+            </a:r>
+            <a:r>
+              <a:rPr lang="en-US" sz="1400" dirty="0" err="1" smtClean="0"/>
+              <a:t>WTXModbusCL</a:t>
+            </a:r>
+            <a:r>
+              <a:rPr lang="en-US" sz="1400" dirty="0" smtClean="0"/>
+              <a:t>’) .</a:t>
+            </a:r>
+          </a:p>
+          <a:p>
+            <a:pPr marL="0" indent="0">
+              <a:buNone/>
+            </a:pPr>
+            <a:r>
+              <a:rPr lang="en-US" sz="1400" dirty="0"/>
+              <a:t> </a:t>
+            </a:r>
+            <a:r>
+              <a:rPr lang="en-US" sz="1400" dirty="0" smtClean="0"/>
+              <a:t>     - 2 : A Windows form GUI application containing all input and output words for the  	WTX120 (‘</a:t>
+            </a:r>
+            <a:r>
+              <a:rPr lang="en-US" sz="1400" dirty="0" err="1" smtClean="0"/>
+              <a:t>WTXModbusGUI</a:t>
+            </a:r>
+            <a:r>
+              <a:rPr lang="en-US" sz="1400" dirty="0" smtClean="0"/>
+              <a:t>’).</a:t>
+            </a:r>
+          </a:p>
+          <a:p>
+            <a:pPr marL="0" indent="0">
+              <a:buNone/>
+            </a:pPr>
+            <a:r>
+              <a:rPr lang="en-US" sz="1400" dirty="0" smtClean="0"/>
+              <a:t>      - 3 : A ‘simple’ Windows form GUI application containing the most important words and 	features in a more clearer way</a:t>
+            </a:r>
+            <a:r>
+              <a:rPr lang="en-US" sz="1400" dirty="0"/>
+              <a:t> </a:t>
+            </a:r>
+            <a:r>
+              <a:rPr lang="en-US" sz="1400" dirty="0" smtClean="0"/>
+              <a:t>(‘</a:t>
+            </a:r>
+            <a:r>
+              <a:rPr lang="en-US" sz="1400" dirty="0" err="1" smtClean="0"/>
+              <a:t>WTXModbusGUISimple</a:t>
+            </a:r>
+            <a:r>
+              <a:rPr lang="en-US" sz="1400" dirty="0" smtClean="0"/>
+              <a:t>’).</a:t>
+            </a:r>
+            <a:endParaRPr lang="en-US" sz="1400" dirty="0"/>
+          </a:p>
+          <a:p>
+            <a:endParaRPr lang="en-US" dirty="0" smtClean="0"/>
+          </a:p>
+          <a:p>
+            <a:endParaRPr lang="en-US" dirty="0" smtClean="0"/>
+          </a:p>
+          <a:p>
+            <a:endParaRPr lang="en-US" dirty="0"/>
+          </a:p>
+          <a:p>
+            <a:endParaRPr lang="en-US" dirty="0" smtClean="0"/>
+          </a:p>
+          <a:p>
+            <a:endParaRPr lang="en-US" dirty="0"/>
+          </a:p>
+          <a:p>
+            <a:endParaRPr lang="en-US" dirty="0" smtClean="0"/>
+          </a:p>
+          <a:p>
+            <a:endParaRPr lang="en-US" dirty="0"/>
+          </a:p>
+          <a:p>
+            <a:endParaRPr lang="en-US" dirty="0" smtClean="0"/>
+          </a:p>
+          <a:p>
+            <a:endParaRPr lang="en-US" dirty="0"/>
+          </a:p>
+          <a:p>
+            <a:endParaRPr lang="en-US" dirty="0" smtClean="0"/>
+          </a:p>
+          <a:p>
+            <a:endParaRPr lang="en-US" dirty="0"/>
+          </a:p>
+          <a:p>
+            <a:endParaRPr lang="en-US" dirty="0" smtClean="0"/>
+          </a:p>
+          <a:p>
+            <a:endParaRPr lang="de-DE" dirty="0"/>
+          </a:p>
+        </p:txBody>
+      </p:sp>
+      <p:sp>
+        <p:nvSpPr>
+          <p:cNvPr id="3" name="Titel 2"/>
+          <p:cNvSpPr>
+            <a:spLocks noGrp="1"/>
+          </p:cNvSpPr>
+          <p:nvPr>
+            <p:ph type="title"/>
+          </p:nvPr>
+        </p:nvSpPr>
+        <p:spPr/>
+        <p:txBody>
+          <a:bodyPr/>
+          <a:lstStyle/>
+          <a:p>
+            <a:r>
+              <a:rPr lang="en-US" dirty="0" smtClean="0"/>
+              <a:t>2) Step-by-Step: Software</a:t>
+            </a:r>
+            <a:endParaRPr lang="de-DE" dirty="0"/>
+          </a:p>
+        </p:txBody>
+      </p:sp>
+      <p:sp>
+        <p:nvSpPr>
+          <p:cNvPr id="4" name="Foliennummernplatzhalter 3"/>
+          <p:cNvSpPr>
+            <a:spLocks noGrp="1"/>
+          </p:cNvSpPr>
+          <p:nvPr>
+            <p:ph type="sldNum" sz="quarter" idx="20"/>
+          </p:nvPr>
+        </p:nvSpPr>
+        <p:spPr/>
+        <p:txBody>
+          <a:bodyPr/>
+          <a:lstStyle/>
+          <a:p>
+            <a:pPr>
+              <a:defRPr/>
+            </a:pPr>
+            <a:fld id="{3C51BDBD-9BFD-4203-86B0-2FBA6AD25841}" type="slidenum">
+              <a:rPr lang="de-DE" altLang="en-US" smtClean="0"/>
+              <a:pPr>
+                <a:defRPr/>
+              </a:pPr>
+              <a:t>6</a:t>
+            </a:fld>
+            <a:endParaRPr lang="de-DE" altLang="en-US" dirty="0"/>
+          </a:p>
+        </p:txBody>
+      </p:sp>
     </p:spTree>
     <p:extLst>
       <p:ext uri="{BB962C8B-B14F-4D97-AF65-F5344CB8AC3E}">
@@ -16951,6 +18801,116 @@
       </p:grpSpPr>
       <p:sp>
         <p:nvSpPr>
+          <p:cNvPr id="6" name="Textfeld 5"/>
+          <p:cNvSpPr txBox="1"/>
+          <p:nvPr/>
+        </p:nvSpPr>
+        <p:spPr>
+          <a:xfrm>
+            <a:off x="5796136" y="6197242"/>
+            <a:ext cx="3275856" cy="400110"/>
+          </a:xfrm>
+          <a:prstGeom prst="rect">
+            <a:avLst/>
+          </a:prstGeom>
+          <a:noFill/>
+        </p:spPr>
+        <p:txBody>
+          <a:bodyPr wrap="square" rtlCol="0">
+            <a:spAutoFit/>
+          </a:bodyPr>
+          <a:lstStyle/>
+          <a:p>
+            <a:r>
+              <a:rPr lang="de-DE" sz="1000" i="1" dirty="0" smtClean="0"/>
+              <a:t>Picture: Project </a:t>
+            </a:r>
+            <a:r>
+              <a:rPr lang="de-DE" sz="1000" i="1" dirty="0" err="1" smtClean="0"/>
+              <a:t>overview</a:t>
+            </a:r>
+            <a:r>
+              <a:rPr lang="de-DE" sz="1000" i="1" dirty="0" smtClean="0"/>
+              <a:t>– Solution </a:t>
+            </a:r>
+            <a:r>
+              <a:rPr lang="de-DE" sz="1000" i="1" dirty="0" err="1" smtClean="0"/>
+              <a:t>explorer</a:t>
+            </a:r>
+            <a:r>
+              <a:rPr lang="de-DE" sz="1000" i="1" dirty="0" smtClean="0"/>
+              <a:t> </a:t>
+            </a:r>
+            <a:r>
+              <a:rPr lang="de-DE" sz="1000" i="1" dirty="0" err="1" smtClean="0"/>
+              <a:t>with</a:t>
+            </a:r>
+            <a:r>
+              <a:rPr lang="de-DE" sz="1000" i="1" dirty="0" smtClean="0"/>
+              <a:t> </a:t>
+            </a:r>
+            <a:r>
+              <a:rPr lang="de-DE" sz="1000" i="1" dirty="0" err="1" smtClean="0"/>
+              <a:t>the</a:t>
+            </a:r>
+            <a:r>
+              <a:rPr lang="de-DE" sz="1000" i="1" dirty="0" smtClean="0"/>
+              <a:t> 1 </a:t>
+            </a:r>
+            <a:r>
+              <a:rPr lang="de-DE" sz="1000" i="1" dirty="0" err="1" smtClean="0"/>
+              <a:t>console</a:t>
+            </a:r>
+            <a:r>
+              <a:rPr lang="de-DE" sz="1000" i="1" dirty="0"/>
+              <a:t> </a:t>
+            </a:r>
+            <a:r>
+              <a:rPr lang="de-DE" sz="1000" i="1" dirty="0" err="1" smtClean="0"/>
+              <a:t>and</a:t>
+            </a:r>
+            <a:r>
+              <a:rPr lang="de-DE" sz="1000" i="1" dirty="0" smtClean="0"/>
+              <a:t> 2 GUI </a:t>
+            </a:r>
+            <a:r>
+              <a:rPr lang="de-DE" sz="1000" i="1" dirty="0" err="1" smtClean="0"/>
+              <a:t>applications</a:t>
+            </a:r>
+            <a:r>
+              <a:rPr lang="de-DE" sz="1000" i="1" dirty="0" smtClean="0"/>
+              <a:t>,  </a:t>
+            </a:r>
+            <a:r>
+              <a:rPr lang="de-DE" sz="1000" i="1" dirty="0" err="1" smtClean="0"/>
+              <a:t>and</a:t>
+            </a:r>
+            <a:r>
+              <a:rPr lang="de-DE" sz="1000" i="1" dirty="0" smtClean="0"/>
+              <a:t> </a:t>
+            </a:r>
+            <a:r>
+              <a:rPr lang="de-DE" sz="1000" i="1" dirty="0" err="1" smtClean="0"/>
+              <a:t>the</a:t>
+            </a:r>
+            <a:r>
+              <a:rPr lang="de-DE" sz="1000" i="1" dirty="0" smtClean="0"/>
+              <a:t> API </a:t>
+            </a:r>
+            <a:r>
+              <a:rPr lang="de-DE" sz="1000" i="1" dirty="0" err="1" smtClean="0"/>
+              <a:t>WTXModbus</a:t>
+            </a:r>
+            <a:r>
+              <a:rPr lang="de-DE" sz="1000" i="1" dirty="0" smtClean="0"/>
+              <a:t>.</a:t>
+            </a:r>
+            <a:endParaRPr lang="de-DE" sz="1200" i="1" dirty="0"/>
+          </a:p>
+        </p:txBody>
+      </p:sp>
+      <p:sp>
+        <p:nvSpPr>
           <p:cNvPr id="2" name="Textplatzhalter 1"/>
           <p:cNvSpPr>
             <a:spLocks noGrp="1"/>
@@ -16959,7 +18919,12 @@
             <p:ph type="body" sz="quarter" idx="17"/>
           </p:nvPr>
         </p:nvSpPr>
-        <p:spPr/>
+        <p:spPr>
+          <a:xfrm>
+            <a:off x="394990" y="764704"/>
+            <a:ext cx="7345362" cy="5543873"/>
+          </a:xfrm>
+        </p:spPr>
         <p:txBody>
           <a:bodyPr/>
           <a:lstStyle/>
@@ -16974,13 +18939,68 @@
             </a:r>
             <a:r>
               <a:rPr lang="en-US" dirty="0"/>
-              <a:t>as your PC (note: WTX does not support DHCP currently, only fixed IP)</a:t>
-            </a:r>
-          </a:p>
-          <a:p>
+              <a:t>as your PC </a:t>
+            </a:r>
             <a:r>
               <a:rPr lang="en-US" dirty="0" smtClean="0"/>
-              <a:t>Or connect directly to your PC, the IP-address in WTX must be the same, where the subnet-mask is 255, and different, where it is 0</a:t>
+              <a:t>                         (note</a:t>
+            </a:r>
+            <a:r>
+              <a:rPr lang="en-US" dirty="0"/>
+              <a:t>: WTX does not support DHCP </a:t>
+            </a:r>
+            <a:r>
+              <a:rPr lang="en-US" dirty="0" err="1" smtClean="0"/>
+              <a:t>currently,only</a:t>
+            </a:r>
+            <a:r>
+              <a:rPr lang="en-US" dirty="0" smtClean="0"/>
+              <a:t> </a:t>
+            </a:r>
+            <a:r>
+              <a:rPr lang="en-US" dirty="0"/>
+              <a:t>fixed IP</a:t>
+            </a:r>
+            <a:r>
+              <a:rPr lang="en-US" dirty="0" smtClean="0"/>
+              <a:t>)</a:t>
+            </a:r>
+          </a:p>
+          <a:p>
+            <a:endParaRPr lang="en-US" dirty="0"/>
+          </a:p>
+          <a:p>
+            <a:r>
+              <a:rPr lang="en-US" dirty="0" smtClean="0"/>
+              <a:t>Or connect directly to your PC, the IP-address in WTX </a:t>
+            </a:r>
+            <a:r>
+              <a:rPr lang="en-US" dirty="0" smtClean="0"/>
+              <a:t>                       must be </a:t>
+            </a:r>
+            <a:r>
+              <a:rPr lang="en-US" dirty="0" smtClean="0"/>
+              <a:t>the same, where the subnet-mask is 255, </a:t>
+            </a:r>
+            <a:r>
+              <a:rPr lang="en-US" dirty="0" smtClean="0"/>
+              <a:t>                                    and </a:t>
+            </a:r>
+            <a:r>
+              <a:rPr lang="en-US" dirty="0" smtClean="0"/>
+              <a:t>different, </a:t>
+            </a:r>
+            <a:r>
+              <a:rPr lang="en-US" dirty="0" smtClean="0"/>
+              <a:t>where </a:t>
+            </a:r>
+            <a:r>
+              <a:rPr lang="en-US" dirty="0" smtClean="0"/>
+              <a:t>it is </a:t>
+            </a:r>
+            <a:r>
+              <a:rPr lang="en-US" dirty="0" smtClean="0"/>
+              <a:t>0.</a:t>
             </a:r>
           </a:p>
           <a:p>
@@ -16989,13 +19009,32 @@
           <a:p>
             <a:r>
               <a:rPr lang="en-US" dirty="0" smtClean="0"/>
-              <a:t>Open WTXModbus.sln in the main folder of the Modbus download</a:t>
-            </a:r>
-          </a:p>
-          <a:p>
+              <a:t>Open WTXModbus.sln in the main folder of the Modbus </a:t>
+            </a:r>
             <a:r>
               <a:rPr lang="en-US" dirty="0" smtClean="0"/>
-              <a:t>Project overview: two examples, a command </a:t>
+              <a:t>                   download</a:t>
+            </a:r>
+          </a:p>
+          <a:p>
+            <a:endParaRPr lang="en-US" dirty="0" smtClean="0"/>
+          </a:p>
+          <a:p>
+            <a:r>
+              <a:rPr lang="en-US" dirty="0" smtClean="0"/>
+              <a:t>Project overview: </a:t>
+            </a:r>
+            <a:r>
+              <a:rPr lang="en-US" dirty="0" smtClean="0"/>
+              <a:t>3 </a:t>
+            </a:r>
+            <a:r>
+              <a:rPr lang="en-US" dirty="0" smtClean="0"/>
+              <a:t>example applications, </a:t>
+            </a:r>
+            <a:r>
+              <a:rPr lang="en-US" dirty="0" smtClean="0"/>
+              <a:t>a command </a:t>
             </a:r>
           </a:p>
           <a:p>
@@ -17004,7 +19043,11 @@
             </a:pPr>
             <a:r>
               <a:rPr lang="en-US" dirty="0" smtClean="0"/>
-              <a:t>line application (CL) and a graphic application</a:t>
+              <a:t>line application (</a:t>
+            </a:r>
+            <a:r>
+              <a:rPr lang="en-US" dirty="0" smtClean="0"/>
+              <a:t>CL), 2 graphic applications (a simple</a:t>
             </a:r>
           </a:p>
           <a:p>
@@ -17013,13 +19056,25 @@
             </a:pPr>
             <a:r>
               <a:rPr lang="en-US" dirty="0" smtClean="0"/>
-              <a:t>(GUI), and the API </a:t>
+              <a:t>And an extended version) </a:t>
+            </a:r>
+            <a:r>
+              <a:rPr lang="en-US" dirty="0" smtClean="0"/>
+              <a:t>and </a:t>
+            </a:r>
+            <a:r>
+              <a:rPr lang="en-US" dirty="0" smtClean="0"/>
+              <a:t>the API </a:t>
             </a:r>
             <a:r>
               <a:rPr lang="en-US" dirty="0" err="1" smtClean="0"/>
               <a:t>WTXModbus</a:t>
             </a:r>
-            <a:endParaRPr lang="en-US" dirty="0" smtClean="0"/>
+            <a:r>
+              <a:rPr lang="en-US" dirty="0" smtClean="0"/>
+              <a:t>.</a:t>
+            </a:r>
+            <a:endParaRPr lang="en-US" dirty="0"/>
           </a:p>
           <a:p>
             <a:pPr marL="357188" indent="0">
@@ -17077,8 +19132,28 @@
             </a:r>
             <a:r>
               <a:rPr lang="en-US" sz="1800" dirty="0" smtClean="0"/>
-              <a:t>ackages one-time</a:t>
-            </a:r>
+              <a:t>ackages </a:t>
+            </a:r>
+            <a:r>
+              <a:rPr lang="en-US" sz="1800" dirty="0" smtClean="0"/>
+              <a:t>one-time</a:t>
+            </a:r>
+          </a:p>
+          <a:p>
+            <a:pPr marL="400050" lvl="1" indent="0">
+              <a:buNone/>
+            </a:pPr>
+            <a:endParaRPr lang="en-US" sz="1800" dirty="0"/>
+          </a:p>
+          <a:p>
+            <a:pPr marL="0" indent="0">
+              <a:buNone/>
+            </a:pPr>
+            <a:r>
+              <a:rPr lang="en-US" sz="1400" dirty="0"/>
+              <a:t> </a:t>
+            </a:r>
+            <a:endParaRPr lang="en-US" sz="1800" dirty="0" smtClean="0"/>
           </a:p>
         </p:txBody>
       </p:sp>
@@ -17136,13 +19211,13 @@
       </p:sp>
       <p:pic>
         <p:nvPicPr>
-          <p:cNvPr id="1026" name="Picture 2"/>
+          <p:cNvPr id="2051" name="Picture 3"/>
           <p:cNvPicPr>
             <a:picLocks noChangeAspect="1" noChangeArrowheads="1"/>
           </p:cNvPicPr>
           <p:nvPr/>
         </p:nvPicPr>
-        <p:blipFill rotWithShape="1">
+        <p:blipFill>
           <a:blip r:embed="rId2">
             <a:extLst>
               <a:ext uri="{28A0092B-C50C-407E-A947-70E740481C1C}">
@@ -17150,13 +19225,15 @@
               </a:ext>
             </a:extLst>
           </a:blip>
-          <a:srcRect b="17461"/>
-          <a:stretch/>
+          <a:srcRect/>
+          <a:stretch>
+            <a:fillRect/>
+          </a:stretch>
         </p:blipFill>
         <p:spPr bwMode="auto">
           <a:xfrm>
-            <a:off x="5779381" y="2686761"/>
-            <a:ext cx="2321011" cy="3465562"/>
+            <a:off x="6804248" y="676225"/>
+            <a:ext cx="2092703" cy="5561087"/>
           </a:xfrm>
           <a:prstGeom prst="rect">
             <a:avLst/>
@@ -17186,40 +19263,6 @@
           </a:extLst>
         </p:spPr>
       </p:pic>
-      <p:sp>
-        <p:nvSpPr>
-          <p:cNvPr id="6" name="Textfeld 5"/>
-          <p:cNvSpPr txBox="1"/>
-          <p:nvPr/>
-        </p:nvSpPr>
-        <p:spPr>
-          <a:xfrm>
-            <a:off x="5724128" y="6184950"/>
-            <a:ext cx="1512168" cy="246221"/>
-          </a:xfrm>
-          <a:prstGeom prst="rect">
-            <a:avLst/>
-          </a:prstGeom>
-          <a:noFill/>
-        </p:spPr>
-        <p:txBody>
-          <a:bodyPr wrap="square" rtlCol="0">
-            <a:spAutoFit/>
-          </a:bodyPr>
-          <a:lstStyle/>
-          <a:p>
-            <a:r>
-              <a:rPr lang="de-DE" sz="1000" i="1" dirty="0" smtClean="0"/>
-              <a:t>Picture: Project </a:t>
-            </a:r>
-            <a:r>
-              <a:rPr lang="de-DE" sz="1000" i="1" dirty="0" err="1" smtClean="0"/>
-              <a:t>Overview</a:t>
-            </a:r>
-            <a:endParaRPr lang="de-DE" sz="1200" i="1" dirty="0"/>
-          </a:p>
-        </p:txBody>
-      </p:sp>
     </p:spTree>
     <p:extLst>
       <p:ext uri="{BB962C8B-B14F-4D97-AF65-F5344CB8AC3E}">
@@ -17732,6 +19775,168 @@
           <a:chExt cx="0" cy="0"/>
         </a:xfrm>
       </p:grpSpPr>
+      <p:pic>
+        <p:nvPicPr>
+          <p:cNvPr id="1027" name="Picture 3"/>
+          <p:cNvPicPr>
+            <a:picLocks noChangeAspect="1" noChangeArrowheads="1"/>
+          </p:cNvPicPr>
+          <p:nvPr/>
+        </p:nvPicPr>
+        <p:blipFill>
+          <a:blip r:embed="rId2">
+            <a:extLst>
+              <a:ext uri="{28A0092B-C50C-407E-A947-70E740481C1C}">
+                <a14:useLocalDpi xmlns:a14="http://schemas.microsoft.com/office/drawing/2010/main" val="0"/>
+              </a:ext>
+            </a:extLst>
+          </a:blip>
+          <a:srcRect/>
+          <a:stretch>
+            <a:fillRect/>
+          </a:stretch>
+        </p:blipFill>
+        <p:spPr bwMode="auto">
+          <a:xfrm>
+            <a:off x="5364088" y="2662301"/>
+            <a:ext cx="2784559" cy="2840571"/>
+          </a:xfrm>
+          <a:prstGeom prst="rect">
+            <a:avLst/>
+          </a:prstGeom>
+          <a:noFill/>
+          <a:ln>
+            <a:noFill/>
+          </a:ln>
+          <a:extLst>
+            <a:ext uri="{909E8E84-426E-40DD-AFC4-6F175D3DCCD1}">
+              <a14:hiddenFill xmlns:a14="http://schemas.microsoft.com/office/drawing/2010/main">
+                <a:solidFill>
+                  <a:schemeClr val="accent1"/>
+                </a:solidFill>
+              </a14:hiddenFill>
+            </a:ext>
+            <a:ext uri="{91240B29-F687-4F45-9708-019B960494DF}">
+              <a14:hiddenLine xmlns:a14="http://schemas.microsoft.com/office/drawing/2010/main" w="9525">
+                <a:solidFill>
+                  <a:schemeClr val="tx1"/>
+                </a:solidFill>
+                <a:miter lim="800000"/>
+                <a:headEnd/>
+                <a:tailEnd/>
+              </a14:hiddenLine>
+            </a:ext>
+          </a:extLst>
+        </p:spPr>
+      </p:pic>
+      <p:sp>
+        <p:nvSpPr>
+          <p:cNvPr id="2" name="Textplatzhalter 1"/>
+          <p:cNvSpPr>
+            <a:spLocks noGrp="1"/>
+          </p:cNvSpPr>
+          <p:nvPr>
+            <p:ph type="body" sz="quarter" idx="17"/>
+          </p:nvPr>
+        </p:nvSpPr>
+        <p:spPr>
+          <a:xfrm>
+            <a:off x="611014" y="765447"/>
+            <a:ext cx="8065442" cy="5543873"/>
+          </a:xfrm>
+        </p:spPr>
+        <p:txBody>
+          <a:bodyPr/>
+          <a:lstStyle/>
+          <a:p>
+            <a:r>
+              <a:rPr lang="en-US" dirty="0" smtClean="0"/>
+              <a:t>Start a demo example:</a:t>
+            </a:r>
+          </a:p>
+          <a:p>
+            <a:pPr marL="357188" indent="0">
+              <a:buNone/>
+            </a:pPr>
+            <a:r>
+              <a:rPr lang="en-US" sz="1400" i="1" dirty="0"/>
+              <a:t>Note: if you choose </a:t>
+            </a:r>
+            <a:r>
+              <a:rPr lang="en-US" sz="1400" i="1" dirty="0" err="1" smtClean="0"/>
+              <a:t>WTXModbusGUI</a:t>
+            </a:r>
+            <a:r>
+              <a:rPr lang="en-US" sz="1400" i="1" dirty="0"/>
+              <a:t> </a:t>
+            </a:r>
+            <a:r>
+              <a:rPr lang="en-US" sz="1400" i="1" dirty="0" smtClean="0"/>
+              <a:t>or </a:t>
+            </a:r>
+            <a:r>
+              <a:rPr lang="en-US" sz="1400" i="1" dirty="0" err="1" smtClean="0"/>
+              <a:t>WTXModbusSimple</a:t>
+            </a:r>
+            <a:r>
+              <a:rPr lang="en-US" sz="1400" i="1" dirty="0" smtClean="0"/>
+              <a:t>, </a:t>
+            </a:r>
+            <a:r>
+              <a:rPr lang="en-US" sz="1400" i="1" dirty="0"/>
+              <a:t>you have to set the IP in the VS project properties menu as an </a:t>
+            </a:r>
+            <a:r>
+              <a:rPr lang="en-US" sz="1400" i="1" dirty="0" smtClean="0"/>
+              <a:t>argument like in the slide before. </a:t>
+            </a:r>
+            <a:r>
+              <a:rPr lang="en-US" sz="1400" i="1" dirty="0" err="1" smtClean="0"/>
+              <a:t>Additonal</a:t>
+            </a:r>
+            <a:r>
+              <a:rPr lang="en-US" sz="1400" i="1" dirty="0" smtClean="0"/>
+              <a:t> you change the IP address before and during the execution of the application by the </a:t>
+            </a:r>
+            <a:r>
+              <a:rPr lang="en-US" sz="1400" i="1" dirty="0" err="1" smtClean="0"/>
+              <a:t>the</a:t>
+            </a:r>
+            <a:r>
+              <a:rPr lang="en-US" sz="1400" i="1" dirty="0" smtClean="0"/>
+              <a:t> following strip menu. </a:t>
+            </a:r>
+          </a:p>
+          <a:p>
+            <a:pPr marL="357188" indent="0">
+              <a:buNone/>
+            </a:pPr>
+            <a:endParaRPr lang="en-US" sz="1400" i="1" dirty="0"/>
+          </a:p>
+          <a:p>
+            <a:pPr marL="0" indent="0">
+              <a:buNone/>
+            </a:pPr>
+            <a:r>
+              <a:rPr lang="en-US" u="sng" dirty="0" err="1" smtClean="0"/>
+              <a:t>WXModbusGUI</a:t>
+            </a:r>
+            <a:r>
+              <a:rPr lang="en-US" u="sng" dirty="0" smtClean="0"/>
+              <a:t> :                                            </a:t>
+            </a:r>
+            <a:r>
+              <a:rPr lang="en-US" u="sng" dirty="0" err="1" smtClean="0"/>
+              <a:t>WTXModbusGUISimple</a:t>
+            </a:r>
+            <a:r>
+              <a:rPr lang="en-US" u="sng" dirty="0" smtClean="0"/>
+              <a:t>: </a:t>
+            </a:r>
+            <a:endParaRPr lang="en-US" u="sng" dirty="0"/>
+          </a:p>
+        </p:txBody>
+      </p:sp>
       <p:sp>
         <p:nvSpPr>
           <p:cNvPr id="3" name="Titel 2"/>
@@ -17749,9 +19954,13 @@
           <a:p>
             <a:r>
               <a:rPr lang="en-US" dirty="0" smtClean="0"/>
-              <a:t>2) Step-by-Step: Use the API – Overview (1)</a:t>
-            </a:r>
-            <a:endParaRPr lang="de-DE" dirty="0"/>
+              <a:t>2) Step-by-Step: Demo Example </a:t>
+            </a:r>
+            <a:r>
+              <a:rPr lang="en-US" dirty="0" smtClean="0"/>
+              <a:t>Application – Start GUI</a:t>
+            </a:r>
+            <a:endParaRPr lang="en-US" dirty="0"/>
           </a:p>
         </p:txBody>
       </p:sp>
@@ -17784,29 +19993,69 @@
           </a:p>
         </p:txBody>
       </p:sp>
+      <p:sp>
+        <p:nvSpPr>
+          <p:cNvPr id="6" name="Textfeld 5"/>
+          <p:cNvSpPr txBox="1"/>
+          <p:nvPr/>
+        </p:nvSpPr>
+        <p:spPr>
+          <a:xfrm>
+            <a:off x="616093" y="5879013"/>
+            <a:ext cx="7628315" cy="646331"/>
+          </a:xfrm>
+          <a:prstGeom prst="rect">
+            <a:avLst/>
+          </a:prstGeom>
+          <a:noFill/>
+        </p:spPr>
+        <p:txBody>
+          <a:bodyPr wrap="square" rtlCol="0">
+            <a:spAutoFit/>
+          </a:bodyPr>
+          <a:lstStyle/>
+          <a:p>
+            <a:pPr marL="285750" indent="-285750">
+              <a:buFont typeface="Arial" panose="020B0604020202020204" pitchFamily="34" charset="0"/>
+              <a:buChar char="•"/>
+            </a:pPr>
+            <a:r>
+              <a:rPr lang="en-US" dirty="0" smtClean="0">
+                <a:latin typeface="+mn-lt"/>
+              </a:rPr>
+              <a:t>If a failure occurs during build, probably you have not installed all required VS packages </a:t>
+            </a:r>
+            <a:endParaRPr lang="de-DE" dirty="0">
+              <a:latin typeface="+mn-lt"/>
+            </a:endParaRPr>
+          </a:p>
+        </p:txBody>
+      </p:sp>
       <p:pic>
         <p:nvPicPr>
-          <p:cNvPr id="5" name="Picture 10" descr="https://www.hbm.com/fileadmin/mediapool/images/products/daq/weighing/wtx/daq_wtx120_017d_hutschiene_teaser.png"/>
+          <p:cNvPr id="1026" name="Picture 2"/>
           <p:cNvPicPr>
             <a:picLocks noChangeAspect="1" noChangeArrowheads="1"/>
           </p:cNvPicPr>
           <p:nvPr/>
         </p:nvPicPr>
-        <p:blipFill rotWithShape="1">
-          <a:blip r:embed="rId2" cstate="print">
+        <p:blipFill>
+          <a:blip r:embed="rId3">
             <a:extLst>
               <a:ext uri="{28A0092B-C50C-407E-A947-70E740481C1C}">
                 <a14:useLocalDpi xmlns:a14="http://schemas.microsoft.com/office/drawing/2010/main" val="0"/>
               </a:ext>
             </a:extLst>
           </a:blip>
-          <a:srcRect t="506" r="19999"/>
-          <a:stretch/>
+          <a:srcRect/>
+          <a:stretch>
+            <a:fillRect/>
+          </a:stretch>
         </p:blipFill>
         <p:spPr bwMode="auto">
           <a:xfrm>
-            <a:off x="755577" y="869022"/>
-            <a:ext cx="1492324" cy="1368152"/>
+            <a:off x="497335" y="2378199"/>
+            <a:ext cx="4407999" cy="3408777"/>
           </a:xfrm>
           <a:prstGeom prst="rect">
             <a:avLst/>
@@ -17819,14 +20068,14 @@
             <a:ext uri="{909E8E84-426E-40DD-AFC4-6F175D3DCCD1}">
               <a14:hiddenFill xmlns:a14="http://schemas.microsoft.com/office/drawing/2010/main">
                 <a:solidFill>
-                  <a:srgbClr val="FFFFFF"/>
+                  <a:schemeClr val="accent1"/>
                 </a:solidFill>
               </a14:hiddenFill>
             </a:ext>
             <a:ext uri="{91240B29-F687-4F45-9708-019B960494DF}">
               <a14:hiddenLine xmlns:a14="http://schemas.microsoft.com/office/drawing/2010/main" w="9525">
                 <a:solidFill>
-                  <a:srgbClr val="000000"/>
+                  <a:schemeClr val="tx1"/>
                 </a:solidFill>
                 <a:miter lim="800000"/>
                 <a:headEnd/>
@@ -17838,371 +20087,14 @@
       </p:pic>
       <p:sp>
         <p:nvSpPr>
-          <p:cNvPr id="6" name="Abgerundetes Rechteck 5"/>
-          <p:cNvSpPr/>
-          <p:nvPr/>
-        </p:nvSpPr>
-        <p:spPr>
-          <a:xfrm>
-            <a:off x="4286669" y="3683126"/>
-            <a:ext cx="1958393" cy="974878"/>
-          </a:xfrm>
-          <a:prstGeom prst="roundRect">
-            <a:avLst/>
-          </a:prstGeom>
-        </p:spPr>
-        <p:style>
-          <a:lnRef idx="2">
-            <a:schemeClr val="accent5"/>
-          </a:lnRef>
-          <a:fillRef idx="1">
-            <a:schemeClr val="lt1"/>
-          </a:fillRef>
-          <a:effectRef idx="0">
-            <a:schemeClr val="accent5"/>
-          </a:effectRef>
-          <a:fontRef idx="minor">
-            <a:schemeClr val="dk1"/>
-          </a:fontRef>
-        </p:style>
-        <p:txBody>
-          <a:bodyPr rtlCol="0" anchor="ctr"/>
-          <a:lstStyle/>
-          <a:p>
-            <a:pPr algn="ctr"/>
-            <a:r>
-              <a:rPr lang="en-US" sz="1400" dirty="0" smtClean="0"/>
-              <a:t>Object of class  </a:t>
-            </a:r>
-            <a:r>
-              <a:rPr lang="en-US" sz="1400" dirty="0" err="1" smtClean="0"/>
-              <a:t>ModbusConnection</a:t>
-            </a:r>
-            <a:r>
-              <a:rPr lang="en-US" sz="1400" dirty="0" smtClean="0"/>
-              <a:t> :</a:t>
-            </a:r>
-          </a:p>
-          <a:p>
-            <a:pPr algn="ctr"/>
-            <a:r>
-              <a:rPr lang="en-US" sz="1200" i="1" dirty="0" err="1" smtClean="0"/>
-              <a:t>ModbusObj</a:t>
-            </a:r>
-            <a:endParaRPr lang="de-DE" sz="1600" i="1" dirty="0"/>
-          </a:p>
-        </p:txBody>
-      </p:sp>
-      <p:sp>
-        <p:nvSpPr>
-          <p:cNvPr id="7" name="Abgerundetes Rechteck 6"/>
-          <p:cNvSpPr/>
-          <p:nvPr/>
-        </p:nvSpPr>
-        <p:spPr>
-          <a:xfrm>
-            <a:off x="7011044" y="3709369"/>
-            <a:ext cx="1647024" cy="1014727"/>
-          </a:xfrm>
-          <a:prstGeom prst="roundRect">
-            <a:avLst/>
-          </a:prstGeom>
-        </p:spPr>
-        <p:style>
-          <a:lnRef idx="2">
-            <a:schemeClr val="accent5"/>
-          </a:lnRef>
-          <a:fillRef idx="1">
-            <a:schemeClr val="lt1"/>
-          </a:fillRef>
-          <a:effectRef idx="0">
-            <a:schemeClr val="accent5"/>
-          </a:effectRef>
-          <a:fontRef idx="minor">
-            <a:schemeClr val="dk1"/>
-          </a:fontRef>
-        </p:style>
-        <p:txBody>
-          <a:bodyPr rtlCol="0" anchor="ctr"/>
-          <a:lstStyle/>
-          <a:p>
-            <a:pPr algn="ctr"/>
-            <a:r>
-              <a:rPr lang="en-US" sz="1400" dirty="0" smtClean="0"/>
-              <a:t>Object of class WTX120Modbus</a:t>
-            </a:r>
-          </a:p>
-          <a:p>
-            <a:pPr algn="ctr"/>
-            <a:r>
-              <a:rPr lang="en-US" sz="1200" i="1" dirty="0" err="1" smtClean="0"/>
-              <a:t>WTXObj</a:t>
-            </a:r>
-            <a:endParaRPr lang="de-DE" sz="1200" i="1" dirty="0"/>
-          </a:p>
-        </p:txBody>
-      </p:sp>
-      <p:cxnSp>
-        <p:nvCxnSpPr>
-          <p:cNvPr id="11" name="Gerade Verbindung mit Pfeil 10"/>
-          <p:cNvCxnSpPr/>
-          <p:nvPr/>
-        </p:nvCxnSpPr>
-        <p:spPr>
-          <a:xfrm flipV="1">
-            <a:off x="2247901" y="1863532"/>
-            <a:ext cx="0" cy="1853142"/>
-          </a:xfrm>
-          <a:prstGeom prst="straightConnector1">
-            <a:avLst/>
-          </a:prstGeom>
-          <a:ln>
-            <a:solidFill>
-              <a:srgbClr val="C00000"/>
-            </a:solidFill>
-            <a:tailEnd type="arrow"/>
-          </a:ln>
-        </p:spPr>
-        <p:style>
-          <a:lnRef idx="1">
-            <a:schemeClr val="dk1"/>
-          </a:lnRef>
-          <a:fillRef idx="0">
-            <a:schemeClr val="dk1"/>
-          </a:fillRef>
-          <a:effectRef idx="0">
-            <a:schemeClr val="dk1"/>
-          </a:effectRef>
-          <a:fontRef idx="minor">
-            <a:schemeClr val="tx1"/>
-          </a:fontRef>
-        </p:style>
-      </p:cxnSp>
-      <p:cxnSp>
-        <p:nvCxnSpPr>
-          <p:cNvPr id="22" name="Gerade Verbindung mit Pfeil 21"/>
-          <p:cNvCxnSpPr/>
-          <p:nvPr/>
-        </p:nvCxnSpPr>
-        <p:spPr>
-          <a:xfrm>
-            <a:off x="4849216" y="2333593"/>
-            <a:ext cx="0" cy="0"/>
-          </a:xfrm>
-          <a:prstGeom prst="straightConnector1">
-            <a:avLst/>
-          </a:prstGeom>
-          <a:ln>
-            <a:tailEnd type="arrow"/>
-          </a:ln>
-        </p:spPr>
-        <p:style>
-          <a:lnRef idx="1">
-            <a:schemeClr val="accent1"/>
-          </a:lnRef>
-          <a:fillRef idx="0">
-            <a:schemeClr val="accent1"/>
-          </a:fillRef>
-          <a:effectRef idx="0">
-            <a:schemeClr val="accent1"/>
-          </a:effectRef>
-          <a:fontRef idx="minor">
-            <a:schemeClr val="tx1"/>
-          </a:fontRef>
-        </p:style>
-      </p:cxnSp>
-      <p:cxnSp>
-        <p:nvCxnSpPr>
-          <p:cNvPr id="32" name="Gerade Verbindung mit Pfeil 31"/>
-          <p:cNvCxnSpPr/>
-          <p:nvPr/>
-        </p:nvCxnSpPr>
-        <p:spPr>
-          <a:xfrm>
-            <a:off x="6980893" y="4170565"/>
-            <a:ext cx="0" cy="0"/>
-          </a:xfrm>
-          <a:prstGeom prst="straightConnector1">
-            <a:avLst/>
-          </a:prstGeom>
-          <a:ln>
-            <a:tailEnd type="arrow"/>
-          </a:ln>
-        </p:spPr>
-        <p:style>
-          <a:lnRef idx="1">
-            <a:schemeClr val="accent1"/>
-          </a:lnRef>
-          <a:fillRef idx="0">
-            <a:schemeClr val="accent1"/>
-          </a:fillRef>
-          <a:effectRef idx="0">
-            <a:schemeClr val="accent1"/>
-          </a:effectRef>
-          <a:fontRef idx="minor">
-            <a:schemeClr val="tx1"/>
-          </a:fontRef>
-        </p:style>
-      </p:cxnSp>
-      <p:cxnSp>
-        <p:nvCxnSpPr>
-          <p:cNvPr id="35" name="Gerade Verbindung mit Pfeil 34"/>
-          <p:cNvCxnSpPr>
-            <a:endCxn id="6" idx="3"/>
-          </p:cNvCxnSpPr>
-          <p:nvPr/>
-        </p:nvCxnSpPr>
-        <p:spPr>
-          <a:xfrm flipH="1">
-            <a:off x="6245062" y="4170565"/>
-            <a:ext cx="735831" cy="0"/>
-          </a:xfrm>
-          <a:prstGeom prst="straightConnector1">
-            <a:avLst/>
-          </a:prstGeom>
-          <a:ln>
-            <a:tailEnd type="arrow"/>
-          </a:ln>
-        </p:spPr>
-        <p:style>
-          <a:lnRef idx="1">
-            <a:schemeClr val="dk1"/>
-          </a:lnRef>
-          <a:fillRef idx="0">
-            <a:schemeClr val="dk1"/>
-          </a:fillRef>
-          <a:effectRef idx="0">
-            <a:schemeClr val="dk1"/>
-          </a:effectRef>
-          <a:fontRef idx="minor">
-            <a:schemeClr val="tx1"/>
-          </a:fontRef>
-        </p:style>
-      </p:cxnSp>
-      <p:sp>
-        <p:nvSpPr>
-          <p:cNvPr id="36" name="Textfeld 35"/>
-          <p:cNvSpPr txBox="1"/>
-          <p:nvPr/>
-        </p:nvSpPr>
-        <p:spPr>
-          <a:xfrm>
-            <a:off x="6381989" y="3908956"/>
-            <a:ext cx="504056" cy="307777"/>
-          </a:xfrm>
-          <a:prstGeom prst="rect">
-            <a:avLst/>
-          </a:prstGeom>
-          <a:noFill/>
-        </p:spPr>
-        <p:txBody>
-          <a:bodyPr wrap="square" rtlCol="0">
-            <a:spAutoFit/>
-          </a:bodyPr>
-          <a:lstStyle/>
-          <a:p>
-            <a:r>
-              <a:rPr lang="en-US" sz="1400" dirty="0" smtClean="0"/>
-              <a:t>has</a:t>
-            </a:r>
-            <a:endParaRPr lang="de-DE" sz="1400" dirty="0"/>
-          </a:p>
-        </p:txBody>
-      </p:sp>
-      <p:sp>
-        <p:nvSpPr>
-          <p:cNvPr id="10" name="Textfeld 9"/>
-          <p:cNvSpPr txBox="1"/>
-          <p:nvPr/>
-        </p:nvSpPr>
-        <p:spPr>
-          <a:xfrm>
-            <a:off x="547986" y="2110216"/>
-            <a:ext cx="1056711" cy="253916"/>
-          </a:xfrm>
-          <a:prstGeom prst="rect">
-            <a:avLst/>
-          </a:prstGeom>
-          <a:noFill/>
-        </p:spPr>
-        <p:txBody>
-          <a:bodyPr wrap="square" rtlCol="0">
-            <a:spAutoFit/>
-          </a:bodyPr>
-          <a:lstStyle/>
-          <a:p>
-            <a:r>
-              <a:rPr lang="de-DE" sz="1050" dirty="0" smtClean="0">
-                <a:solidFill>
-                  <a:schemeClr val="tx2">
-                    <a:lumMod val="75000"/>
-                  </a:schemeClr>
-                </a:solidFill>
-              </a:rPr>
-              <a:t>Real World</a:t>
-            </a:r>
-            <a:endParaRPr lang="de-DE" sz="1050" dirty="0">
-              <a:solidFill>
-                <a:schemeClr val="tx2">
-                  <a:lumMod val="75000"/>
-                </a:schemeClr>
-              </a:solidFill>
-            </a:endParaRPr>
-          </a:p>
-        </p:txBody>
-      </p:sp>
-      <p:sp>
-        <p:nvSpPr>
-          <p:cNvPr id="26" name="Textfeld 25"/>
-          <p:cNvSpPr txBox="1"/>
-          <p:nvPr/>
-        </p:nvSpPr>
-        <p:spPr>
-          <a:xfrm>
-            <a:off x="624957" y="2364132"/>
-            <a:ext cx="1056711" cy="253916"/>
-          </a:xfrm>
-          <a:prstGeom prst="rect">
-            <a:avLst/>
-          </a:prstGeom>
-          <a:noFill/>
-        </p:spPr>
-        <p:txBody>
-          <a:bodyPr wrap="square" rtlCol="0">
-            <a:spAutoFit/>
-          </a:bodyPr>
-          <a:lstStyle/>
-          <a:p>
-            <a:r>
-              <a:rPr lang="de-DE" sz="1050" dirty="0" smtClean="0">
-                <a:solidFill>
-                  <a:schemeClr val="tx2">
-                    <a:lumMod val="75000"/>
-                  </a:schemeClr>
-                </a:solidFill>
-              </a:rPr>
-              <a:t>API</a:t>
-            </a:r>
-            <a:endParaRPr lang="de-DE" sz="1050" dirty="0">
-              <a:solidFill>
-                <a:schemeClr val="tx2">
-                  <a:lumMod val="75000"/>
-                </a:schemeClr>
-              </a:solidFill>
-            </a:endParaRPr>
-          </a:p>
-        </p:txBody>
-      </p:sp>
-      <p:sp>
-        <p:nvSpPr>
           <p:cNvPr id="12" name="Ellipse 11"/>
           <p:cNvSpPr/>
           <p:nvPr/>
         </p:nvSpPr>
         <p:spPr>
           <a:xfrm>
-            <a:off x="1120538" y="3716674"/>
-            <a:ext cx="1681673" cy="897727"/>
+            <a:off x="5364088" y="2996952"/>
+            <a:ext cx="1728192" cy="720080"/>
           </a:xfrm>
           <a:prstGeom prst="ellipse">
             <a:avLst/>
@@ -18210,9 +20102,7 @@
           <a:noFill/>
           <a:ln>
             <a:solidFill>
-              <a:schemeClr val="tx1">
-                <a:lumMod val="50000"/>
-              </a:schemeClr>
+              <a:srgbClr val="FE8806"/>
             </a:solidFill>
           </a:ln>
         </p:spPr>
@@ -18243,538 +20133,14 @@
       </p:sp>
       <p:sp>
         <p:nvSpPr>
-          <p:cNvPr id="13" name="Textfeld 12"/>
-          <p:cNvSpPr txBox="1"/>
-          <p:nvPr/>
-        </p:nvSpPr>
-        <p:spPr>
-          <a:xfrm>
-            <a:off x="1222218" y="3908956"/>
-            <a:ext cx="1547218" cy="492443"/>
-          </a:xfrm>
-          <a:prstGeom prst="rect">
-            <a:avLst/>
-          </a:prstGeom>
-          <a:noFill/>
-        </p:spPr>
-        <p:txBody>
-          <a:bodyPr wrap="none" rtlCol="0">
-            <a:spAutoFit/>
-          </a:bodyPr>
-          <a:lstStyle/>
-          <a:p>
-            <a:pPr algn="ctr"/>
-            <a:r>
-              <a:rPr lang="de-DE" sz="1400" dirty="0" smtClean="0">
-                <a:latin typeface="+mn-lt"/>
-              </a:rPr>
-              <a:t>Interface : </a:t>
-            </a:r>
-          </a:p>
-          <a:p>
-            <a:r>
-              <a:rPr lang="de-DE" sz="1200" i="1" dirty="0" err="1" smtClean="0">
-                <a:latin typeface="+mn-lt"/>
-              </a:rPr>
-              <a:t>IModbusConnection</a:t>
-            </a:r>
-            <a:endParaRPr lang="de-DE" sz="1200" i="1" dirty="0">
-              <a:latin typeface="+mn-lt"/>
-            </a:endParaRPr>
-          </a:p>
-        </p:txBody>
-      </p:sp>
-      <p:sp>
-        <p:nvSpPr>
-          <p:cNvPr id="58" name="Textplatzhalter 1"/>
-          <p:cNvSpPr>
-            <a:spLocks noGrp="1"/>
-          </p:cNvSpPr>
-          <p:nvPr>
-            <p:ph type="body" sz="quarter" idx="17"/>
-          </p:nvPr>
-        </p:nvSpPr>
-        <p:spPr>
-          <a:xfrm>
-            <a:off x="700954" y="4941168"/>
-            <a:ext cx="7886818" cy="3345423"/>
-          </a:xfrm>
-        </p:spPr>
-        <p:txBody>
-          <a:bodyPr/>
-          <a:lstStyle/>
-          <a:p>
-            <a:r>
-              <a:rPr lang="de-DE" sz="1400" dirty="0" err="1" smtClean="0"/>
-              <a:t>IModbusConnection</a:t>
-            </a:r>
-            <a:r>
-              <a:rPr lang="de-DE" sz="1400" dirty="0" smtClean="0"/>
-              <a:t> </a:t>
-            </a:r>
-            <a:r>
-              <a:rPr lang="de-DE" sz="1400" dirty="0" err="1"/>
-              <a:t>defines</a:t>
-            </a:r>
-            <a:r>
-              <a:rPr lang="de-DE" sz="1400" dirty="0"/>
-              <a:t> </a:t>
-            </a:r>
-            <a:r>
-              <a:rPr lang="de-DE" sz="1400" dirty="0" err="1"/>
-              <a:t>the</a:t>
-            </a:r>
-            <a:r>
-              <a:rPr lang="de-DE" sz="1400" dirty="0"/>
-              <a:t> </a:t>
-            </a:r>
-            <a:r>
-              <a:rPr lang="de-DE" sz="1400" dirty="0" err="1"/>
-              <a:t>methods</a:t>
-            </a:r>
-            <a:r>
-              <a:rPr lang="de-DE" sz="1400" dirty="0"/>
-              <a:t> </a:t>
-            </a:r>
-            <a:r>
-              <a:rPr lang="de-DE" sz="1400" dirty="0" err="1"/>
-              <a:t>to</a:t>
-            </a:r>
-            <a:r>
-              <a:rPr lang="de-DE" sz="1400" dirty="0"/>
-              <a:t> </a:t>
-            </a:r>
-            <a:r>
-              <a:rPr lang="de-DE" sz="1400" dirty="0" err="1"/>
-              <a:t>connect</a:t>
-            </a:r>
-            <a:r>
-              <a:rPr lang="de-DE" sz="1400" dirty="0"/>
-              <a:t>, </a:t>
-            </a:r>
-            <a:r>
-              <a:rPr lang="de-DE" sz="1400" dirty="0" err="1"/>
-              <a:t>to</a:t>
-            </a:r>
-            <a:r>
-              <a:rPr lang="de-DE" sz="1400" dirty="0"/>
-              <a:t> </a:t>
-            </a:r>
-            <a:r>
-              <a:rPr lang="de-DE" sz="1400" dirty="0" err="1"/>
-              <a:t>write</a:t>
-            </a:r>
-            <a:r>
-              <a:rPr lang="de-DE" sz="1400" dirty="0"/>
-              <a:t> </a:t>
-            </a:r>
-            <a:r>
-              <a:rPr lang="de-DE" sz="1400" dirty="0" err="1"/>
-              <a:t>and</a:t>
-            </a:r>
-            <a:r>
-              <a:rPr lang="de-DE" sz="1400" dirty="0"/>
-              <a:t> </a:t>
-            </a:r>
-            <a:r>
-              <a:rPr lang="de-DE" sz="1400" dirty="0" err="1"/>
-              <a:t>to</a:t>
-            </a:r>
-            <a:r>
-              <a:rPr lang="de-DE" sz="1400" dirty="0"/>
-              <a:t> </a:t>
-            </a:r>
-            <a:r>
-              <a:rPr lang="de-DE" sz="1400" dirty="0" err="1" smtClean="0"/>
-              <a:t>read</a:t>
-            </a:r>
-            <a:r>
-              <a:rPr lang="de-DE" sz="1400" dirty="0" smtClean="0"/>
-              <a:t>, </a:t>
-            </a:r>
-            <a:r>
-              <a:rPr lang="de-DE" sz="1400" dirty="0" err="1" smtClean="0"/>
-              <a:t>implemented</a:t>
-            </a:r>
-            <a:r>
-              <a:rPr lang="de-DE" sz="1400" dirty="0" smtClean="0"/>
-              <a:t> </a:t>
-            </a:r>
-            <a:r>
-              <a:rPr lang="de-DE" sz="1400" dirty="0" err="1"/>
-              <a:t>by</a:t>
-            </a:r>
-            <a:r>
-              <a:rPr lang="de-DE" sz="1400" dirty="0"/>
-              <a:t> </a:t>
-            </a:r>
-            <a:r>
-              <a:rPr lang="de-DE" sz="1400" dirty="0" err="1"/>
-              <a:t>the</a:t>
-            </a:r>
-            <a:r>
-              <a:rPr lang="de-DE" sz="1400" dirty="0"/>
-              <a:t> </a:t>
-            </a:r>
-            <a:r>
-              <a:rPr lang="de-DE" sz="1400" dirty="0" err="1"/>
-              <a:t>class</a:t>
-            </a:r>
-            <a:r>
-              <a:rPr lang="de-DE" sz="1400" dirty="0"/>
-              <a:t> </a:t>
-            </a:r>
-            <a:r>
-              <a:rPr lang="de-DE" sz="1400" dirty="0" err="1"/>
-              <a:t>ModbusConnection</a:t>
-            </a:r>
-            <a:r>
-              <a:rPr lang="de-DE" sz="1400" dirty="0"/>
-              <a:t>. </a:t>
-            </a:r>
-            <a:r>
-              <a:rPr lang="de-DE" sz="1400" dirty="0" err="1" smtClean="0"/>
-              <a:t>It</a:t>
-            </a:r>
-            <a:r>
-              <a:rPr lang="de-DE" sz="1400" dirty="0" smtClean="0"/>
-              <a:t> </a:t>
-            </a:r>
-            <a:r>
-              <a:rPr lang="de-DE" sz="1400" dirty="0" err="1" smtClean="0"/>
-              <a:t>has</a:t>
-            </a:r>
-            <a:r>
-              <a:rPr lang="de-DE" sz="1400" dirty="0" smtClean="0"/>
-              <a:t> an </a:t>
-            </a:r>
-            <a:r>
-              <a:rPr lang="de-DE" sz="1400" dirty="0" err="1" smtClean="0"/>
-              <a:t>eventhandler</a:t>
-            </a:r>
-            <a:r>
-              <a:rPr lang="de-DE" sz="1400" dirty="0" smtClean="0"/>
-              <a:t> </a:t>
-            </a:r>
-            <a:r>
-              <a:rPr lang="de-DE" sz="1400" dirty="0" err="1" smtClean="0"/>
-              <a:t>to</a:t>
-            </a:r>
-            <a:r>
-              <a:rPr lang="de-DE" sz="1400" dirty="0" smtClean="0"/>
-              <a:t> </a:t>
-            </a:r>
-            <a:r>
-              <a:rPr lang="de-DE" sz="1400" dirty="0" err="1" smtClean="0"/>
-              <a:t>signalize</a:t>
-            </a:r>
-            <a:r>
-              <a:rPr lang="de-DE" sz="1400" dirty="0" smtClean="0"/>
-              <a:t> </a:t>
-            </a:r>
-            <a:r>
-              <a:rPr lang="de-DE" sz="1400" dirty="0" err="1" smtClean="0"/>
-              <a:t>that</a:t>
-            </a:r>
-            <a:r>
-              <a:rPr lang="de-DE" sz="1400" dirty="0" smtClean="0"/>
-              <a:t> </a:t>
-            </a:r>
-            <a:r>
-              <a:rPr lang="de-DE" sz="1400" dirty="0" err="1" smtClean="0"/>
-              <a:t>data</a:t>
-            </a:r>
-            <a:r>
-              <a:rPr lang="de-DE" sz="1400" dirty="0" smtClean="0"/>
-              <a:t> </a:t>
-            </a:r>
-            <a:r>
-              <a:rPr lang="de-DE" sz="1400" dirty="0" err="1" smtClean="0"/>
-              <a:t>has</a:t>
-            </a:r>
-            <a:r>
-              <a:rPr lang="de-DE" sz="1400" dirty="0" smtClean="0"/>
-              <a:t> </a:t>
-            </a:r>
-            <a:r>
-              <a:rPr lang="de-DE" sz="1400" dirty="0" err="1" smtClean="0"/>
-              <a:t>been</a:t>
-            </a:r>
-            <a:r>
-              <a:rPr lang="de-DE" sz="1400" dirty="0" smtClean="0"/>
-              <a:t> </a:t>
-            </a:r>
-            <a:r>
-              <a:rPr lang="de-DE" sz="1400" dirty="0" err="1" smtClean="0"/>
-              <a:t>read</a:t>
-            </a:r>
-            <a:r>
-              <a:rPr lang="de-DE" sz="1400" dirty="0" smtClean="0"/>
-              <a:t>. </a:t>
-            </a:r>
-          </a:p>
-          <a:p>
-            <a:endParaRPr lang="de-DE" sz="1400" dirty="0" smtClean="0"/>
-          </a:p>
-          <a:p>
-            <a:r>
-              <a:rPr lang="de-DE" sz="1400" dirty="0" err="1" smtClean="0"/>
-              <a:t>IDeviceValues</a:t>
-            </a:r>
-            <a:r>
-              <a:rPr lang="de-DE" sz="1400" dirty="0" smtClean="0"/>
-              <a:t> </a:t>
-            </a:r>
-            <a:r>
-              <a:rPr lang="de-DE" sz="1400" dirty="0" err="1"/>
-              <a:t>defines</a:t>
-            </a:r>
-            <a:r>
-              <a:rPr lang="de-DE" sz="1400" dirty="0"/>
-              <a:t> </a:t>
-            </a:r>
-            <a:r>
-              <a:rPr lang="de-DE" sz="1400" dirty="0" err="1"/>
-              <a:t>the</a:t>
-            </a:r>
-            <a:r>
-              <a:rPr lang="de-DE" sz="1400" dirty="0"/>
-              <a:t> </a:t>
-            </a:r>
-            <a:r>
-              <a:rPr lang="de-DE" sz="1400" dirty="0" err="1"/>
-              <a:t>properties</a:t>
-            </a:r>
-            <a:r>
-              <a:rPr lang="de-DE" sz="1400" dirty="0"/>
-              <a:t> </a:t>
-            </a:r>
-            <a:r>
-              <a:rPr lang="de-DE" sz="1400" dirty="0" smtClean="0"/>
-              <a:t>(</a:t>
-            </a:r>
-            <a:r>
-              <a:rPr lang="de-DE" sz="1400" dirty="0" err="1" smtClean="0"/>
-              <a:t>attributes</a:t>
-            </a:r>
-            <a:r>
-              <a:rPr lang="de-DE" sz="1400" dirty="0" smtClean="0"/>
-              <a:t>) </a:t>
-            </a:r>
-            <a:r>
-              <a:rPr lang="de-DE" sz="1400" dirty="0" err="1"/>
-              <a:t>for</a:t>
-            </a:r>
-            <a:r>
-              <a:rPr lang="de-DE" sz="1400" dirty="0"/>
-              <a:t> </a:t>
-            </a:r>
-            <a:r>
-              <a:rPr lang="de-DE" sz="1400" dirty="0" err="1"/>
-              <a:t>values</a:t>
-            </a:r>
-            <a:r>
-              <a:rPr lang="de-DE" sz="1400" dirty="0"/>
-              <a:t> </a:t>
-            </a:r>
-            <a:r>
-              <a:rPr lang="de-DE" sz="1400" dirty="0" err="1"/>
-              <a:t>from</a:t>
-            </a:r>
-            <a:r>
-              <a:rPr lang="de-DE" sz="1400" dirty="0"/>
-              <a:t> </a:t>
-            </a:r>
-            <a:r>
-              <a:rPr lang="de-DE" sz="1400" dirty="0" err="1" smtClean="0"/>
-              <a:t>your</a:t>
-            </a:r>
-            <a:r>
-              <a:rPr lang="de-DE" sz="1400" dirty="0" smtClean="0"/>
-              <a:t> WTX </a:t>
-            </a:r>
-            <a:r>
-              <a:rPr lang="de-DE" sz="1400" dirty="0" err="1" smtClean="0"/>
-              <a:t>device</a:t>
-            </a:r>
-            <a:r>
-              <a:rPr lang="de-DE" sz="1400" dirty="0" smtClean="0"/>
-              <a:t>, </a:t>
-            </a:r>
-            <a:r>
-              <a:rPr lang="de-DE" sz="1400" dirty="0" err="1" smtClean="0"/>
-              <a:t>f.e</a:t>
-            </a:r>
-            <a:r>
-              <a:rPr lang="de-DE" sz="1400" dirty="0" smtClean="0"/>
-              <a:t>. </a:t>
-            </a:r>
-            <a:r>
-              <a:rPr lang="de-DE" sz="1400" dirty="0" err="1" smtClean="0"/>
-              <a:t>net</a:t>
-            </a:r>
-            <a:r>
-              <a:rPr lang="de-DE" sz="1400" dirty="0" smtClean="0"/>
-              <a:t> </a:t>
-            </a:r>
-            <a:r>
-              <a:rPr lang="de-DE" sz="1400" dirty="0" err="1"/>
-              <a:t>value</a:t>
-            </a:r>
-            <a:r>
-              <a:rPr lang="de-DE" sz="1400" dirty="0"/>
-              <a:t>, </a:t>
-            </a:r>
-            <a:r>
-              <a:rPr lang="de-DE" sz="1400" dirty="0" err="1"/>
-              <a:t>gross</a:t>
-            </a:r>
-            <a:r>
-              <a:rPr lang="de-DE" sz="1400" dirty="0"/>
-              <a:t> </a:t>
-            </a:r>
-            <a:r>
-              <a:rPr lang="de-DE" sz="1400" dirty="0" err="1"/>
-              <a:t>value</a:t>
-            </a:r>
-            <a:r>
-              <a:rPr lang="de-DE" sz="1400" dirty="0"/>
-              <a:t>, </a:t>
-            </a:r>
-            <a:r>
-              <a:rPr lang="de-DE" sz="1400" dirty="0" err="1" smtClean="0"/>
-              <a:t>status</a:t>
-            </a:r>
-            <a:r>
-              <a:rPr lang="de-DE" sz="1400" dirty="0" smtClean="0"/>
-              <a:t>, </a:t>
-            </a:r>
-            <a:r>
-              <a:rPr lang="de-DE" sz="1400" dirty="0" err="1" smtClean="0"/>
-              <a:t>handshake</a:t>
-            </a:r>
-            <a:r>
-              <a:rPr lang="de-DE" sz="1400" dirty="0" smtClean="0"/>
-              <a:t> </a:t>
-            </a:r>
-            <a:r>
-              <a:rPr lang="de-DE" sz="1400" dirty="0" err="1"/>
-              <a:t>bits</a:t>
-            </a:r>
-            <a:r>
-              <a:rPr lang="de-DE" sz="1400" dirty="0"/>
-              <a:t> </a:t>
-            </a:r>
-            <a:r>
-              <a:rPr lang="de-DE" sz="1400" dirty="0" err="1" smtClean="0"/>
-              <a:t>and</a:t>
-            </a:r>
-            <a:r>
-              <a:rPr lang="de-DE" sz="1400" dirty="0" smtClean="0"/>
-              <a:t> an </a:t>
-            </a:r>
-            <a:r>
-              <a:rPr lang="de-DE" sz="1400" dirty="0" err="1" smtClean="0"/>
-              <a:t>eventhandler</a:t>
-            </a:r>
-            <a:r>
-              <a:rPr lang="de-DE" sz="1400" dirty="0" smtClean="0"/>
-              <a:t> </a:t>
-            </a:r>
-            <a:r>
-              <a:rPr lang="de-DE" sz="1400" dirty="0" err="1" smtClean="0"/>
-              <a:t>to</a:t>
-            </a:r>
-            <a:r>
-              <a:rPr lang="de-DE" sz="1400" dirty="0" smtClean="0"/>
-              <a:t> check </a:t>
-            </a:r>
-            <a:r>
-              <a:rPr lang="de-DE" sz="1400" dirty="0" err="1" smtClean="0"/>
-              <a:t>if</a:t>
-            </a:r>
-            <a:r>
-              <a:rPr lang="de-DE" sz="1400" dirty="0" smtClean="0"/>
-              <a:t> </a:t>
-            </a:r>
-            <a:r>
-              <a:rPr lang="de-DE" sz="1400" dirty="0" err="1" smtClean="0"/>
-              <a:t>new</a:t>
-            </a:r>
-            <a:r>
-              <a:rPr lang="de-DE" sz="1400" dirty="0" smtClean="0"/>
-              <a:t> </a:t>
-            </a:r>
-            <a:r>
-              <a:rPr lang="de-DE" sz="1400" dirty="0" err="1" smtClean="0"/>
-              <a:t>data</a:t>
-            </a:r>
-            <a:r>
-              <a:rPr lang="de-DE" sz="1400" dirty="0" smtClean="0"/>
-              <a:t> </a:t>
-            </a:r>
-            <a:r>
-              <a:rPr lang="de-DE" sz="1400" dirty="0" err="1" smtClean="0"/>
-              <a:t>has</a:t>
-            </a:r>
-            <a:r>
-              <a:rPr lang="de-DE" sz="1400" dirty="0" smtClean="0"/>
-              <a:t> </a:t>
-            </a:r>
-            <a:r>
-              <a:rPr lang="de-DE" sz="1400" dirty="0" err="1" smtClean="0"/>
-              <a:t>been</a:t>
-            </a:r>
-            <a:r>
-              <a:rPr lang="de-DE" sz="1400" dirty="0" smtClean="0"/>
-              <a:t> </a:t>
-            </a:r>
-            <a:r>
-              <a:rPr lang="de-DE" sz="1400" dirty="0" err="1" smtClean="0"/>
-              <a:t>read</a:t>
-            </a:r>
-            <a:r>
-              <a:rPr lang="de-DE" sz="1400" dirty="0"/>
-              <a:t> </a:t>
-            </a:r>
-            <a:r>
-              <a:rPr lang="de-DE" sz="1400" dirty="0" err="1" smtClean="0"/>
-              <a:t>and</a:t>
-            </a:r>
-            <a:r>
-              <a:rPr lang="de-DE" sz="1400" dirty="0" smtClean="0"/>
-              <a:t> </a:t>
-            </a:r>
-            <a:r>
-              <a:rPr lang="de-DE" sz="1400" dirty="0" err="1" smtClean="0"/>
-              <a:t>afterwards</a:t>
-            </a:r>
-            <a:r>
-              <a:rPr lang="de-DE" sz="1400" dirty="0" smtClean="0"/>
-              <a:t> </a:t>
-            </a:r>
-            <a:r>
-              <a:rPr lang="de-DE" sz="1400" dirty="0" err="1" smtClean="0"/>
-              <a:t>converted</a:t>
-            </a:r>
-            <a:r>
-              <a:rPr lang="de-DE" sz="1400" dirty="0" smtClean="0"/>
-              <a:t>.</a:t>
-            </a:r>
-            <a:endParaRPr lang="de-DE" sz="1400" dirty="0"/>
-          </a:p>
-        </p:txBody>
-      </p:sp>
-      <p:sp>
-        <p:nvSpPr>
-          <p:cNvPr id="59" name="Ellipse 58"/>
+          <p:cNvPr id="13" name="Ellipse 12"/>
           <p:cNvSpPr/>
           <p:nvPr/>
         </p:nvSpPr>
         <p:spPr>
           <a:xfrm>
-            <a:off x="7034708" y="2333593"/>
-            <a:ext cx="1604944" cy="948275"/>
+            <a:off x="497335" y="2348880"/>
+            <a:ext cx="1122337" cy="648072"/>
           </a:xfrm>
           <a:prstGeom prst="ellipse">
             <a:avLst/>
@@ -18782,9 +20148,7 @@
           <a:noFill/>
           <a:ln>
             <a:solidFill>
-              <a:schemeClr val="tx1">
-                <a:lumMod val="50000"/>
-              </a:schemeClr>
+              <a:srgbClr val="00B050"/>
             </a:solidFill>
           </a:ln>
         </p:spPr>
@@ -18813,73 +20177,24 @@
           </a:p>
         </p:txBody>
       </p:sp>
-      <p:sp>
-        <p:nvSpPr>
-          <p:cNvPr id="60" name="Textfeld 59"/>
-          <p:cNvSpPr txBox="1"/>
-          <p:nvPr/>
-        </p:nvSpPr>
-        <p:spPr>
-          <a:xfrm>
-            <a:off x="7273285" y="2580530"/>
-            <a:ext cx="1152688" cy="492443"/>
-          </a:xfrm>
-          <a:prstGeom prst="rect">
-            <a:avLst/>
-          </a:prstGeom>
-          <a:noFill/>
-        </p:spPr>
-        <p:txBody>
-          <a:bodyPr wrap="none" rtlCol="0">
-            <a:spAutoFit/>
-          </a:bodyPr>
-          <a:lstStyle/>
-          <a:p>
-            <a:pPr algn="ctr"/>
-            <a:r>
-              <a:rPr lang="de-DE" sz="1400" dirty="0" smtClean="0">
-                <a:latin typeface="+mn-lt"/>
-              </a:rPr>
-              <a:t>Interface : </a:t>
-            </a:r>
-          </a:p>
-          <a:p>
-            <a:r>
-              <a:rPr lang="de-DE" sz="1200" i="1" dirty="0" err="1" smtClean="0">
-                <a:latin typeface="+mn-lt"/>
-              </a:rPr>
-              <a:t>IDeviceValues</a:t>
-            </a:r>
-            <a:endParaRPr lang="de-DE" sz="1200" i="1" dirty="0">
-              <a:latin typeface="+mn-lt"/>
-            </a:endParaRPr>
-          </a:p>
-        </p:txBody>
-      </p:sp>
       <p:cxnSp>
         <p:nvCxnSpPr>
-          <p:cNvPr id="1025" name="Gerade Verbindung mit Pfeil 1024"/>
-          <p:cNvCxnSpPr>
-            <a:stCxn id="12" idx="6"/>
-            <a:endCxn id="6" idx="1"/>
-          </p:cNvCxnSpPr>
+          <p:cNvPr id="15" name="Gerade Verbindung 14"/>
+          <p:cNvCxnSpPr/>
           <p:nvPr/>
         </p:nvCxnSpPr>
         <p:spPr>
           <a:xfrm>
-            <a:off x="2802211" y="4165538"/>
-            <a:ext cx="1484458" cy="5027"/>
+            <a:off x="4932040" y="1916832"/>
+            <a:ext cx="72008" cy="3962181"/>
           </a:xfrm>
-          <a:prstGeom prst="straightConnector1">
+          <a:prstGeom prst="line">
             <a:avLst/>
           </a:prstGeom>
-          <a:ln>
+          <a:ln w="19050">
             <a:solidFill>
-              <a:schemeClr val="tx1">
-                <a:lumMod val="50000"/>
-              </a:schemeClr>
+              <a:srgbClr val="000714"/>
             </a:solidFill>
-            <a:tailEnd type="arrow"/>
           </a:ln>
         </p:spPr>
         <p:style>
@@ -18899,592 +20214,54 @@
       </p:cxnSp>
       <p:sp>
         <p:nvSpPr>
-          <p:cNvPr id="1035" name="Textfeld 1034"/>
-          <p:cNvSpPr txBox="1"/>
+          <p:cNvPr id="19" name="Ellipse 18"/>
+          <p:cNvSpPr/>
           <p:nvPr/>
         </p:nvSpPr>
         <p:spPr>
           <a:xfrm>
-            <a:off x="2771800" y="3751998"/>
-            <a:ext cx="1584176" cy="646331"/>
+            <a:off x="1772072" y="2501280"/>
+            <a:ext cx="1656184" cy="886916"/>
           </a:xfrm>
-          <a:prstGeom prst="rect">
+          <a:prstGeom prst="ellipse">
             <a:avLst/>
           </a:prstGeom>
           <a:noFill/>
-        </p:spPr>
-        <p:txBody>
-          <a:bodyPr wrap="square" rtlCol="0">
-            <a:spAutoFit/>
-          </a:bodyPr>
-          <a:lstStyle/>
-          <a:p>
-            <a:r>
-              <a:rPr lang="de-DE" sz="1200" dirty="0" smtClean="0"/>
-              <a:t>Interface </a:t>
-            </a:r>
-            <a:r>
-              <a:rPr lang="de-DE" sz="1200" dirty="0" err="1" smtClean="0"/>
-              <a:t>implemented</a:t>
-            </a:r>
-            <a:r>
-              <a:rPr lang="de-DE" sz="1200" dirty="0" smtClean="0"/>
-              <a:t> </a:t>
-            </a:r>
-            <a:r>
-              <a:rPr lang="de-DE" sz="1200" dirty="0" err="1" smtClean="0"/>
-              <a:t>by</a:t>
-            </a:r>
-            <a:endParaRPr lang="de-DE" sz="1200" dirty="0" smtClean="0"/>
-          </a:p>
-          <a:p>
-            <a:r>
-              <a:rPr lang="de-DE" sz="1200" dirty="0" err="1" smtClean="0"/>
-              <a:t>ModbusConnection</a:t>
-            </a:r>
-            <a:endParaRPr lang="de-DE" sz="1600" dirty="0"/>
-          </a:p>
-        </p:txBody>
-      </p:sp>
-      <p:cxnSp>
-        <p:nvCxnSpPr>
-          <p:cNvPr id="1037" name="Gerade Verbindung mit Pfeil 1036"/>
-          <p:cNvCxnSpPr>
-            <a:stCxn id="59" idx="4"/>
-            <a:endCxn id="7" idx="0"/>
-          </p:cNvCxnSpPr>
-          <p:nvPr/>
-        </p:nvCxnSpPr>
-        <p:spPr>
-          <a:xfrm flipH="1">
-            <a:off x="7834556" y="3281868"/>
-            <a:ext cx="2624" cy="427501"/>
-          </a:xfrm>
-          <a:prstGeom prst="straightConnector1">
-            <a:avLst/>
-          </a:prstGeom>
           <a:ln>
             <a:solidFill>
-              <a:schemeClr val="tx1">
-                <a:lumMod val="50000"/>
-              </a:schemeClr>
+              <a:srgbClr val="FE8806"/>
             </a:solidFill>
-            <a:tailEnd type="arrow"/>
           </a:ln>
         </p:spPr>
         <p:style>
-          <a:lnRef idx="1">
-            <a:schemeClr val="accent1"/>
+          <a:lnRef idx="2">
+            <a:schemeClr val="accent1">
+              <a:shade val="50000"/>
+            </a:schemeClr>
           </a:lnRef>
-          <a:fillRef idx="0">
+          <a:fillRef idx="1">
             <a:schemeClr val="accent1"/>
           </a:fillRef>
           <a:effectRef idx="0">
             <a:schemeClr val="accent1"/>
           </a:effectRef>
           <a:fontRef idx="minor">
-            <a:schemeClr val="tx1"/>
+            <a:schemeClr val="lt1"/>
           </a:fontRef>
         </p:style>
-      </p:cxnSp>
-      <p:sp>
-        <p:nvSpPr>
-          <p:cNvPr id="1047" name="Textfeld 1046"/>
-          <p:cNvSpPr txBox="1"/>
-          <p:nvPr/>
-        </p:nvSpPr>
-        <p:spPr>
-          <a:xfrm>
-            <a:off x="6300192" y="3274815"/>
-            <a:ext cx="2215435" cy="461665"/>
-          </a:xfrm>
-          <a:prstGeom prst="rect">
-            <a:avLst/>
-          </a:prstGeom>
-          <a:noFill/>
-        </p:spPr>
         <p:txBody>
-          <a:bodyPr wrap="square" rtlCol="0">
-            <a:spAutoFit/>
-          </a:bodyPr>
+          <a:bodyPr rtlCol="0" anchor="ctr"/>
           <a:lstStyle/>
           <a:p>
-            <a:r>
-              <a:rPr lang="de-DE" sz="1200" dirty="0" smtClean="0"/>
-              <a:t>Interface </a:t>
-            </a:r>
-            <a:r>
-              <a:rPr lang="de-DE" sz="1200" dirty="0" err="1" smtClean="0"/>
-              <a:t>implemented</a:t>
-            </a:r>
-            <a:r>
-              <a:rPr lang="de-DE" sz="1200" dirty="0" smtClean="0"/>
-              <a:t> </a:t>
-            </a:r>
-            <a:r>
-              <a:rPr lang="de-DE" sz="1200" dirty="0" err="1" smtClean="0"/>
-              <a:t>by</a:t>
-            </a:r>
-            <a:r>
-              <a:rPr lang="de-DE" sz="1200" dirty="0" smtClean="0"/>
-              <a:t> WTX120Modbus</a:t>
-            </a:r>
-            <a:endParaRPr lang="de-DE" sz="1200" dirty="0"/>
+            <a:pPr algn="ctr"/>
+            <a:endParaRPr lang="de-DE"/>
           </a:p>
         </p:txBody>
       </p:sp>
-      <p:sp>
-        <p:nvSpPr>
-          <p:cNvPr id="1055" name="Textfeld 1054"/>
-          <p:cNvSpPr txBox="1"/>
-          <p:nvPr/>
-        </p:nvSpPr>
-        <p:spPr>
-          <a:xfrm>
-            <a:off x="2901616" y="725221"/>
-            <a:ext cx="5602752" cy="1384995"/>
-          </a:xfrm>
-          <a:prstGeom prst="rect">
-            <a:avLst/>
-          </a:prstGeom>
-          <a:noFill/>
-        </p:spPr>
-        <p:txBody>
-          <a:bodyPr wrap="none" rtlCol="0">
-            <a:spAutoFit/>
-          </a:bodyPr>
-          <a:lstStyle/>
-          <a:p>
-            <a:r>
-              <a:rPr lang="de-DE" sz="1400" dirty="0" smtClean="0">
-                <a:latin typeface="+mn-lt"/>
-              </a:rPr>
-              <a:t>2 </a:t>
-            </a:r>
-            <a:r>
-              <a:rPr lang="de-DE" sz="1400" dirty="0" err="1" smtClean="0">
-                <a:latin typeface="+mn-lt"/>
-              </a:rPr>
-              <a:t>interfaces</a:t>
-            </a:r>
-            <a:r>
-              <a:rPr lang="de-DE" sz="1400" dirty="0" smtClean="0">
-                <a:latin typeface="+mn-lt"/>
-              </a:rPr>
-              <a:t> </a:t>
-            </a:r>
-            <a:r>
-              <a:rPr lang="de-DE" sz="1400" dirty="0" err="1" smtClean="0">
-                <a:latin typeface="+mn-lt"/>
-              </a:rPr>
-              <a:t>defining</a:t>
-            </a:r>
-            <a:r>
-              <a:rPr lang="de-DE" sz="1400" dirty="0" smtClean="0">
-                <a:latin typeface="+mn-lt"/>
-              </a:rPr>
-              <a:t> </a:t>
-            </a:r>
-            <a:r>
-              <a:rPr lang="de-DE" sz="1400" dirty="0" err="1" smtClean="0">
-                <a:latin typeface="+mn-lt"/>
-              </a:rPr>
-              <a:t>the</a:t>
-            </a:r>
-            <a:r>
-              <a:rPr lang="de-DE" sz="1400" dirty="0" smtClean="0">
-                <a:latin typeface="+mn-lt"/>
-              </a:rPr>
-              <a:t> </a:t>
-            </a:r>
-            <a:r>
-              <a:rPr lang="de-DE" sz="1400" dirty="0" err="1" smtClean="0">
-                <a:latin typeface="+mn-lt"/>
-              </a:rPr>
-              <a:t>methods</a:t>
-            </a:r>
-            <a:r>
-              <a:rPr lang="de-DE" sz="1400" dirty="0" smtClean="0">
-                <a:latin typeface="+mn-lt"/>
-              </a:rPr>
-              <a:t> </a:t>
-            </a:r>
-            <a:r>
-              <a:rPr lang="de-DE" sz="1400" dirty="0" err="1" smtClean="0">
-                <a:latin typeface="+mn-lt"/>
-              </a:rPr>
-              <a:t>for</a:t>
-            </a:r>
-            <a:r>
-              <a:rPr lang="de-DE" sz="1400" dirty="0">
-                <a:latin typeface="+mn-lt"/>
-              </a:rPr>
-              <a:t> </a:t>
-            </a:r>
-            <a:r>
-              <a:rPr lang="de-DE" sz="1400" dirty="0" err="1" smtClean="0">
-                <a:latin typeface="+mn-lt"/>
-              </a:rPr>
-              <a:t>the</a:t>
-            </a:r>
-            <a:r>
-              <a:rPr lang="de-DE" sz="1400" dirty="0">
-                <a:latin typeface="+mn-lt"/>
-              </a:rPr>
-              <a:t> </a:t>
-            </a:r>
-            <a:r>
-              <a:rPr lang="de-DE" sz="1400" dirty="0" smtClean="0">
-                <a:latin typeface="+mn-lt"/>
-              </a:rPr>
-              <a:t>TCP/</a:t>
-            </a:r>
-            <a:r>
-              <a:rPr lang="de-DE" sz="1400" dirty="0" err="1" smtClean="0">
-                <a:latin typeface="+mn-lt"/>
-              </a:rPr>
-              <a:t>IPModbus</a:t>
-            </a:r>
-            <a:r>
-              <a:rPr lang="de-DE" sz="1400" dirty="0" smtClean="0">
-                <a:latin typeface="+mn-lt"/>
-              </a:rPr>
-              <a:t> </a:t>
-            </a:r>
-            <a:r>
-              <a:rPr lang="de-DE" sz="1400" dirty="0" err="1" smtClean="0">
-                <a:latin typeface="+mn-lt"/>
-              </a:rPr>
-              <a:t>connection</a:t>
-            </a:r>
-            <a:r>
-              <a:rPr lang="de-DE" sz="1400" dirty="0" smtClean="0">
-                <a:latin typeface="+mn-lt"/>
-              </a:rPr>
-              <a:t> </a:t>
-            </a:r>
-          </a:p>
-          <a:p>
-            <a:r>
-              <a:rPr lang="de-DE" sz="1400" dirty="0" smtClean="0">
-                <a:latin typeface="+mn-lt"/>
-              </a:rPr>
-              <a:t>(</a:t>
-            </a:r>
-            <a:r>
-              <a:rPr lang="de-DE" sz="1400" dirty="0" err="1" smtClean="0">
-                <a:latin typeface="+mn-lt"/>
-              </a:rPr>
-              <a:t>IModbusConnection</a:t>
-            </a:r>
-            <a:r>
-              <a:rPr lang="de-DE" sz="1400" dirty="0" smtClean="0">
-                <a:latin typeface="+mn-lt"/>
-              </a:rPr>
-              <a:t>) </a:t>
-            </a:r>
-            <a:r>
-              <a:rPr lang="de-DE" sz="1400" dirty="0" err="1" smtClean="0">
-                <a:latin typeface="+mn-lt"/>
-              </a:rPr>
-              <a:t>and</a:t>
-            </a:r>
-            <a:r>
-              <a:rPr lang="de-DE" sz="1400" dirty="0" smtClean="0">
-                <a:latin typeface="+mn-lt"/>
-              </a:rPr>
-              <a:t> </a:t>
-            </a:r>
-            <a:r>
-              <a:rPr lang="de-DE" sz="1400" dirty="0" err="1" smtClean="0">
-                <a:latin typeface="+mn-lt"/>
-              </a:rPr>
-              <a:t>for</a:t>
-            </a:r>
-            <a:r>
-              <a:rPr lang="de-DE" sz="1400" dirty="0" smtClean="0">
-                <a:latin typeface="+mn-lt"/>
-              </a:rPr>
-              <a:t> </a:t>
-            </a:r>
-            <a:r>
-              <a:rPr lang="de-DE" sz="1400" dirty="0" err="1" smtClean="0">
-                <a:latin typeface="+mn-lt"/>
-              </a:rPr>
-              <a:t>the</a:t>
-            </a:r>
-            <a:r>
-              <a:rPr lang="de-DE" sz="1400" dirty="0" smtClean="0">
-                <a:latin typeface="+mn-lt"/>
-              </a:rPr>
-              <a:t> </a:t>
-            </a:r>
-            <a:r>
-              <a:rPr lang="de-DE" sz="1400" dirty="0" err="1" smtClean="0">
-                <a:latin typeface="+mn-lt"/>
-              </a:rPr>
-              <a:t>specific</a:t>
-            </a:r>
-            <a:r>
-              <a:rPr lang="de-DE" sz="1400" dirty="0" smtClean="0">
-                <a:latin typeface="+mn-lt"/>
-              </a:rPr>
-              <a:t> </a:t>
-            </a:r>
-            <a:r>
-              <a:rPr lang="de-DE" sz="1400" dirty="0" err="1" smtClean="0">
-                <a:latin typeface="+mn-lt"/>
-              </a:rPr>
-              <a:t>values</a:t>
-            </a:r>
-            <a:r>
-              <a:rPr lang="de-DE" sz="1400" dirty="0" smtClean="0">
-                <a:latin typeface="+mn-lt"/>
-              </a:rPr>
-              <a:t> </a:t>
-            </a:r>
-            <a:r>
-              <a:rPr lang="de-DE" sz="1400" dirty="0" err="1" smtClean="0">
-                <a:latin typeface="+mn-lt"/>
-              </a:rPr>
-              <a:t>from</a:t>
-            </a:r>
-            <a:r>
-              <a:rPr lang="de-DE" sz="1400" dirty="0" smtClean="0">
-                <a:latin typeface="+mn-lt"/>
-              </a:rPr>
-              <a:t> </a:t>
-            </a:r>
-            <a:r>
-              <a:rPr lang="de-DE" sz="1400" dirty="0" err="1" smtClean="0">
-                <a:latin typeface="+mn-lt"/>
-              </a:rPr>
-              <a:t>your</a:t>
-            </a:r>
-            <a:r>
-              <a:rPr lang="de-DE" sz="1400" dirty="0" smtClean="0">
-                <a:latin typeface="+mn-lt"/>
-              </a:rPr>
-              <a:t> WTX </a:t>
-            </a:r>
-          </a:p>
-          <a:p>
-            <a:r>
-              <a:rPr lang="de-DE" sz="1400" dirty="0" err="1" smtClean="0">
-                <a:latin typeface="+mn-lt"/>
-              </a:rPr>
-              <a:t>device</a:t>
-            </a:r>
-            <a:r>
-              <a:rPr lang="de-DE" sz="1400" dirty="0" smtClean="0">
-                <a:latin typeface="+mn-lt"/>
-              </a:rPr>
-              <a:t> (</a:t>
-            </a:r>
-            <a:r>
-              <a:rPr lang="de-DE" sz="1400" dirty="0" err="1" smtClean="0">
-                <a:latin typeface="+mn-lt"/>
-              </a:rPr>
-              <a:t>IDeviceValues</a:t>
-            </a:r>
-            <a:r>
-              <a:rPr lang="de-DE" sz="1400" dirty="0" smtClean="0">
-                <a:latin typeface="+mn-lt"/>
-              </a:rPr>
-              <a:t>).</a:t>
-            </a:r>
-          </a:p>
-          <a:p>
-            <a:endParaRPr lang="de-DE" sz="1400" dirty="0" smtClean="0">
-              <a:latin typeface="+mn-lt"/>
-            </a:endParaRPr>
-          </a:p>
-          <a:p>
-            <a:r>
-              <a:rPr lang="de-DE" sz="1400" dirty="0" smtClean="0">
-                <a:latin typeface="+mn-lt"/>
-              </a:rPr>
-              <a:t>A </a:t>
-            </a:r>
-            <a:r>
-              <a:rPr lang="de-DE" sz="1400" dirty="0" err="1" smtClean="0">
-                <a:latin typeface="+mn-lt"/>
-              </a:rPr>
-              <a:t>console</a:t>
-            </a:r>
-            <a:r>
-              <a:rPr lang="de-DE" sz="1400" dirty="0" smtClean="0">
-                <a:latin typeface="+mn-lt"/>
-              </a:rPr>
-              <a:t> </a:t>
-            </a:r>
-            <a:r>
-              <a:rPr lang="de-DE" sz="1400" dirty="0" err="1" smtClean="0">
-                <a:latin typeface="+mn-lt"/>
-              </a:rPr>
-              <a:t>program</a:t>
-            </a:r>
-            <a:r>
-              <a:rPr lang="de-DE" sz="1400" dirty="0" smtClean="0">
-                <a:latin typeface="+mn-lt"/>
-              </a:rPr>
-              <a:t> </a:t>
-            </a:r>
-            <a:r>
-              <a:rPr lang="de-DE" sz="1400" dirty="0" err="1" smtClean="0">
-                <a:latin typeface="+mn-lt"/>
-              </a:rPr>
-              <a:t>or</a:t>
-            </a:r>
-            <a:r>
-              <a:rPr lang="de-DE" sz="1400" dirty="0" smtClean="0">
-                <a:latin typeface="+mn-lt"/>
-              </a:rPr>
-              <a:t> form </a:t>
-            </a:r>
-            <a:r>
-              <a:rPr lang="de-DE" sz="1400" dirty="0" err="1" smtClean="0">
-                <a:latin typeface="+mn-lt"/>
-              </a:rPr>
-              <a:t>application</a:t>
-            </a:r>
-            <a:r>
-              <a:rPr lang="de-DE" sz="1400" dirty="0" smtClean="0">
-                <a:latin typeface="+mn-lt"/>
-              </a:rPr>
-              <a:t> </a:t>
-            </a:r>
-            <a:r>
-              <a:rPr lang="de-DE" sz="1400" dirty="0" err="1" smtClean="0">
-                <a:latin typeface="+mn-lt"/>
-              </a:rPr>
-              <a:t>has</a:t>
-            </a:r>
-            <a:r>
-              <a:rPr lang="de-DE" sz="1400" dirty="0" smtClean="0">
-                <a:latin typeface="+mn-lt"/>
-              </a:rPr>
-              <a:t> </a:t>
-            </a:r>
-            <a:r>
-              <a:rPr lang="de-DE" sz="1400" dirty="0" err="1" smtClean="0">
-                <a:latin typeface="+mn-lt"/>
-              </a:rPr>
-              <a:t>access</a:t>
-            </a:r>
-            <a:r>
-              <a:rPr lang="de-DE" sz="1400" dirty="0" smtClean="0">
-                <a:latin typeface="+mn-lt"/>
-              </a:rPr>
-              <a:t> </a:t>
-            </a:r>
-            <a:r>
-              <a:rPr lang="de-DE" sz="1400" dirty="0" err="1" smtClean="0">
-                <a:latin typeface="+mn-lt"/>
-              </a:rPr>
-              <a:t>to</a:t>
-            </a:r>
-            <a:r>
-              <a:rPr lang="de-DE" sz="1400" dirty="0" smtClean="0">
-                <a:latin typeface="+mn-lt"/>
-              </a:rPr>
-              <a:t> </a:t>
-            </a:r>
-            <a:r>
-              <a:rPr lang="de-DE" sz="1400" dirty="0" err="1" smtClean="0">
-                <a:latin typeface="+mn-lt"/>
-              </a:rPr>
-              <a:t>objects</a:t>
-            </a:r>
-            <a:r>
-              <a:rPr lang="de-DE" sz="1400" dirty="0" smtClean="0">
-                <a:latin typeface="+mn-lt"/>
-              </a:rPr>
-              <a:t> </a:t>
-            </a:r>
-            <a:r>
-              <a:rPr lang="de-DE" sz="1400" dirty="0" err="1" smtClean="0">
-                <a:latin typeface="+mn-lt"/>
-              </a:rPr>
-              <a:t>of</a:t>
-            </a:r>
-            <a:endParaRPr lang="de-DE" sz="1400" dirty="0" smtClean="0">
-              <a:latin typeface="+mn-lt"/>
-            </a:endParaRPr>
-          </a:p>
-          <a:p>
-            <a:r>
-              <a:rPr lang="de-DE" sz="1400" dirty="0" err="1" smtClean="0">
-                <a:latin typeface="+mn-lt"/>
-              </a:rPr>
-              <a:t>ModbusConnection</a:t>
-            </a:r>
-            <a:r>
-              <a:rPr lang="de-DE" sz="1400" dirty="0" smtClean="0">
-                <a:latin typeface="+mn-lt"/>
-              </a:rPr>
-              <a:t> </a:t>
-            </a:r>
-            <a:r>
-              <a:rPr lang="de-DE" sz="1400" dirty="0" err="1" smtClean="0">
-                <a:latin typeface="+mn-lt"/>
-              </a:rPr>
-              <a:t>and</a:t>
-            </a:r>
-            <a:r>
-              <a:rPr lang="de-DE" sz="1400" dirty="0" smtClean="0">
-                <a:latin typeface="+mn-lt"/>
-              </a:rPr>
-              <a:t> WTX120Modbus. </a:t>
-            </a:r>
-            <a:endParaRPr lang="de-DE" sz="1400" dirty="0">
-              <a:latin typeface="+mn-lt"/>
-            </a:endParaRPr>
-          </a:p>
-        </p:txBody>
-      </p:sp>
-      <p:cxnSp>
-        <p:nvCxnSpPr>
-          <p:cNvPr id="99" name="Gerade Verbindung 98"/>
-          <p:cNvCxnSpPr/>
-          <p:nvPr/>
-        </p:nvCxnSpPr>
-        <p:spPr>
-          <a:xfrm>
-            <a:off x="676166" y="2297826"/>
-            <a:ext cx="7704856" cy="0"/>
-          </a:xfrm>
-          <a:prstGeom prst="line">
-            <a:avLst/>
-          </a:prstGeom>
-          <a:ln>
-            <a:solidFill>
-              <a:schemeClr val="tx2">
-                <a:lumMod val="75000"/>
-              </a:schemeClr>
-            </a:solidFill>
-            <a:prstDash val="dash"/>
-          </a:ln>
-        </p:spPr>
-        <p:style>
-          <a:lnRef idx="1">
-            <a:schemeClr val="accent1"/>
-          </a:lnRef>
-          <a:fillRef idx="0">
-            <a:schemeClr val="accent1"/>
-          </a:fillRef>
-          <a:effectRef idx="0">
-            <a:schemeClr val="accent1"/>
-          </a:effectRef>
-          <a:fontRef idx="minor">
-            <a:schemeClr val="tx1"/>
-          </a:fontRef>
-        </p:style>
-      </p:cxnSp>
     </p:spTree>
     <p:extLst>
       <p:ext uri="{BB962C8B-B14F-4D97-AF65-F5344CB8AC3E}">
-        <p14:creationId xmlns:p14="http://schemas.microsoft.com/office/powerpoint/2010/main" val="3364351993"/>
+        <p14:creationId xmlns:p14="http://schemas.microsoft.com/office/powerpoint/2010/main" val="2859139656"/>
       </p:ext>
     </p:extLst>
   </p:cSld>

--- a/Doc/HowTo-WTXModbus.pptx
+++ b/Doc/HowTo-WTXModbus.pptx
@@ -5,10 +5,10 @@
     <p:sldMasterId id="2147483660" r:id="rId1"/>
   </p:sldMasterIdLst>
   <p:notesMasterIdLst>
-    <p:notesMasterId r:id="rId24"/>
+    <p:notesMasterId r:id="rId25"/>
   </p:notesMasterIdLst>
   <p:handoutMasterIdLst>
-    <p:handoutMasterId r:id="rId25"/>
+    <p:handoutMasterId r:id="rId26"/>
   </p:handoutMasterIdLst>
   <p:sldIdLst>
     <p:sldId id="288" r:id="rId2"/>
@@ -19,20 +19,21 @@
     <p:sldId id="327" r:id="rId7"/>
     <p:sldId id="330" r:id="rId8"/>
     <p:sldId id="331" r:id="rId9"/>
-    <p:sldId id="348" r:id="rId10"/>
-    <p:sldId id="343" r:id="rId11"/>
-    <p:sldId id="335" r:id="rId12"/>
-    <p:sldId id="341" r:id="rId13"/>
-    <p:sldId id="332" r:id="rId14"/>
-    <p:sldId id="342" r:id="rId15"/>
-    <p:sldId id="344" r:id="rId16"/>
-    <p:sldId id="334" r:id="rId17"/>
-    <p:sldId id="345" r:id="rId18"/>
-    <p:sldId id="347" r:id="rId19"/>
-    <p:sldId id="346" r:id="rId20"/>
-    <p:sldId id="338" r:id="rId21"/>
-    <p:sldId id="328" r:id="rId22"/>
-    <p:sldId id="323" r:id="rId23"/>
+    <p:sldId id="349" r:id="rId10"/>
+    <p:sldId id="348" r:id="rId11"/>
+    <p:sldId id="343" r:id="rId12"/>
+    <p:sldId id="335" r:id="rId13"/>
+    <p:sldId id="341" r:id="rId14"/>
+    <p:sldId id="332" r:id="rId15"/>
+    <p:sldId id="342" r:id="rId16"/>
+    <p:sldId id="344" r:id="rId17"/>
+    <p:sldId id="334" r:id="rId18"/>
+    <p:sldId id="345" r:id="rId19"/>
+    <p:sldId id="347" r:id="rId20"/>
+    <p:sldId id="346" r:id="rId21"/>
+    <p:sldId id="338" r:id="rId22"/>
+    <p:sldId id="328" r:id="rId23"/>
+    <p:sldId id="323" r:id="rId24"/>
   </p:sldIdLst>
   <p:sldSz cx="9144000" cy="6858000" type="screen4x3"/>
   <p:notesSz cx="9144000" cy="6858000"/>
@@ -4333,6 +4334,258 @@
           <a:chExt cx="0" cy="0"/>
         </a:xfrm>
       </p:grpSpPr>
+      <p:pic>
+        <p:nvPicPr>
+          <p:cNvPr id="1027" name="Picture 3"/>
+          <p:cNvPicPr>
+            <a:picLocks noChangeAspect="1" noChangeArrowheads="1"/>
+          </p:cNvPicPr>
+          <p:nvPr/>
+        </p:nvPicPr>
+        <p:blipFill>
+          <a:blip r:embed="rId2">
+            <a:extLst>
+              <a:ext uri="{28A0092B-C50C-407E-A947-70E740481C1C}">
+                <a14:useLocalDpi xmlns:a14="http://schemas.microsoft.com/office/drawing/2010/main" val="0"/>
+              </a:ext>
+            </a:extLst>
+          </a:blip>
+          <a:srcRect/>
+          <a:stretch>
+            <a:fillRect/>
+          </a:stretch>
+        </p:blipFill>
+        <p:spPr bwMode="auto">
+          <a:xfrm>
+            <a:off x="5364088" y="2662301"/>
+            <a:ext cx="2784559" cy="2840571"/>
+          </a:xfrm>
+          <a:prstGeom prst="rect">
+            <a:avLst/>
+          </a:prstGeom>
+          <a:noFill/>
+          <a:ln>
+            <a:noFill/>
+          </a:ln>
+          <a:extLst>
+            <a:ext uri="{909E8E84-426E-40DD-AFC4-6F175D3DCCD1}">
+              <a14:hiddenFill xmlns:a14="http://schemas.microsoft.com/office/drawing/2010/main">
+                <a:solidFill>
+                  <a:schemeClr val="accent1"/>
+                </a:solidFill>
+              </a14:hiddenFill>
+            </a:ext>
+            <a:ext uri="{91240B29-F687-4F45-9708-019B960494DF}">
+              <a14:hiddenLine xmlns:a14="http://schemas.microsoft.com/office/drawing/2010/main" w="9525">
+                <a:solidFill>
+                  <a:schemeClr val="tx1"/>
+                </a:solidFill>
+                <a:miter lim="800000"/>
+                <a:headEnd/>
+                <a:tailEnd/>
+              </a14:hiddenLine>
+            </a:ext>
+          </a:extLst>
+        </p:spPr>
+      </p:pic>
+      <p:sp>
+        <p:nvSpPr>
+          <p:cNvPr id="2" name="Textplatzhalter 1"/>
+          <p:cNvSpPr>
+            <a:spLocks noGrp="1"/>
+          </p:cNvSpPr>
+          <p:nvPr>
+            <p:ph type="body" sz="quarter" idx="17"/>
+          </p:nvPr>
+        </p:nvSpPr>
+        <p:spPr>
+          <a:xfrm>
+            <a:off x="497335" y="765447"/>
+            <a:ext cx="8467153" cy="5543873"/>
+          </a:xfrm>
+        </p:spPr>
+        <p:txBody>
+          <a:bodyPr/>
+          <a:lstStyle/>
+          <a:p>
+            <a:r>
+              <a:rPr lang="en-US" dirty="0" smtClean="0"/>
+              <a:t>Start a demo example:</a:t>
+            </a:r>
+          </a:p>
+          <a:p>
+            <a:pPr marL="357188" indent="0">
+              <a:buNone/>
+            </a:pPr>
+            <a:r>
+              <a:rPr lang="en-US" sz="1400" i="1" dirty="0"/>
+              <a:t>Note: if you choose </a:t>
+            </a:r>
+            <a:r>
+              <a:rPr lang="en-US" sz="1400" i="1" dirty="0" err="1" smtClean="0"/>
+              <a:t>WTXModbusGUI</a:t>
+            </a:r>
+            <a:r>
+              <a:rPr lang="en-US" sz="1400" i="1" dirty="0"/>
+              <a:t> </a:t>
+            </a:r>
+            <a:r>
+              <a:rPr lang="en-US" sz="1400" i="1" dirty="0" smtClean="0"/>
+              <a:t>or </a:t>
+            </a:r>
+            <a:r>
+              <a:rPr lang="en-US" sz="1400" i="1" dirty="0" err="1" smtClean="0"/>
+              <a:t>WTXModbusSimple</a:t>
+            </a:r>
+            <a:r>
+              <a:rPr lang="en-US" sz="1400" i="1" dirty="0" smtClean="0"/>
+              <a:t>, </a:t>
+            </a:r>
+            <a:r>
+              <a:rPr lang="en-US" sz="1400" i="1" dirty="0"/>
+              <a:t>you have to set the IP in the VS project properties menu as an </a:t>
+            </a:r>
+            <a:r>
+              <a:rPr lang="en-US" sz="1400" i="1" dirty="0" smtClean="0"/>
+              <a:t>argument like in the slide before. </a:t>
+            </a:r>
+            <a:r>
+              <a:rPr lang="en-US" sz="1400" i="1" dirty="0" err="1" smtClean="0"/>
+              <a:t>Additonal</a:t>
+            </a:r>
+            <a:r>
+              <a:rPr lang="en-US" sz="1400" i="1" dirty="0" smtClean="0"/>
+              <a:t> you change the IP address before and during the execution of the application by the </a:t>
+            </a:r>
+            <a:r>
+              <a:rPr lang="en-US" sz="1400" i="1" dirty="0" err="1" smtClean="0"/>
+              <a:t>the</a:t>
+            </a:r>
+            <a:r>
+              <a:rPr lang="en-US" sz="1400" i="1" dirty="0" smtClean="0"/>
+              <a:t> following strip menu. </a:t>
+            </a:r>
+          </a:p>
+          <a:p>
+            <a:pPr marL="357188" indent="0">
+              <a:buNone/>
+            </a:pPr>
+            <a:endParaRPr lang="en-US" sz="1400" i="1" dirty="0"/>
+          </a:p>
+          <a:p>
+            <a:pPr marL="0" indent="0">
+              <a:buNone/>
+            </a:pPr>
+            <a:r>
+              <a:rPr lang="en-US" u="sng" dirty="0" err="1" smtClean="0"/>
+              <a:t>WXModbusGUI</a:t>
+            </a:r>
+            <a:r>
+              <a:rPr lang="en-US" u="sng" dirty="0" smtClean="0"/>
+              <a:t> :                                            </a:t>
+            </a:r>
+            <a:r>
+              <a:rPr lang="en-US" u="sng" dirty="0" err="1" smtClean="0"/>
+              <a:t>WTXModbusGUISimple</a:t>
+            </a:r>
+            <a:r>
+              <a:rPr lang="en-US" u="sng" dirty="0" smtClean="0"/>
+              <a:t>: </a:t>
+            </a:r>
+          </a:p>
+          <a:p>
+            <a:pPr marL="0" indent="0">
+              <a:buNone/>
+            </a:pPr>
+            <a:endParaRPr lang="en-US" u="sng" dirty="0"/>
+          </a:p>
+          <a:p>
+            <a:pPr marL="0" indent="0">
+              <a:buNone/>
+            </a:pPr>
+            <a:endParaRPr lang="en-US" u="sng" dirty="0" smtClean="0"/>
+          </a:p>
+          <a:p>
+            <a:pPr marL="0" indent="0">
+              <a:buNone/>
+            </a:pPr>
+            <a:endParaRPr lang="en-US" u="sng" dirty="0"/>
+          </a:p>
+          <a:p>
+            <a:pPr marL="0" indent="0">
+              <a:buNone/>
+            </a:pPr>
+            <a:endParaRPr lang="en-US" u="sng" dirty="0" smtClean="0"/>
+          </a:p>
+          <a:p>
+            <a:pPr marL="0" indent="0">
+              <a:buNone/>
+            </a:pPr>
+            <a:endParaRPr lang="en-US" u="sng" dirty="0"/>
+          </a:p>
+          <a:p>
+            <a:pPr marL="0" indent="0">
+              <a:buNone/>
+            </a:pPr>
+            <a:endParaRPr lang="en-US" u="sng" dirty="0" smtClean="0"/>
+          </a:p>
+          <a:p>
+            <a:pPr marL="0" indent="0">
+              <a:buNone/>
+            </a:pPr>
+            <a:endParaRPr lang="en-US" u="sng" dirty="0"/>
+          </a:p>
+          <a:p>
+            <a:pPr marL="0" indent="0">
+              <a:buNone/>
+            </a:pPr>
+            <a:endParaRPr lang="en-US" u="sng" dirty="0" smtClean="0"/>
+          </a:p>
+          <a:p>
+            <a:pPr marL="0" indent="0">
+              <a:buNone/>
+            </a:pPr>
+            <a:endParaRPr lang="en-US" u="sng" dirty="0"/>
+          </a:p>
+          <a:p>
+            <a:pPr marL="0" indent="0">
+              <a:buNone/>
+            </a:pPr>
+            <a:endParaRPr lang="en-US" u="sng" dirty="0" smtClean="0"/>
+          </a:p>
+          <a:p>
+            <a:pPr marL="0" indent="0">
+              <a:buNone/>
+            </a:pPr>
+            <a:endParaRPr lang="en-US" u="sng" dirty="0" smtClean="0"/>
+          </a:p>
+          <a:p>
+            <a:pPr marL="0" indent="0">
+              <a:buNone/>
+            </a:pPr>
+            <a:r>
+              <a:rPr lang="en-US" sz="1400" dirty="0" smtClean="0"/>
+              <a:t>- </a:t>
+            </a:r>
+            <a:r>
+              <a:rPr lang="en-US" sz="1400" dirty="0" smtClean="0"/>
+              <a:t>Start by clicking the strip menu button ‘File’ -&gt; ‘Start’.</a:t>
+            </a:r>
+            <a:r>
+              <a:rPr lang="en-US" sz="1400" dirty="0"/>
+              <a:t> </a:t>
+            </a:r>
+            <a:r>
+              <a:rPr lang="en-US" sz="1400" dirty="0" smtClean="0"/>
+              <a:t>      - </a:t>
+            </a:r>
+            <a:r>
+              <a:rPr lang="en-US" sz="1400" dirty="0" smtClean="0"/>
+              <a:t>Start by clicking the button ‘Connect’.	</a:t>
+            </a:r>
+          </a:p>
+        </p:txBody>
+      </p:sp>
       <p:sp>
         <p:nvSpPr>
           <p:cNvPr id="3" name="Titel 2"/>
@@ -4350,9 +4603,13 @@
           <a:p>
             <a:r>
               <a:rPr lang="en-US" dirty="0" smtClean="0"/>
-              <a:t>2) Step-by-Step: Use the API – Overview (1)</a:t>
-            </a:r>
-            <a:endParaRPr lang="de-DE" dirty="0"/>
+              <a:t>2) Step-by-Step: Demo Example </a:t>
+            </a:r>
+            <a:r>
+              <a:rPr lang="en-US" dirty="0" smtClean="0"/>
+              <a:t>Application – Start GUI</a:t>
+            </a:r>
+            <a:endParaRPr lang="en-US" dirty="0"/>
           </a:p>
         </p:txBody>
       </p:sp>
@@ -4380,6 +4637,322 @@
                 <a:defRPr/>
               </a:pPr>
               <a:t>10</a:t>
+            </a:fld>
+            <a:endParaRPr lang="de-DE" altLang="en-US" dirty="0"/>
+          </a:p>
+        </p:txBody>
+      </p:sp>
+      <p:pic>
+        <p:nvPicPr>
+          <p:cNvPr id="1026" name="Picture 2"/>
+          <p:cNvPicPr>
+            <a:picLocks noChangeAspect="1" noChangeArrowheads="1"/>
+          </p:cNvPicPr>
+          <p:nvPr/>
+        </p:nvPicPr>
+        <p:blipFill>
+          <a:blip r:embed="rId3">
+            <a:extLst>
+              <a:ext uri="{28A0092B-C50C-407E-A947-70E740481C1C}">
+                <a14:useLocalDpi xmlns:a14="http://schemas.microsoft.com/office/drawing/2010/main" val="0"/>
+              </a:ext>
+            </a:extLst>
+          </a:blip>
+          <a:srcRect/>
+          <a:stretch>
+            <a:fillRect/>
+          </a:stretch>
+        </p:blipFill>
+        <p:spPr bwMode="auto">
+          <a:xfrm>
+            <a:off x="497335" y="2378199"/>
+            <a:ext cx="4407999" cy="3408777"/>
+          </a:xfrm>
+          <a:prstGeom prst="rect">
+            <a:avLst/>
+          </a:prstGeom>
+          <a:noFill/>
+          <a:ln>
+            <a:noFill/>
+          </a:ln>
+          <a:extLst>
+            <a:ext uri="{909E8E84-426E-40DD-AFC4-6F175D3DCCD1}">
+              <a14:hiddenFill xmlns:a14="http://schemas.microsoft.com/office/drawing/2010/main">
+                <a:solidFill>
+                  <a:schemeClr val="accent1"/>
+                </a:solidFill>
+              </a14:hiddenFill>
+            </a:ext>
+            <a:ext uri="{91240B29-F687-4F45-9708-019B960494DF}">
+              <a14:hiddenLine xmlns:a14="http://schemas.microsoft.com/office/drawing/2010/main" w="9525">
+                <a:solidFill>
+                  <a:schemeClr val="tx1"/>
+                </a:solidFill>
+                <a:miter lim="800000"/>
+                <a:headEnd/>
+                <a:tailEnd/>
+              </a14:hiddenLine>
+            </a:ext>
+          </a:extLst>
+        </p:spPr>
+      </p:pic>
+      <p:sp>
+        <p:nvSpPr>
+          <p:cNvPr id="12" name="Ellipse 11"/>
+          <p:cNvSpPr/>
+          <p:nvPr/>
+        </p:nvSpPr>
+        <p:spPr>
+          <a:xfrm>
+            <a:off x="5364088" y="2996952"/>
+            <a:ext cx="1728192" cy="720080"/>
+          </a:xfrm>
+          <a:prstGeom prst="ellipse">
+            <a:avLst/>
+          </a:prstGeom>
+          <a:noFill/>
+          <a:ln>
+            <a:solidFill>
+              <a:srgbClr val="FE8806"/>
+            </a:solidFill>
+          </a:ln>
+        </p:spPr>
+        <p:style>
+          <a:lnRef idx="2">
+            <a:schemeClr val="accent1">
+              <a:shade val="50000"/>
+            </a:schemeClr>
+          </a:lnRef>
+          <a:fillRef idx="1">
+            <a:schemeClr val="accent1"/>
+          </a:fillRef>
+          <a:effectRef idx="0">
+            <a:schemeClr val="accent1"/>
+          </a:effectRef>
+          <a:fontRef idx="minor">
+            <a:schemeClr val="lt1"/>
+          </a:fontRef>
+        </p:style>
+        <p:txBody>
+          <a:bodyPr rtlCol="0" anchor="ctr"/>
+          <a:lstStyle/>
+          <a:p>
+            <a:pPr algn="ctr"/>
+            <a:endParaRPr lang="de-DE"/>
+          </a:p>
+        </p:txBody>
+      </p:sp>
+      <p:sp>
+        <p:nvSpPr>
+          <p:cNvPr id="13" name="Ellipse 12"/>
+          <p:cNvSpPr/>
+          <p:nvPr/>
+        </p:nvSpPr>
+        <p:spPr>
+          <a:xfrm>
+            <a:off x="497335" y="2348880"/>
+            <a:ext cx="1122337" cy="648072"/>
+          </a:xfrm>
+          <a:prstGeom prst="ellipse">
+            <a:avLst/>
+          </a:prstGeom>
+          <a:noFill/>
+          <a:ln>
+            <a:solidFill>
+              <a:srgbClr val="00B050"/>
+            </a:solidFill>
+          </a:ln>
+        </p:spPr>
+        <p:style>
+          <a:lnRef idx="2">
+            <a:schemeClr val="accent1">
+              <a:shade val="50000"/>
+            </a:schemeClr>
+          </a:lnRef>
+          <a:fillRef idx="1">
+            <a:schemeClr val="accent1"/>
+          </a:fillRef>
+          <a:effectRef idx="0">
+            <a:schemeClr val="accent1"/>
+          </a:effectRef>
+          <a:fontRef idx="minor">
+            <a:schemeClr val="lt1"/>
+          </a:fontRef>
+        </p:style>
+        <p:txBody>
+          <a:bodyPr rtlCol="0" anchor="ctr"/>
+          <a:lstStyle/>
+          <a:p>
+            <a:pPr algn="ctr"/>
+            <a:endParaRPr lang="de-DE"/>
+          </a:p>
+        </p:txBody>
+      </p:sp>
+      <p:cxnSp>
+        <p:nvCxnSpPr>
+          <p:cNvPr id="15" name="Gerade Verbindung 14"/>
+          <p:cNvCxnSpPr/>
+          <p:nvPr/>
+        </p:nvCxnSpPr>
+        <p:spPr>
+          <a:xfrm>
+            <a:off x="4932040" y="1916832"/>
+            <a:ext cx="72008" cy="4752528"/>
+          </a:xfrm>
+          <a:prstGeom prst="line">
+            <a:avLst/>
+          </a:prstGeom>
+          <a:ln w="19050">
+            <a:solidFill>
+              <a:srgbClr val="000714"/>
+            </a:solidFill>
+          </a:ln>
+        </p:spPr>
+        <p:style>
+          <a:lnRef idx="1">
+            <a:schemeClr val="accent1"/>
+          </a:lnRef>
+          <a:fillRef idx="0">
+            <a:schemeClr val="accent1"/>
+          </a:fillRef>
+          <a:effectRef idx="0">
+            <a:schemeClr val="accent1"/>
+          </a:effectRef>
+          <a:fontRef idx="minor">
+            <a:schemeClr val="tx1"/>
+          </a:fontRef>
+        </p:style>
+      </p:cxnSp>
+      <p:sp>
+        <p:nvSpPr>
+          <p:cNvPr id="19" name="Ellipse 18"/>
+          <p:cNvSpPr/>
+          <p:nvPr/>
+        </p:nvSpPr>
+        <p:spPr>
+          <a:xfrm>
+            <a:off x="1772072" y="2501280"/>
+            <a:ext cx="1656184" cy="886916"/>
+          </a:xfrm>
+          <a:prstGeom prst="ellipse">
+            <a:avLst/>
+          </a:prstGeom>
+          <a:noFill/>
+          <a:ln>
+            <a:solidFill>
+              <a:srgbClr val="FE8806"/>
+            </a:solidFill>
+          </a:ln>
+        </p:spPr>
+        <p:style>
+          <a:lnRef idx="2">
+            <a:schemeClr val="accent1">
+              <a:shade val="50000"/>
+            </a:schemeClr>
+          </a:lnRef>
+          <a:fillRef idx="1">
+            <a:schemeClr val="accent1"/>
+          </a:fillRef>
+          <a:effectRef idx="0">
+            <a:schemeClr val="accent1"/>
+          </a:effectRef>
+          <a:fontRef idx="minor">
+            <a:schemeClr val="lt1"/>
+          </a:fontRef>
+        </p:style>
+        <p:txBody>
+          <a:bodyPr rtlCol="0" anchor="ctr"/>
+          <a:lstStyle/>
+          <a:p>
+            <a:pPr algn="ctr"/>
+            <a:endParaRPr lang="de-DE"/>
+          </a:p>
+        </p:txBody>
+      </p:sp>
+    </p:spTree>
+    <p:extLst>
+      <p:ext uri="{BB962C8B-B14F-4D97-AF65-F5344CB8AC3E}">
+        <p14:creationId xmlns:p14="http://schemas.microsoft.com/office/powerpoint/2010/main" val="2859139656"/>
+      </p:ext>
+    </p:extLst>
+  </p:cSld>
+  <p:clrMapOvr>
+    <a:masterClrMapping/>
+  </p:clrMapOvr>
+  <p:timing>
+    <p:tnLst>
+      <p:par>
+        <p:cTn id="1" dur="indefinite" restart="never" nodeType="tmRoot"/>
+      </p:par>
+    </p:tnLst>
+  </p:timing>
+</p:sld>
+</file>
+
+<file path=ppt/slides/slide11.xml><?xml version="1.0" encoding="utf-8"?>
+<p:sld xmlns:a="http://schemas.openxmlformats.org/drawingml/2006/main" xmlns:r="http://schemas.openxmlformats.org/officeDocument/2006/relationships" xmlns:p="http://schemas.openxmlformats.org/presentationml/2006/main">
+  <p:cSld>
+    <p:spTree>
+      <p:nvGrpSpPr>
+        <p:cNvPr id="1" name=""/>
+        <p:cNvGrpSpPr/>
+        <p:nvPr/>
+      </p:nvGrpSpPr>
+      <p:grpSpPr>
+        <a:xfrm>
+          <a:off x="0" y="0"/>
+          <a:ext cx="0" cy="0"/>
+          <a:chOff x="0" y="0"/>
+          <a:chExt cx="0" cy="0"/>
+        </a:xfrm>
+      </p:grpSpPr>
+      <p:sp>
+        <p:nvSpPr>
+          <p:cNvPr id="3" name="Titel 2"/>
+          <p:cNvSpPr>
+            <a:spLocks noGrp="1"/>
+          </p:cNvSpPr>
+          <p:nvPr>
+            <p:ph type="title"/>
+          </p:nvPr>
+        </p:nvSpPr>
+        <p:spPr/>
+        <p:txBody>
+          <a:bodyPr/>
+          <a:lstStyle/>
+          <a:p>
+            <a:r>
+              <a:rPr lang="en-US" dirty="0" smtClean="0"/>
+              <a:t>2) Step-by-Step: Use the API – Overview (1)</a:t>
+            </a:r>
+            <a:endParaRPr lang="de-DE" dirty="0"/>
+          </a:p>
+        </p:txBody>
+      </p:sp>
+      <p:sp>
+        <p:nvSpPr>
+          <p:cNvPr id="4" name="Foliennummernplatzhalter 3"/>
+          <p:cNvSpPr>
+            <a:spLocks noGrp="1"/>
+          </p:cNvSpPr>
+          <p:nvPr>
+            <p:ph type="sldNum" sz="quarter" idx="20"/>
+          </p:nvPr>
+        </p:nvSpPr>
+        <p:spPr/>
+        <p:txBody>
+          <a:bodyPr/>
+          <a:lstStyle/>
+          <a:p>
+            <a:pPr>
+              <a:defRPr/>
+            </a:pPr>
+            <a:fld id="{3C51BDBD-9BFD-4203-86B0-2FBA6AD25841}" type="slidenum">
+              <a:rPr lang="de-DE" altLang="en-US" smtClean="0"/>
+              <a:pPr>
+                <a:defRPr/>
+              </a:pPr>
+              <a:t>11</a:t>
             </a:fld>
             <a:endParaRPr lang="de-DE" altLang="en-US" dirty="0"/>
           </a:p>
@@ -6102,7 +6675,7 @@
 </p:sld>
 </file>
 
-<file path=ppt/slides/slide11.xml><?xml version="1.0" encoding="utf-8"?>
+<file path=ppt/slides/slide12.xml><?xml version="1.0" encoding="utf-8"?>
 <p:sld xmlns:a="http://schemas.openxmlformats.org/drawingml/2006/main" xmlns:r="http://schemas.openxmlformats.org/officeDocument/2006/relationships" xmlns:p="http://schemas.openxmlformats.org/presentationml/2006/main">
   <p:cSld>
     <p:spTree>
@@ -6165,7 +6738,7 @@
               <a:pPr>
                 <a:defRPr/>
               </a:pPr>
-              <a:t>11</a:t>
+              <a:t>12</a:t>
             </a:fld>
             <a:endParaRPr lang="de-DE" altLang="en-US" dirty="0"/>
           </a:p>
@@ -7687,7 +8260,7 @@
 </p:sld>
 </file>
 
-<file path=ppt/slides/slide12.xml><?xml version="1.0" encoding="utf-8"?>
+<file path=ppt/slides/slide13.xml><?xml version="1.0" encoding="utf-8"?>
 <p:sld xmlns:a="http://schemas.openxmlformats.org/drawingml/2006/main" xmlns:r="http://schemas.openxmlformats.org/officeDocument/2006/relationships" xmlns:p="http://schemas.openxmlformats.org/presentationml/2006/main">
   <p:cSld>
     <p:spTree>
@@ -7821,7 +8394,7 @@
               <a:pPr>
                 <a:defRPr/>
               </a:pPr>
-              <a:t>12</a:t>
+              <a:t>13</a:t>
             </a:fld>
             <a:endParaRPr lang="de-DE" altLang="en-US" dirty="0"/>
           </a:p>
@@ -7949,7 +8522,7 @@
 </p:sld>
 </file>
 
-<file path=ppt/slides/slide13.xml><?xml version="1.0" encoding="utf-8"?>
+<file path=ppt/slides/slide14.xml><?xml version="1.0" encoding="utf-8"?>
 <p:sld xmlns:a="http://schemas.openxmlformats.org/drawingml/2006/main" xmlns:r="http://schemas.openxmlformats.org/officeDocument/2006/relationships" xmlns:p="http://schemas.openxmlformats.org/presentationml/2006/main">
   <p:cSld>
     <p:spTree>
@@ -8209,7 +8782,7 @@
               <a:pPr>
                 <a:defRPr/>
               </a:pPr>
-              <a:t>13</a:t>
+              <a:t>14</a:t>
             </a:fld>
             <a:endParaRPr lang="de-DE" altLang="en-US" dirty="0"/>
           </a:p>
@@ -9310,7 +9883,7 @@
 </p:sld>
 </file>
 
-<file path=ppt/slides/slide14.xml><?xml version="1.0" encoding="utf-8"?>
+<file path=ppt/slides/slide15.xml><?xml version="1.0" encoding="utf-8"?>
 <p:sld xmlns:a="http://schemas.openxmlformats.org/drawingml/2006/main" xmlns:r="http://schemas.openxmlformats.org/officeDocument/2006/relationships" xmlns:p="http://schemas.openxmlformats.org/presentationml/2006/main">
   <p:cSld>
     <p:spTree>
@@ -9704,7 +10277,7 @@
               <a:pPr>
                 <a:defRPr/>
               </a:pPr>
-              <a:t>14</a:t>
+              <a:t>15</a:t>
             </a:fld>
             <a:endParaRPr lang="de-DE" altLang="en-US" dirty="0"/>
           </a:p>
@@ -10762,7 +11335,7 @@
 </p:sld>
 </file>
 
-<file path=ppt/slides/slide15.xml><?xml version="1.0" encoding="utf-8"?>
+<file path=ppt/slides/slide16.xml><?xml version="1.0" encoding="utf-8"?>
 <p:sld xmlns:a="http://schemas.openxmlformats.org/drawingml/2006/main" xmlns:r="http://schemas.openxmlformats.org/officeDocument/2006/relationships" xmlns:p="http://schemas.openxmlformats.org/presentationml/2006/main">
   <p:cSld>
     <p:spTree>
@@ -11195,7 +11768,7 @@
               <a:pPr>
                 <a:defRPr/>
               </a:pPr>
-              <a:t>15</a:t>
+              <a:t>16</a:t>
             </a:fld>
             <a:endParaRPr lang="de-DE" altLang="en-US" dirty="0"/>
           </a:p>
@@ -11555,7 +12128,7 @@
 </p:sld>
 </file>
 
-<file path=ppt/slides/slide16.xml><?xml version="1.0" encoding="utf-8"?>
+<file path=ppt/slides/slide17.xml><?xml version="1.0" encoding="utf-8"?>
 <p:sld xmlns:a="http://schemas.openxmlformats.org/drawingml/2006/main" xmlns:r="http://schemas.openxmlformats.org/officeDocument/2006/relationships" xmlns:p="http://schemas.openxmlformats.org/presentationml/2006/main">
   <p:cSld>
     <p:spTree>
@@ -11919,7 +12492,7 @@
               <a:pPr>
                 <a:defRPr/>
               </a:pPr>
-              <a:t>16</a:t>
+              <a:t>17</a:t>
             </a:fld>
             <a:endParaRPr lang="de-DE" altLang="en-US" dirty="0"/>
           </a:p>
@@ -12736,7 +13309,7 @@
 </p:sld>
 </file>
 
-<file path=ppt/slides/slide17.xml><?xml version="1.0" encoding="utf-8"?>
+<file path=ppt/slides/slide18.xml><?xml version="1.0" encoding="utf-8"?>
 <p:sld xmlns:a="http://schemas.openxmlformats.org/drawingml/2006/main" xmlns:r="http://schemas.openxmlformats.org/officeDocument/2006/relationships" xmlns:p="http://schemas.openxmlformats.org/presentationml/2006/main">
   <p:cSld>
     <p:spTree>
@@ -13555,7 +14128,7 @@
               <a:pPr>
                 <a:defRPr/>
               </a:pPr>
-              <a:t>17</a:t>
+              <a:t>18</a:t>
             </a:fld>
             <a:endParaRPr lang="de-DE" altLang="en-US" dirty="0"/>
           </a:p>
@@ -14228,7 +14801,7 @@
 </p:sld>
 </file>
 
-<file path=ppt/slides/slide18.xml><?xml version="1.0" encoding="utf-8"?>
+<file path=ppt/slides/slide19.xml><?xml version="1.0" encoding="utf-8"?>
 <p:sld xmlns:a="http://schemas.openxmlformats.org/drawingml/2006/main" xmlns:r="http://schemas.openxmlformats.org/officeDocument/2006/relationships" xmlns:p="http://schemas.openxmlformats.org/presentationml/2006/main">
   <p:cSld>
     <p:spTree>
@@ -15279,7 +15852,7 @@
               <a:pPr>
                 <a:defRPr/>
               </a:pPr>
-              <a:t>18</a:t>
+              <a:t>19</a:t>
             </a:fld>
             <a:endParaRPr lang="de-DE" altLang="en-US" dirty="0"/>
           </a:p>
@@ -15405,7 +15978,278 @@
 </p:sld>
 </file>
 
-<file path=ppt/slides/slide19.xml><?xml version="1.0" encoding="utf-8"?>
+<file path=ppt/slides/slide2.xml><?xml version="1.0" encoding="utf-8"?>
+<p:sld xmlns:a="http://schemas.openxmlformats.org/drawingml/2006/main" xmlns:r="http://schemas.openxmlformats.org/officeDocument/2006/relationships" xmlns:p="http://schemas.openxmlformats.org/presentationml/2006/main">
+  <p:cSld>
+    <p:spTree>
+      <p:nvGrpSpPr>
+        <p:cNvPr id="1" name=""/>
+        <p:cNvGrpSpPr/>
+        <p:nvPr/>
+      </p:nvGrpSpPr>
+      <p:grpSpPr>
+        <a:xfrm>
+          <a:off x="0" y="0"/>
+          <a:ext cx="0" cy="0"/>
+          <a:chOff x="0" y="0"/>
+          <a:chExt cx="0" cy="0"/>
+        </a:xfrm>
+      </p:grpSpPr>
+      <p:sp>
+        <p:nvSpPr>
+          <p:cNvPr id="7170" name="Textplatzhalter 3"/>
+          <p:cNvSpPr>
+            <a:spLocks noGrp="1"/>
+          </p:cNvSpPr>
+          <p:nvPr>
+            <p:ph type="body" sz="quarter" idx="12"/>
+          </p:nvPr>
+        </p:nvSpPr>
+        <p:spPr bwMode="auto">
+          <a:xfrm>
+            <a:off x="684213" y="836613"/>
+            <a:ext cx="7267575" cy="5400675"/>
+          </a:xfrm>
+          <a:noFill/>
+          <a:extLst>
+            <a:ext uri="{909E8E84-426E-40DD-AFC4-6F175D3DCCD1}">
+              <a14:hiddenFill xmlns:a14="http://schemas.microsoft.com/office/drawing/2010/main">
+                <a:solidFill>
+                  <a:srgbClr val="FFFFFF"/>
+                </a:solidFill>
+              </a14:hiddenFill>
+            </a:ext>
+            <a:ext uri="{91240B29-F687-4F45-9708-019B960494DF}">
+              <a14:hiddenLine xmlns:a14="http://schemas.microsoft.com/office/drawing/2010/main" w="9525">
+                <a:solidFill>
+                  <a:srgbClr val="000000"/>
+                </a:solidFill>
+                <a:miter lim="800000"/>
+                <a:headEnd/>
+                <a:tailEnd/>
+              </a14:hiddenLine>
+            </a:ext>
+          </a:extLst>
+        </p:spPr>
+        <p:txBody>
+          <a:bodyPr vert="horz" wrap="square" lIns="91440" tIns="45720" rIns="91440" bIns="45720" numCol="1" anchor="t" anchorCtr="0" compatLnSpc="1">
+            <a:prstTxWarp prst="textNoShape">
+              <a:avLst/>
+            </a:prstTxWarp>
+          </a:bodyPr>
+          <a:lstStyle/>
+          <a:p>
+            <a:pPr>
+              <a:buFont typeface="Arial" charset="0"/>
+              <a:buAutoNum type="arabicPeriod"/>
+            </a:pPr>
+            <a:r>
+              <a:rPr lang="en-US" altLang="de-DE" dirty="0" smtClean="0">
+                <a:latin typeface="Arial" charset="0"/>
+                <a:cs typeface="Arial" charset="0"/>
+              </a:rPr>
+              <a:t>Prerequisites</a:t>
+            </a:r>
+          </a:p>
+          <a:p>
+            <a:pPr lvl="1">
+              <a:buFont typeface="Arial" charset="0"/>
+              <a:buAutoNum type="arabicPeriod"/>
+            </a:pPr>
+            <a:r>
+              <a:rPr lang="en-US" altLang="de-DE" dirty="0" smtClean="0">
+                <a:latin typeface="Arial" charset="0"/>
+                <a:cs typeface="Arial" charset="0"/>
+              </a:rPr>
+              <a:t>Hardware</a:t>
+            </a:r>
+          </a:p>
+          <a:p>
+            <a:pPr lvl="1">
+              <a:buFont typeface="Arial" charset="0"/>
+              <a:buAutoNum type="arabicPeriod"/>
+            </a:pPr>
+            <a:r>
+              <a:rPr lang="en-US" altLang="de-DE" dirty="0" smtClean="0">
+                <a:latin typeface="Arial" charset="0"/>
+                <a:cs typeface="Arial" charset="0"/>
+              </a:rPr>
+              <a:t>Software</a:t>
+            </a:r>
+          </a:p>
+          <a:p>
+            <a:pPr>
+              <a:buFont typeface="Arial" charset="0"/>
+              <a:buAutoNum type="arabicPeriod"/>
+            </a:pPr>
+            <a:r>
+              <a:rPr lang="en-US" altLang="de-DE" dirty="0" smtClean="0">
+                <a:latin typeface="Arial" charset="0"/>
+                <a:cs typeface="Arial" charset="0"/>
+              </a:rPr>
+              <a:t>Step-by-Step</a:t>
+            </a:r>
+          </a:p>
+          <a:p>
+            <a:pPr lvl="1">
+              <a:buFont typeface="Arial" charset="0"/>
+              <a:buAutoNum type="arabicPeriod"/>
+            </a:pPr>
+            <a:r>
+              <a:rPr lang="en-US" altLang="de-DE" dirty="0" smtClean="0">
+                <a:latin typeface="Arial" charset="0"/>
+                <a:cs typeface="Arial" charset="0"/>
+              </a:rPr>
+              <a:t>Use Demo Examples</a:t>
+            </a:r>
+          </a:p>
+          <a:p>
+            <a:pPr lvl="1">
+              <a:buFont typeface="Arial" charset="0"/>
+              <a:buAutoNum type="arabicPeriod"/>
+            </a:pPr>
+            <a:r>
+              <a:rPr lang="en-US" altLang="de-DE" dirty="0" smtClean="0">
+                <a:latin typeface="Arial" charset="0"/>
+                <a:cs typeface="Arial" charset="0"/>
+              </a:rPr>
+              <a:t>Programing own Window Using the API</a:t>
+            </a:r>
+          </a:p>
+          <a:p>
+            <a:pPr lvl="1">
+              <a:buFont typeface="Arial" charset="0"/>
+              <a:buAutoNum type="arabicPeriod"/>
+            </a:pPr>
+            <a:r>
+              <a:rPr lang="en-US" altLang="de-DE" dirty="0" smtClean="0">
+                <a:latin typeface="Arial" charset="0"/>
+                <a:cs typeface="Arial" charset="0"/>
+              </a:rPr>
+              <a:t>Code Example</a:t>
+            </a:r>
+          </a:p>
+          <a:p>
+            <a:pPr lvl="1">
+              <a:buFont typeface="Arial" charset="0"/>
+              <a:buAutoNum type="arabicPeriod"/>
+            </a:pPr>
+            <a:r>
+              <a:rPr lang="en-US" altLang="de-DE" dirty="0" smtClean="0">
+                <a:latin typeface="Arial" charset="0"/>
+                <a:cs typeface="Arial" charset="0"/>
+              </a:rPr>
+              <a:t>Writing into the WTX120</a:t>
+            </a:r>
+          </a:p>
+          <a:p>
+            <a:pPr lvl="1">
+              <a:buFont typeface="Arial" charset="0"/>
+              <a:buAutoNum type="arabicPeriod"/>
+            </a:pPr>
+            <a:r>
+              <a:rPr lang="en-US" altLang="de-DE" dirty="0" smtClean="0">
+                <a:latin typeface="Arial" charset="0"/>
+                <a:cs typeface="Arial" charset="0"/>
+              </a:rPr>
+              <a:t>Calibration</a:t>
+            </a:r>
+          </a:p>
+          <a:p>
+            <a:pPr>
+              <a:buFont typeface="Arial" charset="0"/>
+              <a:buAutoNum type="arabicPeriod"/>
+            </a:pPr>
+            <a:r>
+              <a:rPr lang="en-US" altLang="de-DE" dirty="0" smtClean="0">
+                <a:latin typeface="Arial" charset="0"/>
+                <a:cs typeface="Arial" charset="0"/>
+              </a:rPr>
+              <a:t>Link Collection</a:t>
+            </a:r>
+          </a:p>
+          <a:p>
+            <a:pPr>
+              <a:buFont typeface="Arial" charset="0"/>
+              <a:buAutoNum type="arabicPeriod"/>
+            </a:pPr>
+            <a:endParaRPr lang="en-US" altLang="de-DE" dirty="0" smtClean="0">
+              <a:latin typeface="Arial" charset="0"/>
+              <a:cs typeface="Arial" charset="0"/>
+            </a:endParaRPr>
+          </a:p>
+        </p:txBody>
+      </p:sp>
+      <p:sp>
+        <p:nvSpPr>
+          <p:cNvPr id="7171" name="Textplatzhalter 4"/>
+          <p:cNvSpPr>
+            <a:spLocks noGrp="1"/>
+          </p:cNvSpPr>
+          <p:nvPr>
+            <p:ph type="body" sz="quarter" idx="14"/>
+          </p:nvPr>
+        </p:nvSpPr>
+        <p:spPr bwMode="auto">
+          <a:xfrm>
+            <a:off x="34925" y="115888"/>
+            <a:ext cx="7604125" cy="360362"/>
+          </a:xfrm>
+          <a:noFill/>
+          <a:extLst>
+            <a:ext uri="{909E8E84-426E-40DD-AFC4-6F175D3DCCD1}">
+              <a14:hiddenFill xmlns:a14="http://schemas.microsoft.com/office/drawing/2010/main">
+                <a:solidFill>
+                  <a:srgbClr val="FFFFFF"/>
+                </a:solidFill>
+              </a14:hiddenFill>
+            </a:ext>
+            <a:ext uri="{91240B29-F687-4F45-9708-019B960494DF}">
+              <a14:hiddenLine xmlns:a14="http://schemas.microsoft.com/office/drawing/2010/main" w="9525">
+                <a:solidFill>
+                  <a:srgbClr val="000000"/>
+                </a:solidFill>
+                <a:miter lim="800000"/>
+                <a:headEnd/>
+                <a:tailEnd/>
+              </a14:hiddenLine>
+            </a:ext>
+          </a:extLst>
+        </p:spPr>
+        <p:txBody>
+          <a:bodyPr vert="horz" wrap="square" lIns="91440" tIns="45720" rIns="91440" bIns="45720" numCol="1" anchorCtr="0" compatLnSpc="1">
+            <a:prstTxWarp prst="textNoShape">
+              <a:avLst/>
+            </a:prstTxWarp>
+          </a:bodyPr>
+          <a:lstStyle/>
+          <a:p>
+            <a:r>
+              <a:rPr lang="en-US" altLang="de-DE" dirty="0" smtClean="0">
+                <a:latin typeface="Arial" charset="0"/>
+                <a:cs typeface="Arial" charset="0"/>
+              </a:rPr>
+              <a:t>Agenda :</a:t>
+            </a:r>
+          </a:p>
+        </p:txBody>
+      </p:sp>
+    </p:spTree>
+  </p:cSld>
+  <p:clrMapOvr>
+    <a:masterClrMapping/>
+  </p:clrMapOvr>
+  <p:timing>
+    <p:tnLst>
+      <p:par>
+        <p:cTn id="1" dur="indefinite" restart="never" nodeType="tmRoot"/>
+      </p:par>
+    </p:tnLst>
+  </p:timing>
+</p:sld>
+</file>
+
+<file path=ppt/slides/slide20.xml><?xml version="1.0" encoding="utf-8"?>
 <p:sld xmlns:a="http://schemas.openxmlformats.org/drawingml/2006/main" xmlns:r="http://schemas.openxmlformats.org/officeDocument/2006/relationships" xmlns:p="http://schemas.openxmlformats.org/presentationml/2006/main">
   <p:cSld>
     <p:spTree>
@@ -16346,7 +17190,7 @@
               <a:pPr>
                 <a:defRPr/>
               </a:pPr>
-              <a:t>19</a:t>
+              <a:t>20</a:t>
             </a:fld>
             <a:endParaRPr lang="de-DE" altLang="en-US" dirty="0"/>
           </a:p>
@@ -16514,926 +17358,6 @@
     <p:extLst>
       <p:ext uri="{BB962C8B-B14F-4D97-AF65-F5344CB8AC3E}">
         <p14:creationId xmlns:p14="http://schemas.microsoft.com/office/powerpoint/2010/main" val="3563523089"/>
-      </p:ext>
-    </p:extLst>
-  </p:cSld>
-  <p:clrMapOvr>
-    <a:masterClrMapping/>
-  </p:clrMapOvr>
-  <p:timing>
-    <p:tnLst>
-      <p:par>
-        <p:cTn id="1" dur="indefinite" restart="never" nodeType="tmRoot"/>
-      </p:par>
-    </p:tnLst>
-  </p:timing>
-</p:sld>
-</file>
-
-<file path=ppt/slides/slide2.xml><?xml version="1.0" encoding="utf-8"?>
-<p:sld xmlns:a="http://schemas.openxmlformats.org/drawingml/2006/main" xmlns:r="http://schemas.openxmlformats.org/officeDocument/2006/relationships" xmlns:p="http://schemas.openxmlformats.org/presentationml/2006/main">
-  <p:cSld>
-    <p:spTree>
-      <p:nvGrpSpPr>
-        <p:cNvPr id="1" name=""/>
-        <p:cNvGrpSpPr/>
-        <p:nvPr/>
-      </p:nvGrpSpPr>
-      <p:grpSpPr>
-        <a:xfrm>
-          <a:off x="0" y="0"/>
-          <a:ext cx="0" cy="0"/>
-          <a:chOff x="0" y="0"/>
-          <a:chExt cx="0" cy="0"/>
-        </a:xfrm>
-      </p:grpSpPr>
-      <p:sp>
-        <p:nvSpPr>
-          <p:cNvPr id="7170" name="Textplatzhalter 3"/>
-          <p:cNvSpPr>
-            <a:spLocks noGrp="1"/>
-          </p:cNvSpPr>
-          <p:nvPr>
-            <p:ph type="body" sz="quarter" idx="12"/>
-          </p:nvPr>
-        </p:nvSpPr>
-        <p:spPr bwMode="auto">
-          <a:xfrm>
-            <a:off x="684213" y="836613"/>
-            <a:ext cx="7267575" cy="5400675"/>
-          </a:xfrm>
-          <a:noFill/>
-          <a:extLst>
-            <a:ext uri="{909E8E84-426E-40DD-AFC4-6F175D3DCCD1}">
-              <a14:hiddenFill xmlns:a14="http://schemas.microsoft.com/office/drawing/2010/main">
-                <a:solidFill>
-                  <a:srgbClr val="FFFFFF"/>
-                </a:solidFill>
-              </a14:hiddenFill>
-            </a:ext>
-            <a:ext uri="{91240B29-F687-4F45-9708-019B960494DF}">
-              <a14:hiddenLine xmlns:a14="http://schemas.microsoft.com/office/drawing/2010/main" w="9525">
-                <a:solidFill>
-                  <a:srgbClr val="000000"/>
-                </a:solidFill>
-                <a:miter lim="800000"/>
-                <a:headEnd/>
-                <a:tailEnd/>
-              </a14:hiddenLine>
-            </a:ext>
-          </a:extLst>
-        </p:spPr>
-        <p:txBody>
-          <a:bodyPr vert="horz" wrap="square" lIns="91440" tIns="45720" rIns="91440" bIns="45720" numCol="1" anchor="t" anchorCtr="0" compatLnSpc="1">
-            <a:prstTxWarp prst="textNoShape">
-              <a:avLst/>
-            </a:prstTxWarp>
-          </a:bodyPr>
-          <a:lstStyle/>
-          <a:p>
-            <a:pPr>
-              <a:buFont typeface="Arial" charset="0"/>
-              <a:buAutoNum type="arabicPeriod"/>
-            </a:pPr>
-            <a:r>
-              <a:rPr lang="en-US" altLang="de-DE" dirty="0" smtClean="0">
-                <a:latin typeface="Arial" charset="0"/>
-                <a:cs typeface="Arial" charset="0"/>
-              </a:rPr>
-              <a:t>Prerequisites</a:t>
-            </a:r>
-          </a:p>
-          <a:p>
-            <a:pPr lvl="1">
-              <a:buFont typeface="Arial" charset="0"/>
-              <a:buAutoNum type="arabicPeriod"/>
-            </a:pPr>
-            <a:r>
-              <a:rPr lang="en-US" altLang="de-DE" dirty="0" smtClean="0">
-                <a:latin typeface="Arial" charset="0"/>
-                <a:cs typeface="Arial" charset="0"/>
-              </a:rPr>
-              <a:t>Hardware</a:t>
-            </a:r>
-          </a:p>
-          <a:p>
-            <a:pPr lvl="1">
-              <a:buFont typeface="Arial" charset="0"/>
-              <a:buAutoNum type="arabicPeriod"/>
-            </a:pPr>
-            <a:r>
-              <a:rPr lang="en-US" altLang="de-DE" dirty="0" smtClean="0">
-                <a:latin typeface="Arial" charset="0"/>
-                <a:cs typeface="Arial" charset="0"/>
-              </a:rPr>
-              <a:t>Software</a:t>
-            </a:r>
-          </a:p>
-          <a:p>
-            <a:pPr>
-              <a:buFont typeface="Arial" charset="0"/>
-              <a:buAutoNum type="arabicPeriod"/>
-            </a:pPr>
-            <a:r>
-              <a:rPr lang="en-US" altLang="de-DE" dirty="0" smtClean="0">
-                <a:latin typeface="Arial" charset="0"/>
-                <a:cs typeface="Arial" charset="0"/>
-              </a:rPr>
-              <a:t>Step-by-Step</a:t>
-            </a:r>
-          </a:p>
-          <a:p>
-            <a:pPr lvl="1">
-              <a:buFont typeface="Arial" charset="0"/>
-              <a:buAutoNum type="arabicPeriod"/>
-            </a:pPr>
-            <a:r>
-              <a:rPr lang="en-US" altLang="de-DE" dirty="0" smtClean="0">
-                <a:latin typeface="Arial" charset="0"/>
-                <a:cs typeface="Arial" charset="0"/>
-              </a:rPr>
-              <a:t>Use Demo Examples</a:t>
-            </a:r>
-          </a:p>
-          <a:p>
-            <a:pPr lvl="1">
-              <a:buFont typeface="Arial" charset="0"/>
-              <a:buAutoNum type="arabicPeriod"/>
-            </a:pPr>
-            <a:r>
-              <a:rPr lang="en-US" altLang="de-DE" dirty="0" smtClean="0">
-                <a:latin typeface="Arial" charset="0"/>
-                <a:cs typeface="Arial" charset="0"/>
-              </a:rPr>
-              <a:t>Programing own Window Using the API</a:t>
-            </a:r>
-          </a:p>
-          <a:p>
-            <a:pPr lvl="1">
-              <a:buFont typeface="Arial" charset="0"/>
-              <a:buAutoNum type="arabicPeriod"/>
-            </a:pPr>
-            <a:r>
-              <a:rPr lang="en-US" altLang="de-DE" dirty="0" smtClean="0">
-                <a:latin typeface="Arial" charset="0"/>
-                <a:cs typeface="Arial" charset="0"/>
-              </a:rPr>
-              <a:t>Code Example</a:t>
-            </a:r>
-          </a:p>
-          <a:p>
-            <a:pPr lvl="1">
-              <a:buFont typeface="Arial" charset="0"/>
-              <a:buAutoNum type="arabicPeriod"/>
-            </a:pPr>
-            <a:r>
-              <a:rPr lang="en-US" altLang="de-DE" dirty="0" smtClean="0">
-                <a:latin typeface="Arial" charset="0"/>
-                <a:cs typeface="Arial" charset="0"/>
-              </a:rPr>
-              <a:t>Writing into the WTX120</a:t>
-            </a:r>
-          </a:p>
-          <a:p>
-            <a:pPr lvl="1">
-              <a:buFont typeface="Arial" charset="0"/>
-              <a:buAutoNum type="arabicPeriod"/>
-            </a:pPr>
-            <a:r>
-              <a:rPr lang="en-US" altLang="de-DE" dirty="0" smtClean="0">
-                <a:latin typeface="Arial" charset="0"/>
-                <a:cs typeface="Arial" charset="0"/>
-              </a:rPr>
-              <a:t>Calibration</a:t>
-            </a:r>
-          </a:p>
-          <a:p>
-            <a:pPr>
-              <a:buFont typeface="Arial" charset="0"/>
-              <a:buAutoNum type="arabicPeriod"/>
-            </a:pPr>
-            <a:r>
-              <a:rPr lang="en-US" altLang="de-DE" dirty="0" smtClean="0">
-                <a:latin typeface="Arial" charset="0"/>
-                <a:cs typeface="Arial" charset="0"/>
-              </a:rPr>
-              <a:t>Link Collection</a:t>
-            </a:r>
-          </a:p>
-          <a:p>
-            <a:pPr>
-              <a:buFont typeface="Arial" charset="0"/>
-              <a:buAutoNum type="arabicPeriod"/>
-            </a:pPr>
-            <a:endParaRPr lang="en-US" altLang="de-DE" dirty="0" smtClean="0">
-              <a:latin typeface="Arial" charset="0"/>
-              <a:cs typeface="Arial" charset="0"/>
-            </a:endParaRPr>
-          </a:p>
-        </p:txBody>
-      </p:sp>
-      <p:sp>
-        <p:nvSpPr>
-          <p:cNvPr id="7171" name="Textplatzhalter 4"/>
-          <p:cNvSpPr>
-            <a:spLocks noGrp="1"/>
-          </p:cNvSpPr>
-          <p:nvPr>
-            <p:ph type="body" sz="quarter" idx="14"/>
-          </p:nvPr>
-        </p:nvSpPr>
-        <p:spPr bwMode="auto">
-          <a:xfrm>
-            <a:off x="34925" y="115888"/>
-            <a:ext cx="7604125" cy="360362"/>
-          </a:xfrm>
-          <a:noFill/>
-          <a:extLst>
-            <a:ext uri="{909E8E84-426E-40DD-AFC4-6F175D3DCCD1}">
-              <a14:hiddenFill xmlns:a14="http://schemas.microsoft.com/office/drawing/2010/main">
-                <a:solidFill>
-                  <a:srgbClr val="FFFFFF"/>
-                </a:solidFill>
-              </a14:hiddenFill>
-            </a:ext>
-            <a:ext uri="{91240B29-F687-4F45-9708-019B960494DF}">
-              <a14:hiddenLine xmlns:a14="http://schemas.microsoft.com/office/drawing/2010/main" w="9525">
-                <a:solidFill>
-                  <a:srgbClr val="000000"/>
-                </a:solidFill>
-                <a:miter lim="800000"/>
-                <a:headEnd/>
-                <a:tailEnd/>
-              </a14:hiddenLine>
-            </a:ext>
-          </a:extLst>
-        </p:spPr>
-        <p:txBody>
-          <a:bodyPr vert="horz" wrap="square" lIns="91440" tIns="45720" rIns="91440" bIns="45720" numCol="1" anchorCtr="0" compatLnSpc="1">
-            <a:prstTxWarp prst="textNoShape">
-              <a:avLst/>
-            </a:prstTxWarp>
-          </a:bodyPr>
-          <a:lstStyle/>
-          <a:p>
-            <a:r>
-              <a:rPr lang="en-US" altLang="de-DE" dirty="0" smtClean="0">
-                <a:latin typeface="Arial" charset="0"/>
-                <a:cs typeface="Arial" charset="0"/>
-              </a:rPr>
-              <a:t>Agenda :</a:t>
-            </a:r>
-          </a:p>
-        </p:txBody>
-      </p:sp>
-    </p:spTree>
-  </p:cSld>
-  <p:clrMapOvr>
-    <a:masterClrMapping/>
-  </p:clrMapOvr>
-  <p:timing>
-    <p:tnLst>
-      <p:par>
-        <p:cTn id="1" dur="indefinite" restart="never" nodeType="tmRoot"/>
-      </p:par>
-    </p:tnLst>
-  </p:timing>
-</p:sld>
-</file>
-
-<file path=ppt/slides/slide20.xml><?xml version="1.0" encoding="utf-8"?>
-<p:sld xmlns:a="http://schemas.openxmlformats.org/drawingml/2006/main" xmlns:r="http://schemas.openxmlformats.org/officeDocument/2006/relationships" xmlns:p="http://schemas.openxmlformats.org/presentationml/2006/main">
-  <p:cSld>
-    <p:spTree>
-      <p:nvGrpSpPr>
-        <p:cNvPr id="1" name=""/>
-        <p:cNvGrpSpPr/>
-        <p:nvPr/>
-      </p:nvGrpSpPr>
-      <p:grpSpPr>
-        <a:xfrm>
-          <a:off x="0" y="0"/>
-          <a:ext cx="0" cy="0"/>
-          <a:chOff x="0" y="0"/>
-          <a:chExt cx="0" cy="0"/>
-        </a:xfrm>
-      </p:grpSpPr>
-      <p:sp>
-        <p:nvSpPr>
-          <p:cNvPr id="2" name="Textplatzhalter 1"/>
-          <p:cNvSpPr>
-            <a:spLocks noGrp="1"/>
-          </p:cNvSpPr>
-          <p:nvPr>
-            <p:ph type="body" sz="quarter" idx="17"/>
-          </p:nvPr>
-        </p:nvSpPr>
-        <p:spPr/>
-        <p:txBody>
-          <a:bodyPr/>
-          <a:lstStyle/>
-          <a:p>
-            <a:r>
-              <a:rPr lang="en-US" dirty="0" smtClean="0"/>
-              <a:t>For more details or functions have a look at the examples GUI and CL or at the WTX120 manual (updated version with all output word is in progress.</a:t>
-            </a:r>
-          </a:p>
-          <a:p>
-            <a:r>
-              <a:rPr lang="en-US" dirty="0" err="1" smtClean="0"/>
-              <a:t>WTXModbusCL</a:t>
-            </a:r>
-            <a:r>
-              <a:rPr lang="en-US" dirty="0" smtClean="0"/>
-              <a:t> is the example API for a console application. </a:t>
-            </a:r>
-          </a:p>
-          <a:p>
-            <a:r>
-              <a:rPr lang="en-US" dirty="0" err="1" smtClean="0"/>
-              <a:t>WTXModbusGUI</a:t>
-            </a:r>
-            <a:r>
-              <a:rPr lang="en-US" dirty="0" smtClean="0"/>
-              <a:t> has everything implemented, which is possible to do via Modbus</a:t>
-            </a:r>
-          </a:p>
-          <a:p>
-            <a:r>
-              <a:rPr lang="en-US" dirty="0" err="1" smtClean="0"/>
-              <a:t>WTXModbusGUISimple</a:t>
-            </a:r>
-            <a:r>
-              <a:rPr lang="en-US" dirty="0" smtClean="0"/>
-              <a:t> is a shorter implementation with the most important features, like showing the net and gross measurement value, calibration , switching between gross and net, taring. </a:t>
-            </a:r>
-          </a:p>
-          <a:p>
-            <a:r>
-              <a:rPr lang="en-US" dirty="0" smtClean="0"/>
-              <a:t>All implementations work with same classes WTX120Modbus, </a:t>
-            </a:r>
-            <a:r>
-              <a:rPr lang="en-US" dirty="0" err="1" smtClean="0"/>
-              <a:t>ModbusConnection</a:t>
-            </a:r>
-            <a:r>
-              <a:rPr lang="en-US" dirty="0" smtClean="0"/>
-              <a:t>, </a:t>
-            </a:r>
-            <a:r>
-              <a:rPr lang="en-US" dirty="0" err="1" smtClean="0"/>
-              <a:t>DeviceAbstract</a:t>
-            </a:r>
-            <a:r>
-              <a:rPr lang="en-US" dirty="0" smtClean="0"/>
-              <a:t> and with same interfaces.</a:t>
-            </a:r>
-            <a:endParaRPr lang="de-DE" dirty="0"/>
-          </a:p>
-          <a:p>
-            <a:r>
-              <a:rPr lang="de-DE" dirty="0" err="1" smtClean="0"/>
-              <a:t>If</a:t>
-            </a:r>
-            <a:r>
-              <a:rPr lang="de-DE" dirty="0" smtClean="0"/>
-              <a:t> </a:t>
-            </a:r>
-            <a:r>
-              <a:rPr lang="de-DE" dirty="0" err="1" smtClean="0"/>
-              <a:t>you</a:t>
-            </a:r>
-            <a:r>
-              <a:rPr lang="de-DE" dirty="0" smtClean="0"/>
-              <a:t> </a:t>
-            </a:r>
-            <a:r>
-              <a:rPr lang="de-DE" dirty="0" err="1" smtClean="0"/>
-              <a:t>want</a:t>
-            </a:r>
-            <a:r>
-              <a:rPr lang="de-DE" dirty="0" smtClean="0"/>
-              <a:t> </a:t>
-            </a:r>
-            <a:r>
-              <a:rPr lang="de-DE" dirty="0" err="1" smtClean="0"/>
-              <a:t>to</a:t>
-            </a:r>
-            <a:r>
-              <a:rPr lang="de-DE" dirty="0" smtClean="0"/>
-              <a:t> </a:t>
-            </a:r>
-            <a:r>
-              <a:rPr lang="de-DE" dirty="0" err="1" smtClean="0"/>
-              <a:t>implement</a:t>
-            </a:r>
-            <a:r>
-              <a:rPr lang="de-DE" dirty="0" smtClean="0"/>
-              <a:t> an </a:t>
-            </a:r>
-            <a:r>
-              <a:rPr lang="de-DE" dirty="0" err="1" smtClean="0"/>
-              <a:t>own</a:t>
-            </a:r>
-            <a:r>
-              <a:rPr lang="de-DE" dirty="0" smtClean="0"/>
-              <a:t> </a:t>
-            </a:r>
-            <a:r>
-              <a:rPr lang="de-DE" dirty="0" err="1" smtClean="0"/>
-              <a:t>application</a:t>
-            </a:r>
-            <a:r>
-              <a:rPr lang="de-DE" dirty="0" smtClean="0"/>
-              <a:t>, </a:t>
-            </a:r>
-            <a:r>
-              <a:rPr lang="de-DE" dirty="0" err="1" smtClean="0"/>
-              <a:t>it</a:t>
-            </a:r>
-            <a:r>
-              <a:rPr lang="de-DE" dirty="0" smtClean="0"/>
-              <a:t> </a:t>
-            </a:r>
-            <a:r>
-              <a:rPr lang="de-DE" dirty="0" err="1" smtClean="0"/>
-              <a:t>is</a:t>
-            </a:r>
-            <a:r>
-              <a:rPr lang="de-DE" dirty="0" smtClean="0"/>
-              <a:t> </a:t>
-            </a:r>
-            <a:r>
-              <a:rPr lang="de-DE" dirty="0" err="1" smtClean="0"/>
-              <a:t>recommended</a:t>
-            </a:r>
-            <a:r>
-              <a:rPr lang="de-DE" dirty="0"/>
-              <a:t> </a:t>
-            </a:r>
-            <a:r>
-              <a:rPr lang="de-DE" dirty="0" err="1" smtClean="0"/>
-              <a:t>to</a:t>
-            </a:r>
-            <a:r>
-              <a:rPr lang="de-DE" dirty="0" smtClean="0"/>
-              <a:t> </a:t>
-            </a:r>
-            <a:r>
-              <a:rPr lang="de-DE" dirty="0" err="1" smtClean="0"/>
-              <a:t>be</a:t>
-            </a:r>
-            <a:r>
-              <a:rPr lang="de-DE" dirty="0" smtClean="0"/>
-              <a:t> </a:t>
-            </a:r>
-            <a:r>
-              <a:rPr lang="de-DE" dirty="0" err="1" smtClean="0"/>
-              <a:t>guided</a:t>
-            </a:r>
-            <a:r>
-              <a:rPr lang="de-DE" dirty="0" smtClean="0"/>
-              <a:t> </a:t>
-            </a:r>
-            <a:r>
-              <a:rPr lang="de-DE" dirty="0" err="1" smtClean="0"/>
-              <a:t>by</a:t>
-            </a:r>
-            <a:r>
-              <a:rPr lang="de-DE" dirty="0" smtClean="0"/>
-              <a:t> </a:t>
-            </a:r>
-            <a:r>
-              <a:rPr lang="de-DE" dirty="0" err="1" smtClean="0"/>
-              <a:t>the</a:t>
-            </a:r>
-            <a:r>
-              <a:rPr lang="de-DE" dirty="0" smtClean="0"/>
-              <a:t> </a:t>
-            </a:r>
-            <a:r>
-              <a:rPr lang="de-DE" dirty="0" err="1" smtClean="0"/>
-              <a:t>interfaces</a:t>
-            </a:r>
-            <a:r>
-              <a:rPr lang="de-DE" dirty="0" smtClean="0"/>
-              <a:t> ‚</a:t>
-            </a:r>
-            <a:r>
-              <a:rPr lang="de-DE" dirty="0" err="1" smtClean="0"/>
-              <a:t>IDeviceValues</a:t>
-            </a:r>
-            <a:r>
-              <a:rPr lang="de-DE" dirty="0" smtClean="0"/>
-              <a:t>‘ </a:t>
-            </a:r>
-            <a:r>
-              <a:rPr lang="de-DE" dirty="0" err="1" smtClean="0"/>
-              <a:t>and</a:t>
-            </a:r>
-            <a:r>
-              <a:rPr lang="de-DE" dirty="0" smtClean="0"/>
-              <a:t> ‚</a:t>
-            </a:r>
-            <a:r>
-              <a:rPr lang="de-DE" dirty="0" err="1" smtClean="0"/>
-              <a:t>IModbusConnection</a:t>
-            </a:r>
-            <a:r>
-              <a:rPr lang="de-DE" dirty="0" smtClean="0"/>
-              <a:t>‘. The </a:t>
-            </a:r>
-            <a:r>
-              <a:rPr lang="de-DE" dirty="0" err="1" smtClean="0"/>
-              <a:t>latter</a:t>
-            </a:r>
-            <a:r>
-              <a:rPr lang="de-DE" dirty="0" smtClean="0"/>
-              <a:t> </a:t>
-            </a:r>
-            <a:r>
-              <a:rPr lang="de-DE" dirty="0" err="1" smtClean="0"/>
-              <a:t>represents</a:t>
-            </a:r>
-            <a:r>
-              <a:rPr lang="de-DE" dirty="0" smtClean="0"/>
-              <a:t> </a:t>
-            </a:r>
-            <a:r>
-              <a:rPr lang="de-DE" dirty="0" err="1" smtClean="0"/>
-              <a:t>the</a:t>
-            </a:r>
-            <a:r>
-              <a:rPr lang="de-DE" dirty="0" smtClean="0"/>
-              <a:t> </a:t>
-            </a:r>
-            <a:r>
-              <a:rPr lang="de-DE" dirty="0" err="1" smtClean="0"/>
-              <a:t>connection</a:t>
-            </a:r>
-            <a:r>
-              <a:rPr lang="de-DE" dirty="0" smtClean="0"/>
-              <a:t> </a:t>
-            </a:r>
-            <a:r>
-              <a:rPr lang="de-DE" dirty="0" err="1" smtClean="0"/>
-              <a:t>with</a:t>
-            </a:r>
-            <a:r>
-              <a:rPr lang="de-DE" dirty="0" smtClean="0"/>
-              <a:t> TCP/</a:t>
-            </a:r>
-            <a:r>
-              <a:rPr lang="de-DE" dirty="0" err="1" smtClean="0"/>
-              <a:t>Modbus</a:t>
-            </a:r>
-            <a:r>
-              <a:rPr lang="de-DE" dirty="0" smtClean="0"/>
-              <a:t> </a:t>
-            </a:r>
-            <a:r>
-              <a:rPr lang="de-DE" dirty="0" err="1" smtClean="0"/>
-              <a:t>to</a:t>
-            </a:r>
-            <a:r>
-              <a:rPr lang="de-DE" dirty="0" smtClean="0"/>
-              <a:t> </a:t>
-            </a:r>
-            <a:r>
-              <a:rPr lang="de-DE" dirty="0" err="1" smtClean="0"/>
-              <a:t>the</a:t>
-            </a:r>
-            <a:r>
-              <a:rPr lang="de-DE" dirty="0" smtClean="0"/>
-              <a:t> WTX </a:t>
-            </a:r>
-            <a:r>
-              <a:rPr lang="de-DE" dirty="0" err="1" smtClean="0"/>
-              <a:t>and</a:t>
-            </a:r>
-            <a:r>
-              <a:rPr lang="de-DE" dirty="0" smtClean="0"/>
-              <a:t> ‚</a:t>
-            </a:r>
-            <a:r>
-              <a:rPr lang="de-DE" dirty="0" err="1" smtClean="0"/>
-              <a:t>IDeviceValues</a:t>
-            </a:r>
-            <a:r>
-              <a:rPr lang="de-DE" dirty="0" smtClean="0"/>
-              <a:t>‘ </a:t>
-            </a:r>
-            <a:r>
-              <a:rPr lang="de-DE" dirty="0" err="1" smtClean="0"/>
-              <a:t>represents</a:t>
-            </a:r>
-            <a:r>
-              <a:rPr lang="de-DE" dirty="0" smtClean="0"/>
-              <a:t> </a:t>
-            </a:r>
-            <a:r>
-              <a:rPr lang="de-DE" dirty="0" err="1" smtClean="0"/>
-              <a:t>the</a:t>
-            </a:r>
-            <a:r>
-              <a:rPr lang="de-DE" dirty="0" smtClean="0"/>
-              <a:t> </a:t>
-            </a:r>
-            <a:r>
-              <a:rPr lang="de-DE" dirty="0" err="1" smtClean="0"/>
-              <a:t>available</a:t>
-            </a:r>
-            <a:r>
-              <a:rPr lang="de-DE" dirty="0" smtClean="0"/>
-              <a:t> </a:t>
-            </a:r>
-            <a:r>
-              <a:rPr lang="de-DE" dirty="0" err="1" smtClean="0"/>
-              <a:t>values</a:t>
-            </a:r>
-            <a:r>
-              <a:rPr lang="de-DE" dirty="0" smtClean="0"/>
-              <a:t>, </a:t>
-            </a:r>
-            <a:r>
-              <a:rPr lang="de-DE" dirty="0" err="1" smtClean="0"/>
-              <a:t>which</a:t>
-            </a:r>
-            <a:r>
-              <a:rPr lang="de-DE" dirty="0" smtClean="0"/>
-              <a:t> </a:t>
-            </a:r>
-            <a:r>
-              <a:rPr lang="de-DE" dirty="0" err="1" smtClean="0"/>
-              <a:t>can</a:t>
-            </a:r>
-            <a:r>
-              <a:rPr lang="de-DE" dirty="0" smtClean="0"/>
-              <a:t> </a:t>
-            </a:r>
-            <a:r>
-              <a:rPr lang="de-DE" dirty="0" err="1" smtClean="0"/>
-              <a:t>be</a:t>
-            </a:r>
-            <a:r>
-              <a:rPr lang="de-DE" dirty="0" smtClean="0"/>
-              <a:t> </a:t>
-            </a:r>
-            <a:r>
-              <a:rPr lang="de-DE" dirty="0" err="1" smtClean="0"/>
-              <a:t>easily</a:t>
-            </a:r>
-            <a:r>
-              <a:rPr lang="de-DE" dirty="0" smtClean="0"/>
-              <a:t> </a:t>
-            </a:r>
-            <a:r>
-              <a:rPr lang="de-DE" dirty="0" err="1" smtClean="0"/>
-              <a:t>called</a:t>
-            </a:r>
-            <a:r>
-              <a:rPr lang="de-DE" dirty="0" smtClean="0"/>
-              <a:t> via </a:t>
-            </a:r>
-            <a:r>
-              <a:rPr lang="de-DE" dirty="0" err="1" smtClean="0"/>
-              <a:t>the</a:t>
-            </a:r>
-            <a:r>
-              <a:rPr lang="de-DE" dirty="0" smtClean="0"/>
-              <a:t> </a:t>
-            </a:r>
-            <a:r>
-              <a:rPr lang="de-DE" dirty="0" err="1" smtClean="0"/>
-              <a:t>interface</a:t>
-            </a:r>
-            <a:r>
-              <a:rPr lang="de-DE" dirty="0" smtClean="0"/>
-              <a:t> </a:t>
-            </a:r>
-            <a:r>
-              <a:rPr lang="de-DE" dirty="0" err="1" smtClean="0"/>
-              <a:t>from</a:t>
-            </a:r>
-            <a:r>
-              <a:rPr lang="de-DE" dirty="0" smtClean="0"/>
-              <a:t> </a:t>
-            </a:r>
-            <a:r>
-              <a:rPr lang="de-DE" dirty="0" err="1" smtClean="0"/>
-              <a:t>your</a:t>
-            </a:r>
-            <a:r>
-              <a:rPr lang="de-DE" dirty="0" smtClean="0"/>
-              <a:t> </a:t>
-            </a:r>
-            <a:r>
-              <a:rPr lang="de-DE" dirty="0" err="1" smtClean="0"/>
-              <a:t>application</a:t>
-            </a:r>
-            <a:r>
-              <a:rPr lang="de-DE" dirty="0" smtClean="0"/>
-              <a:t>.</a:t>
-            </a:r>
-          </a:p>
-          <a:p>
-            <a:r>
-              <a:rPr lang="de-DE" dirty="0" smtClean="0"/>
-              <a:t>An </a:t>
-            </a:r>
-            <a:r>
-              <a:rPr lang="de-DE" dirty="0" err="1" smtClean="0"/>
-              <a:t>application</a:t>
-            </a:r>
-            <a:r>
-              <a:rPr lang="de-DE" dirty="0" smtClean="0"/>
-              <a:t> </a:t>
-            </a:r>
-            <a:r>
-              <a:rPr lang="de-DE" dirty="0" err="1" smtClean="0"/>
-              <a:t>with</a:t>
-            </a:r>
-            <a:r>
-              <a:rPr lang="de-DE" dirty="0" smtClean="0"/>
-              <a:t> </a:t>
-            </a:r>
-            <a:r>
-              <a:rPr lang="de-DE" dirty="0" err="1" smtClean="0"/>
-              <a:t>Jetbus</a:t>
-            </a:r>
-            <a:r>
-              <a:rPr lang="de-DE" dirty="0" smtClean="0"/>
-              <a:t> </a:t>
-            </a:r>
-            <a:r>
-              <a:rPr lang="de-DE" dirty="0" err="1" smtClean="0"/>
-              <a:t>and</a:t>
-            </a:r>
-            <a:r>
-              <a:rPr lang="de-DE" dirty="0" smtClean="0"/>
-              <a:t> </a:t>
-            </a:r>
-            <a:r>
-              <a:rPr lang="de-DE" dirty="0" err="1" smtClean="0"/>
-              <a:t>Modbus</a:t>
-            </a:r>
-            <a:r>
-              <a:rPr lang="de-DE" dirty="0" smtClean="0"/>
-              <a:t> </a:t>
-            </a:r>
-            <a:r>
-              <a:rPr lang="de-DE" dirty="0" err="1" smtClean="0"/>
-              <a:t>is</a:t>
-            </a:r>
-            <a:r>
-              <a:rPr lang="de-DE" dirty="0" smtClean="0"/>
-              <a:t> in </a:t>
-            </a:r>
-            <a:r>
-              <a:rPr lang="de-DE" dirty="0" err="1" smtClean="0"/>
-              <a:t>work</a:t>
-            </a:r>
-            <a:r>
-              <a:rPr lang="de-DE" dirty="0" smtClean="0"/>
-              <a:t> </a:t>
-            </a:r>
-            <a:r>
-              <a:rPr lang="de-DE" dirty="0" err="1" smtClean="0"/>
-              <a:t>to</a:t>
-            </a:r>
-            <a:r>
-              <a:rPr lang="de-DE" dirty="0" smtClean="0"/>
-              <a:t> </a:t>
-            </a:r>
-            <a:r>
-              <a:rPr lang="de-DE" dirty="0" err="1" smtClean="0"/>
-              <a:t>get</a:t>
-            </a:r>
-            <a:r>
-              <a:rPr lang="de-DE" dirty="0" smtClean="0"/>
-              <a:t> </a:t>
-            </a:r>
-            <a:r>
-              <a:rPr lang="de-DE" dirty="0" err="1" smtClean="0"/>
-              <a:t>more</a:t>
-            </a:r>
-            <a:r>
-              <a:rPr lang="de-DE" dirty="0" smtClean="0"/>
-              <a:t> </a:t>
-            </a:r>
-            <a:r>
-              <a:rPr lang="de-DE" dirty="0" err="1" smtClean="0"/>
-              <a:t>informations</a:t>
-            </a:r>
-            <a:r>
-              <a:rPr lang="de-DE" dirty="0" smtClean="0"/>
-              <a:t> </a:t>
-            </a:r>
-            <a:r>
-              <a:rPr lang="de-DE" dirty="0" err="1" smtClean="0"/>
-              <a:t>and</a:t>
-            </a:r>
-            <a:r>
-              <a:rPr lang="de-DE" dirty="0" smtClean="0"/>
-              <a:t> </a:t>
-            </a:r>
-            <a:r>
-              <a:rPr lang="de-DE" dirty="0" err="1" smtClean="0"/>
-              <a:t>to</a:t>
-            </a:r>
-            <a:r>
-              <a:rPr lang="de-DE" dirty="0" smtClean="0"/>
-              <a:t> </a:t>
-            </a:r>
-            <a:r>
-              <a:rPr lang="de-DE" dirty="0" err="1" smtClean="0"/>
-              <a:t>get</a:t>
-            </a:r>
-            <a:r>
-              <a:rPr lang="de-DE" dirty="0" smtClean="0"/>
-              <a:t> a redundant </a:t>
-            </a:r>
-            <a:r>
-              <a:rPr lang="de-DE" dirty="0" err="1" smtClean="0"/>
-              <a:t>system</a:t>
-            </a:r>
-            <a:r>
-              <a:rPr lang="de-DE" dirty="0" smtClean="0"/>
-              <a:t>. </a:t>
-            </a:r>
-            <a:endParaRPr lang="en-US" dirty="0" smtClean="0"/>
-          </a:p>
-        </p:txBody>
-      </p:sp>
-      <p:sp>
-        <p:nvSpPr>
-          <p:cNvPr id="3" name="Titel 2"/>
-          <p:cNvSpPr>
-            <a:spLocks noGrp="1"/>
-          </p:cNvSpPr>
-          <p:nvPr>
-            <p:ph type="title"/>
-          </p:nvPr>
-        </p:nvSpPr>
-        <p:spPr/>
-        <p:txBody>
-          <a:bodyPr/>
-          <a:lstStyle/>
-          <a:p>
-            <a:r>
-              <a:rPr lang="de-DE" dirty="0" smtClean="0"/>
-              <a:t>2) </a:t>
-            </a:r>
-            <a:r>
-              <a:rPr lang="de-DE" dirty="0" err="1" smtClean="0"/>
-              <a:t>Step</a:t>
-            </a:r>
-            <a:r>
-              <a:rPr lang="en-US" dirty="0" smtClean="0"/>
-              <a:t>-by-Step: </a:t>
-            </a:r>
-            <a:r>
-              <a:rPr lang="en-US" dirty="0"/>
-              <a:t>Outlook </a:t>
-            </a:r>
-            <a:endParaRPr lang="de-DE" dirty="0"/>
-          </a:p>
-        </p:txBody>
-      </p:sp>
-      <p:sp>
-        <p:nvSpPr>
-          <p:cNvPr id="4" name="Foliennummernplatzhalter 3"/>
-          <p:cNvSpPr>
-            <a:spLocks noGrp="1"/>
-          </p:cNvSpPr>
-          <p:nvPr>
-            <p:ph type="sldNum" sz="quarter" idx="20"/>
-          </p:nvPr>
-        </p:nvSpPr>
-        <p:spPr/>
-        <p:txBody>
-          <a:bodyPr/>
-          <a:lstStyle/>
-          <a:p>
-            <a:pPr>
-              <a:defRPr/>
-            </a:pPr>
-            <a:fld id="{3C51BDBD-9BFD-4203-86B0-2FBA6AD25841}" type="slidenum">
-              <a:rPr lang="de-DE" altLang="en-US" smtClean="0"/>
-              <a:pPr>
-                <a:defRPr/>
-              </a:pPr>
-              <a:t>20</a:t>
-            </a:fld>
-            <a:endParaRPr lang="de-DE" altLang="en-US" dirty="0"/>
-          </a:p>
-        </p:txBody>
-      </p:sp>
-    </p:spTree>
-    <p:extLst>
-      <p:ext uri="{BB962C8B-B14F-4D97-AF65-F5344CB8AC3E}">
-        <p14:creationId xmlns:p14="http://schemas.microsoft.com/office/powerpoint/2010/main" val="1943165318"/>
       </p:ext>
     </p:extLst>
   </p:cSld>
@@ -17484,148 +17408,534 @@
           <a:p>
             <a:r>
               <a:rPr lang="en-US" dirty="0" smtClean="0"/>
-              <a:t>WTX120 </a:t>
-            </a:r>
-            <a:r>
-              <a:rPr lang="en-US" dirty="0"/>
-              <a:t>Website: </a:t>
+              <a:t>For more details or functions have a look at the examples GUI and CL or at the WTX120 manual (updated version with all output word is in progress.</a:t>
+            </a:r>
+          </a:p>
+          <a:p>
+            <a:r>
+              <a:rPr lang="en-US" dirty="0" err="1" smtClean="0"/>
+              <a:t>WTXModbusCL</a:t>
+            </a:r>
+            <a:r>
+              <a:rPr lang="en-US" dirty="0" smtClean="0"/>
+              <a:t> is the example API for a console application. </a:t>
+            </a:r>
+          </a:p>
+          <a:p>
+            <a:r>
+              <a:rPr lang="en-US" dirty="0" err="1" smtClean="0"/>
+              <a:t>WTXModbusGUI</a:t>
+            </a:r>
+            <a:r>
+              <a:rPr lang="en-US" dirty="0" smtClean="0"/>
+              <a:t> has everything implemented, which is possible to do via Modbus</a:t>
+            </a:r>
+          </a:p>
+          <a:p>
+            <a:r>
+              <a:rPr lang="en-US" dirty="0" err="1" smtClean="0"/>
+              <a:t>WTXModbusGUISimple</a:t>
+            </a:r>
+            <a:r>
+              <a:rPr lang="en-US" dirty="0" smtClean="0"/>
+              <a:t> is a shorter implementation with the most important features, like showing the net and gross measurement value, calibration , switching between gross and net, taring. </a:t>
+            </a:r>
+          </a:p>
+          <a:p>
+            <a:r>
+              <a:rPr lang="en-US" dirty="0" smtClean="0"/>
+              <a:t>All implementations work with same classes WTX120Modbus, </a:t>
+            </a:r>
+            <a:r>
+              <a:rPr lang="en-US" dirty="0" err="1" smtClean="0"/>
+              <a:t>ModbusConnection</a:t>
+            </a:r>
+            <a:r>
+              <a:rPr lang="en-US" dirty="0" smtClean="0"/>
+              <a:t>, </a:t>
+            </a:r>
+            <a:r>
+              <a:rPr lang="en-US" dirty="0" err="1" smtClean="0"/>
+              <a:t>DeviceAbstract</a:t>
+            </a:r>
+            <a:r>
+              <a:rPr lang="en-US" dirty="0" smtClean="0"/>
+              <a:t> and with same interfaces.</a:t>
+            </a:r>
+            <a:endParaRPr lang="de-DE" dirty="0"/>
+          </a:p>
+          <a:p>
+            <a:r>
+              <a:rPr lang="de-DE" dirty="0" err="1" smtClean="0"/>
+              <a:t>If</a:t>
+            </a:r>
+            <a:r>
+              <a:rPr lang="de-DE" dirty="0" smtClean="0"/>
+              <a:t> </a:t>
+            </a:r>
+            <a:r>
+              <a:rPr lang="de-DE" dirty="0" err="1" smtClean="0"/>
+              <a:t>you</a:t>
+            </a:r>
+            <a:r>
+              <a:rPr lang="de-DE" dirty="0" smtClean="0"/>
+              <a:t> </a:t>
+            </a:r>
+            <a:r>
+              <a:rPr lang="de-DE" dirty="0" err="1" smtClean="0"/>
+              <a:t>want</a:t>
+            </a:r>
+            <a:r>
+              <a:rPr lang="de-DE" dirty="0" smtClean="0"/>
+              <a:t> </a:t>
+            </a:r>
+            <a:r>
+              <a:rPr lang="de-DE" dirty="0" err="1" smtClean="0"/>
+              <a:t>to</a:t>
+            </a:r>
+            <a:r>
+              <a:rPr lang="de-DE" dirty="0" smtClean="0"/>
+              <a:t> </a:t>
+            </a:r>
+            <a:r>
+              <a:rPr lang="de-DE" dirty="0" err="1" smtClean="0"/>
+              <a:t>implement</a:t>
+            </a:r>
+            <a:r>
+              <a:rPr lang="de-DE" dirty="0" smtClean="0"/>
+              <a:t> an </a:t>
+            </a:r>
+            <a:r>
+              <a:rPr lang="de-DE" dirty="0" err="1" smtClean="0"/>
+              <a:t>own</a:t>
+            </a:r>
+            <a:r>
+              <a:rPr lang="de-DE" dirty="0" smtClean="0"/>
+              <a:t> </a:t>
+            </a:r>
+            <a:r>
+              <a:rPr lang="de-DE" dirty="0" err="1" smtClean="0"/>
+              <a:t>application</a:t>
+            </a:r>
+            <a:r>
+              <a:rPr lang="de-DE" dirty="0" smtClean="0"/>
+              <a:t>, </a:t>
+            </a:r>
+            <a:r>
+              <a:rPr lang="de-DE" dirty="0" err="1" smtClean="0"/>
+              <a:t>it</a:t>
+            </a:r>
+            <a:r>
+              <a:rPr lang="de-DE" dirty="0" smtClean="0"/>
+              <a:t> </a:t>
+            </a:r>
+            <a:r>
+              <a:rPr lang="de-DE" dirty="0" err="1" smtClean="0"/>
+              <a:t>is</a:t>
+            </a:r>
+            <a:r>
+              <a:rPr lang="de-DE" dirty="0" smtClean="0"/>
+              <a:t> </a:t>
+            </a:r>
+            <a:r>
+              <a:rPr lang="de-DE" dirty="0" err="1" smtClean="0"/>
+              <a:t>recommended</a:t>
+            </a:r>
+            <a:r>
+              <a:rPr lang="de-DE" dirty="0"/>
+              <a:t> </a:t>
+            </a:r>
+            <a:r>
+              <a:rPr lang="de-DE" dirty="0" err="1" smtClean="0"/>
+              <a:t>to</a:t>
+            </a:r>
+            <a:r>
+              <a:rPr lang="de-DE" dirty="0" smtClean="0"/>
+              <a:t> </a:t>
+            </a:r>
+            <a:r>
+              <a:rPr lang="de-DE" dirty="0" err="1" smtClean="0"/>
+              <a:t>be</a:t>
+            </a:r>
+            <a:r>
+              <a:rPr lang="de-DE" dirty="0" smtClean="0"/>
+              <a:t> </a:t>
+            </a:r>
+            <a:r>
+              <a:rPr lang="de-DE" dirty="0" err="1" smtClean="0"/>
+              <a:t>guided</a:t>
+            </a:r>
+            <a:r>
+              <a:rPr lang="de-DE" dirty="0" smtClean="0"/>
+              <a:t> </a:t>
+            </a:r>
+            <a:r>
+              <a:rPr lang="de-DE" dirty="0" err="1" smtClean="0"/>
+              <a:t>by</a:t>
+            </a:r>
+            <a:r>
+              <a:rPr lang="de-DE" dirty="0" smtClean="0"/>
+              <a:t> </a:t>
+            </a:r>
+            <a:r>
+              <a:rPr lang="de-DE" dirty="0" err="1" smtClean="0"/>
+              <a:t>the</a:t>
+            </a:r>
+            <a:r>
+              <a:rPr lang="de-DE" dirty="0" smtClean="0"/>
+              <a:t> </a:t>
+            </a:r>
+            <a:r>
+              <a:rPr lang="de-DE" dirty="0" err="1" smtClean="0"/>
+              <a:t>interfaces</a:t>
+            </a:r>
+            <a:r>
+              <a:rPr lang="de-DE" dirty="0" smtClean="0"/>
+              <a:t> ‚</a:t>
+            </a:r>
+            <a:r>
+              <a:rPr lang="de-DE" dirty="0" err="1" smtClean="0"/>
+              <a:t>IDeviceValues</a:t>
+            </a:r>
+            <a:r>
+              <a:rPr lang="de-DE" dirty="0" smtClean="0"/>
+              <a:t>‘ </a:t>
+            </a:r>
+            <a:r>
+              <a:rPr lang="de-DE" dirty="0" err="1" smtClean="0"/>
+              <a:t>and</a:t>
+            </a:r>
+            <a:r>
+              <a:rPr lang="de-DE" dirty="0" smtClean="0"/>
+              <a:t> ‚</a:t>
+            </a:r>
+            <a:r>
+              <a:rPr lang="de-DE" dirty="0" err="1" smtClean="0"/>
+              <a:t>IModbusConnection</a:t>
+            </a:r>
+            <a:r>
+              <a:rPr lang="de-DE" dirty="0" smtClean="0"/>
+              <a:t>‘. The </a:t>
+            </a:r>
+            <a:r>
+              <a:rPr lang="de-DE" dirty="0" err="1" smtClean="0"/>
+              <a:t>latter</a:t>
+            </a:r>
+            <a:r>
+              <a:rPr lang="de-DE" dirty="0" smtClean="0"/>
+              <a:t> </a:t>
+            </a:r>
+            <a:r>
+              <a:rPr lang="de-DE" dirty="0" err="1" smtClean="0"/>
+              <a:t>represents</a:t>
+            </a:r>
+            <a:r>
+              <a:rPr lang="de-DE" dirty="0" smtClean="0"/>
+              <a:t> </a:t>
+            </a:r>
+            <a:r>
+              <a:rPr lang="de-DE" dirty="0" err="1" smtClean="0"/>
+              <a:t>the</a:t>
+            </a:r>
+            <a:r>
+              <a:rPr lang="de-DE" dirty="0" smtClean="0"/>
+              <a:t> </a:t>
+            </a:r>
+            <a:r>
+              <a:rPr lang="de-DE" dirty="0" err="1" smtClean="0"/>
+              <a:t>connection</a:t>
+            </a:r>
+            <a:r>
+              <a:rPr lang="de-DE" dirty="0" smtClean="0"/>
+              <a:t> </a:t>
+            </a:r>
+            <a:r>
+              <a:rPr lang="de-DE" dirty="0" err="1" smtClean="0"/>
+              <a:t>with</a:t>
+            </a:r>
+            <a:r>
+              <a:rPr lang="de-DE" dirty="0" smtClean="0"/>
+              <a:t> TCP/</a:t>
+            </a:r>
+            <a:r>
+              <a:rPr lang="de-DE" dirty="0" err="1" smtClean="0"/>
+              <a:t>Modbus</a:t>
+            </a:r>
+            <a:r>
+              <a:rPr lang="de-DE" dirty="0" smtClean="0"/>
+              <a:t> </a:t>
+            </a:r>
+            <a:r>
+              <a:rPr lang="de-DE" dirty="0" err="1" smtClean="0"/>
+              <a:t>to</a:t>
+            </a:r>
+            <a:r>
+              <a:rPr lang="de-DE" dirty="0" smtClean="0"/>
+              <a:t> </a:t>
+            </a:r>
+            <a:r>
+              <a:rPr lang="de-DE" dirty="0" err="1" smtClean="0"/>
+              <a:t>the</a:t>
+            </a:r>
+            <a:r>
+              <a:rPr lang="de-DE" dirty="0" smtClean="0"/>
+              <a:t> WTX </a:t>
+            </a:r>
+            <a:r>
+              <a:rPr lang="de-DE" dirty="0" err="1" smtClean="0"/>
+              <a:t>and</a:t>
+            </a:r>
+            <a:r>
+              <a:rPr lang="de-DE" dirty="0" smtClean="0"/>
+              <a:t> ‚</a:t>
+            </a:r>
+            <a:r>
+              <a:rPr lang="de-DE" dirty="0" err="1" smtClean="0"/>
+              <a:t>IDeviceValues</a:t>
+            </a:r>
+            <a:r>
+              <a:rPr lang="de-DE" dirty="0" smtClean="0"/>
+              <a:t>‘ </a:t>
+            </a:r>
+            <a:r>
+              <a:rPr lang="de-DE" dirty="0" err="1" smtClean="0"/>
+              <a:t>represents</a:t>
+            </a:r>
+            <a:r>
+              <a:rPr lang="de-DE" dirty="0" smtClean="0"/>
+              <a:t> </a:t>
+            </a:r>
+            <a:r>
+              <a:rPr lang="de-DE" dirty="0" err="1" smtClean="0"/>
+              <a:t>the</a:t>
+            </a:r>
+            <a:r>
+              <a:rPr lang="de-DE" dirty="0" smtClean="0"/>
+              <a:t> </a:t>
+            </a:r>
+            <a:r>
+              <a:rPr lang="de-DE" dirty="0" err="1" smtClean="0"/>
+              <a:t>available</a:t>
+            </a:r>
+            <a:r>
+              <a:rPr lang="de-DE" dirty="0" smtClean="0"/>
+              <a:t> </a:t>
+            </a:r>
+            <a:r>
+              <a:rPr lang="de-DE" dirty="0" err="1" smtClean="0"/>
+              <a:t>values</a:t>
+            </a:r>
+            <a:r>
+              <a:rPr lang="de-DE" dirty="0" smtClean="0"/>
+              <a:t>, </a:t>
+            </a:r>
+            <a:r>
+              <a:rPr lang="de-DE" dirty="0" err="1" smtClean="0"/>
+              <a:t>which</a:t>
+            </a:r>
+            <a:r>
+              <a:rPr lang="de-DE" dirty="0" smtClean="0"/>
+              <a:t> </a:t>
+            </a:r>
+            <a:r>
+              <a:rPr lang="de-DE" dirty="0" err="1" smtClean="0"/>
+              <a:t>can</a:t>
+            </a:r>
+            <a:r>
+              <a:rPr lang="de-DE" dirty="0" smtClean="0"/>
+              <a:t> </a:t>
+            </a:r>
+            <a:r>
+              <a:rPr lang="de-DE" dirty="0" err="1" smtClean="0"/>
+              <a:t>be</a:t>
+            </a:r>
+            <a:r>
+              <a:rPr lang="de-DE" dirty="0" smtClean="0"/>
+              <a:t> </a:t>
+            </a:r>
+            <a:r>
+              <a:rPr lang="de-DE" dirty="0" err="1" smtClean="0"/>
+              <a:t>easily</a:t>
+            </a:r>
+            <a:r>
+              <a:rPr lang="de-DE" dirty="0" smtClean="0"/>
+              <a:t> </a:t>
+            </a:r>
+            <a:r>
+              <a:rPr lang="de-DE" dirty="0" err="1" smtClean="0"/>
+              <a:t>called</a:t>
+            </a:r>
+            <a:r>
+              <a:rPr lang="de-DE" dirty="0" smtClean="0"/>
+              <a:t> via </a:t>
+            </a:r>
+            <a:r>
+              <a:rPr lang="de-DE" dirty="0" err="1" smtClean="0"/>
+              <a:t>the</a:t>
+            </a:r>
+            <a:r>
+              <a:rPr lang="de-DE" dirty="0" smtClean="0"/>
+              <a:t> </a:t>
+            </a:r>
+            <a:r>
+              <a:rPr lang="de-DE" dirty="0" err="1" smtClean="0"/>
+              <a:t>interface</a:t>
+            </a:r>
+            <a:r>
+              <a:rPr lang="de-DE" dirty="0" smtClean="0"/>
+              <a:t> </a:t>
+            </a:r>
+            <a:r>
+              <a:rPr lang="de-DE" dirty="0" err="1" smtClean="0"/>
+              <a:t>from</a:t>
+            </a:r>
+            <a:r>
+              <a:rPr lang="de-DE" dirty="0" smtClean="0"/>
+              <a:t> </a:t>
+            </a:r>
+            <a:r>
+              <a:rPr lang="de-DE" dirty="0" err="1" smtClean="0"/>
+              <a:t>your</a:t>
+            </a:r>
+            <a:r>
+              <a:rPr lang="de-DE" dirty="0" smtClean="0"/>
+              <a:t> </a:t>
+            </a:r>
+            <a:r>
+              <a:rPr lang="de-DE" dirty="0" err="1" smtClean="0"/>
+              <a:t>application</a:t>
+            </a:r>
+            <a:r>
+              <a:rPr lang="de-DE" dirty="0" smtClean="0"/>
+              <a:t>.</a:t>
+            </a:r>
+          </a:p>
+          <a:p>
+            <a:r>
+              <a:rPr lang="de-DE" dirty="0" smtClean="0"/>
+              <a:t>An </a:t>
+            </a:r>
+            <a:r>
+              <a:rPr lang="de-DE" dirty="0" err="1" smtClean="0"/>
+              <a:t>application</a:t>
+            </a:r>
+            <a:r>
+              <a:rPr lang="de-DE" dirty="0" smtClean="0"/>
+              <a:t> </a:t>
+            </a:r>
+            <a:r>
+              <a:rPr lang="de-DE" dirty="0" err="1" smtClean="0"/>
+              <a:t>with</a:t>
+            </a:r>
+            <a:r>
+              <a:rPr lang="de-DE" dirty="0" smtClean="0"/>
+              <a:t> </a:t>
+            </a:r>
+            <a:r>
+              <a:rPr lang="de-DE" dirty="0" err="1" smtClean="0"/>
+              <a:t>Jetbus</a:t>
+            </a:r>
+            <a:r>
+              <a:rPr lang="de-DE" dirty="0" smtClean="0"/>
+              <a:t> </a:t>
+            </a:r>
+            <a:r>
+              <a:rPr lang="de-DE" dirty="0" err="1" smtClean="0"/>
+              <a:t>and</a:t>
+            </a:r>
+            <a:r>
+              <a:rPr lang="de-DE" dirty="0" smtClean="0"/>
+              <a:t> </a:t>
+            </a:r>
+            <a:r>
+              <a:rPr lang="de-DE" dirty="0" err="1" smtClean="0"/>
+              <a:t>Modbus</a:t>
+            </a:r>
+            <a:r>
+              <a:rPr lang="de-DE" dirty="0" smtClean="0"/>
+              <a:t> </a:t>
+            </a:r>
+            <a:r>
+              <a:rPr lang="de-DE" dirty="0" err="1" smtClean="0"/>
+              <a:t>is</a:t>
+            </a:r>
+            <a:r>
+              <a:rPr lang="de-DE" dirty="0" smtClean="0"/>
+              <a:t> in </a:t>
+            </a:r>
+            <a:r>
+              <a:rPr lang="de-DE" dirty="0" err="1" smtClean="0"/>
+              <a:t>work</a:t>
+            </a:r>
+            <a:r>
+              <a:rPr lang="de-DE" dirty="0" smtClean="0"/>
+              <a:t> </a:t>
+            </a:r>
+            <a:r>
+              <a:rPr lang="de-DE" dirty="0" err="1" smtClean="0"/>
+              <a:t>to</a:t>
+            </a:r>
+            <a:r>
+              <a:rPr lang="de-DE" dirty="0" smtClean="0"/>
+              <a:t> </a:t>
+            </a:r>
+            <a:r>
+              <a:rPr lang="de-DE" dirty="0" err="1" smtClean="0"/>
+              <a:t>get</a:t>
+            </a:r>
+            <a:r>
+              <a:rPr lang="de-DE" dirty="0" smtClean="0"/>
+              <a:t> </a:t>
+            </a:r>
+            <a:r>
+              <a:rPr lang="de-DE" dirty="0" err="1" smtClean="0"/>
+              <a:t>more</a:t>
+            </a:r>
+            <a:r>
+              <a:rPr lang="de-DE" dirty="0" smtClean="0"/>
+              <a:t> </a:t>
+            </a:r>
+            <a:r>
+              <a:rPr lang="de-DE" dirty="0" err="1" smtClean="0"/>
+              <a:t>informations</a:t>
+            </a:r>
+            <a:r>
+              <a:rPr lang="de-DE" dirty="0" smtClean="0"/>
+              <a:t> </a:t>
+            </a:r>
+            <a:r>
+              <a:rPr lang="de-DE" dirty="0" err="1" smtClean="0"/>
+              <a:t>and</a:t>
+            </a:r>
+            <a:r>
+              <a:rPr lang="de-DE" dirty="0" smtClean="0"/>
+              <a:t> </a:t>
+            </a:r>
+            <a:r>
+              <a:rPr lang="de-DE" dirty="0" err="1" smtClean="0"/>
+              <a:t>to</a:t>
+            </a:r>
+            <a:r>
+              <a:rPr lang="de-DE" dirty="0" smtClean="0"/>
+              <a:t> </a:t>
+            </a:r>
+            <a:r>
+              <a:rPr lang="de-DE" dirty="0" err="1" smtClean="0"/>
+              <a:t>get</a:t>
+            </a:r>
+            <a:r>
+              <a:rPr lang="de-DE" dirty="0" smtClean="0"/>
+              <a:t> a redundant </a:t>
+            </a:r>
+            <a:r>
+              <a:rPr lang="de-DE" dirty="0" err="1" smtClean="0"/>
+              <a:t>system</a:t>
+            </a:r>
+            <a:r>
+              <a:rPr lang="de-DE" dirty="0" smtClean="0"/>
+              <a:t>. </a:t>
             </a:r>
             <a:endParaRPr lang="en-US" dirty="0" smtClean="0"/>
-          </a:p>
-          <a:p>
-            <a:pPr marL="357188" indent="0">
-              <a:buNone/>
-            </a:pPr>
-            <a:r>
-              <a:rPr lang="de-DE" dirty="0" smtClean="0">
-                <a:hlinkClick r:id="rId2"/>
-              </a:rPr>
-              <a:t>https</a:t>
-            </a:r>
-            <a:r>
-              <a:rPr lang="de-DE" dirty="0">
-                <a:hlinkClick r:id="rId2"/>
-              </a:rPr>
-              <a:t>://www.hbm.com/en/6304/wtx120-industrial-and-legal-for-trade-weighing-terminal</a:t>
-            </a:r>
-            <a:r>
-              <a:rPr lang="de-DE" dirty="0" smtClean="0">
-                <a:hlinkClick r:id="rId2"/>
-              </a:rPr>
-              <a:t>/</a:t>
-            </a:r>
-            <a:endParaRPr lang="de-DE" dirty="0"/>
-          </a:p>
-          <a:p>
-            <a:pPr marL="0" indent="357188"/>
-            <a:r>
-              <a:rPr lang="de-DE" dirty="0" smtClean="0"/>
-              <a:t>WTX120 Manual:</a:t>
-            </a:r>
-          </a:p>
-          <a:p>
-            <a:pPr marL="357188" indent="0">
-              <a:buNone/>
-            </a:pPr>
-            <a:r>
-              <a:rPr lang="de-DE" dirty="0">
-                <a:hlinkClick r:id="rId3"/>
-              </a:rPr>
-              <a:t>https://</a:t>
-            </a:r>
-            <a:r>
-              <a:rPr lang="de-DE" dirty="0" smtClean="0">
-                <a:hlinkClick r:id="rId3"/>
-              </a:rPr>
-              <a:t>www.hbm.com/fileadmin/mediapool/hbmdoc/technical/a4500.pdf</a:t>
-            </a:r>
-            <a:r>
-              <a:rPr lang="de-DE" dirty="0" smtClean="0"/>
-              <a:t> </a:t>
-            </a:r>
-          </a:p>
-          <a:p>
-            <a:r>
-              <a:rPr lang="en-US" dirty="0" err="1" smtClean="0"/>
-              <a:t>ModbusTCP</a:t>
-            </a:r>
-            <a:r>
-              <a:rPr lang="en-US" dirty="0" smtClean="0"/>
-              <a:t> API on </a:t>
-            </a:r>
-            <a:r>
-              <a:rPr lang="en-US" dirty="0" err="1" smtClean="0"/>
-              <a:t>Github</a:t>
-            </a:r>
-            <a:r>
-              <a:rPr lang="en-US" dirty="0" smtClean="0"/>
-              <a:t>: </a:t>
-            </a:r>
-            <a:r>
-              <a:rPr lang="en-US" i="1" dirty="0" smtClean="0"/>
-              <a:t>(unofficial, later …/HBM)</a:t>
-            </a:r>
-            <a:endParaRPr lang="de-DE" dirty="0" smtClean="0"/>
-          </a:p>
-          <a:p>
-            <a:pPr marL="0" indent="357188">
-              <a:buNone/>
-            </a:pPr>
-            <a:r>
-              <a:rPr lang="de-DE" dirty="0" smtClean="0">
-                <a:hlinkClick r:id="rId4"/>
-              </a:rPr>
-              <a:t>https</a:t>
-            </a:r>
-            <a:r>
-              <a:rPr lang="de-DE" dirty="0">
-                <a:hlinkClick r:id="rId4"/>
-              </a:rPr>
-              <a:t>://</a:t>
-            </a:r>
-            <a:r>
-              <a:rPr lang="de-DE" dirty="0" smtClean="0">
-                <a:hlinkClick r:id="rId4"/>
-              </a:rPr>
-              <a:t>github.com/leistner/ModbusTCP_WTX</a:t>
-            </a:r>
-            <a:endParaRPr lang="de-DE" dirty="0" smtClean="0"/>
-          </a:p>
-          <a:p>
-            <a:r>
-              <a:rPr lang="en-US" dirty="0" smtClean="0"/>
-              <a:t>Microsoft Visual Studio:</a:t>
-            </a:r>
-            <a:endParaRPr lang="de-DE" dirty="0" smtClean="0">
-              <a:hlinkClick r:id="rId5"/>
-            </a:endParaRPr>
-          </a:p>
-          <a:p>
-            <a:pPr marL="0" indent="357188">
-              <a:buNone/>
-            </a:pPr>
-            <a:r>
-              <a:rPr lang="de-DE" dirty="0">
-                <a:hlinkClick r:id="rId6"/>
-              </a:rPr>
-              <a:t>https://</a:t>
-            </a:r>
-            <a:r>
-              <a:rPr lang="de-DE" dirty="0" smtClean="0">
-                <a:hlinkClick r:id="rId6"/>
-              </a:rPr>
-              <a:t>www.visualstudio.com/vs/</a:t>
-            </a:r>
-            <a:endParaRPr lang="de-DE" dirty="0" smtClean="0"/>
-          </a:p>
-          <a:p>
-            <a:pPr marL="0" indent="357188">
-              <a:buNone/>
-            </a:pPr>
-            <a:endParaRPr lang="de-DE" dirty="0" smtClean="0"/>
-          </a:p>
-          <a:p>
-            <a:endParaRPr lang="de-DE" dirty="0"/>
           </a:p>
         </p:txBody>
       </p:sp>
@@ -17645,12 +17955,20 @@
           <a:lstStyle/>
           <a:p>
             <a:r>
+              <a:rPr lang="de-DE" dirty="0" smtClean="0"/>
+              <a:t>2) </a:t>
+            </a:r>
+            <a:r>
+              <a:rPr lang="de-DE" dirty="0" err="1" smtClean="0"/>
+              <a:t>Step</a:t>
+            </a:r>
+            <a:r>
               <a:rPr lang="en-US" dirty="0" smtClean="0"/>
-              <a:t>3) Link </a:t>
+              <a:t>-by-Step: </a:t>
             </a:r>
             <a:r>
               <a:rPr lang="en-US" dirty="0"/>
-              <a:t>Collection : “Alter Stand”</a:t>
+              <a:t>Outlook </a:t>
             </a:r>
             <a:endParaRPr lang="de-DE" dirty="0"/>
           </a:p>
@@ -17680,6 +17998,261 @@
                 <a:defRPr/>
               </a:pPr>
               <a:t>21</a:t>
+            </a:fld>
+            <a:endParaRPr lang="de-DE" altLang="en-US" dirty="0"/>
+          </a:p>
+        </p:txBody>
+      </p:sp>
+    </p:spTree>
+    <p:extLst>
+      <p:ext uri="{BB962C8B-B14F-4D97-AF65-F5344CB8AC3E}">
+        <p14:creationId xmlns:p14="http://schemas.microsoft.com/office/powerpoint/2010/main" val="1943165318"/>
+      </p:ext>
+    </p:extLst>
+  </p:cSld>
+  <p:clrMapOvr>
+    <a:masterClrMapping/>
+  </p:clrMapOvr>
+  <p:timing>
+    <p:tnLst>
+      <p:par>
+        <p:cTn id="1" dur="indefinite" restart="never" nodeType="tmRoot"/>
+      </p:par>
+    </p:tnLst>
+  </p:timing>
+</p:sld>
+</file>
+
+<file path=ppt/slides/slide22.xml><?xml version="1.0" encoding="utf-8"?>
+<p:sld xmlns:a="http://schemas.openxmlformats.org/drawingml/2006/main" xmlns:r="http://schemas.openxmlformats.org/officeDocument/2006/relationships" xmlns:p="http://schemas.openxmlformats.org/presentationml/2006/main">
+  <p:cSld>
+    <p:spTree>
+      <p:nvGrpSpPr>
+        <p:cNvPr id="1" name=""/>
+        <p:cNvGrpSpPr/>
+        <p:nvPr/>
+      </p:nvGrpSpPr>
+      <p:grpSpPr>
+        <a:xfrm>
+          <a:off x="0" y="0"/>
+          <a:ext cx="0" cy="0"/>
+          <a:chOff x="0" y="0"/>
+          <a:chExt cx="0" cy="0"/>
+        </a:xfrm>
+      </p:grpSpPr>
+      <p:sp>
+        <p:nvSpPr>
+          <p:cNvPr id="2" name="Textplatzhalter 1"/>
+          <p:cNvSpPr>
+            <a:spLocks noGrp="1"/>
+          </p:cNvSpPr>
+          <p:nvPr>
+            <p:ph type="body" sz="quarter" idx="17"/>
+          </p:nvPr>
+        </p:nvSpPr>
+        <p:spPr/>
+        <p:txBody>
+          <a:bodyPr/>
+          <a:lstStyle/>
+          <a:p>
+            <a:r>
+              <a:rPr lang="en-US" dirty="0" smtClean="0"/>
+              <a:t>WTX120 </a:t>
+            </a:r>
+            <a:r>
+              <a:rPr lang="en-US" dirty="0"/>
+              <a:t>Website: </a:t>
+            </a:r>
+            <a:endParaRPr lang="en-US" dirty="0" smtClean="0"/>
+          </a:p>
+          <a:p>
+            <a:pPr marL="357188" indent="0">
+              <a:buNone/>
+            </a:pPr>
+            <a:r>
+              <a:rPr lang="de-DE" dirty="0" smtClean="0">
+                <a:hlinkClick r:id="rId2"/>
+              </a:rPr>
+              <a:t>https</a:t>
+            </a:r>
+            <a:r>
+              <a:rPr lang="de-DE" dirty="0">
+                <a:hlinkClick r:id="rId2"/>
+              </a:rPr>
+              <a:t>://www.hbm.com/en/6304/wtx120-industrial-and-legal-for-trade-weighing-terminal</a:t>
+            </a:r>
+            <a:r>
+              <a:rPr lang="de-DE" dirty="0" smtClean="0">
+                <a:hlinkClick r:id="rId2"/>
+              </a:rPr>
+              <a:t>/</a:t>
+            </a:r>
+            <a:endParaRPr lang="de-DE" dirty="0"/>
+          </a:p>
+          <a:p>
+            <a:pPr marL="0" indent="357188"/>
+            <a:r>
+              <a:rPr lang="de-DE" dirty="0" smtClean="0"/>
+              <a:t>WTX120 Manual:</a:t>
+            </a:r>
+          </a:p>
+          <a:p>
+            <a:pPr marL="357188" indent="0">
+              <a:buNone/>
+            </a:pPr>
+            <a:r>
+              <a:rPr lang="de-DE" dirty="0">
+                <a:hlinkClick r:id="rId3"/>
+              </a:rPr>
+              <a:t>https://</a:t>
+            </a:r>
+            <a:r>
+              <a:rPr lang="de-DE" dirty="0" smtClean="0">
+                <a:hlinkClick r:id="rId3"/>
+              </a:rPr>
+              <a:t>www.hbm.com/fileadmin/mediapool/hbmdoc/technical/a4500.pdf</a:t>
+            </a:r>
+            <a:r>
+              <a:rPr lang="de-DE" dirty="0" smtClean="0"/>
+              <a:t> </a:t>
+            </a:r>
+          </a:p>
+          <a:p>
+            <a:r>
+              <a:rPr lang="en-US" dirty="0" err="1" smtClean="0"/>
+              <a:t>ModbusTCP</a:t>
+            </a:r>
+            <a:r>
+              <a:rPr lang="en-US" dirty="0" smtClean="0"/>
+              <a:t> API on </a:t>
+            </a:r>
+            <a:r>
+              <a:rPr lang="en-US" dirty="0" err="1" smtClean="0"/>
+              <a:t>Github</a:t>
+            </a:r>
+            <a:r>
+              <a:rPr lang="en-US" dirty="0" smtClean="0"/>
+              <a:t>: </a:t>
+            </a:r>
+            <a:r>
+              <a:rPr lang="en-US" i="1" dirty="0" smtClean="0"/>
+              <a:t>(unofficial, later …/HBM)</a:t>
+            </a:r>
+            <a:endParaRPr lang="de-DE" dirty="0" smtClean="0"/>
+          </a:p>
+          <a:p>
+            <a:pPr marL="0" indent="357188">
+              <a:buNone/>
+            </a:pPr>
+            <a:r>
+              <a:rPr lang="de-DE" dirty="0" smtClean="0">
+                <a:hlinkClick r:id="rId4"/>
+              </a:rPr>
+              <a:t>https</a:t>
+            </a:r>
+            <a:r>
+              <a:rPr lang="de-DE" dirty="0">
+                <a:hlinkClick r:id="rId4"/>
+              </a:rPr>
+              <a:t>://</a:t>
+            </a:r>
+            <a:r>
+              <a:rPr lang="de-DE" dirty="0" smtClean="0">
+                <a:hlinkClick r:id="rId4"/>
+              </a:rPr>
+              <a:t>github.com/leistner/ModbusTCP_WTX</a:t>
+            </a:r>
+            <a:endParaRPr lang="de-DE" dirty="0" smtClean="0"/>
+          </a:p>
+          <a:p>
+            <a:r>
+              <a:rPr lang="en-US" dirty="0" smtClean="0"/>
+              <a:t>Microsoft Visual Studio:</a:t>
+            </a:r>
+            <a:endParaRPr lang="de-DE" dirty="0" smtClean="0">
+              <a:hlinkClick r:id="rId5"/>
+            </a:endParaRPr>
+          </a:p>
+          <a:p>
+            <a:pPr marL="0" indent="357188">
+              <a:buNone/>
+            </a:pPr>
+            <a:r>
+              <a:rPr lang="de-DE" dirty="0">
+                <a:hlinkClick r:id="rId6"/>
+              </a:rPr>
+              <a:t>https://</a:t>
+            </a:r>
+            <a:r>
+              <a:rPr lang="de-DE" dirty="0" smtClean="0">
+                <a:hlinkClick r:id="rId6"/>
+              </a:rPr>
+              <a:t>www.visualstudio.com/vs/</a:t>
+            </a:r>
+            <a:endParaRPr lang="de-DE" dirty="0" smtClean="0"/>
+          </a:p>
+          <a:p>
+            <a:pPr marL="0" indent="357188">
+              <a:buNone/>
+            </a:pPr>
+            <a:endParaRPr lang="de-DE" dirty="0" smtClean="0"/>
+          </a:p>
+          <a:p>
+            <a:endParaRPr lang="de-DE" dirty="0"/>
+          </a:p>
+        </p:txBody>
+      </p:sp>
+      <p:sp>
+        <p:nvSpPr>
+          <p:cNvPr id="3" name="Titel 2"/>
+          <p:cNvSpPr>
+            <a:spLocks noGrp="1"/>
+          </p:cNvSpPr>
+          <p:nvPr>
+            <p:ph type="title"/>
+          </p:nvPr>
+        </p:nvSpPr>
+        <p:spPr/>
+        <p:txBody>
+          <a:bodyPr/>
+          <a:lstStyle/>
+          <a:p>
+            <a:r>
+              <a:rPr lang="en-US" dirty="0" smtClean="0"/>
+              <a:t>3) Link </a:t>
+            </a:r>
+            <a:r>
+              <a:rPr lang="en-US" dirty="0"/>
+              <a:t>Collection : “Alter Stand”</a:t>
+            </a:r>
+            <a:endParaRPr lang="de-DE" dirty="0"/>
+          </a:p>
+        </p:txBody>
+      </p:sp>
+      <p:sp>
+        <p:nvSpPr>
+          <p:cNvPr id="4" name="Foliennummernplatzhalter 3"/>
+          <p:cNvSpPr>
+            <a:spLocks noGrp="1"/>
+          </p:cNvSpPr>
+          <p:nvPr>
+            <p:ph type="sldNum" sz="quarter" idx="20"/>
+          </p:nvPr>
+        </p:nvSpPr>
+        <p:spPr/>
+        <p:txBody>
+          <a:bodyPr/>
+          <a:lstStyle/>
+          <a:p>
+            <a:pPr>
+              <a:defRPr/>
+            </a:pPr>
+            <a:fld id="{3C51BDBD-9BFD-4203-86B0-2FBA6AD25841}" type="slidenum">
+              <a:rPr lang="de-DE" altLang="en-US" smtClean="0"/>
+              <a:pPr>
+                <a:defRPr/>
+              </a:pPr>
+              <a:t>22</a:t>
             </a:fld>
             <a:endParaRPr lang="de-DE" altLang="en-US" dirty="0"/>
           </a:p>
@@ -17705,7 +18278,7 @@
 </p:sld>
 </file>
 
-<file path=ppt/slides/slide22.xml><?xml version="1.0" encoding="utf-8"?>
+<file path=ppt/slides/slide23.xml><?xml version="1.0" encoding="utf-8"?>
 <p:sld xmlns:a="http://schemas.openxmlformats.org/drawingml/2006/main" xmlns:r="http://schemas.openxmlformats.org/officeDocument/2006/relationships" xmlns:p="http://schemas.openxmlformats.org/presentationml/2006/main">
   <p:cSld>
     <p:spTree>
@@ -19775,60 +20348,6 @@
           <a:chExt cx="0" cy="0"/>
         </a:xfrm>
       </p:grpSpPr>
-      <p:pic>
-        <p:nvPicPr>
-          <p:cNvPr id="1027" name="Picture 3"/>
-          <p:cNvPicPr>
-            <a:picLocks noChangeAspect="1" noChangeArrowheads="1"/>
-          </p:cNvPicPr>
-          <p:nvPr/>
-        </p:nvPicPr>
-        <p:blipFill>
-          <a:blip r:embed="rId2">
-            <a:extLst>
-              <a:ext uri="{28A0092B-C50C-407E-A947-70E740481C1C}">
-                <a14:useLocalDpi xmlns:a14="http://schemas.microsoft.com/office/drawing/2010/main" val="0"/>
-              </a:ext>
-            </a:extLst>
-          </a:blip>
-          <a:srcRect/>
-          <a:stretch>
-            <a:fillRect/>
-          </a:stretch>
-        </p:blipFill>
-        <p:spPr bwMode="auto">
-          <a:xfrm>
-            <a:off x="5364088" y="2662301"/>
-            <a:ext cx="2784559" cy="2840571"/>
-          </a:xfrm>
-          <a:prstGeom prst="rect">
-            <a:avLst/>
-          </a:prstGeom>
-          <a:noFill/>
-          <a:ln>
-            <a:noFill/>
-          </a:ln>
-          <a:extLst>
-            <a:ext uri="{909E8E84-426E-40DD-AFC4-6F175D3DCCD1}">
-              <a14:hiddenFill xmlns:a14="http://schemas.microsoft.com/office/drawing/2010/main">
-                <a:solidFill>
-                  <a:schemeClr val="accent1"/>
-                </a:solidFill>
-              </a14:hiddenFill>
-            </a:ext>
-            <a:ext uri="{91240B29-F687-4F45-9708-019B960494DF}">
-              <a14:hiddenLine xmlns:a14="http://schemas.microsoft.com/office/drawing/2010/main" w="9525">
-                <a:solidFill>
-                  <a:schemeClr val="tx1"/>
-                </a:solidFill>
-                <a:miter lim="800000"/>
-                <a:headEnd/>
-                <a:tailEnd/>
-              </a14:hiddenLine>
-            </a:ext>
-          </a:extLst>
-        </p:spPr>
-      </p:pic>
       <p:sp>
         <p:nvSpPr>
           <p:cNvPr id="2" name="Textplatzhalter 1"/>
@@ -19841,8 +20360,8 @@
         </p:nvSpPr>
         <p:spPr>
           <a:xfrm>
-            <a:off x="611014" y="765447"/>
-            <a:ext cx="8065442" cy="5543873"/>
+            <a:off x="497335" y="765447"/>
+            <a:ext cx="8467153" cy="5543873"/>
           </a:xfrm>
         </p:spPr>
         <p:txBody>
@@ -19888,52 +20407,9 @@
             </a:r>
             <a:r>
               <a:rPr lang="en-US" sz="1400" i="1" dirty="0" smtClean="0"/>
-              <a:t>argument like in the slide before. </a:t>
-            </a:r>
-            <a:r>
-              <a:rPr lang="en-US" sz="1400" i="1" dirty="0" err="1" smtClean="0"/>
-              <a:t>Additonal</a:t>
-            </a:r>
-            <a:r>
-              <a:rPr lang="en-US" sz="1400" i="1" dirty="0" smtClean="0"/>
-              <a:t> you change the IP address before and during the execution of the application by the </a:t>
-            </a:r>
-            <a:r>
-              <a:rPr lang="en-US" sz="1400" i="1" dirty="0" err="1" smtClean="0"/>
-              <a:t>the</a:t>
-            </a:r>
-            <a:r>
-              <a:rPr lang="en-US" sz="1400" i="1" dirty="0" smtClean="0"/>
-              <a:t> following strip menu. </a:t>
-            </a:r>
-          </a:p>
-          <a:p>
-            <a:pPr marL="357188" indent="0">
-              <a:buNone/>
-            </a:pPr>
+              <a:t>argument like in the slide before. Afterwards the connection to the WTX device will be established as soon as the console application starts. </a:t>
+            </a:r>
             <a:endParaRPr lang="en-US" sz="1400" i="1" dirty="0"/>
-          </a:p>
-          <a:p>
-            <a:pPr marL="0" indent="0">
-              <a:buNone/>
-            </a:pPr>
-            <a:r>
-              <a:rPr lang="en-US" u="sng" dirty="0" err="1" smtClean="0"/>
-              <a:t>WXModbusGUI</a:t>
-            </a:r>
-            <a:r>
-              <a:rPr lang="en-US" u="sng" dirty="0" smtClean="0"/>
-              <a:t> :                                            </a:t>
-            </a:r>
-            <a:r>
-              <a:rPr lang="en-US" u="sng" dirty="0" err="1" smtClean="0"/>
-              <a:t>WTXModbusGUISimple</a:t>
-            </a:r>
-            <a:r>
-              <a:rPr lang="en-US" u="sng" dirty="0" smtClean="0"/>
-              <a:t>: </a:t>
-            </a:r>
-            <a:endParaRPr lang="en-US" u="sng" dirty="0"/>
           </a:p>
         </p:txBody>
       </p:sp>
@@ -19947,18 +20423,35 @@
             <p:ph type="title"/>
           </p:nvPr>
         </p:nvSpPr>
-        <p:spPr/>
+        <p:spPr>
+          <a:xfrm>
+            <a:off x="323528" y="260648"/>
+            <a:ext cx="8064896" cy="346050"/>
+          </a:xfrm>
+        </p:spPr>
         <p:txBody>
           <a:bodyPr/>
           <a:lstStyle/>
           <a:p>
             <a:r>
               <a:rPr lang="en-US" dirty="0" smtClean="0"/>
-              <a:t>2) Step-by-Step: Demo Example </a:t>
+              <a:t>2) </a:t>
+            </a:r>
+            <a:r>
+              <a:rPr lang="en-US" dirty="0" err="1" smtClean="0"/>
+              <a:t>Step-by-Step:Demo</a:t>
             </a:r>
             <a:r>
               <a:rPr lang="en-US" dirty="0" smtClean="0"/>
-              <a:t>Application – Start GUI</a:t>
+              <a:t> </a:t>
+            </a:r>
+            <a:r>
+              <a:rPr lang="en-US" dirty="0" smtClean="0"/>
+              <a:t>Example </a:t>
+            </a:r>
+            <a:r>
+              <a:rPr lang="en-US" dirty="0" smtClean="0"/>
+              <a:t>Application–Start console application </a:t>
             </a:r>
             <a:endParaRPr lang="en-US" dirty="0"/>
           </a:p>
@@ -19993,275 +20486,10 @@
           </a:p>
         </p:txBody>
       </p:sp>
-      <p:sp>
-        <p:nvSpPr>
-          <p:cNvPr id="6" name="Textfeld 5"/>
-          <p:cNvSpPr txBox="1"/>
-          <p:nvPr/>
-        </p:nvSpPr>
-        <p:spPr>
-          <a:xfrm>
-            <a:off x="616093" y="5879013"/>
-            <a:ext cx="7628315" cy="646331"/>
-          </a:xfrm>
-          <a:prstGeom prst="rect">
-            <a:avLst/>
-          </a:prstGeom>
-          <a:noFill/>
-        </p:spPr>
-        <p:txBody>
-          <a:bodyPr wrap="square" rtlCol="0">
-            <a:spAutoFit/>
-          </a:bodyPr>
-          <a:lstStyle/>
-          <a:p>
-            <a:pPr marL="285750" indent="-285750">
-              <a:buFont typeface="Arial" panose="020B0604020202020204" pitchFamily="34" charset="0"/>
-              <a:buChar char="•"/>
-            </a:pPr>
-            <a:r>
-              <a:rPr lang="en-US" dirty="0" smtClean="0">
-                <a:latin typeface="+mn-lt"/>
-              </a:rPr>
-              <a:t>If a failure occurs during build, probably you have not installed all required VS packages </a:t>
-            </a:r>
-            <a:endParaRPr lang="de-DE" dirty="0">
-              <a:latin typeface="+mn-lt"/>
-            </a:endParaRPr>
-          </a:p>
-        </p:txBody>
-      </p:sp>
-      <p:pic>
-        <p:nvPicPr>
-          <p:cNvPr id="1026" name="Picture 2"/>
-          <p:cNvPicPr>
-            <a:picLocks noChangeAspect="1" noChangeArrowheads="1"/>
-          </p:cNvPicPr>
-          <p:nvPr/>
-        </p:nvPicPr>
-        <p:blipFill>
-          <a:blip r:embed="rId3">
-            <a:extLst>
-              <a:ext uri="{28A0092B-C50C-407E-A947-70E740481C1C}">
-                <a14:useLocalDpi xmlns:a14="http://schemas.microsoft.com/office/drawing/2010/main" val="0"/>
-              </a:ext>
-            </a:extLst>
-          </a:blip>
-          <a:srcRect/>
-          <a:stretch>
-            <a:fillRect/>
-          </a:stretch>
-        </p:blipFill>
-        <p:spPr bwMode="auto">
-          <a:xfrm>
-            <a:off x="497335" y="2378199"/>
-            <a:ext cx="4407999" cy="3408777"/>
-          </a:xfrm>
-          <a:prstGeom prst="rect">
-            <a:avLst/>
-          </a:prstGeom>
-          <a:noFill/>
-          <a:ln>
-            <a:noFill/>
-          </a:ln>
-          <a:extLst>
-            <a:ext uri="{909E8E84-426E-40DD-AFC4-6F175D3DCCD1}">
-              <a14:hiddenFill xmlns:a14="http://schemas.microsoft.com/office/drawing/2010/main">
-                <a:solidFill>
-                  <a:schemeClr val="accent1"/>
-                </a:solidFill>
-              </a14:hiddenFill>
-            </a:ext>
-            <a:ext uri="{91240B29-F687-4F45-9708-019B960494DF}">
-              <a14:hiddenLine xmlns:a14="http://schemas.microsoft.com/office/drawing/2010/main" w="9525">
-                <a:solidFill>
-                  <a:schemeClr val="tx1"/>
-                </a:solidFill>
-                <a:miter lim="800000"/>
-                <a:headEnd/>
-                <a:tailEnd/>
-              </a14:hiddenLine>
-            </a:ext>
-          </a:extLst>
-        </p:spPr>
-      </p:pic>
-      <p:sp>
-        <p:nvSpPr>
-          <p:cNvPr id="12" name="Ellipse 11"/>
-          <p:cNvSpPr/>
-          <p:nvPr/>
-        </p:nvSpPr>
-        <p:spPr>
-          <a:xfrm>
-            <a:off x="5364088" y="2996952"/>
-            <a:ext cx="1728192" cy="720080"/>
-          </a:xfrm>
-          <a:prstGeom prst="ellipse">
-            <a:avLst/>
-          </a:prstGeom>
-          <a:noFill/>
-          <a:ln>
-            <a:solidFill>
-              <a:srgbClr val="FE8806"/>
-            </a:solidFill>
-          </a:ln>
-        </p:spPr>
-        <p:style>
-          <a:lnRef idx="2">
-            <a:schemeClr val="accent1">
-              <a:shade val="50000"/>
-            </a:schemeClr>
-          </a:lnRef>
-          <a:fillRef idx="1">
-            <a:schemeClr val="accent1"/>
-          </a:fillRef>
-          <a:effectRef idx="0">
-            <a:schemeClr val="accent1"/>
-          </a:effectRef>
-          <a:fontRef idx="minor">
-            <a:schemeClr val="lt1"/>
-          </a:fontRef>
-        </p:style>
-        <p:txBody>
-          <a:bodyPr rtlCol="0" anchor="ctr"/>
-          <a:lstStyle/>
-          <a:p>
-            <a:pPr algn="ctr"/>
-            <a:endParaRPr lang="de-DE"/>
-          </a:p>
-        </p:txBody>
-      </p:sp>
-      <p:sp>
-        <p:nvSpPr>
-          <p:cNvPr id="13" name="Ellipse 12"/>
-          <p:cNvSpPr/>
-          <p:nvPr/>
-        </p:nvSpPr>
-        <p:spPr>
-          <a:xfrm>
-            <a:off x="497335" y="2348880"/>
-            <a:ext cx="1122337" cy="648072"/>
-          </a:xfrm>
-          <a:prstGeom prst="ellipse">
-            <a:avLst/>
-          </a:prstGeom>
-          <a:noFill/>
-          <a:ln>
-            <a:solidFill>
-              <a:srgbClr val="00B050"/>
-            </a:solidFill>
-          </a:ln>
-        </p:spPr>
-        <p:style>
-          <a:lnRef idx="2">
-            <a:schemeClr val="accent1">
-              <a:shade val="50000"/>
-            </a:schemeClr>
-          </a:lnRef>
-          <a:fillRef idx="1">
-            <a:schemeClr val="accent1"/>
-          </a:fillRef>
-          <a:effectRef idx="0">
-            <a:schemeClr val="accent1"/>
-          </a:effectRef>
-          <a:fontRef idx="minor">
-            <a:schemeClr val="lt1"/>
-          </a:fontRef>
-        </p:style>
-        <p:txBody>
-          <a:bodyPr rtlCol="0" anchor="ctr"/>
-          <a:lstStyle/>
-          <a:p>
-            <a:pPr algn="ctr"/>
-            <a:endParaRPr lang="de-DE"/>
-          </a:p>
-        </p:txBody>
-      </p:sp>
-      <p:cxnSp>
-        <p:nvCxnSpPr>
-          <p:cNvPr id="15" name="Gerade Verbindung 14"/>
-          <p:cNvCxnSpPr/>
-          <p:nvPr/>
-        </p:nvCxnSpPr>
-        <p:spPr>
-          <a:xfrm>
-            <a:off x="4932040" y="1916832"/>
-            <a:ext cx="72008" cy="3962181"/>
-          </a:xfrm>
-          <a:prstGeom prst="line">
-            <a:avLst/>
-          </a:prstGeom>
-          <a:ln w="19050">
-            <a:solidFill>
-              <a:srgbClr val="000714"/>
-            </a:solidFill>
-          </a:ln>
-        </p:spPr>
-        <p:style>
-          <a:lnRef idx="1">
-            <a:schemeClr val="accent1"/>
-          </a:lnRef>
-          <a:fillRef idx="0">
-            <a:schemeClr val="accent1"/>
-          </a:fillRef>
-          <a:effectRef idx="0">
-            <a:schemeClr val="accent1"/>
-          </a:effectRef>
-          <a:fontRef idx="minor">
-            <a:schemeClr val="tx1"/>
-          </a:fontRef>
-        </p:style>
-      </p:cxnSp>
-      <p:sp>
-        <p:nvSpPr>
-          <p:cNvPr id="19" name="Ellipse 18"/>
-          <p:cNvSpPr/>
-          <p:nvPr/>
-        </p:nvSpPr>
-        <p:spPr>
-          <a:xfrm>
-            <a:off x="1772072" y="2501280"/>
-            <a:ext cx="1656184" cy="886916"/>
-          </a:xfrm>
-          <a:prstGeom prst="ellipse">
-            <a:avLst/>
-          </a:prstGeom>
-          <a:noFill/>
-          <a:ln>
-            <a:solidFill>
-              <a:srgbClr val="FE8806"/>
-            </a:solidFill>
-          </a:ln>
-        </p:spPr>
-        <p:style>
-          <a:lnRef idx="2">
-            <a:schemeClr val="accent1">
-              <a:shade val="50000"/>
-            </a:schemeClr>
-          </a:lnRef>
-          <a:fillRef idx="1">
-            <a:schemeClr val="accent1"/>
-          </a:fillRef>
-          <a:effectRef idx="0">
-            <a:schemeClr val="accent1"/>
-          </a:effectRef>
-          <a:fontRef idx="minor">
-            <a:schemeClr val="lt1"/>
-          </a:fontRef>
-        </p:style>
-        <p:txBody>
-          <a:bodyPr rtlCol="0" anchor="ctr"/>
-          <a:lstStyle/>
-          <a:p>
-            <a:pPr algn="ctr"/>
-            <a:endParaRPr lang="de-DE"/>
-          </a:p>
-        </p:txBody>
-      </p:sp>
     </p:spTree>
     <p:extLst>
       <p:ext uri="{BB962C8B-B14F-4D97-AF65-F5344CB8AC3E}">
-        <p14:creationId xmlns:p14="http://schemas.microsoft.com/office/powerpoint/2010/main" val="2859139656"/>
+        <p14:creationId xmlns:p14="http://schemas.microsoft.com/office/powerpoint/2010/main" val="2199942162"/>
       </p:ext>
     </p:extLst>
   </p:cSld>

--- a/Doc/HowTo-WTXModbus.pptx
+++ b/Doc/HowTo-WTXModbus.pptx
@@ -4565,23 +4565,15 @@
             </a:pPr>
             <a:r>
               <a:rPr lang="en-US" sz="1400" dirty="0" smtClean="0"/>
-              <a:t>- </a:t>
+              <a:t>- Start by clicking the strip menu button ‘File’ -&gt; ‘Start’.</a:t>
+            </a:r>
+            <a:r>
+              <a:rPr lang="en-US" sz="1400" dirty="0"/>
+              <a:t> </a:t>
             </a:r>
             <a:r>
               <a:rPr lang="en-US" sz="1400" dirty="0" smtClean="0"/>
-              <a:t>Start by clicking the strip menu button ‘File’ -&gt; ‘Start’.</a:t>
-            </a:r>
-            <a:r>
-              <a:rPr lang="en-US" sz="1400" dirty="0"/>
-              <a:t> </a:t>
-            </a:r>
-            <a:r>
-              <a:rPr lang="en-US" sz="1400" dirty="0" smtClean="0"/>
-              <a:t>      - </a:t>
-            </a:r>
-            <a:r>
-              <a:rPr lang="en-US" sz="1400" dirty="0" smtClean="0"/>
-              <a:t>Start by clicking the button ‘Connect’.	</a:t>
+              <a:t>      - Start by clicking the button ‘Connect’.	</a:t>
             </a:r>
           </a:p>
         </p:txBody>
@@ -4603,11 +4595,7 @@
           <a:p>
             <a:r>
               <a:rPr lang="en-US" dirty="0" smtClean="0"/>
-              <a:t>2) Step-by-Step: Demo Example </a:t>
-            </a:r>
-            <a:r>
-              <a:rPr lang="en-US" dirty="0" smtClean="0"/>
-              <a:t>Application – Start GUI</a:t>
+              <a:t>2) Step-by-Step: Demo Example Application – Start GUI</a:t>
             </a:r>
             <a:endParaRPr lang="en-US" dirty="0"/>
           </a:p>
@@ -19545,69 +19533,25 @@
           <a:p>
             <a:r>
               <a:rPr lang="en-US" dirty="0" smtClean="0"/>
-              <a:t>Or connect directly to your PC, the IP-address in WTX </a:t>
-            </a:r>
+              <a:t>Or connect directly to your PC, the IP-address in WTX                        must be the same, where the subnet-mask is 255,                                     and different, where it is 0.</a:t>
+            </a:r>
+          </a:p>
+          <a:p>
+            <a:endParaRPr lang="en-US" dirty="0" smtClean="0"/>
+          </a:p>
+          <a:p>
             <a:r>
               <a:rPr lang="en-US" dirty="0" smtClean="0"/>
-              <a:t>                       must be </a:t>
-            </a:r>
+              <a:t>Open WTXModbus.sln in the main folder of the Modbus                    download</a:t>
+            </a:r>
+          </a:p>
+          <a:p>
+            <a:endParaRPr lang="en-US" dirty="0" smtClean="0"/>
+          </a:p>
+          <a:p>
             <a:r>
               <a:rPr lang="en-US" dirty="0" smtClean="0"/>
-              <a:t>the same, where the subnet-mask is 255, </a:t>
-            </a:r>
-            <a:r>
-              <a:rPr lang="en-US" dirty="0" smtClean="0"/>
-              <a:t>                                    and </a:t>
-            </a:r>
-            <a:r>
-              <a:rPr lang="en-US" dirty="0" smtClean="0"/>
-              <a:t>different, </a:t>
-            </a:r>
-            <a:r>
-              <a:rPr lang="en-US" dirty="0" smtClean="0"/>
-              <a:t>where </a:t>
-            </a:r>
-            <a:r>
-              <a:rPr lang="en-US" dirty="0" smtClean="0"/>
-              <a:t>it is </a:t>
-            </a:r>
-            <a:r>
-              <a:rPr lang="en-US" dirty="0" smtClean="0"/>
-              <a:t>0.</a:t>
-            </a:r>
-          </a:p>
-          <a:p>
-            <a:endParaRPr lang="en-US" dirty="0" smtClean="0"/>
-          </a:p>
-          <a:p>
-            <a:r>
-              <a:rPr lang="en-US" dirty="0" smtClean="0"/>
-              <a:t>Open WTXModbus.sln in the main folder of the Modbus </a:t>
-            </a:r>
-            <a:r>
-              <a:rPr lang="en-US" dirty="0" smtClean="0"/>
-              <a:t>                   download</a:t>
-            </a:r>
-          </a:p>
-          <a:p>
-            <a:endParaRPr lang="en-US" dirty="0" smtClean="0"/>
-          </a:p>
-          <a:p>
-            <a:r>
-              <a:rPr lang="en-US" dirty="0" smtClean="0"/>
-              <a:t>Project overview: </a:t>
-            </a:r>
-            <a:r>
-              <a:rPr lang="en-US" dirty="0" smtClean="0"/>
-              <a:t>3 </a:t>
-            </a:r>
-            <a:r>
-              <a:rPr lang="en-US" dirty="0" smtClean="0"/>
-              <a:t>example applications, </a:t>
-            </a:r>
-            <a:r>
-              <a:rPr lang="en-US" dirty="0" smtClean="0"/>
-              <a:t>a command </a:t>
+              <a:t>Project overview: 3 example applications, a command </a:t>
             </a:r>
           </a:p>
           <a:p>
@@ -19616,11 +19560,7 @@
             </a:pPr>
             <a:r>
               <a:rPr lang="en-US" dirty="0" smtClean="0"/>
-              <a:t>line application (</a:t>
-            </a:r>
-            <a:r>
-              <a:rPr lang="en-US" dirty="0" smtClean="0"/>
-              <a:t>CL), 2 graphic applications (a simple</a:t>
+              <a:t>line application (CL), 2 graphic applications (a simple</a:t>
             </a:r>
           </a:p>
           <a:p>
@@ -19629,15 +19569,7 @@
             </a:pPr>
             <a:r>
               <a:rPr lang="en-US" dirty="0" smtClean="0"/>
-              <a:t>And an extended version) </a:t>
-            </a:r>
-            <a:r>
-              <a:rPr lang="en-US" dirty="0" smtClean="0"/>
-              <a:t>and </a:t>
-            </a:r>
-            <a:r>
-              <a:rPr lang="en-US" dirty="0" smtClean="0"/>
-              <a:t>the API </a:t>
+              <a:t>And an extended version) and the API </a:t>
             </a:r>
             <a:r>
               <a:rPr lang="en-US" dirty="0" err="1" smtClean="0"/>
@@ -19705,11 +19637,7 @@
             </a:r>
             <a:r>
               <a:rPr lang="en-US" sz="1800" dirty="0" smtClean="0"/>
-              <a:t>ackages </a:t>
-            </a:r>
-            <a:r>
-              <a:rPr lang="en-US" sz="1800" dirty="0" smtClean="0"/>
-              <a:t>one-time</a:t>
+              <a:t>ackages one-time</a:t>
             </a:r>
           </a:p>
           <a:p>
@@ -20409,7 +20337,53 @@
               <a:rPr lang="en-US" sz="1400" i="1" dirty="0" smtClean="0"/>
               <a:t>argument like in the slide before. Afterwards the connection to the WTX device will be established as soon as the console application starts. </a:t>
             </a:r>
+            <a:endParaRPr lang="en-US" sz="1400" i="1" dirty="0" smtClean="0"/>
+          </a:p>
+          <a:p>
+            <a:pPr marL="357188" indent="0">
+              <a:buNone/>
+            </a:pPr>
             <a:endParaRPr lang="en-US" sz="1400" i="1" dirty="0"/>
+          </a:p>
+          <a:p>
+            <a:pPr marL="357188" indent="0">
+              <a:buNone/>
+            </a:pPr>
+            <a:endParaRPr lang="en-US" sz="1400" i="1" dirty="0" smtClean="0"/>
+          </a:p>
+          <a:p>
+            <a:pPr marL="357188" indent="0">
+              <a:buNone/>
+            </a:pPr>
+            <a:r>
+              <a:rPr lang="en-US" sz="4000" i="1" dirty="0" smtClean="0">
+                <a:solidFill>
+                  <a:srgbClr val="FF0000"/>
+                </a:solidFill>
+              </a:rPr>
+              <a:t>WIRD HEUTE AM 24.5.2018 </a:t>
+            </a:r>
+            <a:r>
+              <a:rPr lang="en-US" sz="4000" i="1" dirty="0" err="1" smtClean="0">
+                <a:solidFill>
+                  <a:srgbClr val="FF0000"/>
+                </a:solidFill>
+              </a:rPr>
+              <a:t>fertiggestellt</a:t>
+            </a:r>
+            <a:r>
+              <a:rPr lang="en-US" sz="4000" i="1" dirty="0" smtClean="0">
+                <a:solidFill>
+                  <a:srgbClr val="FF0000"/>
+                </a:solidFill>
+              </a:rPr>
+              <a:t>.</a:t>
+            </a:r>
+            <a:endParaRPr lang="en-US" sz="4000" i="1" dirty="0">
+              <a:solidFill>
+                <a:srgbClr val="FF0000"/>
+              </a:solidFill>
+            </a:endParaRPr>
           </a:p>
         </p:txBody>
       </p:sp>
@@ -20443,15 +20417,7 @@
             </a:r>
             <a:r>
               <a:rPr lang="en-US" dirty="0" smtClean="0"/>
-              <a:t> </a:t>
-            </a:r>
-            <a:r>
-              <a:rPr lang="en-US" dirty="0" smtClean="0"/>
-              <a:t>Example </a:t>
-            </a:r>
-            <a:r>
-              <a:rPr lang="en-US" dirty="0" smtClean="0"/>
-              <a:t>Application–Start console application </a:t>
+              <a:t> Example Application–Start console application </a:t>
             </a:r>
             <a:endParaRPr lang="en-US" dirty="0"/>
           </a:p>

--- a/Doc/HowTo-WTXModbus.pptx
+++ b/Doc/HowTo-WTXModbus.pptx
@@ -20337,7 +20337,6 @@
               <a:rPr lang="en-US" sz="1400" i="1" dirty="0" smtClean="0"/>
               <a:t>argument like in the slide before. Afterwards the connection to the WTX device will be established as soon as the console application starts. </a:t>
             </a:r>
-            <a:endParaRPr lang="en-US" sz="1400" i="1" dirty="0" smtClean="0"/>
           </a:p>
           <a:p>
             <a:pPr marL="357188" indent="0">
@@ -20350,40 +20349,6 @@
               <a:buNone/>
             </a:pPr>
             <a:endParaRPr lang="en-US" sz="1400" i="1" dirty="0" smtClean="0"/>
-          </a:p>
-          <a:p>
-            <a:pPr marL="357188" indent="0">
-              <a:buNone/>
-            </a:pPr>
-            <a:r>
-              <a:rPr lang="en-US" sz="4000" i="1" dirty="0" smtClean="0">
-                <a:solidFill>
-                  <a:srgbClr val="FF0000"/>
-                </a:solidFill>
-              </a:rPr>
-              <a:t>WIRD HEUTE AM 24.5.2018 </a:t>
-            </a:r>
-            <a:r>
-              <a:rPr lang="en-US" sz="4000" i="1" dirty="0" err="1" smtClean="0">
-                <a:solidFill>
-                  <a:srgbClr val="FF0000"/>
-                </a:solidFill>
-              </a:rPr>
-              <a:t>fertiggestellt</a:t>
-            </a:r>
-            <a:r>
-              <a:rPr lang="en-US" sz="4000" i="1" dirty="0" smtClean="0">
-                <a:solidFill>
-                  <a:srgbClr val="FF0000"/>
-                </a:solidFill>
-              </a:rPr>
-              <a:t>.</a:t>
-            </a:r>
-            <a:endParaRPr lang="en-US" sz="4000" i="1" dirty="0">
-              <a:solidFill>
-                <a:srgbClr val="FF0000"/>
-              </a:solidFill>
-            </a:endParaRPr>
           </a:p>
         </p:txBody>
       </p:sp>

--- a/Doc/HowTo-WTXModbus.pptx
+++ b/Doc/HowTo-WTXModbus.pptx
@@ -253,7 +253,7 @@
           <a:p>
             <a:fld id="{6753907E-F3CE-4E8A-8F4A-8FE8BFAF45B9}" type="datetimeFigureOut">
               <a:rPr lang="de-DE" smtClean="0"/>
-              <a:t>24.05.2018</a:t>
+              <a:t>30.05.2018</a:t>
             </a:fld>
             <a:endParaRPr lang="de-DE"/>
           </a:p>
@@ -448,7 +448,7 @@
               <a:pPr>
                 <a:defRPr/>
               </a:pPr>
-              <a:t>24/05/2018</a:t>
+              <a:t>30/05/2018</a:t>
             </a:fld>
             <a:endParaRPr lang="en-GB"/>
           </a:p>
@@ -17432,7 +17432,15 @@
           <a:p>
             <a:r>
               <a:rPr lang="en-US" dirty="0" smtClean="0"/>
-              <a:t>All implementations work with same classes WTX120Modbus, </a:t>
+              <a:t>All implementations work with same </a:t>
+            </a:r>
+            <a:r>
+              <a:rPr lang="en-US" dirty="0" smtClean="0"/>
+              <a:t>the classes </a:t>
+            </a:r>
+            <a:r>
+              <a:rPr lang="en-US" dirty="0" smtClean="0"/>
+              <a:t>WTX120Modbus, </a:t>
             </a:r>
             <a:r>
               <a:rPr lang="en-US" dirty="0" err="1" smtClean="0"/>
@@ -17845,6 +17853,14 @@
             </a:r>
             <a:r>
               <a:rPr lang="de-DE" dirty="0" err="1" smtClean="0"/>
+              <a:t>together</a:t>
+            </a:r>
+            <a:r>
+              <a:rPr lang="de-DE" dirty="0" smtClean="0"/>
+              <a:t> </a:t>
+            </a:r>
+            <a:r>
+              <a:rPr lang="de-DE" dirty="0" err="1" smtClean="0"/>
               <a:t>is</a:t>
             </a:r>
             <a:r>
@@ -17901,27 +17917,11 @@
             </a:r>
             <a:r>
               <a:rPr lang="de-DE" dirty="0" err="1" smtClean="0"/>
-              <a:t>to</a:t>
+              <a:t>redundance</a:t>
             </a:r>
             <a:r>
               <a:rPr lang="de-DE" dirty="0" smtClean="0"/>
-              <a:t> </a:t>
-            </a:r>
-            <a:r>
-              <a:rPr lang="de-DE" dirty="0" err="1" smtClean="0"/>
-              <a:t>get</a:t>
-            </a:r>
-            <a:r>
-              <a:rPr lang="de-DE" dirty="0" smtClean="0"/>
-              <a:t> a redundant </a:t>
-            </a:r>
-            <a:r>
-              <a:rPr lang="de-DE" dirty="0" err="1" smtClean="0"/>
-              <a:t>system</a:t>
-            </a:r>
-            <a:r>
-              <a:rPr lang="de-DE" dirty="0" smtClean="0"/>
-              <a:t>. </a:t>
+              <a:t>.</a:t>
             </a:r>
             <a:endParaRPr lang="en-US" dirty="0" smtClean="0"/>
           </a:p>
@@ -18211,7 +18211,11 @@
             </a:r>
             <a:r>
               <a:rPr lang="en-US" dirty="0"/>
-              <a:t>Collection : “Alter Stand”</a:t>
+              <a:t>Collection </a:t>
+            </a:r>
+            <a:r>
+              <a:rPr lang="en-US" dirty="0" smtClean="0"/>
+              <a:t>:</a:t>
             </a:r>
             <a:endParaRPr lang="de-DE" dirty="0"/>
           </a:p>

--- a/Doc/HowTo-WTXModbus.pptx
+++ b/Doc/HowTo-WTXModbus.pptx
@@ -253,7 +253,7 @@
           <a:p>
             <a:fld id="{6753907E-F3CE-4E8A-8F4A-8FE8BFAF45B9}" type="datetimeFigureOut">
               <a:rPr lang="de-DE" smtClean="0"/>
-              <a:t>30.05.2018</a:t>
+              <a:t>04.06.2018</a:t>
             </a:fld>
             <a:endParaRPr lang="de-DE"/>
           </a:p>
@@ -448,7 +448,7 @@
               <a:pPr>
                 <a:defRPr/>
               </a:pPr>
-              <a:t>30/05/2018</a:t>
+              <a:t>04/06/2018</a:t>
             </a:fld>
             <a:endParaRPr lang="en-GB"/>
           </a:p>
@@ -9287,7 +9287,7 @@
                 <a:latin typeface="Consolas" panose="020B0609020204030204" pitchFamily="49" charset="0"/>
                 <a:cs typeface="Consolas" panose="020B0609020204030204" pitchFamily="49" charset="0"/>
               </a:rPr>
-              <a:t>WTX120Modbus </a:t>
+              <a:t>WTX120Modbus(</a:t>
             </a:r>
             <a:r>
               <a:rPr lang="en-US" sz="1200" dirty="0" err="1" smtClean="0">
@@ -17432,15 +17432,7 @@
           <a:p>
             <a:r>
               <a:rPr lang="en-US" dirty="0" smtClean="0"/>
-              <a:t>All implementations work with same </a:t>
-            </a:r>
-            <a:r>
-              <a:rPr lang="en-US" dirty="0" smtClean="0"/>
-              <a:t>the classes </a:t>
-            </a:r>
-            <a:r>
-              <a:rPr lang="en-US" dirty="0" smtClean="0"/>
-              <a:t>WTX120Modbus, </a:t>
+              <a:t>All implementations work with same the classes WTX120Modbus, </a:t>
             </a:r>
             <a:r>
               <a:rPr lang="en-US" dirty="0" err="1" smtClean="0"/>
